--- a/_SLIDES/DEEL1/H7/6_arrays.pptx
+++ b/_SLIDES/DEEL1/H7/6_arrays.pptx
@@ -5,74 +5,78 @@
     <p:sldMasterId id="2147483648" r:id="rId1"/>
   </p:sldMasterIdLst>
   <p:notesMasterIdLst>
-    <p:notesMasterId r:id="rId34"/>
+    <p:notesMasterId r:id="rId38"/>
   </p:notesMasterIdLst>
   <p:sldIdLst>
     <p:sldId id="937" r:id="rId2"/>
-    <p:sldId id="936" r:id="rId3"/>
-    <p:sldId id="1721" r:id="rId4"/>
-    <p:sldId id="1867" r:id="rId5"/>
-    <p:sldId id="952" r:id="rId6"/>
-    <p:sldId id="939" r:id="rId7"/>
-    <p:sldId id="1958" r:id="rId8"/>
-    <p:sldId id="955" r:id="rId9"/>
-    <p:sldId id="1953" r:id="rId10"/>
-    <p:sldId id="1954" r:id="rId11"/>
-    <p:sldId id="1865" r:id="rId12"/>
-    <p:sldId id="1866" r:id="rId13"/>
-    <p:sldId id="1724" r:id="rId14"/>
-    <p:sldId id="956" r:id="rId15"/>
-    <p:sldId id="1957" r:id="rId16"/>
-    <p:sldId id="951" r:id="rId17"/>
-    <p:sldId id="1742" r:id="rId18"/>
-    <p:sldId id="1959" r:id="rId19"/>
-    <p:sldId id="1212" r:id="rId20"/>
-    <p:sldId id="1868" r:id="rId21"/>
-    <p:sldId id="942" r:id="rId22"/>
-    <p:sldId id="943" r:id="rId23"/>
-    <p:sldId id="944" r:id="rId24"/>
-    <p:sldId id="954" r:id="rId25"/>
-    <p:sldId id="945" r:id="rId26"/>
-    <p:sldId id="946" r:id="rId27"/>
-    <p:sldId id="947" r:id="rId28"/>
-    <p:sldId id="1213" r:id="rId29"/>
-    <p:sldId id="957" r:id="rId30"/>
-    <p:sldId id="1955" r:id="rId31"/>
-    <p:sldId id="1037" r:id="rId32"/>
-    <p:sldId id="1952" r:id="rId33"/>
+    <p:sldId id="1963" r:id="rId3"/>
+    <p:sldId id="936" r:id="rId4"/>
+    <p:sldId id="1721" r:id="rId5"/>
+    <p:sldId id="1867" r:id="rId6"/>
+    <p:sldId id="952" r:id="rId7"/>
+    <p:sldId id="939" r:id="rId8"/>
+    <p:sldId id="1958" r:id="rId9"/>
+    <p:sldId id="955" r:id="rId10"/>
+    <p:sldId id="1953" r:id="rId11"/>
+    <p:sldId id="1954" r:id="rId12"/>
+    <p:sldId id="1865" r:id="rId13"/>
+    <p:sldId id="1866" r:id="rId14"/>
+    <p:sldId id="1724" r:id="rId15"/>
+    <p:sldId id="956" r:id="rId16"/>
+    <p:sldId id="1957" r:id="rId17"/>
+    <p:sldId id="951" r:id="rId18"/>
+    <p:sldId id="1742" r:id="rId19"/>
+    <p:sldId id="1959" r:id="rId20"/>
+    <p:sldId id="1212" r:id="rId21"/>
+    <p:sldId id="1868" r:id="rId22"/>
+    <p:sldId id="942" r:id="rId23"/>
+    <p:sldId id="943" r:id="rId24"/>
+    <p:sldId id="944" r:id="rId25"/>
+    <p:sldId id="954" r:id="rId26"/>
+    <p:sldId id="945" r:id="rId27"/>
+    <p:sldId id="946" r:id="rId28"/>
+    <p:sldId id="947" r:id="rId29"/>
+    <p:sldId id="1213" r:id="rId30"/>
+    <p:sldId id="957" r:id="rId31"/>
+    <p:sldId id="1955" r:id="rId32"/>
+    <p:sldId id="1037" r:id="rId33"/>
+    <p:sldId id="1962" r:id="rId34"/>
+    <p:sldId id="1769" r:id="rId35"/>
+    <p:sldId id="1960" r:id="rId36"/>
+    <p:sldId id="1961" r:id="rId37"/>
   </p:sldIdLst>
   <p:sldSz cx="12192000" cy="6858000"/>
   <p:notesSz cx="6858000" cy="9144000"/>
   <p:embeddedFontLst>
     <p:embeddedFont>
       <p:font typeface="Calibri" panose="020F0502020204030204" pitchFamily="34" charset="0"/>
-      <p:regular r:id="rId35"/>
-      <p:bold r:id="rId36"/>
-      <p:italic r:id="rId37"/>
-      <p:boldItalic r:id="rId38"/>
+      <p:regular r:id="rId39"/>
+      <p:bold r:id="rId40"/>
+      <p:italic r:id="rId41"/>
+      <p:boldItalic r:id="rId42"/>
     </p:embeddedFont>
     <p:embeddedFont>
       <p:font typeface="Calibri Light" panose="020F0302020204030204" pitchFamily="34" charset="0"/>
-      <p:regular r:id="rId39"/>
-      <p:italic r:id="rId40"/>
+      <p:regular r:id="rId43"/>
+      <p:italic r:id="rId44"/>
     </p:embeddedFont>
     <p:embeddedFont>
       <p:font typeface="Consolas" panose="020B0609020204030204" pitchFamily="49" charset="0"/>
-      <p:regular r:id="rId41"/>
-      <p:bold r:id="rId42"/>
-      <p:italic r:id="rId43"/>
-      <p:boldItalic r:id="rId44"/>
+      <p:regular r:id="rId45"/>
+      <p:bold r:id="rId46"/>
+      <p:italic r:id="rId47"/>
+      <p:boldItalic r:id="rId48"/>
     </p:embeddedFont>
     <p:embeddedFont>
       <p:font typeface="Cooper Black" panose="0208090404030B020404" pitchFamily="18" charset="0"/>
-      <p:regular r:id="rId45"/>
+      <p:regular r:id="rId49"/>
     </p:embeddedFont>
     <p:embeddedFont>
       <p:font typeface="Times" panose="02020603050405020304" pitchFamily="18" charset="0"/>
-      <p:regular r:id="rId46"/>
-      <p:bold r:id="rId47"/>
-      <p:italic r:id="rId48"/>
-      <p:boldItalic r:id="rId49"/>
+      <p:regular r:id="rId50"/>
+      <p:bold r:id="rId51"/>
+      <p:italic r:id="rId52"/>
+      <p:boldItalic r:id="rId53"/>
     </p:embeddedFont>
   </p:embeddedFontLst>
   <p:defaultTextStyle>
@@ -1852,6 +1856,925 @@
 </dgm:colorsDef>
 </file>
 
+<file path=ppt/diagrams/colors3.xml><?xml version="1.0" encoding="utf-8"?>
+<dgm:colorsDef xmlns:dgm="http://schemas.openxmlformats.org/drawingml/2006/diagram" xmlns:a="http://schemas.openxmlformats.org/drawingml/2006/main" uniqueId="urn:microsoft.com/office/officeart/2005/8/colors/colorful1">
+  <dgm:title val=""/>
+  <dgm:desc val=""/>
+  <dgm:catLst>
+    <dgm:cat type="colorful" pri="10100"/>
+  </dgm:catLst>
+  <dgm:styleLbl name="node0">
+    <dgm:fillClrLst meth="repeat">
+      <a:schemeClr val="accent1"/>
+    </dgm:fillClrLst>
+    <dgm:linClrLst meth="repeat">
+      <a:schemeClr val="lt1"/>
+    </dgm:linClrLst>
+    <dgm:effectClrLst/>
+    <dgm:txLinClrLst/>
+    <dgm:txFillClrLst/>
+    <dgm:txEffectClrLst/>
+  </dgm:styleLbl>
+  <dgm:styleLbl name="node1">
+    <dgm:fillClrLst meth="repeat">
+      <a:schemeClr val="accent2"/>
+      <a:schemeClr val="accent3"/>
+      <a:schemeClr val="accent4"/>
+      <a:schemeClr val="accent5"/>
+      <a:schemeClr val="accent6"/>
+    </dgm:fillClrLst>
+    <dgm:linClrLst meth="repeat">
+      <a:schemeClr val="lt1"/>
+    </dgm:linClrLst>
+    <dgm:effectClrLst/>
+    <dgm:txLinClrLst/>
+    <dgm:txFillClrLst/>
+    <dgm:txEffectClrLst/>
+  </dgm:styleLbl>
+  <dgm:styleLbl name="alignNode1">
+    <dgm:fillClrLst meth="repeat">
+      <a:schemeClr val="accent2"/>
+      <a:schemeClr val="accent3"/>
+      <a:schemeClr val="accent4"/>
+      <a:schemeClr val="accent5"/>
+      <a:schemeClr val="accent6"/>
+    </dgm:fillClrLst>
+    <dgm:linClrLst meth="repeat">
+      <a:schemeClr val="accent2"/>
+      <a:schemeClr val="accent3"/>
+      <a:schemeClr val="accent4"/>
+      <a:schemeClr val="accent5"/>
+      <a:schemeClr val="accent6"/>
+    </dgm:linClrLst>
+    <dgm:effectClrLst/>
+    <dgm:txLinClrLst/>
+    <dgm:txFillClrLst/>
+    <dgm:txEffectClrLst/>
+  </dgm:styleLbl>
+  <dgm:styleLbl name="lnNode1">
+    <dgm:fillClrLst meth="repeat">
+      <a:schemeClr val="accent2"/>
+      <a:schemeClr val="accent3"/>
+      <a:schemeClr val="accent4"/>
+      <a:schemeClr val="accent5"/>
+      <a:schemeClr val="accent6"/>
+    </dgm:fillClrLst>
+    <dgm:linClrLst meth="repeat">
+      <a:schemeClr val="lt1"/>
+    </dgm:linClrLst>
+    <dgm:effectClrLst/>
+    <dgm:txLinClrLst/>
+    <dgm:txFillClrLst/>
+    <dgm:txEffectClrLst/>
+  </dgm:styleLbl>
+  <dgm:styleLbl name="vennNode1">
+    <dgm:fillClrLst meth="repeat">
+      <a:schemeClr val="accent2">
+        <a:alpha val="50000"/>
+      </a:schemeClr>
+      <a:schemeClr val="accent3">
+        <a:alpha val="50000"/>
+      </a:schemeClr>
+      <a:schemeClr val="accent4">
+        <a:alpha val="50000"/>
+      </a:schemeClr>
+      <a:schemeClr val="accent5">
+        <a:alpha val="50000"/>
+      </a:schemeClr>
+      <a:schemeClr val="accent6">
+        <a:alpha val="50000"/>
+      </a:schemeClr>
+    </dgm:fillClrLst>
+    <dgm:linClrLst meth="repeat">
+      <a:schemeClr val="lt1"/>
+    </dgm:linClrLst>
+    <dgm:effectClrLst/>
+    <dgm:txLinClrLst/>
+    <dgm:txFillClrLst/>
+    <dgm:txEffectClrLst/>
+  </dgm:styleLbl>
+  <dgm:styleLbl name="node2">
+    <dgm:fillClrLst>
+      <a:schemeClr val="accent2"/>
+    </dgm:fillClrLst>
+    <dgm:linClrLst meth="repeat">
+      <a:schemeClr val="lt1"/>
+    </dgm:linClrLst>
+    <dgm:effectClrLst/>
+    <dgm:txLinClrLst/>
+    <dgm:txFillClrLst/>
+    <dgm:txEffectClrLst/>
+  </dgm:styleLbl>
+  <dgm:styleLbl name="node3">
+    <dgm:fillClrLst>
+      <a:schemeClr val="accent3"/>
+    </dgm:fillClrLst>
+    <dgm:linClrLst meth="repeat">
+      <a:schemeClr val="lt1"/>
+    </dgm:linClrLst>
+    <dgm:effectClrLst/>
+    <dgm:txLinClrLst/>
+    <dgm:txFillClrLst/>
+    <dgm:txEffectClrLst/>
+  </dgm:styleLbl>
+  <dgm:styleLbl name="node4">
+    <dgm:fillClrLst>
+      <a:schemeClr val="accent4"/>
+    </dgm:fillClrLst>
+    <dgm:linClrLst meth="repeat">
+      <a:schemeClr val="lt1"/>
+    </dgm:linClrLst>
+    <dgm:effectClrLst/>
+    <dgm:txLinClrLst/>
+    <dgm:txFillClrLst/>
+    <dgm:txEffectClrLst/>
+  </dgm:styleLbl>
+  <dgm:styleLbl name="fgImgPlace1">
+    <dgm:fillClrLst meth="repeat">
+      <a:schemeClr val="accent2">
+        <a:tint val="50000"/>
+      </a:schemeClr>
+      <a:schemeClr val="accent3">
+        <a:tint val="50000"/>
+      </a:schemeClr>
+      <a:schemeClr val="accent4">
+        <a:tint val="50000"/>
+      </a:schemeClr>
+      <a:schemeClr val="accent5">
+        <a:tint val="50000"/>
+      </a:schemeClr>
+      <a:schemeClr val="accent6">
+        <a:tint val="50000"/>
+      </a:schemeClr>
+    </dgm:fillClrLst>
+    <dgm:linClrLst meth="repeat">
+      <a:schemeClr val="lt1"/>
+    </dgm:linClrLst>
+    <dgm:effectClrLst/>
+    <dgm:txLinClrLst/>
+    <dgm:txFillClrLst meth="repeat">
+      <a:schemeClr val="lt1"/>
+    </dgm:txFillClrLst>
+    <dgm:txEffectClrLst/>
+  </dgm:styleLbl>
+  <dgm:styleLbl name="alignImgPlace1">
+    <dgm:fillClrLst>
+      <a:schemeClr val="accent1">
+        <a:tint val="50000"/>
+      </a:schemeClr>
+      <a:schemeClr val="accent2">
+        <a:tint val="20000"/>
+      </a:schemeClr>
+    </dgm:fillClrLst>
+    <dgm:linClrLst meth="repeat">
+      <a:schemeClr val="lt1"/>
+    </dgm:linClrLst>
+    <dgm:effectClrLst/>
+    <dgm:txLinClrLst/>
+    <dgm:txFillClrLst meth="repeat">
+      <a:schemeClr val="lt1"/>
+    </dgm:txFillClrLst>
+    <dgm:txEffectClrLst/>
+  </dgm:styleLbl>
+  <dgm:styleLbl name="bgImgPlace1">
+    <dgm:fillClrLst>
+      <a:schemeClr val="accent1">
+        <a:tint val="50000"/>
+      </a:schemeClr>
+      <a:schemeClr val="accent2">
+        <a:tint val="20000"/>
+      </a:schemeClr>
+    </dgm:fillClrLst>
+    <dgm:linClrLst meth="repeat">
+      <a:schemeClr val="lt1"/>
+    </dgm:linClrLst>
+    <dgm:effectClrLst/>
+    <dgm:txLinClrLst/>
+    <dgm:txFillClrLst meth="repeat">
+      <a:schemeClr val="lt1"/>
+    </dgm:txFillClrLst>
+    <dgm:txEffectClrLst/>
+  </dgm:styleLbl>
+  <dgm:styleLbl name="sibTrans2D1">
+    <dgm:fillClrLst meth="repeat">
+      <a:schemeClr val="accent2"/>
+      <a:schemeClr val="accent3"/>
+      <a:schemeClr val="accent4"/>
+      <a:schemeClr val="accent5"/>
+      <a:schemeClr val="accent6"/>
+    </dgm:fillClrLst>
+    <dgm:linClrLst meth="cycle">
+      <a:schemeClr val="lt1"/>
+    </dgm:linClrLst>
+    <dgm:effectClrLst/>
+    <dgm:txLinClrLst/>
+    <dgm:txFillClrLst/>
+    <dgm:txEffectClrLst/>
+  </dgm:styleLbl>
+  <dgm:styleLbl name="fgSibTrans2D1">
+    <dgm:fillClrLst meth="repeat">
+      <a:schemeClr val="accent2"/>
+      <a:schemeClr val="accent3"/>
+      <a:schemeClr val="accent4"/>
+      <a:schemeClr val="accent5"/>
+      <a:schemeClr val="accent6"/>
+    </dgm:fillClrLst>
+    <dgm:linClrLst meth="cycle">
+      <a:schemeClr val="lt1"/>
+    </dgm:linClrLst>
+    <dgm:effectClrLst/>
+    <dgm:txLinClrLst/>
+    <dgm:txFillClrLst meth="repeat">
+      <a:schemeClr val="lt1"/>
+    </dgm:txFillClrLst>
+    <dgm:txEffectClrLst/>
+  </dgm:styleLbl>
+  <dgm:styleLbl name="bgSibTrans2D1">
+    <dgm:fillClrLst meth="repeat">
+      <a:schemeClr val="accent2"/>
+      <a:schemeClr val="accent3"/>
+      <a:schemeClr val="accent4"/>
+      <a:schemeClr val="accent5"/>
+      <a:schemeClr val="accent6"/>
+    </dgm:fillClrLst>
+    <dgm:linClrLst meth="cycle">
+      <a:schemeClr val="lt1"/>
+    </dgm:linClrLst>
+    <dgm:effectClrLst/>
+    <dgm:txLinClrLst/>
+    <dgm:txFillClrLst meth="repeat">
+      <a:schemeClr val="lt1"/>
+    </dgm:txFillClrLst>
+    <dgm:txEffectClrLst/>
+  </dgm:styleLbl>
+  <dgm:styleLbl name="sibTrans1D1">
+    <dgm:fillClrLst meth="repeat">
+      <a:schemeClr val="accent2"/>
+      <a:schemeClr val="accent3"/>
+      <a:schemeClr val="accent4"/>
+      <a:schemeClr val="accent5"/>
+      <a:schemeClr val="accent6"/>
+    </dgm:fillClrLst>
+    <dgm:linClrLst meth="repeat">
+      <a:schemeClr val="accent2"/>
+      <a:schemeClr val="accent3"/>
+      <a:schemeClr val="accent4"/>
+      <a:schemeClr val="accent5"/>
+      <a:schemeClr val="accent6"/>
+    </dgm:linClrLst>
+    <dgm:effectClrLst/>
+    <dgm:txLinClrLst/>
+    <dgm:txFillClrLst meth="repeat">
+      <a:schemeClr val="tx1"/>
+    </dgm:txFillClrLst>
+    <dgm:txEffectClrLst/>
+  </dgm:styleLbl>
+  <dgm:styleLbl name="callout">
+    <dgm:fillClrLst meth="repeat">
+      <a:schemeClr val="accent2"/>
+    </dgm:fillClrLst>
+    <dgm:linClrLst meth="repeat">
+      <a:schemeClr val="accent2">
+        <a:tint val="50000"/>
+      </a:schemeClr>
+    </dgm:linClrLst>
+    <dgm:effectClrLst/>
+    <dgm:txLinClrLst/>
+    <dgm:txFillClrLst meth="repeat">
+      <a:schemeClr val="tx1"/>
+    </dgm:txFillClrLst>
+    <dgm:txEffectClrLst/>
+  </dgm:styleLbl>
+  <dgm:styleLbl name="asst0">
+    <dgm:fillClrLst meth="repeat">
+      <a:schemeClr val="accent1"/>
+    </dgm:fillClrLst>
+    <dgm:linClrLst meth="repeat">
+      <a:schemeClr val="lt1"/>
+    </dgm:linClrLst>
+    <dgm:effectClrLst/>
+    <dgm:txLinClrLst/>
+    <dgm:txFillClrLst/>
+    <dgm:txEffectClrLst/>
+  </dgm:styleLbl>
+  <dgm:styleLbl name="asst1">
+    <dgm:fillClrLst meth="repeat">
+      <a:schemeClr val="accent2"/>
+    </dgm:fillClrLst>
+    <dgm:linClrLst meth="repeat">
+      <a:schemeClr val="lt1"/>
+    </dgm:linClrLst>
+    <dgm:effectClrLst/>
+    <dgm:txLinClrLst/>
+    <dgm:txFillClrLst/>
+    <dgm:txEffectClrLst/>
+  </dgm:styleLbl>
+  <dgm:styleLbl name="asst2">
+    <dgm:fillClrLst>
+      <a:schemeClr val="accent3"/>
+    </dgm:fillClrLst>
+    <dgm:linClrLst meth="repeat">
+      <a:schemeClr val="lt1"/>
+    </dgm:linClrLst>
+    <dgm:effectClrLst/>
+    <dgm:txLinClrLst/>
+    <dgm:txFillClrLst/>
+    <dgm:txEffectClrLst/>
+  </dgm:styleLbl>
+  <dgm:styleLbl name="asst3">
+    <dgm:fillClrLst>
+      <a:schemeClr val="accent4"/>
+    </dgm:fillClrLst>
+    <dgm:linClrLst meth="repeat">
+      <a:schemeClr val="lt1"/>
+    </dgm:linClrLst>
+    <dgm:effectClrLst/>
+    <dgm:txLinClrLst/>
+    <dgm:txFillClrLst/>
+    <dgm:txEffectClrLst/>
+  </dgm:styleLbl>
+  <dgm:styleLbl name="asst4">
+    <dgm:fillClrLst>
+      <a:schemeClr val="accent5"/>
+    </dgm:fillClrLst>
+    <dgm:linClrLst meth="repeat">
+      <a:schemeClr val="lt1"/>
+    </dgm:linClrLst>
+    <dgm:effectClrLst/>
+    <dgm:txLinClrLst/>
+    <dgm:txFillClrLst/>
+    <dgm:txEffectClrLst/>
+  </dgm:styleLbl>
+  <dgm:styleLbl name="parChTrans2D1">
+    <dgm:fillClrLst meth="repeat">
+      <a:schemeClr val="accent2"/>
+    </dgm:fillClrLst>
+    <dgm:linClrLst meth="repeat">
+      <a:schemeClr val="lt1"/>
+    </dgm:linClrLst>
+    <dgm:effectClrLst/>
+    <dgm:txLinClrLst/>
+    <dgm:txFillClrLst meth="repeat">
+      <a:schemeClr val="lt1"/>
+    </dgm:txFillClrLst>
+    <dgm:txEffectClrLst/>
+  </dgm:styleLbl>
+  <dgm:styleLbl name="parChTrans2D2">
+    <dgm:fillClrLst meth="repeat">
+      <a:schemeClr val="accent3"/>
+    </dgm:fillClrLst>
+    <dgm:linClrLst meth="repeat">
+      <a:schemeClr val="lt1"/>
+    </dgm:linClrLst>
+    <dgm:effectClrLst/>
+    <dgm:txLinClrLst/>
+    <dgm:txFillClrLst/>
+    <dgm:txEffectClrLst/>
+  </dgm:styleLbl>
+  <dgm:styleLbl name="parChTrans2D3">
+    <dgm:fillClrLst meth="repeat">
+      <a:schemeClr val="accent4"/>
+    </dgm:fillClrLst>
+    <dgm:linClrLst meth="repeat">
+      <a:schemeClr val="lt1"/>
+    </dgm:linClrLst>
+    <dgm:effectClrLst/>
+    <dgm:txLinClrLst/>
+    <dgm:txFillClrLst/>
+    <dgm:txEffectClrLst/>
+  </dgm:styleLbl>
+  <dgm:styleLbl name="parChTrans2D4">
+    <dgm:fillClrLst meth="repeat">
+      <a:schemeClr val="accent5"/>
+    </dgm:fillClrLst>
+    <dgm:linClrLst meth="repeat">
+      <a:schemeClr val="lt1"/>
+    </dgm:linClrLst>
+    <dgm:effectClrLst/>
+    <dgm:txLinClrLst/>
+    <dgm:txFillClrLst meth="repeat">
+      <a:schemeClr val="lt1"/>
+    </dgm:txFillClrLst>
+    <dgm:txEffectClrLst/>
+  </dgm:styleLbl>
+  <dgm:styleLbl name="parChTrans1D1">
+    <dgm:fillClrLst meth="repeat">
+      <a:schemeClr val="accent2"/>
+    </dgm:fillClrLst>
+    <dgm:linClrLst meth="repeat">
+      <a:schemeClr val="accent1"/>
+    </dgm:linClrLst>
+    <dgm:effectClrLst/>
+    <dgm:txLinClrLst/>
+    <dgm:txFillClrLst meth="repeat">
+      <a:schemeClr val="tx1"/>
+    </dgm:txFillClrLst>
+    <dgm:txEffectClrLst/>
+  </dgm:styleLbl>
+  <dgm:styleLbl name="parChTrans1D2">
+    <dgm:fillClrLst meth="repeat">
+      <a:schemeClr val="accent3">
+        <a:tint val="90000"/>
+      </a:schemeClr>
+    </dgm:fillClrLst>
+    <dgm:linClrLst meth="repeat">
+      <a:schemeClr val="accent2"/>
+    </dgm:linClrLst>
+    <dgm:effectClrLst/>
+    <dgm:txLinClrLst/>
+    <dgm:txFillClrLst meth="repeat">
+      <a:schemeClr val="tx1"/>
+    </dgm:txFillClrLst>
+    <dgm:txEffectClrLst/>
+  </dgm:styleLbl>
+  <dgm:styleLbl name="parChTrans1D3">
+    <dgm:fillClrLst meth="repeat">
+      <a:schemeClr val="accent4">
+        <a:tint val="70000"/>
+      </a:schemeClr>
+    </dgm:fillClrLst>
+    <dgm:linClrLst meth="repeat">
+      <a:schemeClr val="accent3"/>
+    </dgm:linClrLst>
+    <dgm:effectClrLst/>
+    <dgm:txLinClrLst/>
+    <dgm:txFillClrLst meth="repeat">
+      <a:schemeClr val="tx1"/>
+    </dgm:txFillClrLst>
+    <dgm:txEffectClrLst/>
+  </dgm:styleLbl>
+  <dgm:styleLbl name="parChTrans1D4">
+    <dgm:fillClrLst meth="repeat">
+      <a:schemeClr val="accent5">
+        <a:tint val="50000"/>
+      </a:schemeClr>
+    </dgm:fillClrLst>
+    <dgm:linClrLst meth="repeat">
+      <a:schemeClr val="accent4"/>
+    </dgm:linClrLst>
+    <dgm:effectClrLst/>
+    <dgm:txLinClrLst/>
+    <dgm:txFillClrLst meth="repeat">
+      <a:schemeClr val="tx1"/>
+    </dgm:txFillClrLst>
+    <dgm:txEffectClrLst/>
+  </dgm:styleLbl>
+  <dgm:styleLbl name="fgAcc1">
+    <dgm:fillClrLst meth="repeat">
+      <a:schemeClr val="lt1">
+        <a:alpha val="90000"/>
+      </a:schemeClr>
+    </dgm:fillClrLst>
+    <dgm:linClrLst meth="repeat">
+      <a:schemeClr val="accent2"/>
+      <a:schemeClr val="accent3"/>
+      <a:schemeClr val="accent4"/>
+      <a:schemeClr val="accent5"/>
+      <a:schemeClr val="accent6"/>
+    </dgm:linClrLst>
+    <dgm:effectClrLst/>
+    <dgm:txLinClrLst/>
+    <dgm:txFillClrLst meth="repeat">
+      <a:schemeClr val="dk1"/>
+    </dgm:txFillClrLst>
+    <dgm:txEffectClrLst/>
+  </dgm:styleLbl>
+  <dgm:styleLbl name="conFgAcc1">
+    <dgm:fillClrLst meth="repeat">
+      <a:schemeClr val="lt1">
+        <a:alpha val="90000"/>
+      </a:schemeClr>
+    </dgm:fillClrLst>
+    <dgm:linClrLst meth="repeat">
+      <a:schemeClr val="accent2"/>
+      <a:schemeClr val="accent3"/>
+      <a:schemeClr val="accent4"/>
+      <a:schemeClr val="accent5"/>
+      <a:schemeClr val="accent6"/>
+    </dgm:linClrLst>
+    <dgm:effectClrLst/>
+    <dgm:txLinClrLst/>
+    <dgm:txFillClrLst meth="repeat">
+      <a:schemeClr val="dk1"/>
+    </dgm:txFillClrLst>
+    <dgm:txEffectClrLst/>
+  </dgm:styleLbl>
+  <dgm:styleLbl name="alignAcc1">
+    <dgm:fillClrLst meth="repeat">
+      <a:schemeClr val="lt1">
+        <a:alpha val="90000"/>
+      </a:schemeClr>
+    </dgm:fillClrLst>
+    <dgm:linClrLst meth="repeat">
+      <a:schemeClr val="accent2"/>
+      <a:schemeClr val="accent3"/>
+      <a:schemeClr val="accent4"/>
+      <a:schemeClr val="accent5"/>
+      <a:schemeClr val="accent6"/>
+    </dgm:linClrLst>
+    <dgm:effectClrLst/>
+    <dgm:txLinClrLst/>
+    <dgm:txFillClrLst meth="repeat">
+      <a:schemeClr val="dk1"/>
+    </dgm:txFillClrLst>
+    <dgm:txEffectClrLst/>
+  </dgm:styleLbl>
+  <dgm:styleLbl name="trAlignAcc1">
+    <dgm:fillClrLst meth="repeat">
+      <a:schemeClr val="lt1">
+        <a:alpha val="40000"/>
+      </a:schemeClr>
+    </dgm:fillClrLst>
+    <dgm:linClrLst meth="repeat">
+      <a:schemeClr val="accent1"/>
+    </dgm:linClrLst>
+    <dgm:effectClrLst/>
+    <dgm:txLinClrLst/>
+    <dgm:txFillClrLst meth="repeat">
+      <a:schemeClr val="dk1"/>
+    </dgm:txFillClrLst>
+    <dgm:txEffectClrLst/>
+  </dgm:styleLbl>
+  <dgm:styleLbl name="bgAcc1">
+    <dgm:fillClrLst meth="repeat">
+      <a:schemeClr val="lt1">
+        <a:alpha val="90000"/>
+      </a:schemeClr>
+    </dgm:fillClrLst>
+    <dgm:linClrLst meth="repeat">
+      <a:schemeClr val="accent2"/>
+      <a:schemeClr val="accent3"/>
+      <a:schemeClr val="accent4"/>
+      <a:schemeClr val="accent5"/>
+      <a:schemeClr val="accent6"/>
+    </dgm:linClrLst>
+    <dgm:effectClrLst/>
+    <dgm:txLinClrLst/>
+    <dgm:txFillClrLst meth="repeat">
+      <a:schemeClr val="dk1"/>
+    </dgm:txFillClrLst>
+    <dgm:txEffectClrLst/>
+  </dgm:styleLbl>
+  <dgm:styleLbl name="solidFgAcc1">
+    <dgm:fillClrLst meth="repeat">
+      <a:schemeClr val="lt1"/>
+    </dgm:fillClrLst>
+    <dgm:linClrLst meth="repeat">
+      <a:schemeClr val="accent2"/>
+      <a:schemeClr val="accent3"/>
+      <a:schemeClr val="accent4"/>
+      <a:schemeClr val="accent5"/>
+      <a:schemeClr val="accent6"/>
+    </dgm:linClrLst>
+    <dgm:effectClrLst/>
+    <dgm:txLinClrLst/>
+    <dgm:txFillClrLst meth="repeat">
+      <a:schemeClr val="dk1"/>
+    </dgm:txFillClrLst>
+    <dgm:txEffectClrLst/>
+  </dgm:styleLbl>
+  <dgm:styleLbl name="solidAlignAcc1">
+    <dgm:fillClrLst meth="repeat">
+      <a:schemeClr val="lt1"/>
+    </dgm:fillClrLst>
+    <dgm:linClrLst meth="repeat">
+      <a:schemeClr val="accent2"/>
+      <a:schemeClr val="accent3"/>
+      <a:schemeClr val="accent4"/>
+      <a:schemeClr val="accent5"/>
+      <a:schemeClr val="accent6"/>
+    </dgm:linClrLst>
+    <dgm:effectClrLst/>
+    <dgm:txLinClrLst/>
+    <dgm:txFillClrLst meth="repeat">
+      <a:schemeClr val="dk1"/>
+    </dgm:txFillClrLst>
+    <dgm:txEffectClrLst/>
+  </dgm:styleLbl>
+  <dgm:styleLbl name="solidBgAcc1">
+    <dgm:fillClrLst meth="repeat">
+      <a:schemeClr val="lt1"/>
+    </dgm:fillClrLst>
+    <dgm:linClrLst meth="repeat">
+      <a:schemeClr val="accent2"/>
+      <a:schemeClr val="accent3"/>
+      <a:schemeClr val="accent4"/>
+      <a:schemeClr val="accent5"/>
+      <a:schemeClr val="accent6"/>
+    </dgm:linClrLst>
+    <dgm:effectClrLst/>
+    <dgm:txLinClrLst/>
+    <dgm:txFillClrLst meth="repeat">
+      <a:schemeClr val="dk1"/>
+    </dgm:txFillClrLst>
+    <dgm:txEffectClrLst/>
+  </dgm:styleLbl>
+  <dgm:styleLbl name="fgAccFollowNode1">
+    <dgm:fillClrLst meth="repeat">
+      <a:schemeClr val="accent2">
+        <a:tint val="40000"/>
+        <a:alpha val="90000"/>
+      </a:schemeClr>
+      <a:schemeClr val="accent3">
+        <a:tint val="40000"/>
+        <a:alpha val="90000"/>
+      </a:schemeClr>
+      <a:schemeClr val="accent4">
+        <a:tint val="40000"/>
+        <a:alpha val="90000"/>
+      </a:schemeClr>
+      <a:schemeClr val="accent5">
+        <a:tint val="40000"/>
+        <a:alpha val="90000"/>
+      </a:schemeClr>
+      <a:schemeClr val="accent6">
+        <a:tint val="40000"/>
+        <a:alpha val="90000"/>
+      </a:schemeClr>
+    </dgm:fillClrLst>
+    <dgm:linClrLst meth="repeat">
+      <a:schemeClr val="accent2">
+        <a:tint val="40000"/>
+        <a:alpha val="90000"/>
+      </a:schemeClr>
+      <a:schemeClr val="accent3">
+        <a:tint val="40000"/>
+        <a:alpha val="90000"/>
+      </a:schemeClr>
+      <a:schemeClr val="accent4">
+        <a:tint val="40000"/>
+        <a:alpha val="90000"/>
+      </a:schemeClr>
+      <a:schemeClr val="accent5">
+        <a:tint val="40000"/>
+        <a:alpha val="90000"/>
+      </a:schemeClr>
+      <a:schemeClr val="accent6">
+        <a:tint val="40000"/>
+        <a:alpha val="90000"/>
+      </a:schemeClr>
+    </dgm:linClrLst>
+    <dgm:effectClrLst/>
+    <dgm:txLinClrLst/>
+    <dgm:txFillClrLst meth="repeat">
+      <a:schemeClr val="dk1"/>
+    </dgm:txFillClrLst>
+    <dgm:txEffectClrLst/>
+  </dgm:styleLbl>
+  <dgm:styleLbl name="alignAccFollowNode1">
+    <dgm:fillClrLst meth="repeat">
+      <a:schemeClr val="accent2">
+        <a:tint val="40000"/>
+        <a:alpha val="90000"/>
+      </a:schemeClr>
+      <a:schemeClr val="accent3">
+        <a:tint val="40000"/>
+        <a:alpha val="90000"/>
+      </a:schemeClr>
+      <a:schemeClr val="accent4">
+        <a:tint val="40000"/>
+        <a:alpha val="90000"/>
+      </a:schemeClr>
+      <a:schemeClr val="accent5">
+        <a:tint val="40000"/>
+        <a:alpha val="90000"/>
+      </a:schemeClr>
+      <a:schemeClr val="accent6">
+        <a:tint val="40000"/>
+        <a:alpha val="90000"/>
+      </a:schemeClr>
+    </dgm:fillClrLst>
+    <dgm:linClrLst meth="repeat">
+      <a:schemeClr val="accent2">
+        <a:tint val="40000"/>
+        <a:alpha val="90000"/>
+      </a:schemeClr>
+      <a:schemeClr val="accent3">
+        <a:tint val="40000"/>
+        <a:alpha val="90000"/>
+      </a:schemeClr>
+      <a:schemeClr val="accent4">
+        <a:tint val="40000"/>
+        <a:alpha val="90000"/>
+      </a:schemeClr>
+      <a:schemeClr val="accent5">
+        <a:tint val="40000"/>
+        <a:alpha val="90000"/>
+      </a:schemeClr>
+      <a:schemeClr val="accent6">
+        <a:tint val="40000"/>
+        <a:alpha val="90000"/>
+      </a:schemeClr>
+    </dgm:linClrLst>
+    <dgm:effectClrLst/>
+    <dgm:txLinClrLst/>
+    <dgm:txFillClrLst meth="repeat">
+      <a:schemeClr val="dk1"/>
+    </dgm:txFillClrLst>
+    <dgm:txEffectClrLst/>
+  </dgm:styleLbl>
+  <dgm:styleLbl name="bgAccFollowNode1">
+    <dgm:fillClrLst meth="repeat">
+      <a:schemeClr val="accent2">
+        <a:tint val="40000"/>
+        <a:alpha val="90000"/>
+      </a:schemeClr>
+      <a:schemeClr val="accent3">
+        <a:tint val="40000"/>
+        <a:alpha val="90000"/>
+      </a:schemeClr>
+      <a:schemeClr val="accent4">
+        <a:tint val="40000"/>
+        <a:alpha val="90000"/>
+      </a:schemeClr>
+      <a:schemeClr val="accent5">
+        <a:tint val="40000"/>
+        <a:alpha val="90000"/>
+      </a:schemeClr>
+      <a:schemeClr val="accent6">
+        <a:tint val="40000"/>
+        <a:alpha val="90000"/>
+      </a:schemeClr>
+    </dgm:fillClrLst>
+    <dgm:linClrLst meth="repeat">
+      <a:schemeClr val="accent2">
+        <a:tint val="40000"/>
+        <a:alpha val="90000"/>
+      </a:schemeClr>
+      <a:schemeClr val="accent3">
+        <a:tint val="40000"/>
+        <a:alpha val="90000"/>
+      </a:schemeClr>
+      <a:schemeClr val="accent4">
+        <a:tint val="40000"/>
+        <a:alpha val="90000"/>
+      </a:schemeClr>
+      <a:schemeClr val="accent5">
+        <a:tint val="40000"/>
+        <a:alpha val="90000"/>
+      </a:schemeClr>
+      <a:schemeClr val="accent6">
+        <a:tint val="40000"/>
+        <a:alpha val="90000"/>
+      </a:schemeClr>
+    </dgm:linClrLst>
+    <dgm:effectClrLst/>
+    <dgm:txLinClrLst/>
+    <dgm:txFillClrLst meth="repeat">
+      <a:schemeClr val="dk1"/>
+    </dgm:txFillClrLst>
+    <dgm:txEffectClrLst/>
+  </dgm:styleLbl>
+  <dgm:styleLbl name="fgAcc0">
+    <dgm:fillClrLst meth="repeat">
+      <a:schemeClr val="lt1">
+        <a:alpha val="90000"/>
+      </a:schemeClr>
+    </dgm:fillClrLst>
+    <dgm:linClrLst>
+      <a:schemeClr val="accent1"/>
+    </dgm:linClrLst>
+    <dgm:effectClrLst/>
+    <dgm:txLinClrLst/>
+    <dgm:txFillClrLst meth="repeat">
+      <a:schemeClr val="dk1"/>
+    </dgm:txFillClrLst>
+    <dgm:txEffectClrLst/>
+  </dgm:styleLbl>
+  <dgm:styleLbl name="fgAcc2">
+    <dgm:fillClrLst meth="repeat">
+      <a:schemeClr val="lt1">
+        <a:alpha val="90000"/>
+      </a:schemeClr>
+    </dgm:fillClrLst>
+    <dgm:linClrLst>
+      <a:schemeClr val="accent2"/>
+    </dgm:linClrLst>
+    <dgm:effectClrLst/>
+    <dgm:txLinClrLst/>
+    <dgm:txFillClrLst meth="repeat">
+      <a:schemeClr val="dk1"/>
+    </dgm:txFillClrLst>
+    <dgm:txEffectClrLst/>
+  </dgm:styleLbl>
+  <dgm:styleLbl name="fgAcc3">
+    <dgm:fillClrLst meth="repeat">
+      <a:schemeClr val="lt1">
+        <a:alpha val="90000"/>
+      </a:schemeClr>
+    </dgm:fillClrLst>
+    <dgm:linClrLst>
+      <a:schemeClr val="accent3"/>
+    </dgm:linClrLst>
+    <dgm:effectClrLst/>
+    <dgm:txLinClrLst/>
+    <dgm:txFillClrLst meth="repeat">
+      <a:schemeClr val="dk1"/>
+    </dgm:txFillClrLst>
+    <dgm:txEffectClrLst/>
+  </dgm:styleLbl>
+  <dgm:styleLbl name="fgAcc4">
+    <dgm:fillClrLst meth="repeat">
+      <a:schemeClr val="lt1">
+        <a:alpha val="90000"/>
+      </a:schemeClr>
+    </dgm:fillClrLst>
+    <dgm:linClrLst>
+      <a:schemeClr val="accent4"/>
+    </dgm:linClrLst>
+    <dgm:effectClrLst/>
+    <dgm:txLinClrLst/>
+    <dgm:txFillClrLst meth="repeat">
+      <a:schemeClr val="dk1"/>
+    </dgm:txFillClrLst>
+    <dgm:txEffectClrLst/>
+  </dgm:styleLbl>
+  <dgm:styleLbl name="bgShp">
+    <dgm:fillClrLst meth="repeat">
+      <a:schemeClr val="accent2">
+        <a:tint val="40000"/>
+      </a:schemeClr>
+    </dgm:fillClrLst>
+    <dgm:linClrLst meth="repeat">
+      <a:schemeClr val="dk1"/>
+    </dgm:linClrLst>
+    <dgm:effectClrLst/>
+    <dgm:txLinClrLst/>
+    <dgm:txFillClrLst meth="repeat">
+      <a:schemeClr val="dk1"/>
+    </dgm:txFillClrLst>
+    <dgm:txEffectClrLst/>
+  </dgm:styleLbl>
+  <dgm:styleLbl name="dkBgShp">
+    <dgm:fillClrLst meth="repeat">
+      <a:schemeClr val="accent2">
+        <a:shade val="90000"/>
+      </a:schemeClr>
+    </dgm:fillClrLst>
+    <dgm:linClrLst meth="repeat">
+      <a:schemeClr val="dk1"/>
+    </dgm:linClrLst>
+    <dgm:effectClrLst/>
+    <dgm:txLinClrLst/>
+    <dgm:txFillClrLst meth="repeat">
+      <a:schemeClr val="lt1"/>
+    </dgm:txFillClrLst>
+    <dgm:txEffectClrLst/>
+  </dgm:styleLbl>
+  <dgm:styleLbl name="trBgShp">
+    <dgm:fillClrLst meth="repeat">
+      <a:schemeClr val="accent1">
+        <a:tint val="50000"/>
+        <a:alpha val="40000"/>
+      </a:schemeClr>
+    </dgm:fillClrLst>
+    <dgm:linClrLst meth="repeat">
+      <a:schemeClr val="accent2"/>
+    </dgm:linClrLst>
+    <dgm:effectClrLst/>
+    <dgm:txLinClrLst/>
+    <dgm:txFillClrLst meth="repeat">
+      <a:schemeClr val="lt1"/>
+    </dgm:txFillClrLst>
+    <dgm:txEffectClrLst/>
+  </dgm:styleLbl>
+  <dgm:styleLbl name="fgShp">
+    <dgm:fillClrLst meth="repeat">
+      <a:schemeClr val="accent2">
+        <a:tint val="40000"/>
+      </a:schemeClr>
+    </dgm:fillClrLst>
+    <dgm:linClrLst meth="repeat">
+      <a:schemeClr val="lt1"/>
+    </dgm:linClrLst>
+    <dgm:effectClrLst/>
+    <dgm:txLinClrLst/>
+    <dgm:txFillClrLst meth="repeat">
+      <a:schemeClr val="dk1"/>
+    </dgm:txFillClrLst>
+    <dgm:txEffectClrLst/>
+  </dgm:styleLbl>
+  <dgm:styleLbl name="revTx">
+    <dgm:fillClrLst meth="repeat">
+      <a:schemeClr val="lt1">
+        <a:alpha val="0"/>
+      </a:schemeClr>
+    </dgm:fillClrLst>
+    <dgm:linClrLst meth="repeat">
+      <a:schemeClr val="dk1">
+        <a:alpha val="0"/>
+      </a:schemeClr>
+    </dgm:linClrLst>
+    <dgm:effectClrLst/>
+    <dgm:txLinClrLst/>
+    <dgm:txFillClrLst meth="repeat">
+      <a:schemeClr val="tx1"/>
+    </dgm:txFillClrLst>
+    <dgm:txEffectClrLst/>
+  </dgm:styleLbl>
+</dgm:colorsDef>
+</file>
+
 <file path=ppt/diagrams/data1.xml><?xml version="1.0" encoding="utf-8"?>
 <dgm:dataModel xmlns:dgm="http://schemas.openxmlformats.org/drawingml/2006/diagram" xmlns:a="http://schemas.openxmlformats.org/drawingml/2006/main">
   <dgm:ptLst>
@@ -1978,9 +2901,6 @@
               <a:ext uri="{28A0092B-C50C-407E-A947-70E740481C1C}">
                 <a14:useLocalDpi xmlns:a14="http://schemas.microsoft.com/office/drawing/2010/main" val="0"/>
               </a:ext>
-              <a:ext uri="{96DAC541-7B7A-43D3-8B79-37D633B846F1}">
-                <asvg:svgBlip xmlns:asvg="http://schemas.microsoft.com/office/drawing/2016/SVG/main" r:embed="rId2"/>
-              </a:ext>
             </a:extLst>
           </a:blip>
           <a:srcRect/>
@@ -2023,13 +2943,7 @@
       <dgm:prSet presAssocID="{5E792953-6D03-4B51-8FF4-DCAE51F73142}" presName="iconRect" presStyleLbl="node1" presStyleIdx="1" presStyleCnt="2"/>
       <dgm:spPr>
         <a:blipFill>
-          <a:blip xmlns:r="http://schemas.openxmlformats.org/officeDocument/2006/relationships" r:embed="rId3">
-            <a:extLst>
-              <a:ext uri="{96DAC541-7B7A-43D3-8B79-37D633B846F1}">
-                <asvg:svgBlip xmlns:asvg="http://schemas.microsoft.com/office/drawing/2016/SVG/main" r:embed="rId4"/>
-              </a:ext>
-            </a:extLst>
-          </a:blip>
+          <a:blip xmlns:r="http://schemas.openxmlformats.org/officeDocument/2006/relationships" r:embed="rId2"/>
           <a:srcRect/>
           <a:stretch>
             <a:fillRect/>
@@ -2277,9 +3191,6 @@
               <a:ext uri="{28A0092B-C50C-407E-A947-70E740481C1C}">
                 <a14:useLocalDpi xmlns:a14="http://schemas.microsoft.com/office/drawing/2010/main" val="0"/>
               </a:ext>
-              <a:ext uri="{96DAC541-7B7A-43D3-8B79-37D633B846F1}">
-                <asvg:svgBlip xmlns:asvg="http://schemas.microsoft.com/office/drawing/2016/SVG/main" r:embed="rId2"/>
-              </a:ext>
             </a:extLst>
           </a:blip>
           <a:stretch>
@@ -2331,13 +3242,10 @@
       <dgm:prSet presAssocID="{485C9957-8460-4730-A7CA-067BCEECA07B}" presName="iconRect" presStyleLbl="node1" presStyleIdx="1" presStyleCnt="2"/>
       <dgm:spPr>
         <a:blipFill>
-          <a:blip xmlns:r="http://schemas.openxmlformats.org/officeDocument/2006/relationships" r:embed="rId3">
+          <a:blip xmlns:r="http://schemas.openxmlformats.org/officeDocument/2006/relationships" r:embed="rId2">
             <a:extLst>
               <a:ext uri="{28A0092B-C50C-407E-A947-70E740481C1C}">
                 <a14:useLocalDpi xmlns:a14="http://schemas.microsoft.com/office/drawing/2010/main" val="0"/>
-              </a:ext>
-              <a:ext uri="{96DAC541-7B7A-43D3-8B79-37D633B846F1}">
-                <asvg:svgBlip xmlns:asvg="http://schemas.microsoft.com/office/drawing/2016/SVG/main" r:embed="rId4"/>
               </a:ext>
             </a:extLst>
           </a:blip>
@@ -2409,6 +3317,338 @@
 </dgm:dataModel>
 </file>
 
+<file path=ppt/diagrams/data3.xml><?xml version="1.0" encoding="utf-8"?>
+<dgm:dataModel xmlns:dgm="http://schemas.openxmlformats.org/drawingml/2006/diagram" xmlns:a="http://schemas.openxmlformats.org/drawingml/2006/main">
+  <dgm:ptLst>
+    <dgm:pt modelId="{06ABA83A-8212-470C-BE8A-8CF75BD738A0}" type="doc">
+      <dgm:prSet loTypeId="urn:microsoft.com/office/officeart/2005/8/layout/hierarchy1" loCatId="hierarchy" qsTypeId="urn:microsoft.com/office/officeart/2005/8/quickstyle/simple4" qsCatId="simple" csTypeId="urn:microsoft.com/office/officeart/2005/8/colors/colorful1" csCatId="colorful"/>
+      <dgm:spPr/>
+      <dgm:t>
+        <a:bodyPr/>
+        <a:lstStyle/>
+        <a:p>
+          <a:endParaRPr lang="en-US"/>
+        </a:p>
+      </dgm:t>
+    </dgm:pt>
+    <dgm:pt modelId="{74B4789F-493F-4648-B2BB-0301B14690F9}">
+      <dgm:prSet/>
+      <dgm:spPr/>
+      <dgm:t>
+        <a:bodyPr/>
+        <a:lstStyle/>
+        <a:p>
+          <a:r>
+            <a:rPr lang="nl-BE"/>
+            <a:t>String =  array of chars</a:t>
+          </a:r>
+          <a:endParaRPr lang="en-US"/>
+        </a:p>
+      </dgm:t>
+    </dgm:pt>
+    <dgm:pt modelId="{069C4F9C-FC6B-429F-AF41-25D21EB8E70B}" type="parTrans" cxnId="{049C6BE3-9342-4057-B231-7B0A8667742A}">
+      <dgm:prSet/>
+      <dgm:spPr/>
+      <dgm:t>
+        <a:bodyPr/>
+        <a:lstStyle/>
+        <a:p>
+          <a:endParaRPr lang="en-US"/>
+        </a:p>
+      </dgm:t>
+    </dgm:pt>
+    <dgm:pt modelId="{933E4A91-80BF-4ADE-B8D1-5FCCF99D7E0D}" type="sibTrans" cxnId="{049C6BE3-9342-4057-B231-7B0A8667742A}">
+      <dgm:prSet/>
+      <dgm:spPr/>
+      <dgm:t>
+        <a:bodyPr/>
+        <a:lstStyle/>
+        <a:p>
+          <a:endParaRPr lang="en-US"/>
+        </a:p>
+      </dgm:t>
+    </dgm:pt>
+    <dgm:pt modelId="{1B319F9C-60ED-4273-BEC5-DF6F56F305F0}">
+      <dgm:prSet/>
+      <dgm:spPr/>
+      <dgm:t>
+        <a:bodyPr/>
+        <a:lstStyle/>
+        <a:p>
+          <a:r>
+            <a:rPr lang="nl-BE"/>
+            <a:t>We can convert in both ways:</a:t>
+          </a:r>
+          <a:endParaRPr lang="en-US"/>
+        </a:p>
+      </dgm:t>
+    </dgm:pt>
+    <dgm:pt modelId="{36DA48F4-3C6D-4957-9B29-549FAD46D649}" type="parTrans" cxnId="{F5008D64-FE44-4FF5-BE17-9B455B013472}">
+      <dgm:prSet/>
+      <dgm:spPr/>
+      <dgm:t>
+        <a:bodyPr/>
+        <a:lstStyle/>
+        <a:p>
+          <a:endParaRPr lang="en-US"/>
+        </a:p>
+      </dgm:t>
+    </dgm:pt>
+    <dgm:pt modelId="{60C70827-83ED-4F09-8DFD-B26FB73BF3E8}" type="sibTrans" cxnId="{F5008D64-FE44-4FF5-BE17-9B455B013472}">
+      <dgm:prSet/>
+      <dgm:spPr/>
+      <dgm:t>
+        <a:bodyPr/>
+        <a:lstStyle/>
+        <a:p>
+          <a:endParaRPr lang="en-US"/>
+        </a:p>
+      </dgm:t>
+    </dgm:pt>
+    <dgm:pt modelId="{5D37A4D9-9862-4261-ABFF-4FB3DBBC11C2}">
+      <dgm:prSet/>
+      <dgm:spPr/>
+      <dgm:t>
+        <a:bodyPr/>
+        <a:lstStyle/>
+        <a:p>
+          <a:r>
+            <a:rPr lang="nl-BE"/>
+            <a:t>String to char-array: </a:t>
+          </a:r>
+          <a:r>
+            <a:rPr lang="nl-BE" b="1"/>
+            <a:t>.ToCharArray();</a:t>
+          </a:r>
+          <a:endParaRPr lang="en-US"/>
+        </a:p>
+      </dgm:t>
+    </dgm:pt>
+    <dgm:pt modelId="{689AF688-8C5D-493F-B47B-668231AC5521}" type="parTrans" cxnId="{DF05DF30-0610-43C1-9687-4DC9D248F100}">
+      <dgm:prSet/>
+      <dgm:spPr/>
+      <dgm:t>
+        <a:bodyPr/>
+        <a:lstStyle/>
+        <a:p>
+          <a:endParaRPr lang="en-US"/>
+        </a:p>
+      </dgm:t>
+    </dgm:pt>
+    <dgm:pt modelId="{421F24C9-E615-4E66-A6AA-4F84503D2D3D}" type="sibTrans" cxnId="{DF05DF30-0610-43C1-9687-4DC9D248F100}">
+      <dgm:prSet/>
+      <dgm:spPr/>
+      <dgm:t>
+        <a:bodyPr/>
+        <a:lstStyle/>
+        <a:p>
+          <a:endParaRPr lang="en-US"/>
+        </a:p>
+      </dgm:t>
+    </dgm:pt>
+    <dgm:pt modelId="{E9910042-3BD2-43EE-940B-DCC1DBEE41B8}">
+      <dgm:prSet/>
+      <dgm:spPr/>
+      <dgm:t>
+        <a:bodyPr/>
+        <a:lstStyle/>
+        <a:p>
+          <a:r>
+            <a:rPr lang="nl-BE"/>
+            <a:t>Char-array to string: using </a:t>
+          </a:r>
+          <a:r>
+            <a:rPr lang="nl-BE" b="1"/>
+            <a:t>new String(…);</a:t>
+          </a:r>
+          <a:endParaRPr lang="en-US"/>
+        </a:p>
+      </dgm:t>
+    </dgm:pt>
+    <dgm:pt modelId="{C05FC9C4-8F08-4326-A5C5-DFD68697226B}" type="parTrans" cxnId="{C125F373-DAF2-4018-ACF5-D825A5892DA2}">
+      <dgm:prSet/>
+      <dgm:spPr/>
+      <dgm:t>
+        <a:bodyPr/>
+        <a:lstStyle/>
+        <a:p>
+          <a:endParaRPr lang="en-US"/>
+        </a:p>
+      </dgm:t>
+    </dgm:pt>
+    <dgm:pt modelId="{7BD695CB-EFDA-469D-BA3D-3923F10ECC13}" type="sibTrans" cxnId="{C125F373-DAF2-4018-ACF5-D825A5892DA2}">
+      <dgm:prSet/>
+      <dgm:spPr/>
+      <dgm:t>
+        <a:bodyPr/>
+        <a:lstStyle/>
+        <a:p>
+          <a:endParaRPr lang="en-US"/>
+        </a:p>
+      </dgm:t>
+    </dgm:pt>
+    <dgm:pt modelId="{081FD799-7050-471A-B120-646F8A89A699}" type="pres">
+      <dgm:prSet presAssocID="{06ABA83A-8212-470C-BE8A-8CF75BD738A0}" presName="hierChild1" presStyleCnt="0">
+        <dgm:presLayoutVars>
+          <dgm:chPref val="1"/>
+          <dgm:dir/>
+          <dgm:animOne val="branch"/>
+          <dgm:animLvl val="lvl"/>
+          <dgm:resizeHandles/>
+        </dgm:presLayoutVars>
+      </dgm:prSet>
+      <dgm:spPr/>
+    </dgm:pt>
+    <dgm:pt modelId="{68CAF6BE-19EC-48A5-A602-2DA8ED29BFF9}" type="pres">
+      <dgm:prSet presAssocID="{74B4789F-493F-4648-B2BB-0301B14690F9}" presName="hierRoot1" presStyleCnt="0"/>
+      <dgm:spPr/>
+    </dgm:pt>
+    <dgm:pt modelId="{9E88B01F-75BA-4177-B125-8C06BD9CAD45}" type="pres">
+      <dgm:prSet presAssocID="{74B4789F-493F-4648-B2BB-0301B14690F9}" presName="composite" presStyleCnt="0"/>
+      <dgm:spPr/>
+    </dgm:pt>
+    <dgm:pt modelId="{4C6EB409-4C77-4EB2-AD8C-3F7B334BAD26}" type="pres">
+      <dgm:prSet presAssocID="{74B4789F-493F-4648-B2BB-0301B14690F9}" presName="background" presStyleLbl="node0" presStyleIdx="0" presStyleCnt="2"/>
+      <dgm:spPr/>
+    </dgm:pt>
+    <dgm:pt modelId="{5975926F-BFDF-49A2-837A-B46DD146F49B}" type="pres">
+      <dgm:prSet presAssocID="{74B4789F-493F-4648-B2BB-0301B14690F9}" presName="text" presStyleLbl="fgAcc0" presStyleIdx="0" presStyleCnt="2">
+        <dgm:presLayoutVars>
+          <dgm:chPref val="3"/>
+        </dgm:presLayoutVars>
+      </dgm:prSet>
+      <dgm:spPr/>
+    </dgm:pt>
+    <dgm:pt modelId="{C12FAB66-C208-4CB1-BEDE-81A41E8134B6}" type="pres">
+      <dgm:prSet presAssocID="{74B4789F-493F-4648-B2BB-0301B14690F9}" presName="hierChild2" presStyleCnt="0"/>
+      <dgm:spPr/>
+    </dgm:pt>
+    <dgm:pt modelId="{A549333C-6713-4373-AA08-A88FEB3FB769}" type="pres">
+      <dgm:prSet presAssocID="{1B319F9C-60ED-4273-BEC5-DF6F56F305F0}" presName="hierRoot1" presStyleCnt="0"/>
+      <dgm:spPr/>
+    </dgm:pt>
+    <dgm:pt modelId="{BDFD70B7-B78D-4198-AA1A-385B461D2B75}" type="pres">
+      <dgm:prSet presAssocID="{1B319F9C-60ED-4273-BEC5-DF6F56F305F0}" presName="composite" presStyleCnt="0"/>
+      <dgm:spPr/>
+    </dgm:pt>
+    <dgm:pt modelId="{816CBFD5-608B-4558-8885-8FF945BA5A2F}" type="pres">
+      <dgm:prSet presAssocID="{1B319F9C-60ED-4273-BEC5-DF6F56F305F0}" presName="background" presStyleLbl="node0" presStyleIdx="1" presStyleCnt="2"/>
+      <dgm:spPr/>
+    </dgm:pt>
+    <dgm:pt modelId="{00F94FC8-7FE2-43D3-A2BB-1DF1E80C7B0E}" type="pres">
+      <dgm:prSet presAssocID="{1B319F9C-60ED-4273-BEC5-DF6F56F305F0}" presName="text" presStyleLbl="fgAcc0" presStyleIdx="1" presStyleCnt="2">
+        <dgm:presLayoutVars>
+          <dgm:chPref val="3"/>
+        </dgm:presLayoutVars>
+      </dgm:prSet>
+      <dgm:spPr/>
+    </dgm:pt>
+    <dgm:pt modelId="{80369A89-4233-495B-8F37-0B485DA0F0CD}" type="pres">
+      <dgm:prSet presAssocID="{1B319F9C-60ED-4273-BEC5-DF6F56F305F0}" presName="hierChild2" presStyleCnt="0"/>
+      <dgm:spPr/>
+    </dgm:pt>
+    <dgm:pt modelId="{FF8E9FD1-E375-4323-9F36-9DA09BDBC869}" type="pres">
+      <dgm:prSet presAssocID="{689AF688-8C5D-493F-B47B-668231AC5521}" presName="Name10" presStyleLbl="parChTrans1D2" presStyleIdx="0" presStyleCnt="2"/>
+      <dgm:spPr/>
+    </dgm:pt>
+    <dgm:pt modelId="{873610A5-A8A7-4231-BC15-7BC11CDA3007}" type="pres">
+      <dgm:prSet presAssocID="{5D37A4D9-9862-4261-ABFF-4FB3DBBC11C2}" presName="hierRoot2" presStyleCnt="0"/>
+      <dgm:spPr/>
+    </dgm:pt>
+    <dgm:pt modelId="{468B3430-3503-4C61-87D3-9EC2C8A6FDC0}" type="pres">
+      <dgm:prSet presAssocID="{5D37A4D9-9862-4261-ABFF-4FB3DBBC11C2}" presName="composite2" presStyleCnt="0"/>
+      <dgm:spPr/>
+    </dgm:pt>
+    <dgm:pt modelId="{B3F7876C-D5A0-45AD-AFE3-10768B38CF07}" type="pres">
+      <dgm:prSet presAssocID="{5D37A4D9-9862-4261-ABFF-4FB3DBBC11C2}" presName="background2" presStyleLbl="node2" presStyleIdx="0" presStyleCnt="2"/>
+      <dgm:spPr/>
+    </dgm:pt>
+    <dgm:pt modelId="{8B41FB60-8EE9-461E-8F12-6E43751AC2FF}" type="pres">
+      <dgm:prSet presAssocID="{5D37A4D9-9862-4261-ABFF-4FB3DBBC11C2}" presName="text2" presStyleLbl="fgAcc2" presStyleIdx="0" presStyleCnt="2">
+        <dgm:presLayoutVars>
+          <dgm:chPref val="3"/>
+        </dgm:presLayoutVars>
+      </dgm:prSet>
+      <dgm:spPr/>
+    </dgm:pt>
+    <dgm:pt modelId="{13448515-98BF-4032-B116-7DF5F771ED0D}" type="pres">
+      <dgm:prSet presAssocID="{5D37A4D9-9862-4261-ABFF-4FB3DBBC11C2}" presName="hierChild3" presStyleCnt="0"/>
+      <dgm:spPr/>
+    </dgm:pt>
+    <dgm:pt modelId="{08DA20BA-D10E-45A7-81B9-14784CB46FDE}" type="pres">
+      <dgm:prSet presAssocID="{C05FC9C4-8F08-4326-A5C5-DFD68697226B}" presName="Name10" presStyleLbl="parChTrans1D2" presStyleIdx="1" presStyleCnt="2"/>
+      <dgm:spPr/>
+    </dgm:pt>
+    <dgm:pt modelId="{47DD9E8E-FC3E-4E50-BF7D-BDEDA3DD71BC}" type="pres">
+      <dgm:prSet presAssocID="{E9910042-3BD2-43EE-940B-DCC1DBEE41B8}" presName="hierRoot2" presStyleCnt="0"/>
+      <dgm:spPr/>
+    </dgm:pt>
+    <dgm:pt modelId="{5CCAEAA7-A5C1-41F5-A63D-D2C79385DA73}" type="pres">
+      <dgm:prSet presAssocID="{E9910042-3BD2-43EE-940B-DCC1DBEE41B8}" presName="composite2" presStyleCnt="0"/>
+      <dgm:spPr/>
+    </dgm:pt>
+    <dgm:pt modelId="{479A8869-49D3-4081-8A1F-E2B92C89D599}" type="pres">
+      <dgm:prSet presAssocID="{E9910042-3BD2-43EE-940B-DCC1DBEE41B8}" presName="background2" presStyleLbl="node2" presStyleIdx="1" presStyleCnt="2"/>
+      <dgm:spPr/>
+    </dgm:pt>
+    <dgm:pt modelId="{4490EBD9-13D8-4494-9FC8-D551FB4EC14B}" type="pres">
+      <dgm:prSet presAssocID="{E9910042-3BD2-43EE-940B-DCC1DBEE41B8}" presName="text2" presStyleLbl="fgAcc2" presStyleIdx="1" presStyleCnt="2">
+        <dgm:presLayoutVars>
+          <dgm:chPref val="3"/>
+        </dgm:presLayoutVars>
+      </dgm:prSet>
+      <dgm:spPr/>
+    </dgm:pt>
+    <dgm:pt modelId="{6AF621C6-F6B7-4DFF-82EA-7DCAF68A8362}" type="pres">
+      <dgm:prSet presAssocID="{E9910042-3BD2-43EE-940B-DCC1DBEE41B8}" presName="hierChild3" presStyleCnt="0"/>
+      <dgm:spPr/>
+    </dgm:pt>
+  </dgm:ptLst>
+  <dgm:cxnLst>
+    <dgm:cxn modelId="{6B71C02B-FD8C-493A-B75F-652098FF6DFF}" type="presOf" srcId="{689AF688-8C5D-493F-B47B-668231AC5521}" destId="{FF8E9FD1-E375-4323-9F36-9DA09BDBC869}" srcOrd="0" destOrd="0" presId="urn:microsoft.com/office/officeart/2005/8/layout/hierarchy1"/>
+    <dgm:cxn modelId="{DF05DF30-0610-43C1-9687-4DC9D248F100}" srcId="{1B319F9C-60ED-4273-BEC5-DF6F56F305F0}" destId="{5D37A4D9-9862-4261-ABFF-4FB3DBBC11C2}" srcOrd="0" destOrd="0" parTransId="{689AF688-8C5D-493F-B47B-668231AC5521}" sibTransId="{421F24C9-E615-4E66-A6AA-4F84503D2D3D}"/>
+    <dgm:cxn modelId="{F5008D64-FE44-4FF5-BE17-9B455B013472}" srcId="{06ABA83A-8212-470C-BE8A-8CF75BD738A0}" destId="{1B319F9C-60ED-4273-BEC5-DF6F56F305F0}" srcOrd="1" destOrd="0" parTransId="{36DA48F4-3C6D-4957-9B29-549FAD46D649}" sibTransId="{60C70827-83ED-4F09-8DFD-B26FB73BF3E8}"/>
+    <dgm:cxn modelId="{C125F373-DAF2-4018-ACF5-D825A5892DA2}" srcId="{1B319F9C-60ED-4273-BEC5-DF6F56F305F0}" destId="{E9910042-3BD2-43EE-940B-DCC1DBEE41B8}" srcOrd="1" destOrd="0" parTransId="{C05FC9C4-8F08-4326-A5C5-DFD68697226B}" sibTransId="{7BD695CB-EFDA-469D-BA3D-3923F10ECC13}"/>
+    <dgm:cxn modelId="{E54C0283-4555-417A-BCFE-52359CD99219}" type="presOf" srcId="{5D37A4D9-9862-4261-ABFF-4FB3DBBC11C2}" destId="{8B41FB60-8EE9-461E-8F12-6E43751AC2FF}" srcOrd="0" destOrd="0" presId="urn:microsoft.com/office/officeart/2005/8/layout/hierarchy1"/>
+    <dgm:cxn modelId="{AC9327C8-A4EA-4B1D-BB9A-102ADE9529BA}" type="presOf" srcId="{E9910042-3BD2-43EE-940B-DCC1DBEE41B8}" destId="{4490EBD9-13D8-4494-9FC8-D551FB4EC14B}" srcOrd="0" destOrd="0" presId="urn:microsoft.com/office/officeart/2005/8/layout/hierarchy1"/>
+    <dgm:cxn modelId="{89EED5CB-9716-43B1-AFE0-0F5E3D3D93F6}" type="presOf" srcId="{1B319F9C-60ED-4273-BEC5-DF6F56F305F0}" destId="{00F94FC8-7FE2-43D3-A2BB-1DF1E80C7B0E}" srcOrd="0" destOrd="0" presId="urn:microsoft.com/office/officeart/2005/8/layout/hierarchy1"/>
+    <dgm:cxn modelId="{049C6BE3-9342-4057-B231-7B0A8667742A}" srcId="{06ABA83A-8212-470C-BE8A-8CF75BD738A0}" destId="{74B4789F-493F-4648-B2BB-0301B14690F9}" srcOrd="0" destOrd="0" parTransId="{069C4F9C-FC6B-429F-AF41-25D21EB8E70B}" sibTransId="{933E4A91-80BF-4ADE-B8D1-5FCCF99D7E0D}"/>
+    <dgm:cxn modelId="{BB3BFAF4-DF5A-4D11-B576-4B89016E9226}" type="presOf" srcId="{74B4789F-493F-4648-B2BB-0301B14690F9}" destId="{5975926F-BFDF-49A2-837A-B46DD146F49B}" srcOrd="0" destOrd="0" presId="urn:microsoft.com/office/officeart/2005/8/layout/hierarchy1"/>
+    <dgm:cxn modelId="{D7347FFD-AD67-4FDC-8DE8-CA09625CE181}" type="presOf" srcId="{C05FC9C4-8F08-4326-A5C5-DFD68697226B}" destId="{08DA20BA-D10E-45A7-81B9-14784CB46FDE}" srcOrd="0" destOrd="0" presId="urn:microsoft.com/office/officeart/2005/8/layout/hierarchy1"/>
+    <dgm:cxn modelId="{49DF47FE-7926-43E0-B9CF-2045CFEE220C}" type="presOf" srcId="{06ABA83A-8212-470C-BE8A-8CF75BD738A0}" destId="{081FD799-7050-471A-B120-646F8A89A699}" srcOrd="0" destOrd="0" presId="urn:microsoft.com/office/officeart/2005/8/layout/hierarchy1"/>
+    <dgm:cxn modelId="{B07ADEB1-659A-449F-89D5-DF7B44B5B587}" type="presParOf" srcId="{081FD799-7050-471A-B120-646F8A89A699}" destId="{68CAF6BE-19EC-48A5-A602-2DA8ED29BFF9}" srcOrd="0" destOrd="0" presId="urn:microsoft.com/office/officeart/2005/8/layout/hierarchy1"/>
+    <dgm:cxn modelId="{9835983E-6B67-4625-AF35-4E9CDF4F9A79}" type="presParOf" srcId="{68CAF6BE-19EC-48A5-A602-2DA8ED29BFF9}" destId="{9E88B01F-75BA-4177-B125-8C06BD9CAD45}" srcOrd="0" destOrd="0" presId="urn:microsoft.com/office/officeart/2005/8/layout/hierarchy1"/>
+    <dgm:cxn modelId="{001E770B-D101-40FF-B903-D9D7F15E803E}" type="presParOf" srcId="{9E88B01F-75BA-4177-B125-8C06BD9CAD45}" destId="{4C6EB409-4C77-4EB2-AD8C-3F7B334BAD26}" srcOrd="0" destOrd="0" presId="urn:microsoft.com/office/officeart/2005/8/layout/hierarchy1"/>
+    <dgm:cxn modelId="{A0B88E6B-4410-4AA3-A2C5-62C9D001E4A6}" type="presParOf" srcId="{9E88B01F-75BA-4177-B125-8C06BD9CAD45}" destId="{5975926F-BFDF-49A2-837A-B46DD146F49B}" srcOrd="1" destOrd="0" presId="urn:microsoft.com/office/officeart/2005/8/layout/hierarchy1"/>
+    <dgm:cxn modelId="{E7DB051E-91EE-4F10-B65A-44D80B28FFC3}" type="presParOf" srcId="{68CAF6BE-19EC-48A5-A602-2DA8ED29BFF9}" destId="{C12FAB66-C208-4CB1-BEDE-81A41E8134B6}" srcOrd="1" destOrd="0" presId="urn:microsoft.com/office/officeart/2005/8/layout/hierarchy1"/>
+    <dgm:cxn modelId="{CC06D55D-60E9-4F58-B945-B93C426277B9}" type="presParOf" srcId="{081FD799-7050-471A-B120-646F8A89A699}" destId="{A549333C-6713-4373-AA08-A88FEB3FB769}" srcOrd="1" destOrd="0" presId="urn:microsoft.com/office/officeart/2005/8/layout/hierarchy1"/>
+    <dgm:cxn modelId="{9E6FF6E8-7F7F-4227-8F55-4C0E35ACC18D}" type="presParOf" srcId="{A549333C-6713-4373-AA08-A88FEB3FB769}" destId="{BDFD70B7-B78D-4198-AA1A-385B461D2B75}" srcOrd="0" destOrd="0" presId="urn:microsoft.com/office/officeart/2005/8/layout/hierarchy1"/>
+    <dgm:cxn modelId="{F30599B8-A384-44D6-ADA0-AC8C9482EA6C}" type="presParOf" srcId="{BDFD70B7-B78D-4198-AA1A-385B461D2B75}" destId="{816CBFD5-608B-4558-8885-8FF945BA5A2F}" srcOrd="0" destOrd="0" presId="urn:microsoft.com/office/officeart/2005/8/layout/hierarchy1"/>
+    <dgm:cxn modelId="{CF424837-B942-4449-8938-897EE6FB90DC}" type="presParOf" srcId="{BDFD70B7-B78D-4198-AA1A-385B461D2B75}" destId="{00F94FC8-7FE2-43D3-A2BB-1DF1E80C7B0E}" srcOrd="1" destOrd="0" presId="urn:microsoft.com/office/officeart/2005/8/layout/hierarchy1"/>
+    <dgm:cxn modelId="{0043D489-2FF2-4136-8DEE-E7430293A2D1}" type="presParOf" srcId="{A549333C-6713-4373-AA08-A88FEB3FB769}" destId="{80369A89-4233-495B-8F37-0B485DA0F0CD}" srcOrd="1" destOrd="0" presId="urn:microsoft.com/office/officeart/2005/8/layout/hierarchy1"/>
+    <dgm:cxn modelId="{BC2D006F-2779-4E0B-AC0C-70134BC6A6FE}" type="presParOf" srcId="{80369A89-4233-495B-8F37-0B485DA0F0CD}" destId="{FF8E9FD1-E375-4323-9F36-9DA09BDBC869}" srcOrd="0" destOrd="0" presId="urn:microsoft.com/office/officeart/2005/8/layout/hierarchy1"/>
+    <dgm:cxn modelId="{307A2E70-671A-491C-834D-43D92926BB1F}" type="presParOf" srcId="{80369A89-4233-495B-8F37-0B485DA0F0CD}" destId="{873610A5-A8A7-4231-BC15-7BC11CDA3007}" srcOrd="1" destOrd="0" presId="urn:microsoft.com/office/officeart/2005/8/layout/hierarchy1"/>
+    <dgm:cxn modelId="{F8D3B3BB-39EC-4FA7-9668-C8D8303A7946}" type="presParOf" srcId="{873610A5-A8A7-4231-BC15-7BC11CDA3007}" destId="{468B3430-3503-4C61-87D3-9EC2C8A6FDC0}" srcOrd="0" destOrd="0" presId="urn:microsoft.com/office/officeart/2005/8/layout/hierarchy1"/>
+    <dgm:cxn modelId="{E65D6163-18F7-46AD-9ED3-75DACC692D6E}" type="presParOf" srcId="{468B3430-3503-4C61-87D3-9EC2C8A6FDC0}" destId="{B3F7876C-D5A0-45AD-AFE3-10768B38CF07}" srcOrd="0" destOrd="0" presId="urn:microsoft.com/office/officeart/2005/8/layout/hierarchy1"/>
+    <dgm:cxn modelId="{13A8B34C-5137-4967-AA51-35CEDD4C6B45}" type="presParOf" srcId="{468B3430-3503-4C61-87D3-9EC2C8A6FDC0}" destId="{8B41FB60-8EE9-461E-8F12-6E43751AC2FF}" srcOrd="1" destOrd="0" presId="urn:microsoft.com/office/officeart/2005/8/layout/hierarchy1"/>
+    <dgm:cxn modelId="{E116692E-E24A-47E5-8F75-6B8FE7593E81}" type="presParOf" srcId="{873610A5-A8A7-4231-BC15-7BC11CDA3007}" destId="{13448515-98BF-4032-B116-7DF5F771ED0D}" srcOrd="1" destOrd="0" presId="urn:microsoft.com/office/officeart/2005/8/layout/hierarchy1"/>
+    <dgm:cxn modelId="{69E59631-BA46-4D71-88B2-AF76E6C125D8}" type="presParOf" srcId="{80369A89-4233-495B-8F37-0B485DA0F0CD}" destId="{08DA20BA-D10E-45A7-81B9-14784CB46FDE}" srcOrd="2" destOrd="0" presId="urn:microsoft.com/office/officeart/2005/8/layout/hierarchy1"/>
+    <dgm:cxn modelId="{DAE7C86E-E70F-4177-9BE0-EEF4BC2F71CD}" type="presParOf" srcId="{80369A89-4233-495B-8F37-0B485DA0F0CD}" destId="{47DD9E8E-FC3E-4E50-BF7D-BDEDA3DD71BC}" srcOrd="3" destOrd="0" presId="urn:microsoft.com/office/officeart/2005/8/layout/hierarchy1"/>
+    <dgm:cxn modelId="{CA704A6F-130D-4765-A1CC-3F9132446522}" type="presParOf" srcId="{47DD9E8E-FC3E-4E50-BF7D-BDEDA3DD71BC}" destId="{5CCAEAA7-A5C1-41F5-A63D-D2C79385DA73}" srcOrd="0" destOrd="0" presId="urn:microsoft.com/office/officeart/2005/8/layout/hierarchy1"/>
+    <dgm:cxn modelId="{ECCE1544-E4E3-4A17-8A5D-047146340569}" type="presParOf" srcId="{5CCAEAA7-A5C1-41F5-A63D-D2C79385DA73}" destId="{479A8869-49D3-4081-8A1F-E2B92C89D599}" srcOrd="0" destOrd="0" presId="urn:microsoft.com/office/officeart/2005/8/layout/hierarchy1"/>
+    <dgm:cxn modelId="{4AE4FCDC-37EB-4554-B32C-3A604B342670}" type="presParOf" srcId="{5CCAEAA7-A5C1-41F5-A63D-D2C79385DA73}" destId="{4490EBD9-13D8-4494-9FC8-D551FB4EC14B}" srcOrd="1" destOrd="0" presId="urn:microsoft.com/office/officeart/2005/8/layout/hierarchy1"/>
+    <dgm:cxn modelId="{BFEEA3D8-4612-44E5-B8B8-0D534E62F6E5}" type="presParOf" srcId="{47DD9E8E-FC3E-4E50-BF7D-BDEDA3DD71BC}" destId="{6AF621C6-F6B7-4DFF-82EA-7DCAF68A8362}" srcOrd="1" destOrd="0" presId="urn:microsoft.com/office/officeart/2005/8/layout/hierarchy1"/>
+  </dgm:cxnLst>
+  <dgm:bg/>
+  <dgm:whole/>
+  <dgm:extLst>
+    <a:ext uri="http://schemas.microsoft.com/office/drawing/2008/diagram">
+      <dsp:dataModelExt xmlns:dsp="http://schemas.microsoft.com/office/drawing/2008/diagram" relId="rId7" minVer="http://schemas.openxmlformats.org/drawingml/2006/diagram"/>
+    </a:ext>
+  </dgm:extLst>
+</dgm:dataModel>
+</file>
+
 <file path=ppt/diagrams/drawing1.xml><?xml version="1.0" encoding="utf-8"?>
 <dsp:drawing xmlns:dgm="http://schemas.openxmlformats.org/drawingml/2006/diagram" xmlns:dsp="http://schemas.microsoft.com/office/drawing/2008/diagram" xmlns:a="http://schemas.openxmlformats.org/drawingml/2006/main">
   <dsp:spTree>
@@ -2435,9 +3675,6 @@
             <a:extLst>
               <a:ext uri="{28A0092B-C50C-407E-A947-70E740481C1C}">
                 <a14:useLocalDpi xmlns:a14="http://schemas.microsoft.com/office/drawing/2010/main" val="0"/>
-              </a:ext>
-              <a:ext uri="{96DAC541-7B7A-43D3-8B79-37D633B846F1}">
-                <asvg:svgBlip xmlns:asvg="http://schemas.microsoft.com/office/drawing/2016/SVG/main" r:embed="rId2"/>
               </a:ext>
             </a:extLst>
           </a:blip>
@@ -2553,13 +3790,7 @@
           <a:avLst/>
         </a:prstGeom>
         <a:blipFill>
-          <a:blip xmlns:r="http://schemas.openxmlformats.org/officeDocument/2006/relationships" r:embed="rId3">
-            <a:extLst>
-              <a:ext uri="{96DAC541-7B7A-43D3-8B79-37D633B846F1}">
-                <asvg:svgBlip xmlns:asvg="http://schemas.microsoft.com/office/drawing/2016/SVG/main" r:embed="rId4"/>
-              </a:ext>
-            </a:extLst>
-          </a:blip>
+          <a:blip xmlns:r="http://schemas.openxmlformats.org/officeDocument/2006/relationships" r:embed="rId2"/>
           <a:srcRect/>
           <a:stretch>
             <a:fillRect/>
@@ -2722,9 +3953,6 @@
             <a:extLst>
               <a:ext uri="{28A0092B-C50C-407E-A947-70E740481C1C}">
                 <a14:useLocalDpi xmlns:a14="http://schemas.microsoft.com/office/drawing/2010/main" val="0"/>
-              </a:ext>
-              <a:ext uri="{96DAC541-7B7A-43D3-8B79-37D633B846F1}">
-                <asvg:svgBlip xmlns:asvg="http://schemas.microsoft.com/office/drawing/2016/SVG/main" r:embed="rId2"/>
               </a:ext>
             </a:extLst>
           </a:blip>
@@ -2928,13 +4156,10 @@
           <a:avLst/>
         </a:prstGeom>
         <a:blipFill>
-          <a:blip xmlns:r="http://schemas.openxmlformats.org/officeDocument/2006/relationships" r:embed="rId3">
+          <a:blip xmlns:r="http://schemas.openxmlformats.org/officeDocument/2006/relationships" r:embed="rId2">
             <a:extLst>
               <a:ext uri="{28A0092B-C50C-407E-A947-70E740481C1C}">
                 <a14:useLocalDpi xmlns:a14="http://schemas.microsoft.com/office/drawing/2010/main" val="0"/>
-              </a:ext>
-              <a:ext uri="{96DAC541-7B7A-43D3-8B79-37D633B846F1}">
-                <asvg:svgBlip xmlns:asvg="http://schemas.microsoft.com/office/drawing/2016/SVG/main" r:embed="rId4"/>
               </a:ext>
             </a:extLst>
           </a:blip>
@@ -3088,6 +4313,760 @@
       <dsp:txXfrm>
         <a:off x="2288925" y="3162555"/>
         <a:ext cx="5114534" cy="1758740"/>
+      </dsp:txXfrm>
+    </dsp:sp>
+  </dsp:spTree>
+</dsp:drawing>
+</file>
+
+<file path=ppt/diagrams/drawing3.xml><?xml version="1.0" encoding="utf-8"?>
+<dsp:drawing xmlns:dgm="http://schemas.openxmlformats.org/drawingml/2006/diagram" xmlns:dsp="http://schemas.microsoft.com/office/drawing/2008/diagram" xmlns:a="http://schemas.openxmlformats.org/drawingml/2006/main">
+  <dsp:spTree>
+    <dsp:nvGrpSpPr>
+      <dsp:cNvPr id="0" name=""/>
+      <dsp:cNvGrpSpPr/>
+    </dsp:nvGrpSpPr>
+    <dsp:grpSpPr/>
+    <dsp:sp modelId="{08DA20BA-D10E-45A7-81B9-14784CB46FDE}">
+      <dsp:nvSpPr>
+        <dsp:cNvPr id="0" name=""/>
+        <dsp:cNvSpPr/>
+      </dsp:nvSpPr>
+      <dsp:spPr>
+        <a:xfrm>
+          <a:off x="5529392" y="1193304"/>
+          <a:ext cx="1148186" cy="546432"/>
+        </a:xfrm>
+        <a:custGeom>
+          <a:avLst/>
+          <a:gdLst/>
+          <a:ahLst/>
+          <a:cxnLst/>
+          <a:rect l="0" t="0" r="0" b="0"/>
+          <a:pathLst>
+            <a:path>
+              <a:moveTo>
+                <a:pt x="0" y="0"/>
+              </a:moveTo>
+              <a:lnTo>
+                <a:pt x="0" y="372377"/>
+              </a:lnTo>
+              <a:lnTo>
+                <a:pt x="1148186" y="372377"/>
+              </a:lnTo>
+              <a:lnTo>
+                <a:pt x="1148186" y="546432"/>
+              </a:lnTo>
+            </a:path>
+          </a:pathLst>
+        </a:custGeom>
+        <a:noFill/>
+        <a:ln w="6350" cap="flat" cmpd="sng" algn="ctr">
+          <a:solidFill>
+            <a:schemeClr val="accent2">
+              <a:hueOff val="0"/>
+              <a:satOff val="0"/>
+              <a:lumOff val="0"/>
+              <a:alphaOff val="0"/>
+            </a:schemeClr>
+          </a:solidFill>
+          <a:prstDash val="solid"/>
+          <a:miter lim="800000"/>
+        </a:ln>
+        <a:effectLst/>
+      </dsp:spPr>
+      <dsp:style>
+        <a:lnRef idx="1">
+          <a:scrgbClr r="0" g="0" b="0"/>
+        </a:lnRef>
+        <a:fillRef idx="0">
+          <a:scrgbClr r="0" g="0" b="0"/>
+        </a:fillRef>
+        <a:effectRef idx="0">
+          <a:scrgbClr r="0" g="0" b="0"/>
+        </a:effectRef>
+        <a:fontRef idx="minor"/>
+      </dsp:style>
+    </dsp:sp>
+    <dsp:sp modelId="{FF8E9FD1-E375-4323-9F36-9DA09BDBC869}">
+      <dsp:nvSpPr>
+        <dsp:cNvPr id="0" name=""/>
+        <dsp:cNvSpPr/>
+      </dsp:nvSpPr>
+      <dsp:spPr>
+        <a:xfrm>
+          <a:off x="4381206" y="1193304"/>
+          <a:ext cx="1148186" cy="546432"/>
+        </a:xfrm>
+        <a:custGeom>
+          <a:avLst/>
+          <a:gdLst/>
+          <a:ahLst/>
+          <a:cxnLst/>
+          <a:rect l="0" t="0" r="0" b="0"/>
+          <a:pathLst>
+            <a:path>
+              <a:moveTo>
+                <a:pt x="1148186" y="0"/>
+              </a:moveTo>
+              <a:lnTo>
+                <a:pt x="1148186" y="372377"/>
+              </a:lnTo>
+              <a:lnTo>
+                <a:pt x="0" y="372377"/>
+              </a:lnTo>
+              <a:lnTo>
+                <a:pt x="0" y="546432"/>
+              </a:lnTo>
+            </a:path>
+          </a:pathLst>
+        </a:custGeom>
+        <a:noFill/>
+        <a:ln w="6350" cap="flat" cmpd="sng" algn="ctr">
+          <a:solidFill>
+            <a:schemeClr val="accent2">
+              <a:hueOff val="0"/>
+              <a:satOff val="0"/>
+              <a:lumOff val="0"/>
+              <a:alphaOff val="0"/>
+            </a:schemeClr>
+          </a:solidFill>
+          <a:prstDash val="solid"/>
+          <a:miter lim="800000"/>
+        </a:ln>
+        <a:effectLst/>
+      </dsp:spPr>
+      <dsp:style>
+        <a:lnRef idx="1">
+          <a:scrgbClr r="0" g="0" b="0"/>
+        </a:lnRef>
+        <a:fillRef idx="0">
+          <a:scrgbClr r="0" g="0" b="0"/>
+        </a:fillRef>
+        <a:effectRef idx="0">
+          <a:scrgbClr r="0" g="0" b="0"/>
+        </a:effectRef>
+        <a:fontRef idx="minor"/>
+      </dsp:style>
+    </dsp:sp>
+    <dsp:sp modelId="{4C6EB409-4C77-4EB2-AD8C-3F7B334BAD26}">
+      <dsp:nvSpPr>
+        <dsp:cNvPr id="0" name=""/>
+        <dsp:cNvSpPr/>
+      </dsp:nvSpPr>
+      <dsp:spPr>
+        <a:xfrm>
+          <a:off x="2293593" y="233"/>
+          <a:ext cx="1878850" cy="1193070"/>
+        </a:xfrm>
+        <a:prstGeom prst="roundRect">
+          <a:avLst>
+            <a:gd name="adj" fmla="val 10000"/>
+          </a:avLst>
+        </a:prstGeom>
+        <a:gradFill rotWithShape="0">
+          <a:gsLst>
+            <a:gs pos="0">
+              <a:schemeClr val="accent1">
+                <a:hueOff val="0"/>
+                <a:satOff val="0"/>
+                <a:lumOff val="0"/>
+                <a:alphaOff val="0"/>
+                <a:satMod val="103000"/>
+                <a:lumMod val="102000"/>
+                <a:tint val="94000"/>
+              </a:schemeClr>
+            </a:gs>
+            <a:gs pos="50000">
+              <a:schemeClr val="accent1">
+                <a:hueOff val="0"/>
+                <a:satOff val="0"/>
+                <a:lumOff val="0"/>
+                <a:alphaOff val="0"/>
+                <a:satMod val="110000"/>
+                <a:lumMod val="100000"/>
+                <a:shade val="100000"/>
+              </a:schemeClr>
+            </a:gs>
+            <a:gs pos="100000">
+              <a:schemeClr val="accent1">
+                <a:hueOff val="0"/>
+                <a:satOff val="0"/>
+                <a:lumOff val="0"/>
+                <a:alphaOff val="0"/>
+                <a:lumMod val="99000"/>
+                <a:satMod val="120000"/>
+                <a:shade val="78000"/>
+              </a:schemeClr>
+            </a:gs>
+          </a:gsLst>
+          <a:lin ang="5400000" scaled="0"/>
+        </a:gradFill>
+        <a:ln>
+          <a:noFill/>
+        </a:ln>
+        <a:effectLst/>
+      </dsp:spPr>
+      <dsp:style>
+        <a:lnRef idx="0">
+          <a:scrgbClr r="0" g="0" b="0"/>
+        </a:lnRef>
+        <a:fillRef idx="3">
+          <a:scrgbClr r="0" g="0" b="0"/>
+        </a:fillRef>
+        <a:effectRef idx="2">
+          <a:scrgbClr r="0" g="0" b="0"/>
+        </a:effectRef>
+        <a:fontRef idx="minor">
+          <a:schemeClr val="lt1"/>
+        </a:fontRef>
+      </dsp:style>
+    </dsp:sp>
+    <dsp:sp modelId="{5975926F-BFDF-49A2-837A-B46DD146F49B}">
+      <dsp:nvSpPr>
+        <dsp:cNvPr id="0" name=""/>
+        <dsp:cNvSpPr/>
+      </dsp:nvSpPr>
+      <dsp:spPr>
+        <a:xfrm>
+          <a:off x="2502355" y="198557"/>
+          <a:ext cx="1878850" cy="1193070"/>
+        </a:xfrm>
+        <a:prstGeom prst="roundRect">
+          <a:avLst>
+            <a:gd name="adj" fmla="val 10000"/>
+          </a:avLst>
+        </a:prstGeom>
+        <a:solidFill>
+          <a:schemeClr val="lt1">
+            <a:alpha val="90000"/>
+            <a:hueOff val="0"/>
+            <a:satOff val="0"/>
+            <a:lumOff val="0"/>
+            <a:alphaOff val="0"/>
+          </a:schemeClr>
+        </a:solidFill>
+        <a:ln w="6350" cap="flat" cmpd="sng" algn="ctr">
+          <a:solidFill>
+            <a:schemeClr val="accent1">
+              <a:hueOff val="0"/>
+              <a:satOff val="0"/>
+              <a:lumOff val="0"/>
+              <a:alphaOff val="0"/>
+            </a:schemeClr>
+          </a:solidFill>
+          <a:prstDash val="solid"/>
+          <a:miter lim="800000"/>
+        </a:ln>
+        <a:effectLst/>
+      </dsp:spPr>
+      <dsp:style>
+        <a:lnRef idx="1">
+          <a:scrgbClr r="0" g="0" b="0"/>
+        </a:lnRef>
+        <a:fillRef idx="1">
+          <a:scrgbClr r="0" g="0" b="0"/>
+        </a:fillRef>
+        <a:effectRef idx="0">
+          <a:scrgbClr r="0" g="0" b="0"/>
+        </a:effectRef>
+        <a:fontRef idx="minor"/>
+      </dsp:style>
+      <dsp:txBody>
+        <a:bodyPr spcFirstLastPara="0" vert="horz" wrap="square" lIns="76200" tIns="76200" rIns="76200" bIns="76200" numCol="1" spcCol="1270" anchor="ctr" anchorCtr="0">
+          <a:noAutofit/>
+        </a:bodyPr>
+        <a:lstStyle/>
+        <a:p>
+          <a:pPr marL="0" lvl="0" indent="0" algn="ctr" defTabSz="889000">
+            <a:lnSpc>
+              <a:spcPct val="90000"/>
+            </a:lnSpc>
+            <a:spcBef>
+              <a:spcPct val="0"/>
+            </a:spcBef>
+            <a:spcAft>
+              <a:spcPct val="35000"/>
+            </a:spcAft>
+            <a:buNone/>
+          </a:pPr>
+          <a:r>
+            <a:rPr lang="nl-BE" sz="2000" kern="1200"/>
+            <a:t>String =  array of chars</a:t>
+          </a:r>
+          <a:endParaRPr lang="en-US" sz="2000" kern="1200"/>
+        </a:p>
+      </dsp:txBody>
+      <dsp:txXfrm>
+        <a:off x="2537299" y="233501"/>
+        <a:ext cx="1808962" cy="1123182"/>
+      </dsp:txXfrm>
+    </dsp:sp>
+    <dsp:sp modelId="{816CBFD5-608B-4558-8885-8FF945BA5A2F}">
+      <dsp:nvSpPr>
+        <dsp:cNvPr id="0" name=""/>
+        <dsp:cNvSpPr/>
+      </dsp:nvSpPr>
+      <dsp:spPr>
+        <a:xfrm>
+          <a:off x="4589967" y="233"/>
+          <a:ext cx="1878850" cy="1193070"/>
+        </a:xfrm>
+        <a:prstGeom prst="roundRect">
+          <a:avLst>
+            <a:gd name="adj" fmla="val 10000"/>
+          </a:avLst>
+        </a:prstGeom>
+        <a:gradFill rotWithShape="0">
+          <a:gsLst>
+            <a:gs pos="0">
+              <a:schemeClr val="accent1">
+                <a:hueOff val="0"/>
+                <a:satOff val="0"/>
+                <a:lumOff val="0"/>
+                <a:alphaOff val="0"/>
+                <a:satMod val="103000"/>
+                <a:lumMod val="102000"/>
+                <a:tint val="94000"/>
+              </a:schemeClr>
+            </a:gs>
+            <a:gs pos="50000">
+              <a:schemeClr val="accent1">
+                <a:hueOff val="0"/>
+                <a:satOff val="0"/>
+                <a:lumOff val="0"/>
+                <a:alphaOff val="0"/>
+                <a:satMod val="110000"/>
+                <a:lumMod val="100000"/>
+                <a:shade val="100000"/>
+              </a:schemeClr>
+            </a:gs>
+            <a:gs pos="100000">
+              <a:schemeClr val="accent1">
+                <a:hueOff val="0"/>
+                <a:satOff val="0"/>
+                <a:lumOff val="0"/>
+                <a:alphaOff val="0"/>
+                <a:lumMod val="99000"/>
+                <a:satMod val="120000"/>
+                <a:shade val="78000"/>
+              </a:schemeClr>
+            </a:gs>
+          </a:gsLst>
+          <a:lin ang="5400000" scaled="0"/>
+        </a:gradFill>
+        <a:ln>
+          <a:noFill/>
+        </a:ln>
+        <a:effectLst/>
+      </dsp:spPr>
+      <dsp:style>
+        <a:lnRef idx="0">
+          <a:scrgbClr r="0" g="0" b="0"/>
+        </a:lnRef>
+        <a:fillRef idx="3">
+          <a:scrgbClr r="0" g="0" b="0"/>
+        </a:fillRef>
+        <a:effectRef idx="2">
+          <a:scrgbClr r="0" g="0" b="0"/>
+        </a:effectRef>
+        <a:fontRef idx="minor">
+          <a:schemeClr val="lt1"/>
+        </a:fontRef>
+      </dsp:style>
+    </dsp:sp>
+    <dsp:sp modelId="{00F94FC8-7FE2-43D3-A2BB-1DF1E80C7B0E}">
+      <dsp:nvSpPr>
+        <dsp:cNvPr id="0" name=""/>
+        <dsp:cNvSpPr/>
+      </dsp:nvSpPr>
+      <dsp:spPr>
+        <a:xfrm>
+          <a:off x="4798728" y="198557"/>
+          <a:ext cx="1878850" cy="1193070"/>
+        </a:xfrm>
+        <a:prstGeom prst="roundRect">
+          <a:avLst>
+            <a:gd name="adj" fmla="val 10000"/>
+          </a:avLst>
+        </a:prstGeom>
+        <a:solidFill>
+          <a:schemeClr val="lt1">
+            <a:alpha val="90000"/>
+            <a:hueOff val="0"/>
+            <a:satOff val="0"/>
+            <a:lumOff val="0"/>
+            <a:alphaOff val="0"/>
+          </a:schemeClr>
+        </a:solidFill>
+        <a:ln w="6350" cap="flat" cmpd="sng" algn="ctr">
+          <a:solidFill>
+            <a:schemeClr val="accent1">
+              <a:hueOff val="0"/>
+              <a:satOff val="0"/>
+              <a:lumOff val="0"/>
+              <a:alphaOff val="0"/>
+            </a:schemeClr>
+          </a:solidFill>
+          <a:prstDash val="solid"/>
+          <a:miter lim="800000"/>
+        </a:ln>
+        <a:effectLst/>
+      </dsp:spPr>
+      <dsp:style>
+        <a:lnRef idx="1">
+          <a:scrgbClr r="0" g="0" b="0"/>
+        </a:lnRef>
+        <a:fillRef idx="1">
+          <a:scrgbClr r="0" g="0" b="0"/>
+        </a:fillRef>
+        <a:effectRef idx="0">
+          <a:scrgbClr r="0" g="0" b="0"/>
+        </a:effectRef>
+        <a:fontRef idx="minor"/>
+      </dsp:style>
+      <dsp:txBody>
+        <a:bodyPr spcFirstLastPara="0" vert="horz" wrap="square" lIns="76200" tIns="76200" rIns="76200" bIns="76200" numCol="1" spcCol="1270" anchor="ctr" anchorCtr="0">
+          <a:noAutofit/>
+        </a:bodyPr>
+        <a:lstStyle/>
+        <a:p>
+          <a:pPr marL="0" lvl="0" indent="0" algn="ctr" defTabSz="889000">
+            <a:lnSpc>
+              <a:spcPct val="90000"/>
+            </a:lnSpc>
+            <a:spcBef>
+              <a:spcPct val="0"/>
+            </a:spcBef>
+            <a:spcAft>
+              <a:spcPct val="35000"/>
+            </a:spcAft>
+            <a:buNone/>
+          </a:pPr>
+          <a:r>
+            <a:rPr lang="nl-BE" sz="2000" kern="1200"/>
+            <a:t>We can convert in both ways:</a:t>
+          </a:r>
+          <a:endParaRPr lang="en-US" sz="2000" kern="1200"/>
+        </a:p>
+      </dsp:txBody>
+      <dsp:txXfrm>
+        <a:off x="4833672" y="233501"/>
+        <a:ext cx="1808962" cy="1123182"/>
+      </dsp:txXfrm>
+    </dsp:sp>
+    <dsp:sp modelId="{B3F7876C-D5A0-45AD-AFE3-10768B38CF07}">
+      <dsp:nvSpPr>
+        <dsp:cNvPr id="0" name=""/>
+        <dsp:cNvSpPr/>
+      </dsp:nvSpPr>
+      <dsp:spPr>
+        <a:xfrm>
+          <a:off x="3441780" y="1739736"/>
+          <a:ext cx="1878850" cy="1193070"/>
+        </a:xfrm>
+        <a:prstGeom prst="roundRect">
+          <a:avLst>
+            <a:gd name="adj" fmla="val 10000"/>
+          </a:avLst>
+        </a:prstGeom>
+        <a:gradFill rotWithShape="0">
+          <a:gsLst>
+            <a:gs pos="0">
+              <a:schemeClr val="accent2">
+                <a:hueOff val="0"/>
+                <a:satOff val="0"/>
+                <a:lumOff val="0"/>
+                <a:alphaOff val="0"/>
+                <a:satMod val="103000"/>
+                <a:lumMod val="102000"/>
+                <a:tint val="94000"/>
+              </a:schemeClr>
+            </a:gs>
+            <a:gs pos="50000">
+              <a:schemeClr val="accent2">
+                <a:hueOff val="0"/>
+                <a:satOff val="0"/>
+                <a:lumOff val="0"/>
+                <a:alphaOff val="0"/>
+                <a:satMod val="110000"/>
+                <a:lumMod val="100000"/>
+                <a:shade val="100000"/>
+              </a:schemeClr>
+            </a:gs>
+            <a:gs pos="100000">
+              <a:schemeClr val="accent2">
+                <a:hueOff val="0"/>
+                <a:satOff val="0"/>
+                <a:lumOff val="0"/>
+                <a:alphaOff val="0"/>
+                <a:lumMod val="99000"/>
+                <a:satMod val="120000"/>
+                <a:shade val="78000"/>
+              </a:schemeClr>
+            </a:gs>
+          </a:gsLst>
+          <a:lin ang="5400000" scaled="0"/>
+        </a:gradFill>
+        <a:ln>
+          <a:noFill/>
+        </a:ln>
+        <a:effectLst/>
+      </dsp:spPr>
+      <dsp:style>
+        <a:lnRef idx="0">
+          <a:scrgbClr r="0" g="0" b="0"/>
+        </a:lnRef>
+        <a:fillRef idx="3">
+          <a:scrgbClr r="0" g="0" b="0"/>
+        </a:fillRef>
+        <a:effectRef idx="2">
+          <a:scrgbClr r="0" g="0" b="0"/>
+        </a:effectRef>
+        <a:fontRef idx="minor">
+          <a:schemeClr val="lt1"/>
+        </a:fontRef>
+      </dsp:style>
+    </dsp:sp>
+    <dsp:sp modelId="{8B41FB60-8EE9-461E-8F12-6E43751AC2FF}">
+      <dsp:nvSpPr>
+        <dsp:cNvPr id="0" name=""/>
+        <dsp:cNvSpPr/>
+      </dsp:nvSpPr>
+      <dsp:spPr>
+        <a:xfrm>
+          <a:off x="3650541" y="1938059"/>
+          <a:ext cx="1878850" cy="1193070"/>
+        </a:xfrm>
+        <a:prstGeom prst="roundRect">
+          <a:avLst>
+            <a:gd name="adj" fmla="val 10000"/>
+          </a:avLst>
+        </a:prstGeom>
+        <a:solidFill>
+          <a:schemeClr val="lt1">
+            <a:alpha val="90000"/>
+            <a:hueOff val="0"/>
+            <a:satOff val="0"/>
+            <a:lumOff val="0"/>
+            <a:alphaOff val="0"/>
+          </a:schemeClr>
+        </a:solidFill>
+        <a:ln w="6350" cap="flat" cmpd="sng" algn="ctr">
+          <a:solidFill>
+            <a:schemeClr val="accent2">
+              <a:hueOff val="0"/>
+              <a:satOff val="0"/>
+              <a:lumOff val="0"/>
+              <a:alphaOff val="0"/>
+            </a:schemeClr>
+          </a:solidFill>
+          <a:prstDash val="solid"/>
+          <a:miter lim="800000"/>
+        </a:ln>
+        <a:effectLst/>
+      </dsp:spPr>
+      <dsp:style>
+        <a:lnRef idx="1">
+          <a:scrgbClr r="0" g="0" b="0"/>
+        </a:lnRef>
+        <a:fillRef idx="1">
+          <a:scrgbClr r="0" g="0" b="0"/>
+        </a:fillRef>
+        <a:effectRef idx="0">
+          <a:scrgbClr r="0" g="0" b="0"/>
+        </a:effectRef>
+        <a:fontRef idx="minor"/>
+      </dsp:style>
+      <dsp:txBody>
+        <a:bodyPr spcFirstLastPara="0" vert="horz" wrap="square" lIns="76200" tIns="76200" rIns="76200" bIns="76200" numCol="1" spcCol="1270" anchor="ctr" anchorCtr="0">
+          <a:noAutofit/>
+        </a:bodyPr>
+        <a:lstStyle/>
+        <a:p>
+          <a:pPr marL="0" lvl="0" indent="0" algn="ctr" defTabSz="889000">
+            <a:lnSpc>
+              <a:spcPct val="90000"/>
+            </a:lnSpc>
+            <a:spcBef>
+              <a:spcPct val="0"/>
+            </a:spcBef>
+            <a:spcAft>
+              <a:spcPct val="35000"/>
+            </a:spcAft>
+            <a:buNone/>
+          </a:pPr>
+          <a:r>
+            <a:rPr lang="nl-BE" sz="2000" kern="1200"/>
+            <a:t>String to char-array: </a:t>
+          </a:r>
+          <a:r>
+            <a:rPr lang="nl-BE" sz="2000" b="1" kern="1200"/>
+            <a:t>.ToCharArray();</a:t>
+          </a:r>
+          <a:endParaRPr lang="en-US" sz="2000" kern="1200"/>
+        </a:p>
+      </dsp:txBody>
+      <dsp:txXfrm>
+        <a:off x="3685485" y="1973003"/>
+        <a:ext cx="1808962" cy="1123182"/>
+      </dsp:txXfrm>
+    </dsp:sp>
+    <dsp:sp modelId="{479A8869-49D3-4081-8A1F-E2B92C89D599}">
+      <dsp:nvSpPr>
+        <dsp:cNvPr id="0" name=""/>
+        <dsp:cNvSpPr/>
+      </dsp:nvSpPr>
+      <dsp:spPr>
+        <a:xfrm>
+          <a:off x="5738153" y="1739736"/>
+          <a:ext cx="1878850" cy="1193070"/>
+        </a:xfrm>
+        <a:prstGeom prst="roundRect">
+          <a:avLst>
+            <a:gd name="adj" fmla="val 10000"/>
+          </a:avLst>
+        </a:prstGeom>
+        <a:gradFill rotWithShape="0">
+          <a:gsLst>
+            <a:gs pos="0">
+              <a:schemeClr val="accent2">
+                <a:hueOff val="0"/>
+                <a:satOff val="0"/>
+                <a:lumOff val="0"/>
+                <a:alphaOff val="0"/>
+                <a:satMod val="103000"/>
+                <a:lumMod val="102000"/>
+                <a:tint val="94000"/>
+              </a:schemeClr>
+            </a:gs>
+            <a:gs pos="50000">
+              <a:schemeClr val="accent2">
+                <a:hueOff val="0"/>
+                <a:satOff val="0"/>
+                <a:lumOff val="0"/>
+                <a:alphaOff val="0"/>
+                <a:satMod val="110000"/>
+                <a:lumMod val="100000"/>
+                <a:shade val="100000"/>
+              </a:schemeClr>
+            </a:gs>
+            <a:gs pos="100000">
+              <a:schemeClr val="accent2">
+                <a:hueOff val="0"/>
+                <a:satOff val="0"/>
+                <a:lumOff val="0"/>
+                <a:alphaOff val="0"/>
+                <a:lumMod val="99000"/>
+                <a:satMod val="120000"/>
+                <a:shade val="78000"/>
+              </a:schemeClr>
+            </a:gs>
+          </a:gsLst>
+          <a:lin ang="5400000" scaled="0"/>
+        </a:gradFill>
+        <a:ln>
+          <a:noFill/>
+        </a:ln>
+        <a:effectLst/>
+      </dsp:spPr>
+      <dsp:style>
+        <a:lnRef idx="0">
+          <a:scrgbClr r="0" g="0" b="0"/>
+        </a:lnRef>
+        <a:fillRef idx="3">
+          <a:scrgbClr r="0" g="0" b="0"/>
+        </a:fillRef>
+        <a:effectRef idx="2">
+          <a:scrgbClr r="0" g="0" b="0"/>
+        </a:effectRef>
+        <a:fontRef idx="minor">
+          <a:schemeClr val="lt1"/>
+        </a:fontRef>
+      </dsp:style>
+    </dsp:sp>
+    <dsp:sp modelId="{4490EBD9-13D8-4494-9FC8-D551FB4EC14B}">
+      <dsp:nvSpPr>
+        <dsp:cNvPr id="0" name=""/>
+        <dsp:cNvSpPr/>
+      </dsp:nvSpPr>
+      <dsp:spPr>
+        <a:xfrm>
+          <a:off x="5946915" y="1938059"/>
+          <a:ext cx="1878850" cy="1193070"/>
+        </a:xfrm>
+        <a:prstGeom prst="roundRect">
+          <a:avLst>
+            <a:gd name="adj" fmla="val 10000"/>
+          </a:avLst>
+        </a:prstGeom>
+        <a:solidFill>
+          <a:schemeClr val="lt1">
+            <a:alpha val="90000"/>
+            <a:hueOff val="0"/>
+            <a:satOff val="0"/>
+            <a:lumOff val="0"/>
+            <a:alphaOff val="0"/>
+          </a:schemeClr>
+        </a:solidFill>
+        <a:ln w="6350" cap="flat" cmpd="sng" algn="ctr">
+          <a:solidFill>
+            <a:schemeClr val="accent2">
+              <a:hueOff val="0"/>
+              <a:satOff val="0"/>
+              <a:lumOff val="0"/>
+              <a:alphaOff val="0"/>
+            </a:schemeClr>
+          </a:solidFill>
+          <a:prstDash val="solid"/>
+          <a:miter lim="800000"/>
+        </a:ln>
+        <a:effectLst/>
+      </dsp:spPr>
+      <dsp:style>
+        <a:lnRef idx="1">
+          <a:scrgbClr r="0" g="0" b="0"/>
+        </a:lnRef>
+        <a:fillRef idx="1">
+          <a:scrgbClr r="0" g="0" b="0"/>
+        </a:fillRef>
+        <a:effectRef idx="0">
+          <a:scrgbClr r="0" g="0" b="0"/>
+        </a:effectRef>
+        <a:fontRef idx="minor"/>
+      </dsp:style>
+      <dsp:txBody>
+        <a:bodyPr spcFirstLastPara="0" vert="horz" wrap="square" lIns="76200" tIns="76200" rIns="76200" bIns="76200" numCol="1" spcCol="1270" anchor="ctr" anchorCtr="0">
+          <a:noAutofit/>
+        </a:bodyPr>
+        <a:lstStyle/>
+        <a:p>
+          <a:pPr marL="0" lvl="0" indent="0" algn="ctr" defTabSz="889000">
+            <a:lnSpc>
+              <a:spcPct val="90000"/>
+            </a:lnSpc>
+            <a:spcBef>
+              <a:spcPct val="0"/>
+            </a:spcBef>
+            <a:spcAft>
+              <a:spcPct val="35000"/>
+            </a:spcAft>
+            <a:buNone/>
+          </a:pPr>
+          <a:r>
+            <a:rPr lang="nl-BE" sz="2000" kern="1200"/>
+            <a:t>Char-array to string: using </a:t>
+          </a:r>
+          <a:r>
+            <a:rPr lang="nl-BE" sz="2000" b="1" kern="1200"/>
+            <a:t>new String(…);</a:t>
+          </a:r>
+          <a:endParaRPr lang="en-US" sz="2000" kern="1200"/>
+        </a:p>
+      </dsp:txBody>
+      <dsp:txXfrm>
+        <a:off x="5981859" y="1973003"/>
+        <a:ext cx="1808962" cy="1123182"/>
       </dsp:txXfrm>
     </dsp:sp>
   </dsp:spTree>
@@ -3578,6 +5557,569 @@
 </dgm:layoutDef>
 </file>
 
+<file path=ppt/diagrams/layout3.xml><?xml version="1.0" encoding="utf-8"?>
+<dgm:layoutDef xmlns:dgm="http://schemas.openxmlformats.org/drawingml/2006/diagram" xmlns:a="http://schemas.openxmlformats.org/drawingml/2006/main" uniqueId="urn:microsoft.com/office/officeart/2005/8/layout/hierarchy1">
+  <dgm:title val=""/>
+  <dgm:desc val=""/>
+  <dgm:catLst>
+    <dgm:cat type="hierarchy" pri="2000"/>
+  </dgm:catLst>
+  <dgm:sampData>
+    <dgm:dataModel>
+      <dgm:ptLst>
+        <dgm:pt modelId="0" type="doc"/>
+        <dgm:pt modelId="1">
+          <dgm:prSet phldr="1"/>
+        </dgm:pt>
+        <dgm:pt modelId="2">
+          <dgm:prSet phldr="1"/>
+        </dgm:pt>
+        <dgm:pt modelId="21">
+          <dgm:prSet phldr="1"/>
+        </dgm:pt>
+        <dgm:pt modelId="22">
+          <dgm:prSet phldr="1"/>
+        </dgm:pt>
+        <dgm:pt modelId="3">
+          <dgm:prSet phldr="1"/>
+        </dgm:pt>
+        <dgm:pt modelId="31">
+          <dgm:prSet phldr="1"/>
+        </dgm:pt>
+      </dgm:ptLst>
+      <dgm:cxnLst>
+        <dgm:cxn modelId="4" srcId="0" destId="1" srcOrd="0" destOrd="0"/>
+        <dgm:cxn modelId="5" srcId="1" destId="2" srcOrd="0" destOrd="0"/>
+        <dgm:cxn modelId="6" srcId="1" destId="3" srcOrd="1" destOrd="0"/>
+        <dgm:cxn modelId="23" srcId="2" destId="21" srcOrd="0" destOrd="0"/>
+        <dgm:cxn modelId="24" srcId="2" destId="22" srcOrd="1" destOrd="0"/>
+        <dgm:cxn modelId="33" srcId="3" destId="31" srcOrd="0" destOrd="0"/>
+      </dgm:cxnLst>
+      <dgm:bg/>
+      <dgm:whole/>
+    </dgm:dataModel>
+  </dgm:sampData>
+  <dgm:styleData>
+    <dgm:dataModel>
+      <dgm:ptLst>
+        <dgm:pt modelId="0" type="doc"/>
+        <dgm:pt modelId="1"/>
+        <dgm:pt modelId="11"/>
+        <dgm:pt modelId="12"/>
+      </dgm:ptLst>
+      <dgm:cxnLst>
+        <dgm:cxn modelId="2" srcId="0" destId="1" srcOrd="0" destOrd="0"/>
+        <dgm:cxn modelId="13" srcId="1" destId="11" srcOrd="0" destOrd="0"/>
+        <dgm:cxn modelId="14" srcId="1" destId="12" srcOrd="1" destOrd="0"/>
+      </dgm:cxnLst>
+      <dgm:bg/>
+      <dgm:whole/>
+    </dgm:dataModel>
+  </dgm:styleData>
+  <dgm:clrData>
+    <dgm:dataModel>
+      <dgm:ptLst>
+        <dgm:pt modelId="0" type="doc"/>
+        <dgm:pt modelId="1"/>
+        <dgm:pt modelId="2"/>
+        <dgm:pt modelId="21"/>
+        <dgm:pt modelId="211"/>
+        <dgm:pt modelId="3"/>
+        <dgm:pt modelId="31"/>
+        <dgm:pt modelId="311"/>
+      </dgm:ptLst>
+      <dgm:cxnLst>
+        <dgm:cxn modelId="4" srcId="0" destId="1" srcOrd="0" destOrd="0"/>
+        <dgm:cxn modelId="5" srcId="1" destId="2" srcOrd="0" destOrd="0"/>
+        <dgm:cxn modelId="6" srcId="1" destId="3" srcOrd="1" destOrd="0"/>
+        <dgm:cxn modelId="23" srcId="2" destId="21" srcOrd="0" destOrd="0"/>
+        <dgm:cxn modelId="24" srcId="21" destId="211" srcOrd="0" destOrd="0"/>
+        <dgm:cxn modelId="33" srcId="3" destId="31" srcOrd="0" destOrd="0"/>
+        <dgm:cxn modelId="34" srcId="31" destId="311" srcOrd="0" destOrd="0"/>
+      </dgm:cxnLst>
+      <dgm:bg/>
+      <dgm:whole/>
+    </dgm:dataModel>
+  </dgm:clrData>
+  <dgm:layoutNode name="hierChild1">
+    <dgm:varLst>
+      <dgm:chPref val="1"/>
+      <dgm:dir/>
+      <dgm:animOne val="branch"/>
+      <dgm:animLvl val="lvl"/>
+      <dgm:resizeHandles/>
+    </dgm:varLst>
+    <dgm:choose name="Name0">
+      <dgm:if name="Name1" func="var" arg="dir" op="equ" val="norm">
+        <dgm:alg type="hierChild">
+          <dgm:param type="linDir" val="fromL"/>
+        </dgm:alg>
+      </dgm:if>
+      <dgm:else name="Name2">
+        <dgm:alg type="hierChild">
+          <dgm:param type="linDir" val="fromR"/>
+        </dgm:alg>
+      </dgm:else>
+    </dgm:choose>
+    <dgm:shape xmlns:r="http://schemas.openxmlformats.org/officeDocument/2006/relationships" r:blip="">
+      <dgm:adjLst/>
+    </dgm:shape>
+    <dgm:presOf/>
+    <dgm:constrLst>
+      <dgm:constr type="primFontSz" for="des" ptType="node" op="equ" val="65"/>
+      <dgm:constr type="w" for="des" forName="composite" refType="w"/>
+      <dgm:constr type="h" for="des" forName="composite" refType="w" refFor="des" refForName="composite" fact="0.667"/>
+      <dgm:constr type="w" for="des" forName="composite2" refType="w" refFor="des" refForName="composite"/>
+      <dgm:constr type="h" for="des" forName="composite2" refType="h" refFor="des" refForName="composite"/>
+      <dgm:constr type="w" for="des" forName="composite3" refType="w" refFor="des" refForName="composite"/>
+      <dgm:constr type="h" for="des" forName="composite3" refType="h" refFor="des" refForName="composite"/>
+      <dgm:constr type="w" for="des" forName="composite4" refType="w" refFor="des" refForName="composite"/>
+      <dgm:constr type="h" for="des" forName="composite4" refType="h" refFor="des" refForName="composite"/>
+      <dgm:constr type="w" for="des" forName="composite5" refType="w" refFor="des" refForName="composite"/>
+      <dgm:constr type="h" for="des" forName="composite5" refType="h" refFor="des" refForName="composite"/>
+      <dgm:constr type="sibSp" refType="w" refFor="des" refForName="composite" fact="0.1"/>
+      <dgm:constr type="sibSp" for="des" forName="hierChild2" refType="sibSp"/>
+      <dgm:constr type="sibSp" for="des" forName="hierChild3" refType="sibSp"/>
+      <dgm:constr type="sibSp" for="des" forName="hierChild4" refType="sibSp"/>
+      <dgm:constr type="sibSp" for="des" forName="hierChild5" refType="sibSp"/>
+      <dgm:constr type="sibSp" for="des" forName="hierChild6" refType="sibSp"/>
+      <dgm:constr type="sp" for="des" forName="hierRoot1" refType="h" refFor="des" refForName="composite" fact="0.25"/>
+      <dgm:constr type="sp" for="des" forName="hierRoot2" refType="sp" refFor="des" refForName="hierRoot1"/>
+      <dgm:constr type="sp" for="des" forName="hierRoot3" refType="sp" refFor="des" refForName="hierRoot1"/>
+      <dgm:constr type="sp" for="des" forName="hierRoot4" refType="sp" refFor="des" refForName="hierRoot1"/>
+      <dgm:constr type="sp" for="des" forName="hierRoot5" refType="sp" refFor="des" refForName="hierRoot1"/>
+    </dgm:constrLst>
+    <dgm:ruleLst/>
+    <dgm:forEach name="Name3" axis="ch">
+      <dgm:forEach name="Name4" axis="self" ptType="node">
+        <dgm:layoutNode name="hierRoot1">
+          <dgm:alg type="hierRoot"/>
+          <dgm:shape xmlns:r="http://schemas.openxmlformats.org/officeDocument/2006/relationships" r:blip="">
+            <dgm:adjLst/>
+          </dgm:shape>
+          <dgm:presOf/>
+          <dgm:constrLst>
+            <dgm:constr type="bendDist" for="des" ptType="parTrans" refType="sp" fact="0.5"/>
+          </dgm:constrLst>
+          <dgm:ruleLst/>
+          <dgm:layoutNode name="composite">
+            <dgm:alg type="composite"/>
+            <dgm:shape xmlns:r="http://schemas.openxmlformats.org/officeDocument/2006/relationships" r:blip="">
+              <dgm:adjLst/>
+            </dgm:shape>
+            <dgm:presOf/>
+            <dgm:constrLst>
+              <dgm:constr type="w" for="ch" forName="background" refType="w" fact="0.9"/>
+              <dgm:constr type="h" for="ch" forName="background" refType="w" refFor="ch" refForName="background" fact="0.635"/>
+              <dgm:constr type="t" for="ch" forName="background"/>
+              <dgm:constr type="l" for="ch" forName="background"/>
+              <dgm:constr type="w" for="ch" forName="text" refType="w" fact="0.9"/>
+              <dgm:constr type="h" for="ch" forName="text" refType="w" refFor="ch" refForName="text" fact="0.635"/>
+              <dgm:constr type="t" for="ch" forName="text" refType="w" fact="0.095"/>
+              <dgm:constr type="l" for="ch" forName="text" refType="w" fact="0.1"/>
+            </dgm:constrLst>
+            <dgm:ruleLst/>
+            <dgm:layoutNode name="background" styleLbl="node0" moveWith="text">
+              <dgm:alg type="sp"/>
+              <dgm:shape xmlns:r="http://schemas.openxmlformats.org/officeDocument/2006/relationships" type="roundRect" r:blip="">
+                <dgm:adjLst>
+                  <dgm:adj idx="1" val="0.1"/>
+                </dgm:adjLst>
+              </dgm:shape>
+              <dgm:presOf/>
+              <dgm:constrLst/>
+              <dgm:ruleLst/>
+            </dgm:layoutNode>
+            <dgm:layoutNode name="text" styleLbl="fgAcc0">
+              <dgm:varLst>
+                <dgm:chPref val="3"/>
+              </dgm:varLst>
+              <dgm:alg type="tx"/>
+              <dgm:shape xmlns:r="http://schemas.openxmlformats.org/officeDocument/2006/relationships" type="roundRect" r:blip="">
+                <dgm:adjLst>
+                  <dgm:adj idx="1" val="0.1"/>
+                </dgm:adjLst>
+              </dgm:shape>
+              <dgm:presOf axis="self"/>
+              <dgm:constrLst>
+                <dgm:constr type="tMarg" refType="primFontSz" fact="0.3"/>
+                <dgm:constr type="bMarg" refType="primFontSz" fact="0.3"/>
+                <dgm:constr type="lMarg" refType="primFontSz" fact="0.3"/>
+                <dgm:constr type="rMarg" refType="primFontSz" fact="0.3"/>
+              </dgm:constrLst>
+              <dgm:ruleLst>
+                <dgm:rule type="primFontSz" val="5" fact="NaN" max="NaN"/>
+              </dgm:ruleLst>
+            </dgm:layoutNode>
+          </dgm:layoutNode>
+          <dgm:layoutNode name="hierChild2">
+            <dgm:choose name="Name5">
+              <dgm:if name="Name6" func="var" arg="dir" op="equ" val="norm">
+                <dgm:alg type="hierChild">
+                  <dgm:param type="linDir" val="fromL"/>
+                </dgm:alg>
+              </dgm:if>
+              <dgm:else name="Name7">
+                <dgm:alg type="hierChild">
+                  <dgm:param type="linDir" val="fromR"/>
+                </dgm:alg>
+              </dgm:else>
+            </dgm:choose>
+            <dgm:shape xmlns:r="http://schemas.openxmlformats.org/officeDocument/2006/relationships" r:blip="">
+              <dgm:adjLst/>
+            </dgm:shape>
+            <dgm:presOf/>
+            <dgm:constrLst/>
+            <dgm:ruleLst/>
+            <dgm:forEach name="Name8" axis="ch">
+              <dgm:forEach name="Name9" axis="self" ptType="parTrans" cnt="1">
+                <dgm:layoutNode name="Name10">
+                  <dgm:alg type="conn">
+                    <dgm:param type="dim" val="1D"/>
+                    <dgm:param type="endSty" val="noArr"/>
+                    <dgm:param type="connRout" val="bend"/>
+                    <dgm:param type="bendPt" val="end"/>
+                    <dgm:param type="begPts" val="bCtr"/>
+                    <dgm:param type="endPts" val="tCtr"/>
+                    <dgm:param type="srcNode" val="background"/>
+                    <dgm:param type="dstNode" val="background2"/>
+                  </dgm:alg>
+                  <dgm:shape xmlns:r="http://schemas.openxmlformats.org/officeDocument/2006/relationships" type="conn" r:blip="" zOrderOff="-999">
+                    <dgm:adjLst/>
+                  </dgm:shape>
+                  <dgm:presOf axis="self"/>
+                  <dgm:constrLst>
+                    <dgm:constr type="begPad"/>
+                    <dgm:constr type="endPad"/>
+                  </dgm:constrLst>
+                  <dgm:ruleLst/>
+                </dgm:layoutNode>
+              </dgm:forEach>
+              <dgm:forEach name="Name11" axis="self" ptType="node">
+                <dgm:layoutNode name="hierRoot2">
+                  <dgm:alg type="hierRoot"/>
+                  <dgm:shape xmlns:r="http://schemas.openxmlformats.org/officeDocument/2006/relationships" r:blip="">
+                    <dgm:adjLst/>
+                  </dgm:shape>
+                  <dgm:presOf/>
+                  <dgm:constrLst>
+                    <dgm:constr type="bendDist" for="des" ptType="parTrans" refType="sp" fact="0.5"/>
+                  </dgm:constrLst>
+                  <dgm:ruleLst/>
+                  <dgm:layoutNode name="composite2">
+                    <dgm:alg type="composite"/>
+                    <dgm:shape xmlns:r="http://schemas.openxmlformats.org/officeDocument/2006/relationships" r:blip="">
+                      <dgm:adjLst/>
+                    </dgm:shape>
+                    <dgm:presOf/>
+                    <dgm:constrLst>
+                      <dgm:constr type="w" for="ch" forName="background2" refType="w" fact="0.9"/>
+                      <dgm:constr type="h" for="ch" forName="background2" refType="w" refFor="ch" refForName="background2" fact="0.635"/>
+                      <dgm:constr type="t" for="ch" forName="background2"/>
+                      <dgm:constr type="l" for="ch" forName="background2"/>
+                      <dgm:constr type="w" for="ch" forName="text2" refType="w" fact="0.9"/>
+                      <dgm:constr type="h" for="ch" forName="text2" refType="w" refFor="ch" refForName="text2" fact="0.635"/>
+                      <dgm:constr type="t" for="ch" forName="text2" refType="w" fact="0.095"/>
+                      <dgm:constr type="l" for="ch" forName="text2" refType="w" fact="0.1"/>
+                    </dgm:constrLst>
+                    <dgm:ruleLst/>
+                    <dgm:layoutNode name="background2" moveWith="text2">
+                      <dgm:alg type="sp"/>
+                      <dgm:shape xmlns:r="http://schemas.openxmlformats.org/officeDocument/2006/relationships" type="roundRect" r:blip="">
+                        <dgm:adjLst>
+                          <dgm:adj idx="1" val="0.1"/>
+                        </dgm:adjLst>
+                      </dgm:shape>
+                      <dgm:presOf/>
+                      <dgm:constrLst/>
+                      <dgm:ruleLst/>
+                    </dgm:layoutNode>
+                    <dgm:layoutNode name="text2" styleLbl="fgAcc2">
+                      <dgm:varLst>
+                        <dgm:chPref val="3"/>
+                      </dgm:varLst>
+                      <dgm:alg type="tx"/>
+                      <dgm:shape xmlns:r="http://schemas.openxmlformats.org/officeDocument/2006/relationships" type="roundRect" r:blip="">
+                        <dgm:adjLst>
+                          <dgm:adj idx="1" val="0.1"/>
+                        </dgm:adjLst>
+                      </dgm:shape>
+                      <dgm:presOf axis="self"/>
+                      <dgm:constrLst>
+                        <dgm:constr type="tMarg" refType="primFontSz" fact="0.3"/>
+                        <dgm:constr type="bMarg" refType="primFontSz" fact="0.3"/>
+                        <dgm:constr type="lMarg" refType="primFontSz" fact="0.3"/>
+                        <dgm:constr type="rMarg" refType="primFontSz" fact="0.3"/>
+                      </dgm:constrLst>
+                      <dgm:ruleLst>
+                        <dgm:rule type="primFontSz" val="5" fact="NaN" max="NaN"/>
+                      </dgm:ruleLst>
+                    </dgm:layoutNode>
+                  </dgm:layoutNode>
+                  <dgm:layoutNode name="hierChild3">
+                    <dgm:choose name="Name12">
+                      <dgm:if name="Name13" func="var" arg="dir" op="equ" val="norm">
+                        <dgm:alg type="hierChild">
+                          <dgm:param type="linDir" val="fromL"/>
+                        </dgm:alg>
+                      </dgm:if>
+                      <dgm:else name="Name14">
+                        <dgm:alg type="hierChild">
+                          <dgm:param type="linDir" val="fromR"/>
+                        </dgm:alg>
+                      </dgm:else>
+                    </dgm:choose>
+                    <dgm:shape xmlns:r="http://schemas.openxmlformats.org/officeDocument/2006/relationships" r:blip="">
+                      <dgm:adjLst/>
+                    </dgm:shape>
+                    <dgm:presOf/>
+                    <dgm:constrLst/>
+                    <dgm:ruleLst/>
+                    <dgm:forEach name="Name15" axis="ch">
+                      <dgm:forEach name="Name16" axis="self" ptType="parTrans" cnt="1">
+                        <dgm:layoutNode name="Name17">
+                          <dgm:alg type="conn">
+                            <dgm:param type="dim" val="1D"/>
+                            <dgm:param type="endSty" val="noArr"/>
+                            <dgm:param type="connRout" val="bend"/>
+                            <dgm:param type="bendPt" val="end"/>
+                            <dgm:param type="begPts" val="bCtr"/>
+                            <dgm:param type="endPts" val="tCtr"/>
+                            <dgm:param type="srcNode" val="background2"/>
+                            <dgm:param type="dstNode" val="background3"/>
+                          </dgm:alg>
+                          <dgm:shape xmlns:r="http://schemas.openxmlformats.org/officeDocument/2006/relationships" type="conn" r:blip="" zOrderOff="-999">
+                            <dgm:adjLst/>
+                          </dgm:shape>
+                          <dgm:presOf axis="self"/>
+                          <dgm:constrLst>
+                            <dgm:constr type="begPad"/>
+                            <dgm:constr type="endPad"/>
+                          </dgm:constrLst>
+                          <dgm:ruleLst/>
+                        </dgm:layoutNode>
+                      </dgm:forEach>
+                      <dgm:forEach name="Name18" axis="self" ptType="node">
+                        <dgm:layoutNode name="hierRoot3">
+                          <dgm:alg type="hierRoot"/>
+                          <dgm:shape xmlns:r="http://schemas.openxmlformats.org/officeDocument/2006/relationships" r:blip="">
+                            <dgm:adjLst/>
+                          </dgm:shape>
+                          <dgm:presOf/>
+                          <dgm:constrLst>
+                            <dgm:constr type="bendDist" for="des" ptType="parTrans" refType="sp" fact="0.5"/>
+                          </dgm:constrLst>
+                          <dgm:ruleLst/>
+                          <dgm:layoutNode name="composite3">
+                            <dgm:alg type="composite"/>
+                            <dgm:shape xmlns:r="http://schemas.openxmlformats.org/officeDocument/2006/relationships" r:blip="">
+                              <dgm:adjLst/>
+                            </dgm:shape>
+                            <dgm:presOf/>
+                            <dgm:constrLst>
+                              <dgm:constr type="w" for="ch" forName="background3" refType="w" fact="0.9"/>
+                              <dgm:constr type="h" for="ch" forName="background3" refType="w" refFor="ch" refForName="background3" fact="0.635"/>
+                              <dgm:constr type="t" for="ch" forName="background3"/>
+                              <dgm:constr type="l" for="ch" forName="background3"/>
+                              <dgm:constr type="w" for="ch" forName="text3" refType="w" fact="0.9"/>
+                              <dgm:constr type="h" for="ch" forName="text3" refType="w" refFor="ch" refForName="text3" fact="0.635"/>
+                              <dgm:constr type="t" for="ch" forName="text3" refType="w" fact="0.095"/>
+                              <dgm:constr type="l" for="ch" forName="text3" refType="w" fact="0.1"/>
+                            </dgm:constrLst>
+                            <dgm:ruleLst/>
+                            <dgm:layoutNode name="background3" moveWith="text3">
+                              <dgm:alg type="sp"/>
+                              <dgm:shape xmlns:r="http://schemas.openxmlformats.org/officeDocument/2006/relationships" type="roundRect" r:blip="">
+                                <dgm:adjLst>
+                                  <dgm:adj idx="1" val="0.1"/>
+                                </dgm:adjLst>
+                              </dgm:shape>
+                              <dgm:presOf/>
+                              <dgm:constrLst/>
+                              <dgm:ruleLst/>
+                            </dgm:layoutNode>
+                            <dgm:layoutNode name="text3" styleLbl="fgAcc3">
+                              <dgm:varLst>
+                                <dgm:chPref val="3"/>
+                              </dgm:varLst>
+                              <dgm:alg type="tx"/>
+                              <dgm:shape xmlns:r="http://schemas.openxmlformats.org/officeDocument/2006/relationships" type="roundRect" r:blip="">
+                                <dgm:adjLst>
+                                  <dgm:adj idx="1" val="0.1"/>
+                                </dgm:adjLst>
+                              </dgm:shape>
+                              <dgm:presOf axis="self"/>
+                              <dgm:constrLst>
+                                <dgm:constr type="tMarg" refType="primFontSz" fact="0.3"/>
+                                <dgm:constr type="bMarg" refType="primFontSz" fact="0.3"/>
+                                <dgm:constr type="lMarg" refType="primFontSz" fact="0.3"/>
+                                <dgm:constr type="rMarg" refType="primFontSz" fact="0.3"/>
+                              </dgm:constrLst>
+                              <dgm:ruleLst>
+                                <dgm:rule type="primFontSz" val="5" fact="NaN" max="NaN"/>
+                              </dgm:ruleLst>
+                            </dgm:layoutNode>
+                          </dgm:layoutNode>
+                          <dgm:layoutNode name="hierChild4">
+                            <dgm:choose name="Name19">
+                              <dgm:if name="Name20" func="var" arg="dir" op="equ" val="norm">
+                                <dgm:alg type="hierChild">
+                                  <dgm:param type="linDir" val="fromL"/>
+                                </dgm:alg>
+                              </dgm:if>
+                              <dgm:else name="Name21">
+                                <dgm:alg type="hierChild">
+                                  <dgm:param type="linDir" val="fromR"/>
+                                </dgm:alg>
+                              </dgm:else>
+                            </dgm:choose>
+                            <dgm:shape xmlns:r="http://schemas.openxmlformats.org/officeDocument/2006/relationships" r:blip="">
+                              <dgm:adjLst/>
+                            </dgm:shape>
+                            <dgm:presOf/>
+                            <dgm:constrLst/>
+                            <dgm:ruleLst/>
+                            <dgm:forEach name="repeat" axis="ch">
+                              <dgm:forEach name="Name22" axis="self" ptType="parTrans" cnt="1">
+                                <dgm:layoutNode name="Name23">
+                                  <dgm:choose name="Name24">
+                                    <dgm:if name="Name25" axis="self" func="depth" op="lte" val="4">
+                                      <dgm:alg type="conn">
+                                        <dgm:param type="dim" val="1D"/>
+                                        <dgm:param type="endSty" val="noArr"/>
+                                        <dgm:param type="connRout" val="bend"/>
+                                        <dgm:param type="bendPt" val="end"/>
+                                        <dgm:param type="begPts" val="bCtr"/>
+                                        <dgm:param type="endPts" val="tCtr"/>
+                                        <dgm:param type="srcNode" val="background3"/>
+                                        <dgm:param type="dstNode" val="background4"/>
+                                      </dgm:alg>
+                                    </dgm:if>
+                                    <dgm:else name="Name26">
+                                      <dgm:alg type="conn">
+                                        <dgm:param type="dim" val="1D"/>
+                                        <dgm:param type="endSty" val="noArr"/>
+                                        <dgm:param type="connRout" val="bend"/>
+                                        <dgm:param type="bendPt" val="end"/>
+                                        <dgm:param type="begPts" val="bCtr"/>
+                                        <dgm:param type="endPts" val="tCtr"/>
+                                        <dgm:param type="srcNode" val="background4"/>
+                                        <dgm:param type="dstNode" val="background4"/>
+                                      </dgm:alg>
+                                    </dgm:else>
+                                  </dgm:choose>
+                                  <dgm:shape xmlns:r="http://schemas.openxmlformats.org/officeDocument/2006/relationships" type="conn" r:blip="" zOrderOff="-999">
+                                    <dgm:adjLst/>
+                                  </dgm:shape>
+                                  <dgm:presOf axis="self"/>
+                                  <dgm:constrLst>
+                                    <dgm:constr type="begPad"/>
+                                    <dgm:constr type="endPad"/>
+                                  </dgm:constrLst>
+                                  <dgm:ruleLst/>
+                                </dgm:layoutNode>
+                              </dgm:forEach>
+                              <dgm:forEach name="Name27" axis="self" ptType="node">
+                                <dgm:layoutNode name="hierRoot4">
+                                  <dgm:alg type="hierRoot"/>
+                                  <dgm:shape xmlns:r="http://schemas.openxmlformats.org/officeDocument/2006/relationships" r:blip="">
+                                    <dgm:adjLst/>
+                                  </dgm:shape>
+                                  <dgm:presOf/>
+                                  <dgm:constrLst>
+                                    <dgm:constr type="bendDist" for="des" ptType="parTrans" refType="sp" fact="0.5"/>
+                                  </dgm:constrLst>
+                                  <dgm:ruleLst/>
+                                  <dgm:layoutNode name="composite4">
+                                    <dgm:alg type="composite"/>
+                                    <dgm:shape xmlns:r="http://schemas.openxmlformats.org/officeDocument/2006/relationships" r:blip="">
+                                      <dgm:adjLst/>
+                                    </dgm:shape>
+                                    <dgm:presOf/>
+                                    <dgm:constrLst>
+                                      <dgm:constr type="w" for="ch" forName="background4" refType="w" fact="0.9"/>
+                                      <dgm:constr type="h" for="ch" forName="background4" refType="w" refFor="ch" refForName="background4" fact="0.635"/>
+                                      <dgm:constr type="t" for="ch" forName="background4"/>
+                                      <dgm:constr type="l" for="ch" forName="background4"/>
+                                      <dgm:constr type="w" for="ch" forName="text4" refType="w" fact="0.9"/>
+                                      <dgm:constr type="h" for="ch" forName="text4" refType="w" refFor="ch" refForName="text4" fact="0.635"/>
+                                      <dgm:constr type="t" for="ch" forName="text4" refType="w" fact="0.095"/>
+                                      <dgm:constr type="l" for="ch" forName="text4" refType="w" fact="0.1"/>
+                                    </dgm:constrLst>
+                                    <dgm:ruleLst/>
+                                    <dgm:layoutNode name="background4" moveWith="text4">
+                                      <dgm:alg type="sp"/>
+                                      <dgm:shape xmlns:r="http://schemas.openxmlformats.org/officeDocument/2006/relationships" type="roundRect" r:blip="">
+                                        <dgm:adjLst>
+                                          <dgm:adj idx="1" val="0.1"/>
+                                        </dgm:adjLst>
+                                      </dgm:shape>
+                                      <dgm:presOf/>
+                                      <dgm:constrLst/>
+                                      <dgm:ruleLst/>
+                                    </dgm:layoutNode>
+                                    <dgm:layoutNode name="text4" styleLbl="fgAcc4">
+                                      <dgm:varLst>
+                                        <dgm:chPref val="3"/>
+                                      </dgm:varLst>
+                                      <dgm:alg type="tx"/>
+                                      <dgm:shape xmlns:r="http://schemas.openxmlformats.org/officeDocument/2006/relationships" type="roundRect" r:blip="">
+                                        <dgm:adjLst>
+                                          <dgm:adj idx="1" val="0.1"/>
+                                        </dgm:adjLst>
+                                      </dgm:shape>
+                                      <dgm:presOf axis="self"/>
+                                      <dgm:constrLst>
+                                        <dgm:constr type="tMarg" refType="primFontSz" fact="0.3"/>
+                                        <dgm:constr type="bMarg" refType="primFontSz" fact="0.3"/>
+                                        <dgm:constr type="lMarg" refType="primFontSz" fact="0.3"/>
+                                        <dgm:constr type="rMarg" refType="primFontSz" fact="0.3"/>
+                                      </dgm:constrLst>
+                                      <dgm:ruleLst>
+                                        <dgm:rule type="primFontSz" val="5" fact="NaN" max="NaN"/>
+                                      </dgm:ruleLst>
+                                    </dgm:layoutNode>
+                                  </dgm:layoutNode>
+                                  <dgm:layoutNode name="hierChild5">
+                                    <dgm:choose name="Name28">
+                                      <dgm:if name="Name29" func="var" arg="dir" op="equ" val="norm">
+                                        <dgm:alg type="hierChild">
+                                          <dgm:param type="linDir" val="fromL"/>
+                                        </dgm:alg>
+                                      </dgm:if>
+                                      <dgm:else name="Name30">
+                                        <dgm:alg type="hierChild">
+                                          <dgm:param type="linDir" val="fromR"/>
+                                        </dgm:alg>
+                                      </dgm:else>
+                                    </dgm:choose>
+                                    <dgm:shape xmlns:r="http://schemas.openxmlformats.org/officeDocument/2006/relationships" r:blip="">
+                                      <dgm:adjLst/>
+                                    </dgm:shape>
+                                    <dgm:presOf/>
+                                    <dgm:constrLst/>
+                                    <dgm:ruleLst/>
+                                    <dgm:forEach name="Name31" ref="repeat"/>
+                                  </dgm:layoutNode>
+                                </dgm:layoutNode>
+                              </dgm:forEach>
+                            </dgm:forEach>
+                          </dgm:layoutNode>
+                        </dgm:layoutNode>
+                      </dgm:forEach>
+                    </dgm:forEach>
+                  </dgm:layoutNode>
+                </dgm:layoutNode>
+              </dgm:forEach>
+            </dgm:forEach>
+          </dgm:layoutNode>
+        </dgm:layoutNode>
+      </dgm:forEach>
+    </dgm:forEach>
+  </dgm:layoutNode>
+</dgm:layoutDef>
+</file>
+
 <file path=ppt/diagrams/quickStyle1.xml><?xml version="1.0" encoding="utf-8"?>
 <dgm:styleDef xmlns:dgm="http://schemas.openxmlformats.org/drawingml/2006/diagram" xmlns:a="http://schemas.openxmlformats.org/drawingml/2006/main" uniqueId="urn:microsoft.com/office/officeart/2005/8/quickstyle/simple4">
   <dgm:title val=""/>
@@ -4613,6 +7155,1040 @@
 </file>
 
 <file path=ppt/diagrams/quickStyle2.xml><?xml version="1.0" encoding="utf-8"?>
+<dgm:styleDef xmlns:dgm="http://schemas.openxmlformats.org/drawingml/2006/diagram" xmlns:a="http://schemas.openxmlformats.org/drawingml/2006/main" uniqueId="urn:microsoft.com/office/officeart/2005/8/quickstyle/simple4">
+  <dgm:title val=""/>
+  <dgm:desc val=""/>
+  <dgm:catLst>
+    <dgm:cat type="simple" pri="10400"/>
+  </dgm:catLst>
+  <dgm:scene3d>
+    <a:camera prst="orthographicFront"/>
+    <a:lightRig rig="threePt" dir="t"/>
+  </dgm:scene3d>
+  <dgm:styleLbl name="node0">
+    <dgm:scene3d>
+      <a:camera prst="orthographicFront"/>
+      <a:lightRig rig="threePt" dir="t"/>
+    </dgm:scene3d>
+    <dgm:sp3d/>
+    <dgm:txPr/>
+    <dgm:style>
+      <a:lnRef idx="0">
+        <a:scrgbClr r="0" g="0" b="0"/>
+      </a:lnRef>
+      <a:fillRef idx="3">
+        <a:scrgbClr r="0" g="0" b="0"/>
+      </a:fillRef>
+      <a:effectRef idx="2">
+        <a:scrgbClr r="0" g="0" b="0"/>
+      </a:effectRef>
+      <a:fontRef idx="minor">
+        <a:schemeClr val="lt1"/>
+      </a:fontRef>
+    </dgm:style>
+  </dgm:styleLbl>
+  <dgm:styleLbl name="lnNode1">
+    <dgm:scene3d>
+      <a:camera prst="orthographicFront"/>
+      <a:lightRig rig="threePt" dir="t"/>
+    </dgm:scene3d>
+    <dgm:sp3d/>
+    <dgm:txPr/>
+    <dgm:style>
+      <a:lnRef idx="1">
+        <a:scrgbClr r="0" g="0" b="0"/>
+      </a:lnRef>
+      <a:fillRef idx="3">
+        <a:scrgbClr r="0" g="0" b="0"/>
+      </a:fillRef>
+      <a:effectRef idx="2">
+        <a:scrgbClr r="0" g="0" b="0"/>
+      </a:effectRef>
+      <a:fontRef idx="minor">
+        <a:schemeClr val="lt1"/>
+      </a:fontRef>
+    </dgm:style>
+  </dgm:styleLbl>
+  <dgm:styleLbl name="vennNode1">
+    <dgm:scene3d>
+      <a:camera prst="orthographicFront"/>
+      <a:lightRig rig="threePt" dir="t"/>
+    </dgm:scene3d>
+    <dgm:sp3d/>
+    <dgm:txPr/>
+    <dgm:style>
+      <a:lnRef idx="0">
+        <a:scrgbClr r="0" g="0" b="0"/>
+      </a:lnRef>
+      <a:fillRef idx="3">
+        <a:scrgbClr r="0" g="0" b="0"/>
+      </a:fillRef>
+      <a:effectRef idx="0">
+        <a:scrgbClr r="0" g="0" b="0"/>
+      </a:effectRef>
+      <a:fontRef idx="minor">
+        <a:schemeClr val="tx1"/>
+      </a:fontRef>
+    </dgm:style>
+  </dgm:styleLbl>
+  <dgm:styleLbl name="alignNode1">
+    <dgm:scene3d>
+      <a:camera prst="orthographicFront"/>
+      <a:lightRig rig="threePt" dir="t"/>
+    </dgm:scene3d>
+    <dgm:sp3d/>
+    <dgm:txPr/>
+    <dgm:style>
+      <a:lnRef idx="1">
+        <a:scrgbClr r="0" g="0" b="0"/>
+      </a:lnRef>
+      <a:fillRef idx="3">
+        <a:scrgbClr r="0" g="0" b="0"/>
+      </a:fillRef>
+      <a:effectRef idx="2">
+        <a:scrgbClr r="0" g="0" b="0"/>
+      </a:effectRef>
+      <a:fontRef idx="minor">
+        <a:schemeClr val="lt1"/>
+      </a:fontRef>
+    </dgm:style>
+  </dgm:styleLbl>
+  <dgm:styleLbl name="node1">
+    <dgm:scene3d>
+      <a:camera prst="orthographicFront"/>
+      <a:lightRig rig="threePt" dir="t"/>
+    </dgm:scene3d>
+    <dgm:sp3d/>
+    <dgm:txPr/>
+    <dgm:style>
+      <a:lnRef idx="0">
+        <a:scrgbClr r="0" g="0" b="0"/>
+      </a:lnRef>
+      <a:fillRef idx="3">
+        <a:scrgbClr r="0" g="0" b="0"/>
+      </a:fillRef>
+      <a:effectRef idx="2">
+        <a:scrgbClr r="0" g="0" b="0"/>
+      </a:effectRef>
+      <a:fontRef idx="minor">
+        <a:schemeClr val="lt1"/>
+      </a:fontRef>
+    </dgm:style>
+  </dgm:styleLbl>
+  <dgm:styleLbl name="node2">
+    <dgm:scene3d>
+      <a:camera prst="orthographicFront"/>
+      <a:lightRig rig="threePt" dir="t"/>
+    </dgm:scene3d>
+    <dgm:sp3d/>
+    <dgm:txPr/>
+    <dgm:style>
+      <a:lnRef idx="0">
+        <a:scrgbClr r="0" g="0" b="0"/>
+      </a:lnRef>
+      <a:fillRef idx="3">
+        <a:scrgbClr r="0" g="0" b="0"/>
+      </a:fillRef>
+      <a:effectRef idx="2">
+        <a:scrgbClr r="0" g="0" b="0"/>
+      </a:effectRef>
+      <a:fontRef idx="minor">
+        <a:schemeClr val="lt1"/>
+      </a:fontRef>
+    </dgm:style>
+  </dgm:styleLbl>
+  <dgm:styleLbl name="node3">
+    <dgm:scene3d>
+      <a:camera prst="orthographicFront"/>
+      <a:lightRig rig="threePt" dir="t"/>
+    </dgm:scene3d>
+    <dgm:sp3d/>
+    <dgm:txPr/>
+    <dgm:style>
+      <a:lnRef idx="0">
+        <a:scrgbClr r="0" g="0" b="0"/>
+      </a:lnRef>
+      <a:fillRef idx="3">
+        <a:scrgbClr r="0" g="0" b="0"/>
+      </a:fillRef>
+      <a:effectRef idx="2">
+        <a:scrgbClr r="0" g="0" b="0"/>
+      </a:effectRef>
+      <a:fontRef idx="minor">
+        <a:schemeClr val="lt1"/>
+      </a:fontRef>
+    </dgm:style>
+  </dgm:styleLbl>
+  <dgm:styleLbl name="node4">
+    <dgm:scene3d>
+      <a:camera prst="orthographicFront"/>
+      <a:lightRig rig="threePt" dir="t"/>
+    </dgm:scene3d>
+    <dgm:sp3d/>
+    <dgm:txPr/>
+    <dgm:style>
+      <a:lnRef idx="0">
+        <a:scrgbClr r="0" g="0" b="0"/>
+      </a:lnRef>
+      <a:fillRef idx="3">
+        <a:scrgbClr r="0" g="0" b="0"/>
+      </a:fillRef>
+      <a:effectRef idx="2">
+        <a:scrgbClr r="0" g="0" b="0"/>
+      </a:effectRef>
+      <a:fontRef idx="minor">
+        <a:schemeClr val="lt1"/>
+      </a:fontRef>
+    </dgm:style>
+  </dgm:styleLbl>
+  <dgm:styleLbl name="fgImgPlace1">
+    <dgm:scene3d>
+      <a:camera prst="orthographicFront"/>
+      <a:lightRig rig="threePt" dir="t"/>
+    </dgm:scene3d>
+    <dgm:sp3d/>
+    <dgm:txPr/>
+    <dgm:style>
+      <a:lnRef idx="0">
+        <a:scrgbClr r="0" g="0" b="0"/>
+      </a:lnRef>
+      <a:fillRef idx="1">
+        <a:scrgbClr r="0" g="0" b="0"/>
+      </a:fillRef>
+      <a:effectRef idx="2">
+        <a:scrgbClr r="0" g="0" b="0"/>
+      </a:effectRef>
+      <a:fontRef idx="minor"/>
+    </dgm:style>
+  </dgm:styleLbl>
+  <dgm:styleLbl name="alignImgPlace1">
+    <dgm:scene3d>
+      <a:camera prst="orthographicFront"/>
+      <a:lightRig rig="threePt" dir="t"/>
+    </dgm:scene3d>
+    <dgm:sp3d/>
+    <dgm:txPr/>
+    <dgm:style>
+      <a:lnRef idx="0">
+        <a:scrgbClr r="0" g="0" b="0"/>
+      </a:lnRef>
+      <a:fillRef idx="1">
+        <a:scrgbClr r="0" g="0" b="0"/>
+      </a:fillRef>
+      <a:effectRef idx="2">
+        <a:scrgbClr r="0" g="0" b="0"/>
+      </a:effectRef>
+      <a:fontRef idx="minor"/>
+    </dgm:style>
+  </dgm:styleLbl>
+  <dgm:styleLbl name="bgImgPlace1">
+    <dgm:scene3d>
+      <a:camera prst="orthographicFront"/>
+      <a:lightRig rig="threePt" dir="t"/>
+    </dgm:scene3d>
+    <dgm:sp3d/>
+    <dgm:txPr/>
+    <dgm:style>
+      <a:lnRef idx="0">
+        <a:scrgbClr r="0" g="0" b="0"/>
+      </a:lnRef>
+      <a:fillRef idx="1">
+        <a:scrgbClr r="0" g="0" b="0"/>
+      </a:fillRef>
+      <a:effectRef idx="2">
+        <a:scrgbClr r="0" g="0" b="0"/>
+      </a:effectRef>
+      <a:fontRef idx="minor"/>
+    </dgm:style>
+  </dgm:styleLbl>
+  <dgm:styleLbl name="sibTrans2D1">
+    <dgm:scene3d>
+      <a:camera prst="orthographicFront"/>
+      <a:lightRig rig="threePt" dir="t"/>
+    </dgm:scene3d>
+    <dgm:sp3d/>
+    <dgm:txPr/>
+    <dgm:style>
+      <a:lnRef idx="0">
+        <a:scrgbClr r="0" g="0" b="0"/>
+      </a:lnRef>
+      <a:fillRef idx="3">
+        <a:scrgbClr r="0" g="0" b="0"/>
+      </a:fillRef>
+      <a:effectRef idx="2">
+        <a:scrgbClr r="0" g="0" b="0"/>
+      </a:effectRef>
+      <a:fontRef idx="minor">
+        <a:schemeClr val="lt1"/>
+      </a:fontRef>
+    </dgm:style>
+  </dgm:styleLbl>
+  <dgm:styleLbl name="fgSibTrans2D1">
+    <dgm:scene3d>
+      <a:camera prst="orthographicFront"/>
+      <a:lightRig rig="threePt" dir="t"/>
+    </dgm:scene3d>
+    <dgm:sp3d/>
+    <dgm:txPr/>
+    <dgm:style>
+      <a:lnRef idx="0">
+        <a:scrgbClr r="0" g="0" b="0"/>
+      </a:lnRef>
+      <a:fillRef idx="3">
+        <a:scrgbClr r="0" g="0" b="0"/>
+      </a:fillRef>
+      <a:effectRef idx="2">
+        <a:scrgbClr r="0" g="0" b="0"/>
+      </a:effectRef>
+      <a:fontRef idx="minor">
+        <a:schemeClr val="lt1"/>
+      </a:fontRef>
+    </dgm:style>
+  </dgm:styleLbl>
+  <dgm:styleLbl name="bgSibTrans2D1">
+    <dgm:scene3d>
+      <a:camera prst="orthographicFront"/>
+      <a:lightRig rig="threePt" dir="t"/>
+    </dgm:scene3d>
+    <dgm:sp3d/>
+    <dgm:txPr/>
+    <dgm:style>
+      <a:lnRef idx="0">
+        <a:scrgbClr r="0" g="0" b="0"/>
+      </a:lnRef>
+      <a:fillRef idx="3">
+        <a:scrgbClr r="0" g="0" b="0"/>
+      </a:fillRef>
+      <a:effectRef idx="2">
+        <a:scrgbClr r="0" g="0" b="0"/>
+      </a:effectRef>
+      <a:fontRef idx="minor">
+        <a:schemeClr val="lt1"/>
+      </a:fontRef>
+    </dgm:style>
+  </dgm:styleLbl>
+  <dgm:styleLbl name="sibTrans1D1">
+    <dgm:scene3d>
+      <a:camera prst="orthographicFront"/>
+      <a:lightRig rig="threePt" dir="t"/>
+    </dgm:scene3d>
+    <dgm:sp3d/>
+    <dgm:txPr/>
+    <dgm:style>
+      <a:lnRef idx="1">
+        <a:scrgbClr r="0" g="0" b="0"/>
+      </a:lnRef>
+      <a:fillRef idx="0">
+        <a:scrgbClr r="0" g="0" b="0"/>
+      </a:fillRef>
+      <a:effectRef idx="0">
+        <a:scrgbClr r="0" g="0" b="0"/>
+      </a:effectRef>
+      <a:fontRef idx="minor"/>
+    </dgm:style>
+  </dgm:styleLbl>
+  <dgm:styleLbl name="callout">
+    <dgm:scene3d>
+      <a:camera prst="orthographicFront"/>
+      <a:lightRig rig="threePt" dir="t"/>
+    </dgm:scene3d>
+    <dgm:sp3d/>
+    <dgm:txPr/>
+    <dgm:style>
+      <a:lnRef idx="2">
+        <a:scrgbClr r="0" g="0" b="0"/>
+      </a:lnRef>
+      <a:fillRef idx="1">
+        <a:scrgbClr r="0" g="0" b="0"/>
+      </a:fillRef>
+      <a:effectRef idx="1">
+        <a:scrgbClr r="0" g="0" b="0"/>
+      </a:effectRef>
+      <a:fontRef idx="minor"/>
+    </dgm:style>
+  </dgm:styleLbl>
+  <dgm:styleLbl name="asst0">
+    <dgm:scene3d>
+      <a:camera prst="orthographicFront"/>
+      <a:lightRig rig="threePt" dir="t"/>
+    </dgm:scene3d>
+    <dgm:sp3d/>
+    <dgm:txPr/>
+    <dgm:style>
+      <a:lnRef idx="0">
+        <a:scrgbClr r="0" g="0" b="0"/>
+      </a:lnRef>
+      <a:fillRef idx="3">
+        <a:scrgbClr r="0" g="0" b="0"/>
+      </a:fillRef>
+      <a:effectRef idx="2">
+        <a:scrgbClr r="0" g="0" b="0"/>
+      </a:effectRef>
+      <a:fontRef idx="minor">
+        <a:schemeClr val="lt1"/>
+      </a:fontRef>
+    </dgm:style>
+  </dgm:styleLbl>
+  <dgm:styleLbl name="asst1">
+    <dgm:scene3d>
+      <a:camera prst="orthographicFront"/>
+      <a:lightRig rig="threePt" dir="t"/>
+    </dgm:scene3d>
+    <dgm:sp3d/>
+    <dgm:txPr/>
+    <dgm:style>
+      <a:lnRef idx="0">
+        <a:scrgbClr r="0" g="0" b="0"/>
+      </a:lnRef>
+      <a:fillRef idx="3">
+        <a:scrgbClr r="0" g="0" b="0"/>
+      </a:fillRef>
+      <a:effectRef idx="2">
+        <a:scrgbClr r="0" g="0" b="0"/>
+      </a:effectRef>
+      <a:fontRef idx="minor">
+        <a:schemeClr val="lt1"/>
+      </a:fontRef>
+    </dgm:style>
+  </dgm:styleLbl>
+  <dgm:styleLbl name="asst2">
+    <dgm:scene3d>
+      <a:camera prst="orthographicFront"/>
+      <a:lightRig rig="threePt" dir="t"/>
+    </dgm:scene3d>
+    <dgm:sp3d/>
+    <dgm:txPr/>
+    <dgm:style>
+      <a:lnRef idx="0">
+        <a:scrgbClr r="0" g="0" b="0"/>
+      </a:lnRef>
+      <a:fillRef idx="3">
+        <a:scrgbClr r="0" g="0" b="0"/>
+      </a:fillRef>
+      <a:effectRef idx="2">
+        <a:scrgbClr r="0" g="0" b="0"/>
+      </a:effectRef>
+      <a:fontRef idx="minor">
+        <a:schemeClr val="lt1"/>
+      </a:fontRef>
+    </dgm:style>
+  </dgm:styleLbl>
+  <dgm:styleLbl name="asst3">
+    <dgm:scene3d>
+      <a:camera prst="orthographicFront"/>
+      <a:lightRig rig="threePt" dir="t"/>
+    </dgm:scene3d>
+    <dgm:sp3d/>
+    <dgm:txPr/>
+    <dgm:style>
+      <a:lnRef idx="0">
+        <a:scrgbClr r="0" g="0" b="0"/>
+      </a:lnRef>
+      <a:fillRef idx="3">
+        <a:scrgbClr r="0" g="0" b="0"/>
+      </a:fillRef>
+      <a:effectRef idx="2">
+        <a:scrgbClr r="0" g="0" b="0"/>
+      </a:effectRef>
+      <a:fontRef idx="minor">
+        <a:schemeClr val="lt1"/>
+      </a:fontRef>
+    </dgm:style>
+  </dgm:styleLbl>
+  <dgm:styleLbl name="asst4">
+    <dgm:scene3d>
+      <a:camera prst="orthographicFront"/>
+      <a:lightRig rig="threePt" dir="t"/>
+    </dgm:scene3d>
+    <dgm:sp3d/>
+    <dgm:txPr/>
+    <dgm:style>
+      <a:lnRef idx="0">
+        <a:scrgbClr r="0" g="0" b="0"/>
+      </a:lnRef>
+      <a:fillRef idx="3">
+        <a:scrgbClr r="0" g="0" b="0"/>
+      </a:fillRef>
+      <a:effectRef idx="2">
+        <a:scrgbClr r="0" g="0" b="0"/>
+      </a:effectRef>
+      <a:fontRef idx="minor">
+        <a:schemeClr val="lt1"/>
+      </a:fontRef>
+    </dgm:style>
+  </dgm:styleLbl>
+  <dgm:styleLbl name="parChTrans2D1">
+    <dgm:scene3d>
+      <a:camera prst="orthographicFront"/>
+      <a:lightRig rig="threePt" dir="t"/>
+    </dgm:scene3d>
+    <dgm:sp3d/>
+    <dgm:txPr/>
+    <dgm:style>
+      <a:lnRef idx="0">
+        <a:scrgbClr r="0" g="0" b="0"/>
+      </a:lnRef>
+      <a:fillRef idx="3">
+        <a:scrgbClr r="0" g="0" b="0"/>
+      </a:fillRef>
+      <a:effectRef idx="2">
+        <a:scrgbClr r="0" g="0" b="0"/>
+      </a:effectRef>
+      <a:fontRef idx="minor">
+        <a:schemeClr val="lt1"/>
+      </a:fontRef>
+    </dgm:style>
+  </dgm:styleLbl>
+  <dgm:styleLbl name="parChTrans2D2">
+    <dgm:scene3d>
+      <a:camera prst="orthographicFront"/>
+      <a:lightRig rig="threePt" dir="t"/>
+    </dgm:scene3d>
+    <dgm:sp3d/>
+    <dgm:txPr/>
+    <dgm:style>
+      <a:lnRef idx="0">
+        <a:scrgbClr r="0" g="0" b="0"/>
+      </a:lnRef>
+      <a:fillRef idx="3">
+        <a:scrgbClr r="0" g="0" b="0"/>
+      </a:fillRef>
+      <a:effectRef idx="2">
+        <a:scrgbClr r="0" g="0" b="0"/>
+      </a:effectRef>
+      <a:fontRef idx="minor">
+        <a:schemeClr val="lt1"/>
+      </a:fontRef>
+    </dgm:style>
+  </dgm:styleLbl>
+  <dgm:styleLbl name="parChTrans2D3">
+    <dgm:scene3d>
+      <a:camera prst="orthographicFront"/>
+      <a:lightRig rig="threePt" dir="t"/>
+    </dgm:scene3d>
+    <dgm:sp3d/>
+    <dgm:txPr/>
+    <dgm:style>
+      <a:lnRef idx="1">
+        <a:scrgbClr r="0" g="0" b="0"/>
+      </a:lnRef>
+      <a:fillRef idx="3">
+        <a:scrgbClr r="0" g="0" b="0"/>
+      </a:fillRef>
+      <a:effectRef idx="2">
+        <a:scrgbClr r="0" g="0" b="0"/>
+      </a:effectRef>
+      <a:fontRef idx="minor">
+        <a:schemeClr val="lt1"/>
+      </a:fontRef>
+    </dgm:style>
+  </dgm:styleLbl>
+  <dgm:styleLbl name="parChTrans2D4">
+    <dgm:scene3d>
+      <a:camera prst="orthographicFront"/>
+      <a:lightRig rig="threePt" dir="t"/>
+    </dgm:scene3d>
+    <dgm:sp3d/>
+    <dgm:txPr/>
+    <dgm:style>
+      <a:lnRef idx="1">
+        <a:scrgbClr r="0" g="0" b="0"/>
+      </a:lnRef>
+      <a:fillRef idx="3">
+        <a:scrgbClr r="0" g="0" b="0"/>
+      </a:fillRef>
+      <a:effectRef idx="2">
+        <a:scrgbClr r="0" g="0" b="0"/>
+      </a:effectRef>
+      <a:fontRef idx="minor">
+        <a:schemeClr val="lt1"/>
+      </a:fontRef>
+    </dgm:style>
+  </dgm:styleLbl>
+  <dgm:styleLbl name="parChTrans1D1">
+    <dgm:scene3d>
+      <a:camera prst="orthographicFront"/>
+      <a:lightRig rig="threePt" dir="t"/>
+    </dgm:scene3d>
+    <dgm:sp3d/>
+    <dgm:txPr/>
+    <dgm:style>
+      <a:lnRef idx="1">
+        <a:scrgbClr r="0" g="0" b="0"/>
+      </a:lnRef>
+      <a:fillRef idx="0">
+        <a:scrgbClr r="0" g="0" b="0"/>
+      </a:fillRef>
+      <a:effectRef idx="0">
+        <a:scrgbClr r="0" g="0" b="0"/>
+      </a:effectRef>
+      <a:fontRef idx="minor"/>
+    </dgm:style>
+  </dgm:styleLbl>
+  <dgm:styleLbl name="parChTrans1D2">
+    <dgm:scene3d>
+      <a:camera prst="orthographicFront"/>
+      <a:lightRig rig="threePt" dir="t"/>
+    </dgm:scene3d>
+    <dgm:sp3d/>
+    <dgm:txPr/>
+    <dgm:style>
+      <a:lnRef idx="1">
+        <a:scrgbClr r="0" g="0" b="0"/>
+      </a:lnRef>
+      <a:fillRef idx="0">
+        <a:scrgbClr r="0" g="0" b="0"/>
+      </a:fillRef>
+      <a:effectRef idx="0">
+        <a:scrgbClr r="0" g="0" b="0"/>
+      </a:effectRef>
+      <a:fontRef idx="minor"/>
+    </dgm:style>
+  </dgm:styleLbl>
+  <dgm:styleLbl name="parChTrans1D3">
+    <dgm:scene3d>
+      <a:camera prst="orthographicFront"/>
+      <a:lightRig rig="threePt" dir="t"/>
+    </dgm:scene3d>
+    <dgm:sp3d/>
+    <dgm:txPr/>
+    <dgm:style>
+      <a:lnRef idx="1">
+        <a:scrgbClr r="0" g="0" b="0"/>
+      </a:lnRef>
+      <a:fillRef idx="0">
+        <a:scrgbClr r="0" g="0" b="0"/>
+      </a:fillRef>
+      <a:effectRef idx="0">
+        <a:scrgbClr r="0" g="0" b="0"/>
+      </a:effectRef>
+      <a:fontRef idx="minor"/>
+    </dgm:style>
+  </dgm:styleLbl>
+  <dgm:styleLbl name="parChTrans1D4">
+    <dgm:scene3d>
+      <a:camera prst="orthographicFront"/>
+      <a:lightRig rig="threePt" dir="t"/>
+    </dgm:scene3d>
+    <dgm:sp3d/>
+    <dgm:txPr/>
+    <dgm:style>
+      <a:lnRef idx="1">
+        <a:scrgbClr r="0" g="0" b="0"/>
+      </a:lnRef>
+      <a:fillRef idx="0">
+        <a:scrgbClr r="0" g="0" b="0"/>
+      </a:fillRef>
+      <a:effectRef idx="0">
+        <a:scrgbClr r="0" g="0" b="0"/>
+      </a:effectRef>
+      <a:fontRef idx="minor"/>
+    </dgm:style>
+  </dgm:styleLbl>
+  <dgm:styleLbl name="fgAcc1">
+    <dgm:scene3d>
+      <a:camera prst="orthographicFront"/>
+      <a:lightRig rig="threePt" dir="t"/>
+    </dgm:scene3d>
+    <dgm:sp3d/>
+    <dgm:txPr/>
+    <dgm:style>
+      <a:lnRef idx="1">
+        <a:scrgbClr r="0" g="0" b="0"/>
+      </a:lnRef>
+      <a:fillRef idx="1">
+        <a:scrgbClr r="0" g="0" b="0"/>
+      </a:fillRef>
+      <a:effectRef idx="0">
+        <a:scrgbClr r="0" g="0" b="0"/>
+      </a:effectRef>
+      <a:fontRef idx="minor"/>
+    </dgm:style>
+  </dgm:styleLbl>
+  <dgm:styleLbl name="conFgAcc1">
+    <dgm:scene3d>
+      <a:camera prst="orthographicFront"/>
+      <a:lightRig rig="threePt" dir="t"/>
+    </dgm:scene3d>
+    <dgm:sp3d/>
+    <dgm:txPr/>
+    <dgm:style>
+      <a:lnRef idx="1">
+        <a:scrgbClr r="0" g="0" b="0"/>
+      </a:lnRef>
+      <a:fillRef idx="1">
+        <a:scrgbClr r="0" g="0" b="0"/>
+      </a:fillRef>
+      <a:effectRef idx="0">
+        <a:scrgbClr r="0" g="0" b="0"/>
+      </a:effectRef>
+      <a:fontRef idx="minor"/>
+    </dgm:style>
+  </dgm:styleLbl>
+  <dgm:styleLbl name="alignAcc1">
+    <dgm:scene3d>
+      <a:camera prst="orthographicFront"/>
+      <a:lightRig rig="threePt" dir="t"/>
+    </dgm:scene3d>
+    <dgm:sp3d/>
+    <dgm:txPr/>
+    <dgm:style>
+      <a:lnRef idx="1">
+        <a:scrgbClr r="0" g="0" b="0"/>
+      </a:lnRef>
+      <a:fillRef idx="1">
+        <a:scrgbClr r="0" g="0" b="0"/>
+      </a:fillRef>
+      <a:effectRef idx="0">
+        <a:scrgbClr r="0" g="0" b="0"/>
+      </a:effectRef>
+      <a:fontRef idx="minor"/>
+    </dgm:style>
+  </dgm:styleLbl>
+  <dgm:styleLbl name="trAlignAcc1">
+    <dgm:scene3d>
+      <a:camera prst="orthographicFront"/>
+      <a:lightRig rig="threePt" dir="t"/>
+    </dgm:scene3d>
+    <dgm:sp3d/>
+    <dgm:txPr/>
+    <dgm:style>
+      <a:lnRef idx="1">
+        <a:scrgbClr r="0" g="0" b="0"/>
+      </a:lnRef>
+      <a:fillRef idx="1">
+        <a:scrgbClr r="0" g="0" b="0"/>
+      </a:fillRef>
+      <a:effectRef idx="0">
+        <a:scrgbClr r="0" g="0" b="0"/>
+      </a:effectRef>
+      <a:fontRef idx="minor"/>
+    </dgm:style>
+  </dgm:styleLbl>
+  <dgm:styleLbl name="bgAcc1">
+    <dgm:scene3d>
+      <a:camera prst="orthographicFront"/>
+      <a:lightRig rig="threePt" dir="t"/>
+    </dgm:scene3d>
+    <dgm:sp3d/>
+    <dgm:txPr/>
+    <dgm:style>
+      <a:lnRef idx="1">
+        <a:scrgbClr r="0" g="0" b="0"/>
+      </a:lnRef>
+      <a:fillRef idx="1">
+        <a:scrgbClr r="0" g="0" b="0"/>
+      </a:fillRef>
+      <a:effectRef idx="0">
+        <a:scrgbClr r="0" g="0" b="0"/>
+      </a:effectRef>
+      <a:fontRef idx="minor"/>
+    </dgm:style>
+  </dgm:styleLbl>
+  <dgm:styleLbl name="solidFgAcc1">
+    <dgm:scene3d>
+      <a:camera prst="orthographicFront"/>
+      <a:lightRig rig="threePt" dir="t"/>
+    </dgm:scene3d>
+    <dgm:sp3d/>
+    <dgm:txPr/>
+    <dgm:style>
+      <a:lnRef idx="1">
+        <a:scrgbClr r="0" g="0" b="0"/>
+      </a:lnRef>
+      <a:fillRef idx="1">
+        <a:scrgbClr r="0" g="0" b="0"/>
+      </a:fillRef>
+      <a:effectRef idx="0">
+        <a:scrgbClr r="0" g="0" b="0"/>
+      </a:effectRef>
+      <a:fontRef idx="minor"/>
+    </dgm:style>
+  </dgm:styleLbl>
+  <dgm:styleLbl name="solidAlignAcc1">
+    <dgm:scene3d>
+      <a:camera prst="orthographicFront"/>
+      <a:lightRig rig="threePt" dir="t"/>
+    </dgm:scene3d>
+    <dgm:sp3d/>
+    <dgm:txPr/>
+    <dgm:style>
+      <a:lnRef idx="1">
+        <a:scrgbClr r="0" g="0" b="0"/>
+      </a:lnRef>
+      <a:fillRef idx="1">
+        <a:scrgbClr r="0" g="0" b="0"/>
+      </a:fillRef>
+      <a:effectRef idx="0">
+        <a:scrgbClr r="0" g="0" b="0"/>
+      </a:effectRef>
+      <a:fontRef idx="minor"/>
+    </dgm:style>
+  </dgm:styleLbl>
+  <dgm:styleLbl name="solidBgAcc1">
+    <dgm:scene3d>
+      <a:camera prst="orthographicFront"/>
+      <a:lightRig rig="threePt" dir="t"/>
+    </dgm:scene3d>
+    <dgm:sp3d/>
+    <dgm:txPr/>
+    <dgm:style>
+      <a:lnRef idx="1">
+        <a:scrgbClr r="0" g="0" b="0"/>
+      </a:lnRef>
+      <a:fillRef idx="1">
+        <a:scrgbClr r="0" g="0" b="0"/>
+      </a:fillRef>
+      <a:effectRef idx="0">
+        <a:scrgbClr r="0" g="0" b="0"/>
+      </a:effectRef>
+      <a:fontRef idx="minor"/>
+    </dgm:style>
+  </dgm:styleLbl>
+  <dgm:styleLbl name="fgAccFollowNode1">
+    <dgm:scene3d>
+      <a:camera prst="orthographicFront"/>
+      <a:lightRig rig="threePt" dir="t"/>
+    </dgm:scene3d>
+    <dgm:sp3d/>
+    <dgm:txPr/>
+    <dgm:style>
+      <a:lnRef idx="1">
+        <a:scrgbClr r="0" g="0" b="0"/>
+      </a:lnRef>
+      <a:fillRef idx="1">
+        <a:scrgbClr r="0" g="0" b="0"/>
+      </a:fillRef>
+      <a:effectRef idx="0">
+        <a:scrgbClr r="0" g="0" b="0"/>
+      </a:effectRef>
+      <a:fontRef idx="minor"/>
+    </dgm:style>
+  </dgm:styleLbl>
+  <dgm:styleLbl name="alignAccFollowNode1">
+    <dgm:scene3d>
+      <a:camera prst="orthographicFront"/>
+      <a:lightRig rig="threePt" dir="t"/>
+    </dgm:scene3d>
+    <dgm:sp3d/>
+    <dgm:txPr/>
+    <dgm:style>
+      <a:lnRef idx="1">
+        <a:scrgbClr r="0" g="0" b="0"/>
+      </a:lnRef>
+      <a:fillRef idx="1">
+        <a:scrgbClr r="0" g="0" b="0"/>
+      </a:fillRef>
+      <a:effectRef idx="0">
+        <a:scrgbClr r="0" g="0" b="0"/>
+      </a:effectRef>
+      <a:fontRef idx="minor"/>
+    </dgm:style>
+  </dgm:styleLbl>
+  <dgm:styleLbl name="bgAccFollowNode1">
+    <dgm:scene3d>
+      <a:camera prst="orthographicFront"/>
+      <a:lightRig rig="threePt" dir="t"/>
+    </dgm:scene3d>
+    <dgm:sp3d/>
+    <dgm:txPr/>
+    <dgm:style>
+      <a:lnRef idx="1">
+        <a:scrgbClr r="0" g="0" b="0"/>
+      </a:lnRef>
+      <a:fillRef idx="1">
+        <a:scrgbClr r="0" g="0" b="0"/>
+      </a:fillRef>
+      <a:effectRef idx="0">
+        <a:scrgbClr r="0" g="0" b="0"/>
+      </a:effectRef>
+      <a:fontRef idx="minor"/>
+    </dgm:style>
+  </dgm:styleLbl>
+  <dgm:styleLbl name="fgAcc0">
+    <dgm:scene3d>
+      <a:camera prst="orthographicFront"/>
+      <a:lightRig rig="threePt" dir="t"/>
+    </dgm:scene3d>
+    <dgm:sp3d/>
+    <dgm:txPr/>
+    <dgm:style>
+      <a:lnRef idx="1">
+        <a:scrgbClr r="0" g="0" b="0"/>
+      </a:lnRef>
+      <a:fillRef idx="1">
+        <a:scrgbClr r="0" g="0" b="0"/>
+      </a:fillRef>
+      <a:effectRef idx="0">
+        <a:scrgbClr r="0" g="0" b="0"/>
+      </a:effectRef>
+      <a:fontRef idx="minor"/>
+    </dgm:style>
+  </dgm:styleLbl>
+  <dgm:styleLbl name="fgAcc2">
+    <dgm:scene3d>
+      <a:camera prst="orthographicFront"/>
+      <a:lightRig rig="threePt" dir="t"/>
+    </dgm:scene3d>
+    <dgm:sp3d/>
+    <dgm:txPr/>
+    <dgm:style>
+      <a:lnRef idx="1">
+        <a:scrgbClr r="0" g="0" b="0"/>
+      </a:lnRef>
+      <a:fillRef idx="1">
+        <a:scrgbClr r="0" g="0" b="0"/>
+      </a:fillRef>
+      <a:effectRef idx="0">
+        <a:scrgbClr r="0" g="0" b="0"/>
+      </a:effectRef>
+      <a:fontRef idx="minor"/>
+    </dgm:style>
+  </dgm:styleLbl>
+  <dgm:styleLbl name="fgAcc3">
+    <dgm:scene3d>
+      <a:camera prst="orthographicFront"/>
+      <a:lightRig rig="threePt" dir="t"/>
+    </dgm:scene3d>
+    <dgm:sp3d/>
+    <dgm:txPr/>
+    <dgm:style>
+      <a:lnRef idx="1">
+        <a:scrgbClr r="0" g="0" b="0"/>
+      </a:lnRef>
+      <a:fillRef idx="1">
+        <a:scrgbClr r="0" g="0" b="0"/>
+      </a:fillRef>
+      <a:effectRef idx="0">
+        <a:scrgbClr r="0" g="0" b="0"/>
+      </a:effectRef>
+      <a:fontRef idx="minor"/>
+    </dgm:style>
+  </dgm:styleLbl>
+  <dgm:styleLbl name="fgAcc4">
+    <dgm:scene3d>
+      <a:camera prst="orthographicFront"/>
+      <a:lightRig rig="threePt" dir="t"/>
+    </dgm:scene3d>
+    <dgm:sp3d/>
+    <dgm:txPr/>
+    <dgm:style>
+      <a:lnRef idx="1">
+        <a:scrgbClr r="0" g="0" b="0"/>
+      </a:lnRef>
+      <a:fillRef idx="1">
+        <a:scrgbClr r="0" g="0" b="0"/>
+      </a:fillRef>
+      <a:effectRef idx="0">
+        <a:scrgbClr r="0" g="0" b="0"/>
+      </a:effectRef>
+      <a:fontRef idx="minor"/>
+    </dgm:style>
+  </dgm:styleLbl>
+  <dgm:styleLbl name="bgShp">
+    <dgm:scene3d>
+      <a:camera prst="orthographicFront"/>
+      <a:lightRig rig="threePt" dir="t"/>
+    </dgm:scene3d>
+    <dgm:sp3d/>
+    <dgm:txPr/>
+    <dgm:style>
+      <a:lnRef idx="0">
+        <a:scrgbClr r="0" g="0" b="0"/>
+      </a:lnRef>
+      <a:fillRef idx="1">
+        <a:scrgbClr r="0" g="0" b="0"/>
+      </a:fillRef>
+      <a:effectRef idx="2">
+        <a:scrgbClr r="0" g="0" b="0"/>
+      </a:effectRef>
+      <a:fontRef idx="minor"/>
+    </dgm:style>
+  </dgm:styleLbl>
+  <dgm:styleLbl name="dkBgShp">
+    <dgm:scene3d>
+      <a:camera prst="orthographicFront"/>
+      <a:lightRig rig="threePt" dir="t"/>
+    </dgm:scene3d>
+    <dgm:sp3d/>
+    <dgm:txPr/>
+    <dgm:style>
+      <a:lnRef idx="0">
+        <a:scrgbClr r="0" g="0" b="0"/>
+      </a:lnRef>
+      <a:fillRef idx="1">
+        <a:scrgbClr r="0" g="0" b="0"/>
+      </a:fillRef>
+      <a:effectRef idx="2">
+        <a:scrgbClr r="0" g="0" b="0"/>
+      </a:effectRef>
+      <a:fontRef idx="minor"/>
+    </dgm:style>
+  </dgm:styleLbl>
+  <dgm:styleLbl name="trBgShp">
+    <dgm:scene3d>
+      <a:camera prst="orthographicFront"/>
+      <a:lightRig rig="threePt" dir="t"/>
+    </dgm:scene3d>
+    <dgm:sp3d/>
+    <dgm:txPr/>
+    <dgm:style>
+      <a:lnRef idx="0">
+        <a:scrgbClr r="0" g="0" b="0"/>
+      </a:lnRef>
+      <a:fillRef idx="1">
+        <a:scrgbClr r="0" g="0" b="0"/>
+      </a:fillRef>
+      <a:effectRef idx="0">
+        <a:scrgbClr r="0" g="0" b="0"/>
+      </a:effectRef>
+      <a:fontRef idx="minor"/>
+    </dgm:style>
+  </dgm:styleLbl>
+  <dgm:styleLbl name="fgShp">
+    <dgm:scene3d>
+      <a:camera prst="orthographicFront"/>
+      <a:lightRig rig="threePt" dir="t"/>
+    </dgm:scene3d>
+    <dgm:sp3d/>
+    <dgm:txPr/>
+    <dgm:style>
+      <a:lnRef idx="0">
+        <a:scrgbClr r="0" g="0" b="0"/>
+      </a:lnRef>
+      <a:fillRef idx="3">
+        <a:scrgbClr r="0" g="0" b="0"/>
+      </a:fillRef>
+      <a:effectRef idx="2">
+        <a:scrgbClr r="0" g="0" b="0"/>
+      </a:effectRef>
+      <a:fontRef idx="minor"/>
+    </dgm:style>
+  </dgm:styleLbl>
+  <dgm:styleLbl name="revTx">
+    <dgm:scene3d>
+      <a:camera prst="orthographicFront"/>
+      <a:lightRig rig="threePt" dir="t"/>
+    </dgm:scene3d>
+    <dgm:sp3d/>
+    <dgm:txPr/>
+    <dgm:style>
+      <a:lnRef idx="0">
+        <a:scrgbClr r="0" g="0" b="0"/>
+      </a:lnRef>
+      <a:fillRef idx="0">
+        <a:scrgbClr r="0" g="0" b="0"/>
+      </a:fillRef>
+      <a:effectRef idx="0">
+        <a:scrgbClr r="0" g="0" b="0"/>
+      </a:effectRef>
+      <a:fontRef idx="minor"/>
+    </dgm:style>
+  </dgm:styleLbl>
+</dgm:styleDef>
+</file>
+
+<file path=ppt/diagrams/quickStyle3.xml><?xml version="1.0" encoding="utf-8"?>
 <dgm:styleDef xmlns:dgm="http://schemas.openxmlformats.org/drawingml/2006/diagram" xmlns:a="http://schemas.openxmlformats.org/drawingml/2006/main" uniqueId="urn:microsoft.com/office/officeart/2005/8/quickstyle/simple4">
   <dgm:title val=""/>
   <dgm:desc val=""/>
@@ -5728,7 +9304,7 @@
           <a:p>
             <a:fld id="{AAB1E9D1-C262-4CF5-AED2-7DBFF7C74527}" type="datetimeFigureOut">
               <a:rPr lang="nl-BE" smtClean="0"/>
-              <a:t>14/12/2018</a:t>
+              <a:t>9/12/2019</a:t>
             </a:fld>
             <a:endParaRPr lang="nl-BE"/>
           </a:p>
@@ -6155,7 +9731,7 @@
                 </a:solidFill>
               </a:rPr>
               <a:pPr eaLnBrk="1" hangingPunct="1"/>
-              <a:t>8</a:t>
+              <a:t>9</a:t>
             </a:fld>
             <a:endParaRPr lang="en-US" sz="1300">
               <a:solidFill>
@@ -6399,7 +9975,7 @@
                 </a:solidFill>
               </a:rPr>
               <a:pPr eaLnBrk="1" hangingPunct="1"/>
-              <a:t>9</a:t>
+              <a:t>10</a:t>
             </a:fld>
             <a:endParaRPr lang="en-US" sz="1300">
               <a:solidFill>
@@ -6643,7 +10219,7 @@
                 </a:solidFill>
               </a:rPr>
               <a:pPr eaLnBrk="1" hangingPunct="1"/>
-              <a:t>11</a:t>
+              <a:t>12</a:t>
             </a:fld>
             <a:endParaRPr lang="en-US" sz="1300">
               <a:solidFill>
@@ -6887,7 +10463,7 @@
                 </a:solidFill>
               </a:rPr>
               <a:pPr eaLnBrk="1" hangingPunct="1"/>
-              <a:t>14</a:t>
+              <a:t>15</a:t>
             </a:fld>
             <a:endParaRPr lang="en-US" sz="1300">
               <a:solidFill>
@@ -7131,7 +10707,7 @@
                 </a:solidFill>
               </a:rPr>
               <a:pPr eaLnBrk="1" hangingPunct="1"/>
-              <a:t>15</a:t>
+              <a:t>16</a:t>
             </a:fld>
             <a:endParaRPr lang="en-US" sz="1300">
               <a:solidFill>
@@ -7375,7 +10951,7 @@
                 </a:solidFill>
               </a:rPr>
               <a:pPr eaLnBrk="1" hangingPunct="1"/>
-              <a:t>17</a:t>
+              <a:t>18</a:t>
             </a:fld>
             <a:endParaRPr lang="en-US" sz="1300">
               <a:solidFill>
@@ -7619,7 +11195,7 @@
                 </a:solidFill>
               </a:rPr>
               <a:pPr eaLnBrk="1" hangingPunct="1"/>
-              <a:t>28</a:t>
+              <a:t>29</a:t>
             </a:fld>
             <a:endParaRPr lang="en-US" sz="1300">
               <a:solidFill>
@@ -7863,7 +11439,7 @@
                 </a:solidFill>
               </a:rPr>
               <a:pPr eaLnBrk="1" hangingPunct="1"/>
-              <a:t>29</a:t>
+              <a:t>30</a:t>
             </a:fld>
             <a:endParaRPr lang="en-US" sz="1300">
               <a:solidFill>
@@ -8103,7 +11679,7 @@
             <a:fld id="{2A33778D-7A97-4534-AB6B-5D64E888568D}" type="slidenum">
               <a:rPr lang="en-US" smtClean="0"/>
               <a:pPr eaLnBrk="1" hangingPunct="1"/>
-              <a:t>31</a:t>
+              <a:t>32</a:t>
             </a:fld>
             <a:endParaRPr lang="en-US"/>
           </a:p>
@@ -8331,7 +11907,7 @@
           <a:p>
             <a:fld id="{2661A00B-007A-4326-8859-8C83DD4C6E5D}" type="datetimeFigureOut">
               <a:rPr lang="nl-BE" smtClean="0"/>
-              <a:t>14/12/2018</a:t>
+              <a:t>9/12/2019</a:t>
             </a:fld>
             <a:endParaRPr lang="nl-BE"/>
           </a:p>
@@ -8531,7 +12107,7 @@
           <a:p>
             <a:fld id="{2661A00B-007A-4326-8859-8C83DD4C6E5D}" type="datetimeFigureOut">
               <a:rPr lang="nl-BE" smtClean="0"/>
-              <a:t>14/12/2018</a:t>
+              <a:t>9/12/2019</a:t>
             </a:fld>
             <a:endParaRPr lang="nl-BE"/>
           </a:p>
@@ -8741,7 +12317,7 @@
           <a:p>
             <a:fld id="{2661A00B-007A-4326-8859-8C83DD4C6E5D}" type="datetimeFigureOut">
               <a:rPr lang="nl-BE" smtClean="0"/>
-              <a:t>14/12/2018</a:t>
+              <a:t>9/12/2019</a:t>
             </a:fld>
             <a:endParaRPr lang="nl-BE"/>
           </a:p>
@@ -8941,7 +12517,7 @@
           <a:p>
             <a:fld id="{2661A00B-007A-4326-8859-8C83DD4C6E5D}" type="datetimeFigureOut">
               <a:rPr lang="nl-BE" smtClean="0"/>
-              <a:t>14/12/2018</a:t>
+              <a:t>9/12/2019</a:t>
             </a:fld>
             <a:endParaRPr lang="nl-BE"/>
           </a:p>
@@ -9217,7 +12793,7 @@
           <a:p>
             <a:fld id="{2661A00B-007A-4326-8859-8C83DD4C6E5D}" type="datetimeFigureOut">
               <a:rPr lang="nl-BE" smtClean="0"/>
-              <a:t>14/12/2018</a:t>
+              <a:t>9/12/2019</a:t>
             </a:fld>
             <a:endParaRPr lang="nl-BE"/>
           </a:p>
@@ -9485,7 +13061,7 @@
           <a:p>
             <a:fld id="{2661A00B-007A-4326-8859-8C83DD4C6E5D}" type="datetimeFigureOut">
               <a:rPr lang="nl-BE" smtClean="0"/>
-              <a:t>14/12/2018</a:t>
+              <a:t>9/12/2019</a:t>
             </a:fld>
             <a:endParaRPr lang="nl-BE"/>
           </a:p>
@@ -9900,7 +13476,7 @@
           <a:p>
             <a:fld id="{2661A00B-007A-4326-8859-8C83DD4C6E5D}" type="datetimeFigureOut">
               <a:rPr lang="nl-BE" smtClean="0"/>
-              <a:t>14/12/2018</a:t>
+              <a:t>9/12/2019</a:t>
             </a:fld>
             <a:endParaRPr lang="nl-BE"/>
           </a:p>
@@ -10042,7 +13618,7 @@
           <a:p>
             <a:fld id="{2661A00B-007A-4326-8859-8C83DD4C6E5D}" type="datetimeFigureOut">
               <a:rPr lang="nl-BE" smtClean="0"/>
-              <a:t>14/12/2018</a:t>
+              <a:t>9/12/2019</a:t>
             </a:fld>
             <a:endParaRPr lang="nl-BE"/>
           </a:p>
@@ -10155,7 +13731,7 @@
           <a:p>
             <a:fld id="{2661A00B-007A-4326-8859-8C83DD4C6E5D}" type="datetimeFigureOut">
               <a:rPr lang="nl-BE" smtClean="0"/>
-              <a:t>14/12/2018</a:t>
+              <a:t>9/12/2019</a:t>
             </a:fld>
             <a:endParaRPr lang="nl-BE"/>
           </a:p>
@@ -10468,7 +14044,7 @@
           <a:p>
             <a:fld id="{2661A00B-007A-4326-8859-8C83DD4C6E5D}" type="datetimeFigureOut">
               <a:rPr lang="nl-BE" smtClean="0"/>
-              <a:t>14/12/2018</a:t>
+              <a:t>9/12/2019</a:t>
             </a:fld>
             <a:endParaRPr lang="nl-BE"/>
           </a:p>
@@ -10757,7 +14333,7 @@
           <a:p>
             <a:fld id="{2661A00B-007A-4326-8859-8C83DD4C6E5D}" type="datetimeFigureOut">
               <a:rPr lang="nl-BE" smtClean="0"/>
-              <a:t>14/12/2018</a:t>
+              <a:t>9/12/2019</a:t>
             </a:fld>
             <a:endParaRPr lang="nl-BE"/>
           </a:p>
@@ -11000,7 +14576,7 @@
           <a:p>
             <a:fld id="{2661A00B-007A-4326-8859-8C83DD4C6E5D}" type="datetimeFigureOut">
               <a:rPr lang="nl-BE" smtClean="0"/>
-              <a:t>14/12/2018</a:t>
+              <a:t>9/12/2019</a:t>
             </a:fld>
             <a:endParaRPr lang="nl-BE"/>
           </a:p>
@@ -11828,6 +15404,406 @@
 <file path=ppt/slides/slide10.xml><?xml version="1.0" encoding="utf-8"?>
 <p:sld xmlns:a="http://schemas.openxmlformats.org/drawingml/2006/main" xmlns:r="http://schemas.openxmlformats.org/officeDocument/2006/relationships" xmlns:p="http://schemas.openxmlformats.org/presentationml/2006/main">
   <p:cSld>
+    <p:spTree>
+      <p:nvGrpSpPr>
+        <p:cNvPr id="1" name=""/>
+        <p:cNvGrpSpPr/>
+        <p:nvPr/>
+      </p:nvGrpSpPr>
+      <p:grpSpPr>
+        <a:xfrm>
+          <a:off x="0" y="0"/>
+          <a:ext cx="0" cy="0"/>
+          <a:chOff x="0" y="0"/>
+          <a:chExt cx="0" cy="0"/>
+        </a:xfrm>
+      </p:grpSpPr>
+      <p:sp>
+        <p:nvSpPr>
+          <p:cNvPr id="8196" name="Rectangle 2"/>
+          <p:cNvSpPr>
+            <a:spLocks noGrp="1" noChangeArrowheads="1"/>
+          </p:cNvSpPr>
+          <p:nvPr>
+            <p:ph type="title"/>
+          </p:nvPr>
+        </p:nvSpPr>
+        <p:spPr>
+          <a:xfrm>
+            <a:off x="600075" y="323850"/>
+            <a:ext cx="9925050" cy="1143000"/>
+          </a:xfrm>
+        </p:spPr>
+        <p:txBody>
+          <a:bodyPr>
+            <a:normAutofit fontScale="90000"/>
+          </a:bodyPr>
+          <a:lstStyle/>
+          <a:p>
+            <a:pPr eaLnBrk="1" hangingPunct="1"/>
+            <a:r>
+              <a:rPr lang="en-US" dirty="0"/>
+              <a:t>Array creation: size can come from elsewhere</a:t>
+            </a:r>
+          </a:p>
+        </p:txBody>
+      </p:sp>
+      <p:sp>
+        <p:nvSpPr>
+          <p:cNvPr id="3" name="Tekstvak 2">
+            <a:extLst>
+              <a:ext uri="{FF2B5EF4-FFF2-40B4-BE49-F238E27FC236}">
+                <a16:creationId xmlns:a16="http://schemas.microsoft.com/office/drawing/2014/main" id="{323FF0FF-AB5B-4151-B5F1-109A04A1AFA8}"/>
+              </a:ext>
+            </a:extLst>
+          </p:cNvPr>
+          <p:cNvSpPr txBox="1"/>
+          <p:nvPr/>
+        </p:nvSpPr>
+        <p:spPr>
+          <a:xfrm>
+            <a:off x="812205" y="2254928"/>
+            <a:ext cx="10626499" cy="523220"/>
+          </a:xfrm>
+          <a:prstGeom prst="rect">
+            <a:avLst/>
+          </a:prstGeom>
+          <a:noFill/>
+        </p:spPr>
+        <p:txBody>
+          <a:bodyPr wrap="none" rtlCol="0">
+            <a:spAutoFit/>
+          </a:bodyPr>
+          <a:lstStyle/>
+          <a:p>
+            <a:r>
+              <a:rPr lang="nl-BE" sz="2800" dirty="0" err="1"/>
+              <a:t>Arraysize</a:t>
+            </a:r>
+            <a:r>
+              <a:rPr lang="nl-BE" sz="2800" dirty="0"/>
+              <a:t> is </a:t>
+            </a:r>
+            <a:r>
+              <a:rPr lang="nl-BE" sz="2800" dirty="0" err="1"/>
+              <a:t>needed</a:t>
+            </a:r>
+            <a:r>
+              <a:rPr lang="nl-BE" sz="2800" dirty="0"/>
+              <a:t> </a:t>
+            </a:r>
+            <a:r>
+              <a:rPr lang="nl-BE" sz="2800" dirty="0" err="1"/>
+              <a:t>once</a:t>
+            </a:r>
+            <a:r>
+              <a:rPr lang="nl-BE" sz="2800" dirty="0"/>
+              <a:t> </a:t>
+            </a:r>
+            <a:r>
+              <a:rPr lang="nl-BE" sz="2800" dirty="0" err="1"/>
+              <a:t>you</a:t>
+            </a:r>
+            <a:r>
+              <a:rPr lang="nl-BE" sz="2800" dirty="0"/>
+              <a:t> </a:t>
+            </a:r>
+            <a:r>
+              <a:rPr lang="nl-BE" sz="2800" dirty="0" err="1"/>
+              <a:t>create</a:t>
+            </a:r>
+            <a:r>
+              <a:rPr lang="nl-BE" sz="2800" dirty="0"/>
+              <a:t>, but </a:t>
+            </a:r>
+            <a:r>
+              <a:rPr lang="nl-BE" sz="2800" dirty="0" err="1"/>
+              <a:t>doesn’t</a:t>
+            </a:r>
+            <a:r>
+              <a:rPr lang="nl-BE" sz="2800" dirty="0"/>
+              <a:t> </a:t>
+            </a:r>
+            <a:r>
+              <a:rPr lang="nl-BE" sz="2800" dirty="0" err="1"/>
+              <a:t>need</a:t>
+            </a:r>
+            <a:r>
+              <a:rPr lang="nl-BE" sz="2800" dirty="0"/>
+              <a:t> </a:t>
+            </a:r>
+            <a:r>
+              <a:rPr lang="nl-BE" sz="2800" dirty="0" err="1"/>
+              <a:t>to</a:t>
+            </a:r>
+            <a:r>
+              <a:rPr lang="nl-BE" sz="2800" dirty="0"/>
+              <a:t> </a:t>
+            </a:r>
+            <a:r>
+              <a:rPr lang="nl-BE" sz="2800" dirty="0" err="1"/>
+              <a:t>be</a:t>
+            </a:r>
+            <a:r>
+              <a:rPr lang="nl-BE" sz="2800" dirty="0"/>
+              <a:t> </a:t>
+            </a:r>
+            <a:r>
+              <a:rPr lang="nl-BE" sz="2800" dirty="0" err="1"/>
+              <a:t>hardcoded</a:t>
+            </a:r>
+            <a:r>
+              <a:rPr lang="nl-BE" sz="2800" dirty="0"/>
+              <a:t>:</a:t>
+            </a:r>
+          </a:p>
+        </p:txBody>
+      </p:sp>
+      <p:sp>
+        <p:nvSpPr>
+          <p:cNvPr id="4" name="Rechthoek 3">
+            <a:extLst>
+              <a:ext uri="{FF2B5EF4-FFF2-40B4-BE49-F238E27FC236}">
+                <a16:creationId xmlns:a16="http://schemas.microsoft.com/office/drawing/2014/main" id="{343B80B4-0306-40B6-9FC2-97DC2EA8D471}"/>
+              </a:ext>
+            </a:extLst>
+          </p:cNvPr>
+          <p:cNvSpPr/>
+          <p:nvPr/>
+        </p:nvSpPr>
+        <p:spPr>
+          <a:xfrm>
+            <a:off x="1114425" y="3333750"/>
+            <a:ext cx="11077575" cy="2677656"/>
+          </a:xfrm>
+          <a:prstGeom prst="rect">
+            <a:avLst/>
+          </a:prstGeom>
+        </p:spPr>
+        <p:txBody>
+          <a:bodyPr wrap="square">
+            <a:spAutoFit/>
+          </a:bodyPr>
+          <a:lstStyle/>
+          <a:p>
+            <a:r>
+              <a:rPr lang="nl-BE" sz="2400" dirty="0">
+                <a:solidFill>
+                  <a:srgbClr val="0000FF"/>
+                </a:solidFill>
+                <a:latin typeface="Consolas" panose="020B0609020204030204" pitchFamily="49" charset="0"/>
+              </a:rPr>
+              <a:t>double</a:t>
+            </a:r>
+            <a:r>
+              <a:rPr lang="nl-BE" sz="2400" dirty="0">
+                <a:solidFill>
+                  <a:srgbClr val="000000"/>
+                </a:solidFill>
+                <a:latin typeface="Consolas" panose="020B0609020204030204" pitchFamily="49" charset="0"/>
+              </a:rPr>
+              <a:t>[] sales;</a:t>
+            </a:r>
+          </a:p>
+          <a:p>
+            <a:endParaRPr lang="en-US" sz="2400" dirty="0">
+              <a:solidFill>
+                <a:srgbClr val="000000"/>
+              </a:solidFill>
+              <a:latin typeface="Consolas" panose="020B0609020204030204" pitchFamily="49" charset="0"/>
+            </a:endParaRPr>
+          </a:p>
+          <a:p>
+            <a:r>
+              <a:rPr lang="en-US" sz="2400" dirty="0" err="1">
+                <a:solidFill>
+                  <a:srgbClr val="000000"/>
+                </a:solidFill>
+                <a:latin typeface="Consolas" panose="020B0609020204030204" pitchFamily="49" charset="0"/>
+              </a:rPr>
+              <a:t>Console.WriteLine</a:t>
+            </a:r>
+            <a:r>
+              <a:rPr lang="en-US" sz="2400" dirty="0">
+                <a:solidFill>
+                  <a:srgbClr val="000000"/>
+                </a:solidFill>
+                <a:latin typeface="Consolas" panose="020B0609020204030204" pitchFamily="49" charset="0"/>
+              </a:rPr>
+              <a:t>(“How many sales did you make </a:t>
+            </a:r>
+            <a:r>
+              <a:rPr lang="en-US" sz="2400" dirty="0">
+                <a:latin typeface="Consolas" panose="020B0609020204030204" pitchFamily="49" charset="0"/>
+              </a:rPr>
+              <a:t>this</a:t>
+            </a:r>
+            <a:r>
+              <a:rPr lang="en-US" sz="2400" dirty="0">
+                <a:solidFill>
+                  <a:srgbClr val="000000"/>
+                </a:solidFill>
+                <a:latin typeface="Consolas" panose="020B0609020204030204" pitchFamily="49" charset="0"/>
+              </a:rPr>
+              <a:t> year ?”);</a:t>
+            </a:r>
+          </a:p>
+          <a:p>
+            <a:endParaRPr lang="nl-BE" sz="2400" dirty="0">
+              <a:solidFill>
+                <a:srgbClr val="0000FF"/>
+              </a:solidFill>
+              <a:latin typeface="Consolas" panose="020B0609020204030204" pitchFamily="49" charset="0"/>
+            </a:endParaRPr>
+          </a:p>
+          <a:p>
+            <a:r>
+              <a:rPr lang="nl-BE" sz="2400" dirty="0">
+                <a:solidFill>
+                  <a:srgbClr val="0000FF"/>
+                </a:solidFill>
+                <a:latin typeface="Consolas" panose="020B0609020204030204" pitchFamily="49" charset="0"/>
+              </a:rPr>
+              <a:t>int</a:t>
+            </a:r>
+            <a:r>
+              <a:rPr lang="nl-BE" sz="2400" dirty="0">
+                <a:solidFill>
+                  <a:srgbClr val="000000"/>
+                </a:solidFill>
+                <a:latin typeface="Consolas" panose="020B0609020204030204" pitchFamily="49" charset="0"/>
+              </a:rPr>
+              <a:t> </a:t>
+            </a:r>
+            <a:r>
+              <a:rPr lang="nl-BE" sz="2400" dirty="0" err="1">
+                <a:solidFill>
+                  <a:srgbClr val="000000"/>
+                </a:solidFill>
+                <a:latin typeface="Consolas" panose="020B0609020204030204" pitchFamily="49" charset="0"/>
+              </a:rPr>
+              <a:t>sizereq</a:t>
+            </a:r>
+            <a:r>
+              <a:rPr lang="nl-BE" sz="2400" dirty="0">
+                <a:solidFill>
+                  <a:srgbClr val="000000"/>
+                </a:solidFill>
+                <a:latin typeface="Consolas" panose="020B0609020204030204" pitchFamily="49" charset="0"/>
+              </a:rPr>
+              <a:t> = Convert.ToInt32(</a:t>
+            </a:r>
+            <a:r>
+              <a:rPr lang="nl-BE" sz="2400" dirty="0" err="1">
+                <a:solidFill>
+                  <a:srgbClr val="000000"/>
+                </a:solidFill>
+                <a:latin typeface="Consolas" panose="020B0609020204030204" pitchFamily="49" charset="0"/>
+              </a:rPr>
+              <a:t>Console.ReadLine</a:t>
+            </a:r>
+            <a:r>
+              <a:rPr lang="nl-BE" sz="2400" dirty="0">
+                <a:solidFill>
+                  <a:srgbClr val="000000"/>
+                </a:solidFill>
+                <a:latin typeface="Consolas" panose="020B0609020204030204" pitchFamily="49" charset="0"/>
+              </a:rPr>
+              <a:t>());</a:t>
+            </a:r>
+          </a:p>
+          <a:p>
+            <a:endParaRPr lang="nl-BE" sz="2400" dirty="0">
+              <a:solidFill>
+                <a:srgbClr val="000000"/>
+              </a:solidFill>
+              <a:latin typeface="Consolas" panose="020B0609020204030204" pitchFamily="49" charset="0"/>
+            </a:endParaRPr>
+          </a:p>
+          <a:p>
+            <a:r>
+              <a:rPr lang="nl-BE" sz="2400" dirty="0">
+                <a:solidFill>
+                  <a:srgbClr val="000000"/>
+                </a:solidFill>
+                <a:latin typeface="Consolas" panose="020B0609020204030204" pitchFamily="49" charset="0"/>
+              </a:rPr>
+              <a:t>sales = </a:t>
+            </a:r>
+            <a:r>
+              <a:rPr lang="nl-BE" sz="2400" dirty="0">
+                <a:solidFill>
+                  <a:srgbClr val="0000FF"/>
+                </a:solidFill>
+                <a:latin typeface="Consolas" panose="020B0609020204030204" pitchFamily="49" charset="0"/>
+              </a:rPr>
+              <a:t>new</a:t>
+            </a:r>
+            <a:r>
+              <a:rPr lang="nl-BE" sz="2400" dirty="0">
+                <a:solidFill>
+                  <a:srgbClr val="000000"/>
+                </a:solidFill>
+                <a:latin typeface="Consolas" panose="020B0609020204030204" pitchFamily="49" charset="0"/>
+              </a:rPr>
+              <a:t> </a:t>
+            </a:r>
+            <a:r>
+              <a:rPr lang="nl-BE" sz="2400" dirty="0">
+                <a:solidFill>
+                  <a:srgbClr val="0000FF"/>
+                </a:solidFill>
+                <a:latin typeface="Consolas" panose="020B0609020204030204" pitchFamily="49" charset="0"/>
+              </a:rPr>
+              <a:t>double</a:t>
+            </a:r>
+            <a:r>
+              <a:rPr lang="nl-BE" sz="2400" dirty="0">
+                <a:solidFill>
+                  <a:srgbClr val="000000"/>
+                </a:solidFill>
+                <a:latin typeface="Consolas" panose="020B0609020204030204" pitchFamily="49" charset="0"/>
+              </a:rPr>
+              <a:t>[</a:t>
+            </a:r>
+            <a:r>
+              <a:rPr lang="nl-BE" sz="2400" b="1" dirty="0" err="1">
+                <a:solidFill>
+                  <a:srgbClr val="000000"/>
+                </a:solidFill>
+                <a:latin typeface="Consolas" panose="020B0609020204030204" pitchFamily="49" charset="0"/>
+              </a:rPr>
+              <a:t>sizereq</a:t>
+            </a:r>
+            <a:r>
+              <a:rPr lang="nl-BE" sz="2400" dirty="0">
+                <a:solidFill>
+                  <a:srgbClr val="000000"/>
+                </a:solidFill>
+                <a:latin typeface="Consolas" panose="020B0609020204030204" pitchFamily="49" charset="0"/>
+              </a:rPr>
+              <a:t>];</a:t>
+            </a:r>
+            <a:endParaRPr lang="nl-BE" sz="2400" dirty="0"/>
+          </a:p>
+        </p:txBody>
+      </p:sp>
+    </p:spTree>
+    <p:extLst>
+      <p:ext uri="{BB962C8B-B14F-4D97-AF65-F5344CB8AC3E}">
+        <p14:creationId xmlns:p14="http://schemas.microsoft.com/office/powerpoint/2010/main" val="1259399920"/>
+      </p:ext>
+    </p:extLst>
+  </p:cSld>
+  <p:clrMapOvr>
+    <a:masterClrMapping/>
+  </p:clrMapOvr>
+</p:sld>
+</file>
+
+<file path=ppt/slides/slide11.xml><?xml version="1.0" encoding="utf-8"?>
+<p:sld xmlns:a="http://schemas.openxmlformats.org/drawingml/2006/main" xmlns:r="http://schemas.openxmlformats.org/officeDocument/2006/relationships" xmlns:p="http://schemas.openxmlformats.org/presentationml/2006/main">
+  <p:cSld>
     <p:bg>
       <p:bgPr>
         <a:solidFill>
@@ -12032,23 +16008,119 @@
           <a:lstStyle/>
           <a:p>
             <a:r>
-              <a:rPr lang="nl-BE" sz="2400"/>
-              <a:t>You can’t change the size of an array once it’s created.</a:t>
-            </a:r>
-          </a:p>
-          <a:p>
-            <a:endParaRPr lang="nl-BE" sz="2400"/>
-          </a:p>
-          <a:p>
-            <a:r>
-              <a:rPr lang="nl-BE" sz="2400"/>
-              <a:t>What if you do need a bigger one?:</a:t>
+              <a:rPr lang="nl-BE" sz="2400" dirty="0" err="1"/>
+              <a:t>You</a:t>
+            </a:r>
+            <a:r>
+              <a:rPr lang="nl-BE" sz="2400" dirty="0"/>
+              <a:t> </a:t>
+            </a:r>
+            <a:r>
+              <a:rPr lang="nl-BE" sz="2400" dirty="0" err="1"/>
+              <a:t>can’t</a:t>
+            </a:r>
+            <a:r>
+              <a:rPr lang="nl-BE" sz="2400" dirty="0"/>
+              <a:t> change </a:t>
+            </a:r>
+            <a:r>
+              <a:rPr lang="nl-BE" sz="2400" dirty="0" err="1"/>
+              <a:t>the</a:t>
+            </a:r>
+            <a:r>
+              <a:rPr lang="nl-BE" sz="2400" dirty="0"/>
+              <a:t> </a:t>
+            </a:r>
+            <a:r>
+              <a:rPr lang="nl-BE" sz="2400" dirty="0" err="1"/>
+              <a:t>size</a:t>
+            </a:r>
+            <a:r>
+              <a:rPr lang="nl-BE" sz="2400" dirty="0"/>
+              <a:t> of an array </a:t>
+            </a:r>
+            <a:r>
+              <a:rPr lang="nl-BE" sz="2400" dirty="0" err="1"/>
+              <a:t>once</a:t>
+            </a:r>
+            <a:r>
+              <a:rPr lang="nl-BE" sz="2400" dirty="0"/>
+              <a:t> </a:t>
+            </a:r>
+            <a:r>
+              <a:rPr lang="nl-BE" sz="2400" dirty="0" err="1"/>
+              <a:t>it’s</a:t>
+            </a:r>
+            <a:r>
+              <a:rPr lang="nl-BE" sz="2400" dirty="0"/>
+              <a:t> </a:t>
+            </a:r>
+            <a:r>
+              <a:rPr lang="nl-BE" sz="2400" dirty="0" err="1"/>
+              <a:t>created</a:t>
+            </a:r>
+            <a:r>
+              <a:rPr lang="nl-BE" sz="2400" dirty="0"/>
+              <a:t>.</a:t>
+            </a:r>
+          </a:p>
+          <a:p>
+            <a:endParaRPr lang="nl-BE" sz="2400" dirty="0"/>
+          </a:p>
+          <a:p>
+            <a:r>
+              <a:rPr lang="nl-BE" sz="2400" dirty="0" err="1"/>
+              <a:t>What</a:t>
+            </a:r>
+            <a:r>
+              <a:rPr lang="nl-BE" sz="2400" dirty="0"/>
+              <a:t> </a:t>
+            </a:r>
+            <a:r>
+              <a:rPr lang="nl-BE" sz="2400" dirty="0" err="1"/>
+              <a:t>if</a:t>
+            </a:r>
+            <a:r>
+              <a:rPr lang="nl-BE" sz="2400" dirty="0"/>
+              <a:t> </a:t>
+            </a:r>
+            <a:r>
+              <a:rPr lang="nl-BE" sz="2400" dirty="0" err="1"/>
+              <a:t>you</a:t>
+            </a:r>
+            <a:r>
+              <a:rPr lang="nl-BE" sz="2400" dirty="0"/>
+              <a:t> do </a:t>
+            </a:r>
+            <a:r>
+              <a:rPr lang="nl-BE" sz="2400" dirty="0" err="1"/>
+              <a:t>need</a:t>
+            </a:r>
+            <a:r>
+              <a:rPr lang="nl-BE" sz="2400" dirty="0"/>
+              <a:t> a </a:t>
+            </a:r>
+            <a:r>
+              <a:rPr lang="nl-BE" sz="2400" dirty="0" err="1"/>
+              <a:t>bigger</a:t>
+            </a:r>
+            <a:r>
+              <a:rPr lang="nl-BE" sz="2400" dirty="0"/>
+              <a:t> </a:t>
+            </a:r>
+            <a:r>
+              <a:rPr lang="nl-BE" sz="2400" dirty="0" err="1"/>
+              <a:t>one</a:t>
+            </a:r>
+            <a:r>
+              <a:rPr lang="nl-BE" sz="2400" dirty="0"/>
+              <a:t>?:</a:t>
             </a:r>
           </a:p>
           <a:p>
             <a:pPr lvl="1"/>
             <a:r>
-              <a:rPr lang="nl-BE"/>
+              <a:rPr lang="nl-BE" dirty="0" err="1"/>
               <a:t>Create</a:t>
             </a:r>
             <a:r>
@@ -12056,23 +16128,15 @@
               <a:t> a new, </a:t>
             </a:r>
             <a:r>
-              <a:rPr lang="nl-BE"/>
+              <a:rPr lang="nl-BE" dirty="0" err="1"/>
               <a:t>bigger</a:t>
             </a:r>
             <a:r>
               <a:rPr lang="nl-BE" dirty="0"/>
-              <a:t>, array </a:t>
-            </a:r>
-            <a:r>
-              <a:rPr lang="nl-BE"/>
-              <a:t>and</a:t>
-            </a:r>
-            <a:r>
-              <a:rPr lang="nl-BE" dirty="0"/>
-              <a:t> copy </a:t>
-            </a:r>
-            <a:r>
-              <a:rPr lang="nl-BE"/>
+              <a:t>, array and copy </a:t>
+            </a:r>
+            <a:r>
+              <a:rPr lang="nl-BE" dirty="0" err="1"/>
               <a:t>all</a:t>
             </a:r>
             <a:r>
@@ -12080,7 +16144,7 @@
               <a:t> </a:t>
             </a:r>
             <a:r>
-              <a:rPr lang="nl-BE"/>
+              <a:rPr lang="nl-BE" dirty="0" err="1"/>
               <a:t>values</a:t>
             </a:r>
             <a:r>
@@ -12088,7 +16152,7 @@
               <a:t> </a:t>
             </a:r>
             <a:r>
-              <a:rPr lang="nl-BE"/>
+              <a:rPr lang="nl-BE" dirty="0" err="1"/>
               <a:t>from</a:t>
             </a:r>
             <a:r>
@@ -12096,7 +16160,7 @@
               <a:t> smaller array </a:t>
             </a:r>
             <a:r>
-              <a:rPr lang="nl-BE"/>
+              <a:rPr lang="nl-BE" dirty="0" err="1"/>
               <a:t>to</a:t>
             </a:r>
             <a:r>
@@ -12104,53 +16168,10 @@
               <a:t> </a:t>
             </a:r>
             <a:r>
-              <a:rPr lang="nl-BE"/>
+              <a:rPr lang="nl-BE" dirty="0" err="1"/>
               <a:t>it</a:t>
             </a:r>
             <a:endParaRPr lang="nl-BE" dirty="0"/>
-          </a:p>
-          <a:p>
-            <a:pPr lvl="1"/>
-            <a:r>
-              <a:rPr lang="nl-BE"/>
-              <a:t>Use</a:t>
-            </a:r>
-            <a:r>
-              <a:rPr lang="nl-BE" dirty="0"/>
-              <a:t> List&lt;I&gt;-class (‘</a:t>
-            </a:r>
-            <a:r>
-              <a:rPr lang="nl-BE"/>
-              <a:t>advanced</a:t>
-            </a:r>
-            <a:r>
-              <a:rPr lang="nl-BE" dirty="0"/>
-              <a:t> arrays’…</a:t>
-            </a:r>
-            <a:r>
-              <a:rPr lang="nl-BE"/>
-              <a:t>we’ll</a:t>
-            </a:r>
-            <a:r>
-              <a:rPr lang="nl-BE" dirty="0"/>
-              <a:t> </a:t>
-            </a:r>
-            <a:r>
-              <a:rPr lang="nl-BE"/>
-              <a:t>see</a:t>
-            </a:r>
-            <a:r>
-              <a:rPr lang="nl-BE" dirty="0"/>
-              <a:t> </a:t>
-            </a:r>
-            <a:r>
-              <a:rPr lang="nl-BE"/>
-              <a:t>this</a:t>
-            </a:r>
-            <a:r>
-              <a:rPr lang="nl-BE" dirty="0"/>
-              <a:t> later)</a:t>
-            </a:r>
           </a:p>
         </p:txBody>
       </p:sp>
@@ -12214,7 +16235,7 @@
                 </a:spcAft>
                 <a:defRPr/>
               </a:pPr>
-              <a:t>10</a:t>
+              <a:t>11</a:t>
             </a:fld>
             <a:endParaRPr lang="nl-NL">
               <a:solidFill>
@@ -12240,7 +16261,7 @@
 </p:sld>
 </file>
 
-<file path=ppt/slides/slide11.xml><?xml version="1.0" encoding="utf-8"?>
+<file path=ppt/slides/slide12.xml><?xml version="1.0" encoding="utf-8"?>
 <p:sld xmlns:a="http://schemas.openxmlformats.org/drawingml/2006/main" xmlns:r="http://schemas.openxmlformats.org/officeDocument/2006/relationships" xmlns:p="http://schemas.openxmlformats.org/presentationml/2006/main">
   <p:cSld>
     <p:spTree>
@@ -12667,7 +16688,7 @@
 </p:sld>
 </file>
 
-<file path=ppt/slides/slide12.xml><?xml version="1.0" encoding="utf-8"?>
+<file path=ppt/slides/slide13.xml><?xml version="1.0" encoding="utf-8"?>
 <p:sld xmlns:a="http://schemas.openxmlformats.org/drawingml/2006/main" xmlns:r="http://schemas.openxmlformats.org/officeDocument/2006/relationships" xmlns:p="http://schemas.openxmlformats.org/presentationml/2006/main">
   <p:cSld>
     <p:spTree>
@@ -12865,7 +16886,7 @@
               <a:pPr>
                 <a:defRPr/>
               </a:pPr>
-              <a:t>12</a:t>
+              <a:t>13</a:t>
             </a:fld>
             <a:endParaRPr lang="nl-NL" dirty="0"/>
           </a:p>
@@ -12884,7 +16905,7 @@
 </p:sld>
 </file>
 
-<file path=ppt/slides/slide13.xml><?xml version="1.0" encoding="utf-8"?>
+<file path=ppt/slides/slide14.xml><?xml version="1.0" encoding="utf-8"?>
 <p:sld xmlns:a="http://schemas.openxmlformats.org/drawingml/2006/main" xmlns:r="http://schemas.openxmlformats.org/officeDocument/2006/relationships" xmlns:p="http://schemas.openxmlformats.org/presentationml/2006/main">
   <p:cSld>
     <p:spTree>
@@ -13525,7 +17546,7 @@
 </p:sld>
 </file>
 
-<file path=ppt/slides/slide14.xml><?xml version="1.0" encoding="utf-8"?>
+<file path=ppt/slides/slide15.xml><?xml version="1.0" encoding="utf-8"?>
 <p:sld xmlns:a="http://schemas.openxmlformats.org/drawingml/2006/main" xmlns:r="http://schemas.openxmlformats.org/officeDocument/2006/relationships" xmlns:p="http://schemas.openxmlformats.org/presentationml/2006/main">
   <p:cSld>
     <p:bg>
@@ -14106,7 +18127,7 @@
 </p:sld>
 </file>
 
-<file path=ppt/slides/slide15.xml><?xml version="1.0" encoding="utf-8"?>
+<file path=ppt/slides/slide16.xml><?xml version="1.0" encoding="utf-8"?>
 <p:sld xmlns:a="http://schemas.openxmlformats.org/drawingml/2006/main" xmlns:r="http://schemas.openxmlformats.org/officeDocument/2006/relationships" xmlns:p="http://schemas.openxmlformats.org/presentationml/2006/main">
   <p:cSld>
     <p:spTree>
@@ -14314,7 +18335,7 @@
 </p:sld>
 </file>
 
-<file path=ppt/slides/slide16.xml><?xml version="1.0" encoding="utf-8"?>
+<file path=ppt/slides/slide17.xml><?xml version="1.0" encoding="utf-8"?>
 <p:sld xmlns:a="http://schemas.openxmlformats.org/drawingml/2006/main" xmlns:r="http://schemas.openxmlformats.org/officeDocument/2006/relationships" xmlns:p="http://schemas.openxmlformats.org/presentationml/2006/main">
   <p:cSld>
     <p:spTree>
@@ -14563,7 +18584,7 @@
             <a:fld id="{75439183-B2C2-4E73-831D-5668691A6178}" type="slidenum">
               <a:rPr lang="nl-NL" smtClean="0"/>
               <a:pPr/>
-              <a:t>16</a:t>
+              <a:t>17</a:t>
             </a:fld>
             <a:endParaRPr lang="nl-NL" dirty="0"/>
           </a:p>
@@ -14800,7 +18821,7 @@
 </p:sld>
 </file>
 
-<file path=ppt/slides/slide17.xml><?xml version="1.0" encoding="utf-8"?>
+<file path=ppt/slides/slide18.xml><?xml version="1.0" encoding="utf-8"?>
 <p:sld xmlns:a="http://schemas.openxmlformats.org/drawingml/2006/main" xmlns:r="http://schemas.openxmlformats.org/officeDocument/2006/relationships" xmlns:p="http://schemas.openxmlformats.org/presentationml/2006/main">
   <p:cSld>
     <p:spTree>
@@ -15310,7 +19331,7 @@
 </p:sld>
 </file>
 
-<file path=ppt/slides/slide18.xml><?xml version="1.0" encoding="utf-8"?>
+<file path=ppt/slides/slide19.xml><?xml version="1.0" encoding="utf-8"?>
 <p:sld xmlns:a="http://schemas.openxmlformats.org/drawingml/2006/main" xmlns:r="http://schemas.openxmlformats.org/officeDocument/2006/relationships" xmlns:p="http://schemas.openxmlformats.org/presentationml/2006/main">
   <p:cSld>
     <p:bg>
@@ -15534,7 +19555,191 @@
 </p:sld>
 </file>
 
-<file path=ppt/slides/slide19.xml><?xml version="1.0" encoding="utf-8"?>
+<file path=ppt/slides/slide2.xml><?xml version="1.0" encoding="utf-8"?>
+<p:sld xmlns:a="http://schemas.openxmlformats.org/drawingml/2006/main" xmlns:r="http://schemas.openxmlformats.org/officeDocument/2006/relationships" xmlns:p="http://schemas.openxmlformats.org/presentationml/2006/main">
+  <p:cSld>
+    <p:spTree>
+      <p:nvGrpSpPr>
+        <p:cNvPr id="1" name=""/>
+        <p:cNvGrpSpPr/>
+        <p:nvPr/>
+      </p:nvGrpSpPr>
+      <p:grpSpPr>
+        <a:xfrm>
+          <a:off x="0" y="0"/>
+          <a:ext cx="0" cy="0"/>
+          <a:chOff x="0" y="0"/>
+          <a:chExt cx="0" cy="0"/>
+        </a:xfrm>
+      </p:grpSpPr>
+      <p:sp>
+        <p:nvSpPr>
+          <p:cNvPr id="2" name="Titel 1">
+            <a:extLst>
+              <a:ext uri="{FF2B5EF4-FFF2-40B4-BE49-F238E27FC236}">
+                <a16:creationId xmlns:a16="http://schemas.microsoft.com/office/drawing/2014/main" id="{7B247058-9928-4F1C-8876-BBE1ABEA1F7C}"/>
+              </a:ext>
+            </a:extLst>
+          </p:cNvPr>
+          <p:cNvSpPr>
+            <a:spLocks noGrp="1"/>
+          </p:cNvSpPr>
+          <p:nvPr>
+            <p:ph type="title"/>
+          </p:nvPr>
+        </p:nvSpPr>
+        <p:spPr/>
+        <p:txBody>
+          <a:bodyPr/>
+          <a:lstStyle/>
+          <a:p>
+            <a:r>
+              <a:rPr lang="nl-BE" dirty="0" err="1"/>
+              <a:t>Imagine</a:t>
+            </a:r>
+            <a:endParaRPr lang="nl-BE" dirty="0"/>
+          </a:p>
+        </p:txBody>
+      </p:sp>
+      <p:sp>
+        <p:nvSpPr>
+          <p:cNvPr id="3" name="Tijdelijke aanduiding voor inhoud 2">
+            <a:extLst>
+              <a:ext uri="{FF2B5EF4-FFF2-40B4-BE49-F238E27FC236}">
+                <a16:creationId xmlns:a16="http://schemas.microsoft.com/office/drawing/2014/main" id="{15C632F7-4287-4621-B6E9-F1721DCD37C7}"/>
+              </a:ext>
+            </a:extLst>
+          </p:cNvPr>
+          <p:cNvSpPr>
+            <a:spLocks noGrp="1"/>
+          </p:cNvSpPr>
+          <p:nvPr>
+            <p:ph idx="1"/>
+          </p:nvPr>
+        </p:nvSpPr>
+        <p:spPr/>
+        <p:txBody>
+          <a:bodyPr/>
+          <a:lstStyle/>
+          <a:p>
+            <a:r>
+              <a:rPr lang="nl-BE" dirty="0" err="1"/>
+              <a:t>You</a:t>
+            </a:r>
+            <a:r>
+              <a:rPr lang="nl-BE" dirty="0"/>
+              <a:t> </a:t>
+            </a:r>
+            <a:r>
+              <a:rPr lang="nl-BE" dirty="0" err="1"/>
+              <a:t>need</a:t>
+            </a:r>
+            <a:r>
+              <a:rPr lang="nl-BE" dirty="0"/>
+              <a:t> a list of student </a:t>
+            </a:r>
+            <a:r>
+              <a:rPr lang="nl-BE" dirty="0" err="1"/>
+              <a:t>names</a:t>
+            </a:r>
+            <a:endParaRPr lang="nl-BE" dirty="0"/>
+          </a:p>
+          <a:p>
+            <a:r>
+              <a:rPr lang="nl-BE" dirty="0"/>
+              <a:t>List of </a:t>
+            </a:r>
+            <a:r>
+              <a:rPr lang="nl-BE" dirty="0" err="1"/>
+              <a:t>temperature</a:t>
+            </a:r>
+            <a:r>
+              <a:rPr lang="nl-BE" dirty="0"/>
+              <a:t> </a:t>
+            </a:r>
+            <a:r>
+              <a:rPr lang="nl-BE" dirty="0" err="1"/>
+              <a:t>measurements</a:t>
+            </a:r>
+            <a:endParaRPr lang="nl-BE" dirty="0"/>
+          </a:p>
+          <a:p>
+            <a:r>
+              <a:rPr lang="nl-BE" dirty="0"/>
+              <a:t>Quiz </a:t>
+            </a:r>
+            <a:r>
+              <a:rPr lang="nl-BE" dirty="0" err="1"/>
+              <a:t>answers</a:t>
+            </a:r>
+            <a:endParaRPr lang="nl-BE" dirty="0"/>
+          </a:p>
+          <a:p>
+            <a:r>
+              <a:rPr lang="nl-BE" dirty="0"/>
+              <a:t>A </a:t>
+            </a:r>
+            <a:r>
+              <a:rPr lang="nl-BE" dirty="0" err="1"/>
+              <a:t>sequence</a:t>
+            </a:r>
+            <a:r>
+              <a:rPr lang="nl-BE" dirty="0"/>
+              <a:t> of </a:t>
+            </a:r>
+            <a:r>
+              <a:rPr lang="nl-BE" dirty="0" err="1"/>
+              <a:t>the</a:t>
+            </a:r>
+            <a:r>
+              <a:rPr lang="nl-BE" dirty="0"/>
+              <a:t> human </a:t>
+            </a:r>
+            <a:r>
+              <a:rPr lang="nl-BE" dirty="0" err="1"/>
+              <a:t>genome</a:t>
+            </a:r>
+            <a:endParaRPr lang="nl-BE" dirty="0"/>
+          </a:p>
+          <a:p>
+            <a:r>
+              <a:rPr lang="nl-BE" dirty="0" err="1"/>
+              <a:t>Etc</a:t>
+            </a:r>
+            <a:r>
+              <a:rPr lang="nl-BE" dirty="0"/>
+              <a:t> </a:t>
+            </a:r>
+            <a:r>
+              <a:rPr lang="nl-BE" dirty="0" err="1"/>
+              <a:t>etc</a:t>
+            </a:r>
+            <a:r>
+              <a:rPr lang="nl-BE" dirty="0"/>
+              <a:t> </a:t>
+            </a:r>
+            <a:r>
+              <a:rPr lang="nl-BE" dirty="0" err="1"/>
+              <a:t>etc</a:t>
+            </a:r>
+            <a:endParaRPr lang="nl-BE" dirty="0"/>
+          </a:p>
+        </p:txBody>
+      </p:sp>
+    </p:spTree>
+    <p:extLst>
+      <p:ext uri="{BB962C8B-B14F-4D97-AF65-F5344CB8AC3E}">
+        <p14:creationId xmlns:p14="http://schemas.microsoft.com/office/powerpoint/2010/main" val="2851761843"/>
+      </p:ext>
+    </p:extLst>
+  </p:cSld>
+  <p:clrMapOvr>
+    <a:masterClrMapping/>
+  </p:clrMapOvr>
+</p:sld>
+</file>
+
+<file path=ppt/slides/slide20.xml><?xml version="1.0" encoding="utf-8"?>
 <p:sld xmlns:a="http://schemas.openxmlformats.org/drawingml/2006/main" xmlns:r="http://schemas.openxmlformats.org/officeDocument/2006/relationships" xmlns:p="http://schemas.openxmlformats.org/presentationml/2006/main">
   <p:cSld>
     <p:spTree>
@@ -15741,7 +19946,7 @@
             <a:fld id="{E5D715EB-237D-4635-A4A4-D646F6B205CA}" type="slidenum">
               <a:rPr lang="nl-NL" smtClean="0"/>
               <a:pPr/>
-              <a:t>19</a:t>
+              <a:t>20</a:t>
             </a:fld>
             <a:endParaRPr lang="nl-NL" dirty="0"/>
           </a:p>
@@ -15904,7 +20109,7 @@
             <a:fld id="{53EB10C4-7D38-4372-B876-1ABBC64F1E74}" type="slidenum">
               <a:rPr lang="nl-NL" sz="1100"/>
               <a:pPr algn="r"/>
-              <a:t>19</a:t>
+              <a:t>20</a:t>
             </a:fld>
             <a:endParaRPr lang="nl-NL" sz="1100" dirty="0"/>
           </a:p>
@@ -16138,239 +20343,7 @@
 </p:sld>
 </file>
 
-<file path=ppt/slides/slide2.xml><?xml version="1.0" encoding="utf-8"?>
-<p:sld xmlns:a="http://schemas.openxmlformats.org/drawingml/2006/main" xmlns:r="http://schemas.openxmlformats.org/officeDocument/2006/relationships" xmlns:p="http://schemas.openxmlformats.org/presentationml/2006/main">
-  <p:cSld>
-    <p:bg>
-      <p:bgPr>
-        <a:solidFill>
-          <a:schemeClr val="bg1"/>
-        </a:solidFill>
-        <a:effectLst/>
-      </p:bgPr>
-    </p:bg>
-    <p:spTree>
-      <p:nvGrpSpPr>
-        <p:cNvPr id="1" name=""/>
-        <p:cNvGrpSpPr/>
-        <p:nvPr/>
-      </p:nvGrpSpPr>
-      <p:grpSpPr>
-        <a:xfrm>
-          <a:off x="0" y="0"/>
-          <a:ext cx="0" cy="0"/>
-          <a:chOff x="0" y="0"/>
-          <a:chExt cx="0" cy="0"/>
-        </a:xfrm>
-      </p:grpSpPr>
-      <p:sp>
-        <p:nvSpPr>
-          <p:cNvPr id="74" name="Rectangle 73">
-            <a:extLst>
-              <a:ext uri="{FF2B5EF4-FFF2-40B4-BE49-F238E27FC236}">
-                <a16:creationId xmlns:a16="http://schemas.microsoft.com/office/drawing/2014/main" id="{23962611-DFD5-4092-AAFD-559E3DFCE2C9}"/>
-              </a:ext>
-              <a:ext uri="{C183D7F6-B498-43B3-948B-1728B52AA6E4}">
-                <adec:decorative xmlns:adec="http://schemas.microsoft.com/office/drawing/2017/decorative" val="1"/>
-              </a:ext>
-            </a:extLst>
-          </p:cNvPr>
-          <p:cNvSpPr>
-            <a:spLocks noGrp="1" noRot="1" noChangeAspect="1" noMove="1" noResize="1" noEditPoints="1" noAdjustHandles="1" noChangeArrowheads="1" noChangeShapeType="1" noTextEdit="1"/>
-          </p:cNvSpPr>
-          <p:nvPr>
-            <p:extLst>
-              <p:ext uri="{386F3935-93C4-4BCD-93E2-E3B085C9AB24}">
-                <p16:designElem xmlns:p16="http://schemas.microsoft.com/office/powerpoint/2015/main" val="1"/>
-              </p:ext>
-            </p:extLst>
-          </p:nvPr>
-        </p:nvSpPr>
-        <p:spPr>
-          <a:xfrm>
-            <a:off x="475488" y="0"/>
-            <a:ext cx="10910292" cy="6858000"/>
-          </a:xfrm>
-          <a:prstGeom prst="rect">
-            <a:avLst/>
-          </a:prstGeom>
-          <a:gradFill>
-            <a:gsLst>
-              <a:gs pos="0">
-                <a:schemeClr val="accent1">
-                  <a:lumMod val="90000"/>
-                </a:schemeClr>
-              </a:gs>
-              <a:gs pos="25000">
-                <a:schemeClr val="accent1">
-                  <a:lumMod val="90000"/>
-                </a:schemeClr>
-              </a:gs>
-              <a:gs pos="94000">
-                <a:schemeClr val="bg2">
-                  <a:lumMod val="25000"/>
-                </a:schemeClr>
-              </a:gs>
-              <a:gs pos="100000">
-                <a:schemeClr val="bg2">
-                  <a:lumMod val="25000"/>
-                </a:schemeClr>
-              </a:gs>
-            </a:gsLst>
-            <a:lin ang="4200000" scaled="0"/>
-          </a:gradFill>
-          <a:ln>
-            <a:noFill/>
-          </a:ln>
-        </p:spPr>
-        <p:style>
-          <a:lnRef idx="2">
-            <a:schemeClr val="accent1">
-              <a:shade val="50000"/>
-            </a:schemeClr>
-          </a:lnRef>
-          <a:fillRef idx="1">
-            <a:schemeClr val="accent1"/>
-          </a:fillRef>
-          <a:effectRef idx="0">
-            <a:schemeClr val="accent1"/>
-          </a:effectRef>
-          <a:fontRef idx="minor">
-            <a:schemeClr val="lt1"/>
-          </a:fontRef>
-        </p:style>
-        <p:txBody>
-          <a:bodyPr rtlCol="0" anchor="ctr"/>
-          <a:lstStyle/>
-          <a:p>
-            <a:pPr algn="ctr"/>
-            <a:endParaRPr lang="en-US"/>
-          </a:p>
-        </p:txBody>
-      </p:sp>
-      <p:pic>
-        <p:nvPicPr>
-          <p:cNvPr id="76" name="Picture 75">
-            <a:extLst>
-              <a:ext uri="{FF2B5EF4-FFF2-40B4-BE49-F238E27FC236}">
-                <a16:creationId xmlns:a16="http://schemas.microsoft.com/office/drawing/2014/main" id="{2270F1FA-0425-408F-9861-80BF5AFB276D}"/>
-              </a:ext>
-              <a:ext uri="{C183D7F6-B498-43B3-948B-1728B52AA6E4}">
-                <adec:decorative xmlns:adec="http://schemas.microsoft.com/office/drawing/2017/decorative" val="1"/>
-              </a:ext>
-            </a:extLst>
-          </p:cNvPr>
-          <p:cNvPicPr>
-            <a:picLocks noGrp="1" noRot="1" noChangeAspect="1" noMove="1" noResize="1" noEditPoints="1" noAdjustHandles="1" noChangeArrowheads="1" noChangeShapeType="1" noCrop="1"/>
-          </p:cNvPicPr>
-          <p:nvPr>
-            <p:extLst>
-              <p:ext uri="{386F3935-93C4-4BCD-93E2-E3B085C9AB24}">
-                <p16:designElem xmlns:p16="http://schemas.microsoft.com/office/powerpoint/2015/main" val="1"/>
-              </p:ext>
-            </p:extLst>
-          </p:nvPr>
-        </p:nvPicPr>
-        <p:blipFill>
-          <a:blip r:embed="rId2">
-            <a:extLst>
-              <a:ext uri="{28A0092B-C50C-407E-A947-70E740481C1C}">
-                <a14:useLocalDpi xmlns:a14="http://schemas.microsoft.com/office/drawing/2010/main" val="0"/>
-              </a:ext>
-            </a:extLst>
-          </a:blip>
-          <a:stretch>
-            <a:fillRect/>
-          </a:stretch>
-        </p:blipFill>
-        <p:spPr>
-          <a:xfrm>
-            <a:off x="0" y="0"/>
-            <a:ext cx="12192000" cy="6858000"/>
-          </a:xfrm>
-          <a:prstGeom prst="rect">
-            <a:avLst/>
-          </a:prstGeom>
-        </p:spPr>
-      </p:pic>
-      <p:sp>
-        <p:nvSpPr>
-          <p:cNvPr id="2" name="Titel 1"/>
-          <p:cNvSpPr>
-            <a:spLocks noGrp="1"/>
-          </p:cNvSpPr>
-          <p:nvPr>
-            <p:ph type="title"/>
-          </p:nvPr>
-        </p:nvSpPr>
-        <p:spPr>
-          <a:xfrm>
-            <a:off x="3045368" y="2043663"/>
-            <a:ext cx="6105194" cy="2031055"/>
-          </a:xfrm>
-        </p:spPr>
-        <p:txBody>
-          <a:bodyPr vert="horz" lIns="91440" tIns="45720" rIns="91440" bIns="45720" rtlCol="0" anchor="b">
-            <a:normAutofit/>
-          </a:bodyPr>
-          <a:lstStyle/>
-          <a:p>
-            <a:pPr algn="ctr">
-              <a:defRPr/>
-            </a:pPr>
-            <a:r>
-              <a:rPr lang="en-US" kern="1200">
-                <a:solidFill>
-                  <a:srgbClr val="FFFFFF"/>
-                </a:solidFill>
-                <a:latin typeface="+mj-lt"/>
-                <a:ea typeface="+mj-ea"/>
-                <a:cs typeface="+mj-cs"/>
-              </a:rPr>
-              <a:t>Arrays</a:t>
-            </a:r>
-          </a:p>
-        </p:txBody>
-      </p:sp>
-      <p:sp>
-        <p:nvSpPr>
-          <p:cNvPr id="4" name="Tijdelijke aanduiding voor tekst 3">
-            <a:extLst>
-              <a:ext uri="{FF2B5EF4-FFF2-40B4-BE49-F238E27FC236}">
-                <a16:creationId xmlns:a16="http://schemas.microsoft.com/office/drawing/2014/main" id="{8BFEBE39-0345-42E4-A5BD-0E5FBFE7DAB9}"/>
-              </a:ext>
-            </a:extLst>
-          </p:cNvPr>
-          <p:cNvSpPr>
-            <a:spLocks noGrp="1"/>
-          </p:cNvSpPr>
-          <p:nvPr>
-            <p:ph type="body" idx="1"/>
-          </p:nvPr>
-        </p:nvSpPr>
-        <p:spPr/>
-        <p:txBody>
-          <a:bodyPr/>
-          <a:lstStyle/>
-          <a:p>
-            <a:endParaRPr lang="nl-BE"/>
-          </a:p>
-        </p:txBody>
-      </p:sp>
-    </p:spTree>
-    <p:extLst>
-      <p:ext uri="{BB962C8B-B14F-4D97-AF65-F5344CB8AC3E}">
-        <p14:creationId xmlns:p14="http://schemas.microsoft.com/office/powerpoint/2010/main" val="155652526"/>
-      </p:ext>
-    </p:extLst>
-  </p:cSld>
-  <p:clrMapOvr>
-    <a:masterClrMapping/>
-  </p:clrMapOvr>
-</p:sld>
-</file>
-
-<file path=ppt/slides/slide20.xml><?xml version="1.0" encoding="utf-8"?>
+<file path=ppt/slides/slide21.xml><?xml version="1.0" encoding="utf-8"?>
 <p:sld xmlns:a="http://schemas.openxmlformats.org/drawingml/2006/main" xmlns:r="http://schemas.openxmlformats.org/officeDocument/2006/relationships" xmlns:p="http://schemas.openxmlformats.org/presentationml/2006/main">
   <p:cSld>
     <p:spTree>
@@ -16562,7 +20535,7 @@
 </p:sld>
 </file>
 
-<file path=ppt/slides/slide21.xml><?xml version="1.0" encoding="utf-8"?>
+<file path=ppt/slides/slide22.xml><?xml version="1.0" encoding="utf-8"?>
 <p:sld xmlns:a="http://schemas.openxmlformats.org/drawingml/2006/main" xmlns:r="http://schemas.openxmlformats.org/officeDocument/2006/relationships" xmlns:p="http://schemas.openxmlformats.org/presentationml/2006/main">
   <p:cSld>
     <p:spTree>
@@ -16769,7 +20742,7 @@
             <a:fld id="{2A26D304-49E6-40F0-B252-905E390DC06F}" type="slidenum">
               <a:rPr lang="nl-NL" smtClean="0"/>
               <a:pPr/>
-              <a:t>21</a:t>
+              <a:t>22</a:t>
             </a:fld>
             <a:endParaRPr lang="nl-NL" dirty="0"/>
           </a:p>
@@ -17250,7 +21223,7 @@
 </p:sld>
 </file>
 
-<file path=ppt/slides/slide22.xml><?xml version="1.0" encoding="utf-8"?>
+<file path=ppt/slides/slide23.xml><?xml version="1.0" encoding="utf-8"?>
 <p:sld xmlns:a="http://schemas.openxmlformats.org/drawingml/2006/main" xmlns:r="http://schemas.openxmlformats.org/officeDocument/2006/relationships" xmlns:p="http://schemas.openxmlformats.org/presentationml/2006/main">
   <p:cSld>
     <p:spTree>
@@ -17462,7 +21435,7 @@
             <a:fld id="{17C46F8E-2B0B-4912-BFCA-FFD610652B57}" type="slidenum">
               <a:rPr lang="nl-NL" smtClean="0"/>
               <a:pPr/>
-              <a:t>22</a:t>
+              <a:t>23</a:t>
             </a:fld>
             <a:endParaRPr lang="nl-NL" dirty="0"/>
           </a:p>
@@ -18412,7 +22385,7 @@
 </p:sld>
 </file>
 
-<file path=ppt/slides/slide23.xml><?xml version="1.0" encoding="utf-8"?>
+<file path=ppt/slides/slide24.xml><?xml version="1.0" encoding="utf-8"?>
 <p:sld xmlns:a="http://schemas.openxmlformats.org/drawingml/2006/main" xmlns:r="http://schemas.openxmlformats.org/officeDocument/2006/relationships" xmlns:p="http://schemas.openxmlformats.org/presentationml/2006/main">
   <p:cSld>
     <p:spTree>
@@ -18619,7 +22592,7 @@
             <a:fld id="{3DB80409-A3BB-4985-9CEB-8F72116A3DD4}" type="slidenum">
               <a:rPr lang="nl-NL" smtClean="0"/>
               <a:pPr/>
-              <a:t>23</a:t>
+              <a:t>24</a:t>
             </a:fld>
             <a:endParaRPr lang="nl-NL" dirty="0"/>
           </a:p>
@@ -19513,7 +23486,7 @@
 </p:sld>
 </file>
 
-<file path=ppt/slides/slide24.xml><?xml version="1.0" encoding="utf-8"?>
+<file path=ppt/slides/slide25.xml><?xml version="1.0" encoding="utf-8"?>
 <p:sld xmlns:a="http://schemas.openxmlformats.org/drawingml/2006/main" xmlns:r="http://schemas.openxmlformats.org/officeDocument/2006/relationships" xmlns:p="http://schemas.openxmlformats.org/presentationml/2006/main">
   <p:cSld>
     <p:spTree>
@@ -19728,7 +23701,7 @@
             <a:fld id="{54C48B86-9265-4393-8A6B-CD8E28ABD93C}" type="slidenum">
               <a:rPr lang="nl-NL" smtClean="0"/>
               <a:pPr/>
-              <a:t>24</a:t>
+              <a:t>25</a:t>
             </a:fld>
             <a:endParaRPr lang="nl-NL" dirty="0"/>
           </a:p>
@@ -19942,7 +23915,7 @@
 </p:sld>
 </file>
 
-<file path=ppt/slides/slide25.xml><?xml version="1.0" encoding="utf-8"?>
+<file path=ppt/slides/slide26.xml><?xml version="1.0" encoding="utf-8"?>
 <p:sld xmlns:a="http://schemas.openxmlformats.org/drawingml/2006/main" xmlns:r="http://schemas.openxmlformats.org/officeDocument/2006/relationships" xmlns:p="http://schemas.openxmlformats.org/presentationml/2006/main">
   <p:cSld>
     <p:spTree>
@@ -20220,7 +24193,7 @@
             <a:fld id="{B95ECA9A-E1E6-424C-A1C2-85C23DAD76BB}" type="slidenum">
               <a:rPr lang="nl-NL" smtClean="0"/>
               <a:pPr/>
-              <a:t>25</a:t>
+              <a:t>26</a:t>
             </a:fld>
             <a:endParaRPr lang="nl-NL" dirty="0"/>
           </a:p>
@@ -20857,7 +24830,7 @@
 </p:sld>
 </file>
 
-<file path=ppt/slides/slide26.xml><?xml version="1.0" encoding="utf-8"?>
+<file path=ppt/slides/slide27.xml><?xml version="1.0" encoding="utf-8"?>
 <p:sld xmlns:a="http://schemas.openxmlformats.org/drawingml/2006/main" xmlns:r="http://schemas.openxmlformats.org/officeDocument/2006/relationships" xmlns:p="http://schemas.openxmlformats.org/presentationml/2006/main">
   <p:cSld>
     <p:spTree>
@@ -21112,7 +25085,7 @@
             <a:fld id="{6295FB24-EE9B-4DD4-B1F1-0AC024BB26FD}" type="slidenum">
               <a:rPr lang="nl-NL" smtClean="0"/>
               <a:pPr/>
-              <a:t>26</a:t>
+              <a:t>27</a:t>
             </a:fld>
             <a:endParaRPr lang="nl-NL" dirty="0"/>
           </a:p>
@@ -21358,7 +25331,7 @@
 </p:sld>
 </file>
 
-<file path=ppt/slides/slide27.xml><?xml version="1.0" encoding="utf-8"?>
+<file path=ppt/slides/slide28.xml><?xml version="1.0" encoding="utf-8"?>
 <p:sld xmlns:a="http://schemas.openxmlformats.org/drawingml/2006/main" xmlns:r="http://schemas.openxmlformats.org/officeDocument/2006/relationships" xmlns:p="http://schemas.openxmlformats.org/presentationml/2006/main">
   <p:cSld>
     <p:spTree>
@@ -21392,7 +25365,7 @@
           <a:p>
             <a:r>
               <a:rPr lang="en-IE" dirty="0"/>
-              <a:t>Magic numbers en arrays</a:t>
+              <a:t>Magic numbers &amp; arrays</a:t>
             </a:r>
           </a:p>
         </p:txBody>
@@ -21571,7 +25544,7 @@
             <a:fld id="{ADE8CE54-75C4-4ED6-BD76-461DDD6366C5}" type="slidenum">
               <a:rPr lang="nl-NL" smtClean="0"/>
               <a:pPr/>
-              <a:t>27</a:t>
+              <a:t>28</a:t>
             </a:fld>
             <a:endParaRPr lang="nl-NL" dirty="0"/>
           </a:p>
@@ -21642,7 +25615,7 @@
 </p:sld>
 </file>
 
-<file path=ppt/slides/slide28.xml><?xml version="1.0" encoding="utf-8"?>
+<file path=ppt/slides/slide29.xml><?xml version="1.0" encoding="utf-8"?>
 <p:sld xmlns:a="http://schemas.openxmlformats.org/drawingml/2006/main" xmlns:r="http://schemas.openxmlformats.org/officeDocument/2006/relationships" xmlns:p="http://schemas.openxmlformats.org/presentationml/2006/main" show="0">
   <p:cSld>
     <p:spTree>
@@ -21712,7 +25685,7 @@
               <a:pPr>
                 <a:defRPr/>
               </a:pPr>
-              <a:t>28</a:t>
+              <a:t>29</a:t>
             </a:fld>
             <a:endParaRPr lang="en-US" dirty="0"/>
           </a:p>
@@ -21864,7 +25837,239 @@
 </p:sld>
 </file>
 
-<file path=ppt/slides/slide29.xml><?xml version="1.0" encoding="utf-8"?>
+<file path=ppt/slides/slide3.xml><?xml version="1.0" encoding="utf-8"?>
+<p:sld xmlns:a="http://schemas.openxmlformats.org/drawingml/2006/main" xmlns:r="http://schemas.openxmlformats.org/officeDocument/2006/relationships" xmlns:p="http://schemas.openxmlformats.org/presentationml/2006/main">
+  <p:cSld>
+    <p:bg>
+      <p:bgPr>
+        <a:solidFill>
+          <a:schemeClr val="bg1"/>
+        </a:solidFill>
+        <a:effectLst/>
+      </p:bgPr>
+    </p:bg>
+    <p:spTree>
+      <p:nvGrpSpPr>
+        <p:cNvPr id="1" name=""/>
+        <p:cNvGrpSpPr/>
+        <p:nvPr/>
+      </p:nvGrpSpPr>
+      <p:grpSpPr>
+        <a:xfrm>
+          <a:off x="0" y="0"/>
+          <a:ext cx="0" cy="0"/>
+          <a:chOff x="0" y="0"/>
+          <a:chExt cx="0" cy="0"/>
+        </a:xfrm>
+      </p:grpSpPr>
+      <p:sp>
+        <p:nvSpPr>
+          <p:cNvPr id="74" name="Rectangle 73">
+            <a:extLst>
+              <a:ext uri="{FF2B5EF4-FFF2-40B4-BE49-F238E27FC236}">
+                <a16:creationId xmlns:a16="http://schemas.microsoft.com/office/drawing/2014/main" id="{23962611-DFD5-4092-AAFD-559E3DFCE2C9}"/>
+              </a:ext>
+              <a:ext uri="{C183D7F6-B498-43B3-948B-1728B52AA6E4}">
+                <adec:decorative xmlns:adec="http://schemas.microsoft.com/office/drawing/2017/decorative" val="1"/>
+              </a:ext>
+            </a:extLst>
+          </p:cNvPr>
+          <p:cNvSpPr>
+            <a:spLocks noGrp="1" noRot="1" noChangeAspect="1" noMove="1" noResize="1" noEditPoints="1" noAdjustHandles="1" noChangeArrowheads="1" noChangeShapeType="1" noTextEdit="1"/>
+          </p:cNvSpPr>
+          <p:nvPr>
+            <p:extLst>
+              <p:ext uri="{386F3935-93C4-4BCD-93E2-E3B085C9AB24}">
+                <p16:designElem xmlns:p16="http://schemas.microsoft.com/office/powerpoint/2015/main" val="1"/>
+              </p:ext>
+            </p:extLst>
+          </p:nvPr>
+        </p:nvSpPr>
+        <p:spPr>
+          <a:xfrm>
+            <a:off x="475488" y="0"/>
+            <a:ext cx="10910292" cy="6858000"/>
+          </a:xfrm>
+          <a:prstGeom prst="rect">
+            <a:avLst/>
+          </a:prstGeom>
+          <a:gradFill>
+            <a:gsLst>
+              <a:gs pos="0">
+                <a:schemeClr val="accent1">
+                  <a:lumMod val="90000"/>
+                </a:schemeClr>
+              </a:gs>
+              <a:gs pos="25000">
+                <a:schemeClr val="accent1">
+                  <a:lumMod val="90000"/>
+                </a:schemeClr>
+              </a:gs>
+              <a:gs pos="94000">
+                <a:schemeClr val="bg2">
+                  <a:lumMod val="25000"/>
+                </a:schemeClr>
+              </a:gs>
+              <a:gs pos="100000">
+                <a:schemeClr val="bg2">
+                  <a:lumMod val="25000"/>
+                </a:schemeClr>
+              </a:gs>
+            </a:gsLst>
+            <a:lin ang="4200000" scaled="0"/>
+          </a:gradFill>
+          <a:ln>
+            <a:noFill/>
+          </a:ln>
+        </p:spPr>
+        <p:style>
+          <a:lnRef idx="2">
+            <a:schemeClr val="accent1">
+              <a:shade val="50000"/>
+            </a:schemeClr>
+          </a:lnRef>
+          <a:fillRef idx="1">
+            <a:schemeClr val="accent1"/>
+          </a:fillRef>
+          <a:effectRef idx="0">
+            <a:schemeClr val="accent1"/>
+          </a:effectRef>
+          <a:fontRef idx="minor">
+            <a:schemeClr val="lt1"/>
+          </a:fontRef>
+        </p:style>
+        <p:txBody>
+          <a:bodyPr rtlCol="0" anchor="ctr"/>
+          <a:lstStyle/>
+          <a:p>
+            <a:pPr algn="ctr"/>
+            <a:endParaRPr lang="en-US"/>
+          </a:p>
+        </p:txBody>
+      </p:sp>
+      <p:pic>
+        <p:nvPicPr>
+          <p:cNvPr id="76" name="Picture 75">
+            <a:extLst>
+              <a:ext uri="{FF2B5EF4-FFF2-40B4-BE49-F238E27FC236}">
+                <a16:creationId xmlns:a16="http://schemas.microsoft.com/office/drawing/2014/main" id="{2270F1FA-0425-408F-9861-80BF5AFB276D}"/>
+              </a:ext>
+              <a:ext uri="{C183D7F6-B498-43B3-948B-1728B52AA6E4}">
+                <adec:decorative xmlns:adec="http://schemas.microsoft.com/office/drawing/2017/decorative" val="1"/>
+              </a:ext>
+            </a:extLst>
+          </p:cNvPr>
+          <p:cNvPicPr>
+            <a:picLocks noGrp="1" noRot="1" noChangeAspect="1" noMove="1" noResize="1" noEditPoints="1" noAdjustHandles="1" noChangeArrowheads="1" noChangeShapeType="1" noCrop="1"/>
+          </p:cNvPicPr>
+          <p:nvPr>
+            <p:extLst>
+              <p:ext uri="{386F3935-93C4-4BCD-93E2-E3B085C9AB24}">
+                <p16:designElem xmlns:p16="http://schemas.microsoft.com/office/powerpoint/2015/main" val="1"/>
+              </p:ext>
+            </p:extLst>
+          </p:nvPr>
+        </p:nvPicPr>
+        <p:blipFill>
+          <a:blip r:embed="rId2">
+            <a:extLst>
+              <a:ext uri="{28A0092B-C50C-407E-A947-70E740481C1C}">
+                <a14:useLocalDpi xmlns:a14="http://schemas.microsoft.com/office/drawing/2010/main" val="0"/>
+              </a:ext>
+            </a:extLst>
+          </a:blip>
+          <a:stretch>
+            <a:fillRect/>
+          </a:stretch>
+        </p:blipFill>
+        <p:spPr>
+          <a:xfrm>
+            <a:off x="0" y="0"/>
+            <a:ext cx="12192000" cy="6858000"/>
+          </a:xfrm>
+          <a:prstGeom prst="rect">
+            <a:avLst/>
+          </a:prstGeom>
+        </p:spPr>
+      </p:pic>
+      <p:sp>
+        <p:nvSpPr>
+          <p:cNvPr id="2" name="Titel 1"/>
+          <p:cNvSpPr>
+            <a:spLocks noGrp="1"/>
+          </p:cNvSpPr>
+          <p:nvPr>
+            <p:ph type="title"/>
+          </p:nvPr>
+        </p:nvSpPr>
+        <p:spPr>
+          <a:xfrm>
+            <a:off x="3045368" y="2043663"/>
+            <a:ext cx="6105194" cy="2031055"/>
+          </a:xfrm>
+        </p:spPr>
+        <p:txBody>
+          <a:bodyPr vert="horz" lIns="91440" tIns="45720" rIns="91440" bIns="45720" rtlCol="0" anchor="b">
+            <a:normAutofit/>
+          </a:bodyPr>
+          <a:lstStyle/>
+          <a:p>
+            <a:pPr algn="ctr">
+              <a:defRPr/>
+            </a:pPr>
+            <a:r>
+              <a:rPr lang="en-US" kern="1200">
+                <a:solidFill>
+                  <a:srgbClr val="FFFFFF"/>
+                </a:solidFill>
+                <a:latin typeface="+mj-lt"/>
+                <a:ea typeface="+mj-ea"/>
+                <a:cs typeface="+mj-cs"/>
+              </a:rPr>
+              <a:t>Arrays</a:t>
+            </a:r>
+          </a:p>
+        </p:txBody>
+      </p:sp>
+      <p:sp>
+        <p:nvSpPr>
+          <p:cNvPr id="4" name="Tijdelijke aanduiding voor tekst 3">
+            <a:extLst>
+              <a:ext uri="{FF2B5EF4-FFF2-40B4-BE49-F238E27FC236}">
+                <a16:creationId xmlns:a16="http://schemas.microsoft.com/office/drawing/2014/main" id="{8BFEBE39-0345-42E4-A5BD-0E5FBFE7DAB9}"/>
+              </a:ext>
+            </a:extLst>
+          </p:cNvPr>
+          <p:cNvSpPr>
+            <a:spLocks noGrp="1"/>
+          </p:cNvSpPr>
+          <p:nvPr>
+            <p:ph type="body" idx="1"/>
+          </p:nvPr>
+        </p:nvSpPr>
+        <p:spPr/>
+        <p:txBody>
+          <a:bodyPr/>
+          <a:lstStyle/>
+          <a:p>
+            <a:endParaRPr lang="nl-BE"/>
+          </a:p>
+        </p:txBody>
+      </p:sp>
+    </p:spTree>
+    <p:extLst>
+      <p:ext uri="{BB962C8B-B14F-4D97-AF65-F5344CB8AC3E}">
+        <p14:creationId xmlns:p14="http://schemas.microsoft.com/office/powerpoint/2010/main" val="155652526"/>
+      </p:ext>
+    </p:extLst>
+  </p:cSld>
+  <p:clrMapOvr>
+    <a:masterClrMapping/>
+  </p:clrMapOvr>
+</p:sld>
+</file>
+
+<file path=ppt/slides/slide30.xml><?xml version="1.0" encoding="utf-8"?>
 <p:sld xmlns:a="http://schemas.openxmlformats.org/drawingml/2006/main" xmlns:r="http://schemas.openxmlformats.org/officeDocument/2006/relationships" xmlns:p="http://schemas.openxmlformats.org/presentationml/2006/main">
   <p:cSld>
     <p:bg>
@@ -22424,7 +26629,2821 @@
 </p:sld>
 </file>
 
-<file path=ppt/slides/slide3.xml><?xml version="1.0" encoding="utf-8"?>
+<file path=ppt/slides/slide31.xml><?xml version="1.0" encoding="utf-8"?>
+<p:sld xmlns:a="http://schemas.openxmlformats.org/drawingml/2006/main" xmlns:r="http://schemas.openxmlformats.org/officeDocument/2006/relationships" xmlns:p="http://schemas.openxmlformats.org/presentationml/2006/main">
+  <p:cSld>
+    <p:spTree>
+      <p:nvGrpSpPr>
+        <p:cNvPr id="1" name=""/>
+        <p:cNvGrpSpPr/>
+        <p:nvPr/>
+      </p:nvGrpSpPr>
+      <p:grpSpPr>
+        <a:xfrm>
+          <a:off x="0" y="0"/>
+          <a:ext cx="0" cy="0"/>
+          <a:chOff x="0" y="0"/>
+          <a:chExt cx="0" cy="0"/>
+        </a:xfrm>
+      </p:grpSpPr>
+      <p:sp>
+        <p:nvSpPr>
+          <p:cNvPr id="2" name="Titel 1">
+            <a:extLst>
+              <a:ext uri="{FF2B5EF4-FFF2-40B4-BE49-F238E27FC236}">
+                <a16:creationId xmlns:a16="http://schemas.microsoft.com/office/drawing/2014/main" id="{9E1A830B-F9E3-4D6B-9CE3-B8CBBE07D6FB}"/>
+              </a:ext>
+            </a:extLst>
+          </p:cNvPr>
+          <p:cNvSpPr>
+            <a:spLocks noGrp="1"/>
+          </p:cNvSpPr>
+          <p:nvPr>
+            <p:ph type="title"/>
+          </p:nvPr>
+        </p:nvSpPr>
+        <p:spPr/>
+        <p:txBody>
+          <a:bodyPr/>
+          <a:lstStyle/>
+          <a:p>
+            <a:r>
+              <a:rPr lang="nl-BE" dirty="0"/>
+              <a:t>Array </a:t>
+            </a:r>
+            <a:r>
+              <a:rPr lang="nl-BE" dirty="0" err="1"/>
+              <a:t>initializer</a:t>
+            </a:r>
+            <a:r>
+              <a:rPr lang="nl-BE" dirty="0"/>
+              <a:t> syntax</a:t>
+            </a:r>
+          </a:p>
+        </p:txBody>
+      </p:sp>
+      <p:sp>
+        <p:nvSpPr>
+          <p:cNvPr id="3" name="Tijdelijke aanduiding voor inhoud 2">
+            <a:extLst>
+              <a:ext uri="{FF2B5EF4-FFF2-40B4-BE49-F238E27FC236}">
+                <a16:creationId xmlns:a16="http://schemas.microsoft.com/office/drawing/2014/main" id="{F2A1C1BF-F967-471F-A6E7-EA7EFD749664}"/>
+              </a:ext>
+            </a:extLst>
+          </p:cNvPr>
+          <p:cNvSpPr>
+            <a:spLocks noGrp="1"/>
+          </p:cNvSpPr>
+          <p:nvPr>
+            <p:ph idx="1"/>
+          </p:nvPr>
+        </p:nvSpPr>
+        <p:spPr>
+          <a:xfrm>
+            <a:off x="550416" y="2216505"/>
+            <a:ext cx="11912601" cy="4902200"/>
+          </a:xfrm>
+        </p:spPr>
+        <p:txBody>
+          <a:bodyPr/>
+          <a:lstStyle/>
+          <a:p>
+            <a:pPr lvl="1" eaLnBrk="1" hangingPunct="1">
+              <a:buFontTx/>
+              <a:buNone/>
+              <a:defRPr/>
+            </a:pPr>
+            <a:r>
+              <a:rPr lang="en-US" sz="2000" dirty="0"/>
+              <a:t>Other examples:</a:t>
+            </a:r>
+          </a:p>
+          <a:p>
+            <a:pPr lvl="1" eaLnBrk="1" hangingPunct="1">
+              <a:buFontTx/>
+              <a:buNone/>
+              <a:defRPr/>
+            </a:pPr>
+            <a:r>
+              <a:rPr lang="en-US" sz="2000" dirty="0"/>
+              <a:t>	</a:t>
+            </a:r>
+            <a:endParaRPr lang="nl-BE" dirty="0"/>
+          </a:p>
+        </p:txBody>
+      </p:sp>
+      <p:sp>
+        <p:nvSpPr>
+          <p:cNvPr id="4" name="Tijdelijke aanduiding voor dianummer 3">
+            <a:extLst>
+              <a:ext uri="{FF2B5EF4-FFF2-40B4-BE49-F238E27FC236}">
+                <a16:creationId xmlns:a16="http://schemas.microsoft.com/office/drawing/2014/main" id="{A6189602-2188-4B81-B926-D8A3000DDB33}"/>
+              </a:ext>
+            </a:extLst>
+          </p:cNvPr>
+          <p:cNvSpPr>
+            <a:spLocks noGrp="1"/>
+          </p:cNvSpPr>
+          <p:nvPr>
+            <p:ph type="sldNum" sz="quarter" idx="10"/>
+          </p:nvPr>
+        </p:nvSpPr>
+        <p:spPr/>
+        <p:txBody>
+          <a:bodyPr/>
+          <a:lstStyle/>
+          <a:p>
+            <a:pPr>
+              <a:defRPr/>
+            </a:pPr>
+            <a:r>
+              <a:rPr lang="nl-NL"/>
+              <a:t>© ap| </a:t>
+            </a:r>
+            <a:fld id="{8A00CA90-1673-4C5D-B289-DA0BFE9501DF}" type="slidenum">
+              <a:rPr lang="nl-NL" smtClean="0"/>
+              <a:pPr>
+                <a:defRPr/>
+              </a:pPr>
+              <a:t>31</a:t>
+            </a:fld>
+            <a:endParaRPr lang="nl-NL" dirty="0"/>
+          </a:p>
+        </p:txBody>
+      </p:sp>
+      <p:sp>
+        <p:nvSpPr>
+          <p:cNvPr id="5" name="Rechthoek 4">
+            <a:extLst>
+              <a:ext uri="{FF2B5EF4-FFF2-40B4-BE49-F238E27FC236}">
+                <a16:creationId xmlns:a16="http://schemas.microsoft.com/office/drawing/2014/main" id="{42A90C24-FE38-42DD-939B-096A3D88B1D6}"/>
+              </a:ext>
+            </a:extLst>
+          </p:cNvPr>
+          <p:cNvSpPr/>
+          <p:nvPr/>
+        </p:nvSpPr>
+        <p:spPr>
+          <a:xfrm>
+            <a:off x="1045716" y="2823686"/>
+            <a:ext cx="10279509" cy="923330"/>
+          </a:xfrm>
+          <a:prstGeom prst="rect">
+            <a:avLst/>
+          </a:prstGeom>
+        </p:spPr>
+        <p:txBody>
+          <a:bodyPr wrap="square">
+            <a:spAutoFit/>
+          </a:bodyPr>
+          <a:lstStyle/>
+          <a:p>
+            <a:r>
+              <a:rPr lang="nl-BE" dirty="0">
+                <a:solidFill>
+                  <a:srgbClr val="0000FF"/>
+                </a:solidFill>
+                <a:latin typeface="Consolas" panose="020B0609020204030204" pitchFamily="49" charset="0"/>
+              </a:rPr>
+              <a:t>string</a:t>
+            </a:r>
+            <a:r>
+              <a:rPr lang="nl-BE" dirty="0">
+                <a:solidFill>
+                  <a:srgbClr val="000000"/>
+                </a:solidFill>
+                <a:latin typeface="Consolas" panose="020B0609020204030204" pitchFamily="49" charset="0"/>
+              </a:rPr>
+              <a:t>[] </a:t>
+            </a:r>
+            <a:r>
+              <a:rPr lang="nl-BE" dirty="0" err="1">
+                <a:solidFill>
+                  <a:srgbClr val="000000"/>
+                </a:solidFill>
+                <a:latin typeface="Consolas" panose="020B0609020204030204" pitchFamily="49" charset="0"/>
+              </a:rPr>
+              <a:t>possibleNames</a:t>
+            </a:r>
+            <a:r>
+              <a:rPr lang="nl-BE" dirty="0">
+                <a:solidFill>
+                  <a:srgbClr val="000000"/>
+                </a:solidFill>
+                <a:latin typeface="Consolas" panose="020B0609020204030204" pitchFamily="49" charset="0"/>
+              </a:rPr>
+              <a:t> = { “Bo”, “Bob”, “Frank”, “Younes”, “Yin”, “</a:t>
+            </a:r>
+            <a:r>
+              <a:rPr lang="nl-BE" dirty="0" err="1">
+                <a:solidFill>
+                  <a:srgbClr val="000000"/>
+                </a:solidFill>
+                <a:latin typeface="Consolas" panose="020B0609020204030204" pitchFamily="49" charset="0"/>
+              </a:rPr>
+              <a:t>Celeste</a:t>
+            </a:r>
+            <a:r>
+              <a:rPr lang="nl-BE" dirty="0">
+                <a:solidFill>
+                  <a:srgbClr val="000000"/>
+                </a:solidFill>
+                <a:latin typeface="Consolas" panose="020B0609020204030204" pitchFamily="49" charset="0"/>
+              </a:rPr>
+              <a:t>” };</a:t>
+            </a:r>
+          </a:p>
+          <a:p>
+            <a:r>
+              <a:rPr lang="nl-BE" dirty="0" err="1">
+                <a:solidFill>
+                  <a:srgbClr val="0000FF"/>
+                </a:solidFill>
+                <a:latin typeface="Consolas" panose="020B0609020204030204" pitchFamily="49" charset="0"/>
+              </a:rPr>
+              <a:t>char</a:t>
+            </a:r>
+            <a:r>
+              <a:rPr lang="nl-BE" dirty="0">
+                <a:solidFill>
+                  <a:srgbClr val="000000"/>
+                </a:solidFill>
+                <a:latin typeface="Consolas" panose="020B0609020204030204" pitchFamily="49" charset="0"/>
+              </a:rPr>
+              <a:t>[] klinkers = {‘a’, ‘e’, ‘i’, ‘o’, ‘u’};</a:t>
+            </a:r>
+          </a:p>
+          <a:p>
+            <a:r>
+              <a:rPr lang="nl-BE" dirty="0" err="1">
+                <a:solidFill>
+                  <a:srgbClr val="0000FF"/>
+                </a:solidFill>
+                <a:latin typeface="Consolas" panose="020B0609020204030204" pitchFamily="49" charset="0"/>
+              </a:rPr>
+              <a:t>bool</a:t>
+            </a:r>
+            <a:r>
+              <a:rPr lang="nl-BE" dirty="0">
+                <a:solidFill>
+                  <a:srgbClr val="000000"/>
+                </a:solidFill>
+                <a:latin typeface="Consolas" panose="020B0609020204030204" pitchFamily="49" charset="0"/>
+              </a:rPr>
+              <a:t>[] </a:t>
+            </a:r>
+            <a:r>
+              <a:rPr lang="nl-BE" dirty="0" err="1">
+                <a:solidFill>
+                  <a:srgbClr val="000000"/>
+                </a:solidFill>
+                <a:latin typeface="Consolas" panose="020B0609020204030204" pitchFamily="49" charset="0"/>
+              </a:rPr>
+              <a:t>binaryCode</a:t>
+            </a:r>
+            <a:r>
+              <a:rPr lang="nl-BE" dirty="0">
+                <a:solidFill>
+                  <a:srgbClr val="000000"/>
+                </a:solidFill>
+                <a:latin typeface="Consolas" panose="020B0609020204030204" pitchFamily="49" charset="0"/>
+              </a:rPr>
+              <a:t> = { </a:t>
+            </a:r>
+            <a:r>
+              <a:rPr lang="nl-BE" dirty="0" err="1">
+                <a:solidFill>
+                  <a:srgbClr val="0000FF"/>
+                </a:solidFill>
+                <a:latin typeface="Consolas" panose="020B0609020204030204" pitchFamily="49" charset="0"/>
+              </a:rPr>
+              <a:t>true</a:t>
+            </a:r>
+            <a:r>
+              <a:rPr lang="nl-BE" dirty="0">
+                <a:solidFill>
+                  <a:srgbClr val="000000"/>
+                </a:solidFill>
+                <a:latin typeface="Consolas" panose="020B0609020204030204" pitchFamily="49" charset="0"/>
+              </a:rPr>
+              <a:t>, </a:t>
+            </a:r>
+            <a:r>
+              <a:rPr lang="nl-BE" dirty="0" err="1">
+                <a:solidFill>
+                  <a:srgbClr val="0000FF"/>
+                </a:solidFill>
+                <a:latin typeface="Consolas" panose="020B0609020204030204" pitchFamily="49" charset="0"/>
+              </a:rPr>
+              <a:t>false</a:t>
+            </a:r>
+            <a:r>
+              <a:rPr lang="nl-BE" dirty="0">
+                <a:solidFill>
+                  <a:srgbClr val="000000"/>
+                </a:solidFill>
+                <a:latin typeface="Consolas" panose="020B0609020204030204" pitchFamily="49" charset="0"/>
+              </a:rPr>
+              <a:t>, </a:t>
+            </a:r>
+            <a:r>
+              <a:rPr lang="nl-BE" dirty="0" err="1">
+                <a:solidFill>
+                  <a:srgbClr val="0000FF"/>
+                </a:solidFill>
+                <a:latin typeface="Consolas" panose="020B0609020204030204" pitchFamily="49" charset="0"/>
+              </a:rPr>
+              <a:t>false</a:t>
+            </a:r>
+            <a:r>
+              <a:rPr lang="nl-BE" dirty="0">
+                <a:solidFill>
+                  <a:srgbClr val="000000"/>
+                </a:solidFill>
+                <a:latin typeface="Consolas" panose="020B0609020204030204" pitchFamily="49" charset="0"/>
+              </a:rPr>
+              <a:t>, </a:t>
+            </a:r>
+            <a:r>
+              <a:rPr lang="nl-BE" dirty="0" err="1">
+                <a:solidFill>
+                  <a:srgbClr val="0000FF"/>
+                </a:solidFill>
+                <a:latin typeface="Consolas" panose="020B0609020204030204" pitchFamily="49" charset="0"/>
+              </a:rPr>
+              <a:t>true</a:t>
+            </a:r>
+            <a:r>
+              <a:rPr lang="nl-BE" dirty="0">
+                <a:solidFill>
+                  <a:srgbClr val="000000"/>
+                </a:solidFill>
+                <a:latin typeface="Consolas" panose="020B0609020204030204" pitchFamily="49" charset="0"/>
+              </a:rPr>
+              <a:t>, </a:t>
+            </a:r>
+            <a:r>
+              <a:rPr lang="nl-BE" dirty="0" err="1">
+                <a:solidFill>
+                  <a:srgbClr val="0000FF"/>
+                </a:solidFill>
+                <a:latin typeface="Consolas" panose="020B0609020204030204" pitchFamily="49" charset="0"/>
+              </a:rPr>
+              <a:t>true</a:t>
+            </a:r>
+            <a:r>
+              <a:rPr lang="nl-BE" dirty="0">
+                <a:solidFill>
+                  <a:srgbClr val="000000"/>
+                </a:solidFill>
+                <a:latin typeface="Consolas" panose="020B0609020204030204" pitchFamily="49" charset="0"/>
+              </a:rPr>
+              <a:t> };</a:t>
+            </a:r>
+            <a:endParaRPr lang="nl-BE" dirty="0"/>
+          </a:p>
+        </p:txBody>
+      </p:sp>
+    </p:spTree>
+    <p:extLst>
+      <p:ext uri="{BB962C8B-B14F-4D97-AF65-F5344CB8AC3E}">
+        <p14:creationId xmlns:p14="http://schemas.microsoft.com/office/powerpoint/2010/main" val="3252632136"/>
+      </p:ext>
+    </p:extLst>
+  </p:cSld>
+  <p:clrMapOvr>
+    <a:masterClrMapping/>
+  </p:clrMapOvr>
+</p:sld>
+</file>
+
+<file path=ppt/slides/slide32.xml><?xml version="1.0" encoding="utf-8"?>
+<p:sld xmlns:a="http://schemas.openxmlformats.org/drawingml/2006/main" xmlns:r="http://schemas.openxmlformats.org/officeDocument/2006/relationships" xmlns:p="http://schemas.openxmlformats.org/presentationml/2006/main">
+  <p:cSld>
+    <p:bg>
+      <p:bgPr>
+        <a:solidFill>
+          <a:schemeClr val="bg1"/>
+        </a:solidFill>
+        <a:effectLst/>
+      </p:bgPr>
+    </p:bg>
+    <p:spTree>
+      <p:nvGrpSpPr>
+        <p:cNvPr id="1" name=""/>
+        <p:cNvGrpSpPr/>
+        <p:nvPr/>
+      </p:nvGrpSpPr>
+      <p:grpSpPr>
+        <a:xfrm>
+          <a:off x="0" y="0"/>
+          <a:ext cx="0" cy="0"/>
+          <a:chOff x="0" y="0"/>
+          <a:chExt cx="0" cy="0"/>
+        </a:xfrm>
+      </p:grpSpPr>
+      <p:sp>
+        <p:nvSpPr>
+          <p:cNvPr id="74" name="Rectangle 73">
+            <a:extLst>
+              <a:ext uri="{FF2B5EF4-FFF2-40B4-BE49-F238E27FC236}">
+                <a16:creationId xmlns:a16="http://schemas.microsoft.com/office/drawing/2014/main" id="{823AC064-BC96-4F32-8AE1-B2FD38754823}"/>
+              </a:ext>
+              <a:ext uri="{C183D7F6-B498-43B3-948B-1728B52AA6E4}">
+                <adec:decorative xmlns:adec="http://schemas.microsoft.com/office/drawing/2017/decorative" val="1"/>
+              </a:ext>
+            </a:extLst>
+          </p:cNvPr>
+          <p:cNvSpPr>
+            <a:spLocks noGrp="1" noRot="1" noChangeAspect="1" noMove="1" noResize="1" noEditPoints="1" noAdjustHandles="1" noChangeArrowheads="1" noChangeShapeType="1" noTextEdit="1"/>
+          </p:cNvSpPr>
+          <p:nvPr>
+            <p:extLst>
+              <p:ext uri="{386F3935-93C4-4BCD-93E2-E3B085C9AB24}">
+                <p16:designElem xmlns:p16="http://schemas.microsoft.com/office/powerpoint/2015/main" val="1"/>
+              </p:ext>
+            </p:extLst>
+          </p:nvPr>
+        </p:nvSpPr>
+        <p:spPr bwMode="ltGray">
+          <a:xfrm>
+            <a:off x="378068" y="343486"/>
+            <a:ext cx="11438793" cy="1844256"/>
+          </a:xfrm>
+          <a:prstGeom prst="rect">
+            <a:avLst/>
+          </a:prstGeom>
+          <a:solidFill>
+            <a:srgbClr val="404040"/>
+          </a:solidFill>
+          <a:ln w="127000" cap="sq" cmpd="thinThick">
+            <a:solidFill>
+              <a:srgbClr val="404040"/>
+            </a:solidFill>
+          </a:ln>
+        </p:spPr>
+        <p:style>
+          <a:lnRef idx="2">
+            <a:schemeClr val="accent1">
+              <a:shade val="50000"/>
+            </a:schemeClr>
+          </a:lnRef>
+          <a:fillRef idx="1">
+            <a:schemeClr val="accent1"/>
+          </a:fillRef>
+          <a:effectRef idx="0">
+            <a:schemeClr val="accent1"/>
+          </a:effectRef>
+          <a:fontRef idx="minor">
+            <a:schemeClr val="lt1"/>
+          </a:fontRef>
+        </p:style>
+        <p:txBody>
+          <a:bodyPr rtlCol="0" anchor="ctr"/>
+          <a:lstStyle/>
+          <a:p>
+            <a:pPr marL="0" marR="0" lvl="0" indent="0" algn="ctr" defTabSz="914400" rtl="0" eaLnBrk="1" fontAlgn="auto" latinLnBrk="0" hangingPunct="1">
+              <a:lnSpc>
+                <a:spcPct val="100000"/>
+              </a:lnSpc>
+              <a:spcBef>
+                <a:spcPts val="0"/>
+              </a:spcBef>
+              <a:spcAft>
+                <a:spcPts val="0"/>
+              </a:spcAft>
+              <a:buClrTx/>
+              <a:buSzTx/>
+              <a:buFontTx/>
+              <a:buNone/>
+              <a:tabLst/>
+              <a:defRPr/>
+            </a:pPr>
+            <a:endParaRPr kumimoji="0" lang="en-US" sz="1800" b="0" i="0" u="none" strike="noStrike" kern="1200" cap="none" spc="0" normalizeH="0" baseline="0" noProof="0">
+              <a:ln>
+                <a:noFill/>
+              </a:ln>
+              <a:solidFill>
+                <a:prstClr val="white"/>
+              </a:solidFill>
+              <a:effectLst/>
+              <a:uLnTx/>
+              <a:uFillTx/>
+              <a:latin typeface="Calibri" panose="020F0502020204030204"/>
+              <a:ea typeface="+mn-ea"/>
+              <a:cs typeface="+mn-cs"/>
+            </a:endParaRPr>
+          </a:p>
+        </p:txBody>
+      </p:sp>
+      <p:sp>
+        <p:nvSpPr>
+          <p:cNvPr id="25604" name="Rectangle 2"/>
+          <p:cNvSpPr>
+            <a:spLocks noGrp="1" noChangeArrowheads="1"/>
+          </p:cNvSpPr>
+          <p:nvPr>
+            <p:ph type="title"/>
+          </p:nvPr>
+        </p:nvSpPr>
+        <p:spPr>
+          <a:xfrm>
+            <a:off x="526073" y="466578"/>
+            <a:ext cx="11139854" cy="930447"/>
+          </a:xfrm>
+        </p:spPr>
+        <p:txBody>
+          <a:bodyPr vert="horz" lIns="91440" tIns="45720" rIns="91440" bIns="45720" rtlCol="0" anchor="b">
+            <a:normAutofit/>
+          </a:bodyPr>
+          <a:lstStyle/>
+          <a:p>
+            <a:pPr algn="ctr"/>
+            <a:r>
+              <a:rPr lang="en-US" sz="5400" dirty="0">
+                <a:solidFill>
+                  <a:srgbClr val="FFFFFF"/>
+                </a:solidFill>
+              </a:rPr>
+              <a:t>Array initializers: always </a:t>
+            </a:r>
+            <a:r>
+              <a:rPr lang="en-US" sz="5400">
+                <a:solidFill>
+                  <a:srgbClr val="FFFFFF"/>
+                </a:solidFill>
+              </a:rPr>
+              <a:t>by reference</a:t>
+            </a:r>
+            <a:endParaRPr lang="en-US" sz="5400" kern="1200" dirty="0">
+              <a:solidFill>
+                <a:srgbClr val="FFFFFF"/>
+              </a:solidFill>
+              <a:latin typeface="+mj-lt"/>
+              <a:ea typeface="+mj-ea"/>
+              <a:cs typeface="+mj-cs"/>
+            </a:endParaRPr>
+          </a:p>
+        </p:txBody>
+      </p:sp>
+      <p:cxnSp>
+        <p:nvCxnSpPr>
+          <p:cNvPr id="76" name="Straight Connector 75">
+            <a:extLst>
+              <a:ext uri="{FF2B5EF4-FFF2-40B4-BE49-F238E27FC236}">
+                <a16:creationId xmlns:a16="http://schemas.microsoft.com/office/drawing/2014/main" id="{7E7C77BC-7138-40B1-A15B-20F57A494629}"/>
+              </a:ext>
+              <a:ext uri="{C183D7F6-B498-43B3-948B-1728B52AA6E4}">
+                <adec:decorative xmlns:adec="http://schemas.microsoft.com/office/drawing/2017/decorative" val="1"/>
+              </a:ext>
+            </a:extLst>
+          </p:cNvPr>
+          <p:cNvCxnSpPr>
+            <a:cxnSpLocks noGrp="1" noRot="1" noChangeAspect="1" noMove="1" noResize="1" noEditPoints="1" noAdjustHandles="1" noChangeArrowheads="1" noChangeShapeType="1"/>
+          </p:cNvCxnSpPr>
+          <p:nvPr>
+            <p:extLst>
+              <p:ext uri="{386F3935-93C4-4BCD-93E2-E3B085C9AB24}">
+                <p16:designElem xmlns:p16="http://schemas.microsoft.com/office/powerpoint/2015/main" val="1"/>
+              </p:ext>
+            </p:extLst>
+          </p:nvPr>
+        </p:nvCxnSpPr>
+        <p:spPr>
+          <a:xfrm>
+            <a:off x="2209800" y="1448631"/>
+            <a:ext cx="7772400" cy="0"/>
+          </a:xfrm>
+          <a:prstGeom prst="line">
+            <a:avLst/>
+          </a:prstGeom>
+          <a:ln w="22225">
+            <a:solidFill>
+              <a:srgbClr val="D9D9D9"/>
+            </a:solidFill>
+          </a:ln>
+        </p:spPr>
+        <p:style>
+          <a:lnRef idx="1">
+            <a:schemeClr val="accent1"/>
+          </a:lnRef>
+          <a:fillRef idx="0">
+            <a:schemeClr val="accent1"/>
+          </a:fillRef>
+          <a:effectRef idx="0">
+            <a:schemeClr val="accent1"/>
+          </a:effectRef>
+          <a:fontRef idx="minor">
+            <a:schemeClr val="tx1"/>
+          </a:fontRef>
+        </p:style>
+      </p:cxnSp>
+      <p:pic>
+        <p:nvPicPr>
+          <p:cNvPr id="25605" name="Picture 32" descr="Fig07"/>
+          <p:cNvPicPr>
+            <a:picLocks noChangeAspect="1" noChangeArrowheads="1"/>
+          </p:cNvPicPr>
+          <p:nvPr/>
+        </p:nvPicPr>
+        <p:blipFill>
+          <a:blip r:embed="rId3">
+            <a:extLst>
+              <a:ext uri="{28A0092B-C50C-407E-A947-70E740481C1C}">
+                <a14:useLocalDpi xmlns:a14="http://schemas.microsoft.com/office/drawing/2010/main" val="0"/>
+              </a:ext>
+            </a:extLst>
+          </a:blip>
+          <a:srcRect/>
+          <a:stretch>
+            <a:fillRect/>
+          </a:stretch>
+        </p:blipFill>
+        <p:spPr bwMode="auto">
+          <a:xfrm>
+            <a:off x="320040" y="2741094"/>
+            <a:ext cx="11496821" cy="3535271"/>
+          </a:xfrm>
+          <a:prstGeom prst="rect">
+            <a:avLst/>
+          </a:prstGeom>
+          <a:noFill/>
+          <a:extLst>
+            <a:ext uri="{909E8E84-426E-40DD-AFC4-6F175D3DCCD1}">
+              <a14:hiddenFill xmlns:a14="http://schemas.microsoft.com/office/drawing/2010/main">
+                <a:solidFill>
+                  <a:srgbClr val="FFFFFF"/>
+                </a:solidFill>
+              </a14:hiddenFill>
+            </a:ext>
+            <a:ext uri="{91240B29-F687-4F45-9708-019B960494DF}">
+              <a14:hiddenLine xmlns:a14="http://schemas.microsoft.com/office/drawing/2010/main" w="9525">
+                <a:solidFill>
+                  <a:srgbClr val="000000"/>
+                </a:solidFill>
+                <a:miter lim="800000"/>
+                <a:headEnd/>
+                <a:tailEnd/>
+              </a14:hiddenLine>
+            </a:ext>
+          </a:extLst>
+        </p:spPr>
+      </p:pic>
+    </p:spTree>
+    <p:extLst>
+      <p:ext uri="{BB962C8B-B14F-4D97-AF65-F5344CB8AC3E}">
+        <p14:creationId xmlns:p14="http://schemas.microsoft.com/office/powerpoint/2010/main" val="1201970143"/>
+      </p:ext>
+    </p:extLst>
+  </p:cSld>
+  <p:clrMapOvr>
+    <a:masterClrMapping/>
+  </p:clrMapOvr>
+</p:sld>
+</file>
+
+<file path=ppt/slides/slide33.xml><?xml version="1.0" encoding="utf-8"?>
+<p:sld xmlns:a="http://schemas.openxmlformats.org/drawingml/2006/main" xmlns:r="http://schemas.openxmlformats.org/officeDocument/2006/relationships" xmlns:p="http://schemas.openxmlformats.org/presentationml/2006/main">
+  <p:cSld>
+    <p:bg>
+      <p:bgPr>
+        <a:solidFill>
+          <a:schemeClr val="bg1"/>
+        </a:solidFill>
+        <a:effectLst/>
+      </p:bgPr>
+    </p:bg>
+    <p:spTree>
+      <p:nvGrpSpPr>
+        <p:cNvPr id="1" name=""/>
+        <p:cNvGrpSpPr/>
+        <p:nvPr/>
+      </p:nvGrpSpPr>
+      <p:grpSpPr>
+        <a:xfrm>
+          <a:off x="0" y="0"/>
+          <a:ext cx="0" cy="0"/>
+          <a:chOff x="0" y="0"/>
+          <a:chExt cx="0" cy="0"/>
+        </a:xfrm>
+      </p:grpSpPr>
+      <p:sp>
+        <p:nvSpPr>
+          <p:cNvPr id="8" name="Rectangle 7">
+            <a:extLst>
+              <a:ext uri="{FF2B5EF4-FFF2-40B4-BE49-F238E27FC236}">
+                <a16:creationId xmlns:a16="http://schemas.microsoft.com/office/drawing/2014/main" id="{86197D16-FE75-4A0E-A0C9-28C0F04A43DF}"/>
+              </a:ext>
+              <a:ext uri="{C183D7F6-B498-43B3-948B-1728B52AA6E4}">
+                <adec:decorative xmlns:adec="http://schemas.microsoft.com/office/drawing/2017/decorative" val="1"/>
+              </a:ext>
+            </a:extLst>
+          </p:cNvPr>
+          <p:cNvSpPr>
+            <a:spLocks noGrp="1" noRot="1" noChangeAspect="1" noMove="1" noResize="1" noEditPoints="1" noAdjustHandles="1" noChangeArrowheads="1" noChangeShapeType="1" noTextEdit="1"/>
+          </p:cNvSpPr>
+          <p:nvPr>
+            <p:extLst>
+              <p:ext uri="{386F3935-93C4-4BCD-93E2-E3B085C9AB24}">
+                <p16:designElem xmlns:p16="http://schemas.microsoft.com/office/powerpoint/2015/main" val="1"/>
+              </p:ext>
+            </p:extLst>
+          </p:nvPr>
+        </p:nvSpPr>
+        <p:spPr>
+          <a:xfrm>
+            <a:off x="0" y="0"/>
+            <a:ext cx="12192000" cy="5570220"/>
+          </a:xfrm>
+          <a:prstGeom prst="rect">
+            <a:avLst/>
+          </a:prstGeom>
+          <a:gradFill>
+            <a:gsLst>
+              <a:gs pos="0">
+                <a:schemeClr val="accent1">
+                  <a:lumMod val="90000"/>
+                </a:schemeClr>
+              </a:gs>
+              <a:gs pos="25000">
+                <a:schemeClr val="accent1">
+                  <a:lumMod val="90000"/>
+                </a:schemeClr>
+              </a:gs>
+              <a:gs pos="94000">
+                <a:schemeClr val="bg2">
+                  <a:lumMod val="25000"/>
+                </a:schemeClr>
+              </a:gs>
+              <a:gs pos="100000">
+                <a:schemeClr val="bg2">
+                  <a:lumMod val="25000"/>
+                </a:schemeClr>
+              </a:gs>
+            </a:gsLst>
+            <a:lin ang="4200000" scaled="0"/>
+          </a:gradFill>
+          <a:ln>
+            <a:noFill/>
+          </a:ln>
+        </p:spPr>
+        <p:style>
+          <a:lnRef idx="2">
+            <a:schemeClr val="accent1">
+              <a:shade val="50000"/>
+            </a:schemeClr>
+          </a:lnRef>
+          <a:fillRef idx="1">
+            <a:schemeClr val="accent1"/>
+          </a:fillRef>
+          <a:effectRef idx="0">
+            <a:schemeClr val="accent1"/>
+          </a:effectRef>
+          <a:fontRef idx="minor">
+            <a:schemeClr val="lt1"/>
+          </a:fontRef>
+        </p:style>
+        <p:txBody>
+          <a:bodyPr rtlCol="0" anchor="ctr"/>
+          <a:lstStyle/>
+          <a:p>
+            <a:pPr marL="0" marR="0" lvl="0" indent="0" algn="ctr" defTabSz="914400" rtl="0" eaLnBrk="1" fontAlgn="auto" latinLnBrk="0" hangingPunct="1">
+              <a:lnSpc>
+                <a:spcPct val="100000"/>
+              </a:lnSpc>
+              <a:spcBef>
+                <a:spcPts val="0"/>
+              </a:spcBef>
+              <a:spcAft>
+                <a:spcPts val="0"/>
+              </a:spcAft>
+              <a:buClrTx/>
+              <a:buSzTx/>
+              <a:buFontTx/>
+              <a:buNone/>
+              <a:tabLst/>
+              <a:defRPr/>
+            </a:pPr>
+            <a:endParaRPr kumimoji="0" lang="en-US" sz="1800" b="0" i="0" u="none" strike="noStrike" kern="1200" cap="none" spc="0" normalizeH="0" baseline="0" noProof="0">
+              <a:ln>
+                <a:noFill/>
+              </a:ln>
+              <a:solidFill>
+                <a:prstClr val="white"/>
+              </a:solidFill>
+              <a:effectLst/>
+              <a:uLnTx/>
+              <a:uFillTx/>
+              <a:latin typeface="Calibri" panose="020F0502020204030204"/>
+              <a:ea typeface="+mn-ea"/>
+              <a:cs typeface="+mn-cs"/>
+            </a:endParaRPr>
+          </a:p>
+        </p:txBody>
+      </p:sp>
+      <p:pic>
+        <p:nvPicPr>
+          <p:cNvPr id="10" name="Picture 9">
+            <a:extLst>
+              <a:ext uri="{FF2B5EF4-FFF2-40B4-BE49-F238E27FC236}">
+                <a16:creationId xmlns:a16="http://schemas.microsoft.com/office/drawing/2014/main" id="{FA8FCEC6-4B30-4FF2-8B32-504BEAEA3A16}"/>
+              </a:ext>
+              <a:ext uri="{C183D7F6-B498-43B3-948B-1728B52AA6E4}">
+                <adec:decorative xmlns:adec="http://schemas.microsoft.com/office/drawing/2017/decorative" val="1"/>
+              </a:ext>
+            </a:extLst>
+          </p:cNvPr>
+          <p:cNvPicPr>
+            <a:picLocks noGrp="1" noRot="1" noChangeAspect="1" noMove="1" noResize="1" noEditPoints="1" noAdjustHandles="1" noChangeArrowheads="1" noChangeShapeType="1" noCrop="1"/>
+          </p:cNvPicPr>
+          <p:nvPr>
+            <p:extLst>
+              <p:ext uri="{386F3935-93C4-4BCD-93E2-E3B085C9AB24}">
+                <p16:designElem xmlns:p16="http://schemas.microsoft.com/office/powerpoint/2015/main" val="1"/>
+              </p:ext>
+            </p:extLst>
+          </p:nvPr>
+        </p:nvPicPr>
+        <p:blipFill>
+          <a:blip r:embed="rId2">
+            <a:extLst>
+              <a:ext uri="{28A0092B-C50C-407E-A947-70E740481C1C}">
+                <a14:useLocalDpi xmlns:a14="http://schemas.microsoft.com/office/drawing/2010/main" val="0"/>
+              </a:ext>
+            </a:extLst>
+          </a:blip>
+          <a:srcRect t="45716" b="9820"/>
+          <a:stretch>
+            <a:fillRect/>
+          </a:stretch>
+        </p:blipFill>
+        <p:spPr>
+          <a:xfrm>
+            <a:off x="0" y="3808676"/>
+            <a:ext cx="12192000" cy="3049325"/>
+          </a:xfrm>
+          <a:custGeom>
+            <a:avLst/>
+            <a:gdLst>
+              <a:gd name="connsiteX0" fmla="*/ 0 w 12192000"/>
+              <a:gd name="connsiteY0" fmla="*/ 0 h 3049325"/>
+              <a:gd name="connsiteX1" fmla="*/ 12192000 w 12192000"/>
+              <a:gd name="connsiteY1" fmla="*/ 0 h 3049325"/>
+              <a:gd name="connsiteX2" fmla="*/ 12192000 w 12192000"/>
+              <a:gd name="connsiteY2" fmla="*/ 3049325 h 3049325"/>
+              <a:gd name="connsiteX3" fmla="*/ 0 w 12192000"/>
+              <a:gd name="connsiteY3" fmla="*/ 3049325 h 3049325"/>
+            </a:gdLst>
+            <a:ahLst/>
+            <a:cxnLst>
+              <a:cxn ang="0">
+                <a:pos x="connsiteX0" y="connsiteY0"/>
+              </a:cxn>
+              <a:cxn ang="0">
+                <a:pos x="connsiteX1" y="connsiteY1"/>
+              </a:cxn>
+              <a:cxn ang="0">
+                <a:pos x="connsiteX2" y="connsiteY2"/>
+              </a:cxn>
+              <a:cxn ang="0">
+                <a:pos x="connsiteX3" y="connsiteY3"/>
+              </a:cxn>
+            </a:cxnLst>
+            <a:rect l="l" t="t" r="r" b="b"/>
+            <a:pathLst>
+              <a:path w="12192000" h="3049325">
+                <a:moveTo>
+                  <a:pt x="0" y="0"/>
+                </a:moveTo>
+                <a:lnTo>
+                  <a:pt x="12192000" y="0"/>
+                </a:lnTo>
+                <a:lnTo>
+                  <a:pt x="12192000" y="3049325"/>
+                </a:lnTo>
+                <a:lnTo>
+                  <a:pt x="0" y="3049325"/>
+                </a:lnTo>
+                <a:close/>
+              </a:path>
+            </a:pathLst>
+          </a:custGeom>
+        </p:spPr>
+      </p:pic>
+      <p:sp>
+        <p:nvSpPr>
+          <p:cNvPr id="2" name="Titel 1">
+            <a:extLst>
+              <a:ext uri="{FF2B5EF4-FFF2-40B4-BE49-F238E27FC236}">
+                <a16:creationId xmlns:a16="http://schemas.microsoft.com/office/drawing/2014/main" id="{037E09BC-D157-467B-BB21-51166E22F4C1}"/>
+              </a:ext>
+            </a:extLst>
+          </p:cNvPr>
+          <p:cNvSpPr>
+            <a:spLocks noGrp="1"/>
+          </p:cNvSpPr>
+          <p:nvPr>
+            <p:ph type="title"/>
+          </p:nvPr>
+        </p:nvSpPr>
+        <p:spPr>
+          <a:xfrm>
+            <a:off x="804484" y="1191796"/>
+            <a:ext cx="10021446" cy="2976344"/>
+          </a:xfrm>
+        </p:spPr>
+        <p:txBody>
+          <a:bodyPr vert="horz" lIns="91440" tIns="45720" rIns="91440" bIns="45720" rtlCol="0" anchor="ctr">
+            <a:normAutofit/>
+          </a:bodyPr>
+          <a:lstStyle/>
+          <a:p>
+            <a:r>
+              <a:rPr lang="en-US" sz="6600" kern="1200">
+                <a:solidFill>
+                  <a:srgbClr val="FFFFFF"/>
+                </a:solidFill>
+                <a:latin typeface="+mj-lt"/>
+                <a:ea typeface="+mj-ea"/>
+                <a:cs typeface="+mj-cs"/>
+              </a:rPr>
+              <a:t>Strings and char arrays</a:t>
+            </a:r>
+          </a:p>
+        </p:txBody>
+      </p:sp>
+      <p:sp>
+        <p:nvSpPr>
+          <p:cNvPr id="3" name="Tijdelijke aanduiding voor tekst 2">
+            <a:extLst>
+              <a:ext uri="{FF2B5EF4-FFF2-40B4-BE49-F238E27FC236}">
+                <a16:creationId xmlns:a16="http://schemas.microsoft.com/office/drawing/2014/main" id="{88B78F2B-3052-4CAC-A98B-55C46DC3B377}"/>
+              </a:ext>
+            </a:extLst>
+          </p:cNvPr>
+          <p:cNvSpPr>
+            <a:spLocks noGrp="1"/>
+          </p:cNvSpPr>
+          <p:nvPr>
+            <p:ph type="body" idx="1"/>
+          </p:nvPr>
+        </p:nvSpPr>
+        <p:spPr>
+          <a:xfrm>
+            <a:off x="804788" y="5318990"/>
+            <a:ext cx="9416898" cy="723670"/>
+          </a:xfrm>
+        </p:spPr>
+        <p:txBody>
+          <a:bodyPr vert="horz" lIns="91440" tIns="45720" rIns="91440" bIns="45720" rtlCol="0" anchor="t">
+            <a:normAutofit/>
+          </a:bodyPr>
+          <a:lstStyle/>
+          <a:p>
+            <a:endParaRPr lang="en-US" sz="1800" kern="1200">
+              <a:solidFill>
+                <a:srgbClr val="000000"/>
+              </a:solidFill>
+              <a:latin typeface="+mn-lt"/>
+              <a:ea typeface="+mn-ea"/>
+              <a:cs typeface="+mn-cs"/>
+            </a:endParaRPr>
+          </a:p>
+        </p:txBody>
+      </p:sp>
+    </p:spTree>
+    <p:extLst>
+      <p:ext uri="{BB962C8B-B14F-4D97-AF65-F5344CB8AC3E}">
+        <p14:creationId xmlns:p14="http://schemas.microsoft.com/office/powerpoint/2010/main" val="1570915362"/>
+      </p:ext>
+    </p:extLst>
+  </p:cSld>
+  <p:clrMapOvr>
+    <a:masterClrMapping/>
+  </p:clrMapOvr>
+</p:sld>
+</file>
+
+<file path=ppt/slides/slide34.xml><?xml version="1.0" encoding="utf-8"?>
+<p:sld xmlns:a="http://schemas.openxmlformats.org/drawingml/2006/main" xmlns:r="http://schemas.openxmlformats.org/officeDocument/2006/relationships" xmlns:p="http://schemas.openxmlformats.org/presentationml/2006/main">
+  <p:cSld>
+    <p:bg>
+      <p:bgPr>
+        <a:solidFill>
+          <a:srgbClr val="FFFFFF"/>
+        </a:solidFill>
+        <a:effectLst/>
+      </p:bgPr>
+    </p:bg>
+    <p:spTree>
+      <p:nvGrpSpPr>
+        <p:cNvPr id="1" name=""/>
+        <p:cNvGrpSpPr/>
+        <p:nvPr/>
+      </p:nvGrpSpPr>
+      <p:grpSpPr>
+        <a:xfrm>
+          <a:off x="0" y="0"/>
+          <a:ext cx="0" cy="0"/>
+          <a:chOff x="0" y="0"/>
+          <a:chExt cx="0" cy="0"/>
+        </a:xfrm>
+      </p:grpSpPr>
+      <p:sp>
+        <p:nvSpPr>
+          <p:cNvPr id="11" name="Rectangle 10">
+            <a:extLst>
+              <a:ext uri="{FF2B5EF4-FFF2-40B4-BE49-F238E27FC236}">
+                <a16:creationId xmlns:a16="http://schemas.microsoft.com/office/drawing/2014/main" id="{4351DFE5-F63D-4BE0-BDA9-E3EB88F01AA5}"/>
+              </a:ext>
+              <a:ext uri="{C183D7F6-B498-43B3-948B-1728B52AA6E4}">
+                <adec:decorative xmlns:adec="http://schemas.microsoft.com/office/drawing/2017/decorative" val="1"/>
+              </a:ext>
+            </a:extLst>
+          </p:cNvPr>
+          <p:cNvSpPr>
+            <a:spLocks noGrp="1" noRot="1" noChangeAspect="1" noMove="1" noResize="1" noEditPoints="1" noAdjustHandles="1" noChangeArrowheads="1" noChangeShapeType="1" noTextEdit="1"/>
+          </p:cNvSpPr>
+          <p:nvPr>
+            <p:extLst>
+              <p:ext uri="{386F3935-93C4-4BCD-93E2-E3B085C9AB24}">
+                <p16:designElem xmlns:p16="http://schemas.microsoft.com/office/powerpoint/2015/main" val="1"/>
+              </p:ext>
+            </p:extLst>
+          </p:nvPr>
+        </p:nvSpPr>
+        <p:spPr>
+          <a:xfrm>
+            <a:off x="355601" y="0"/>
+            <a:ext cx="11480494" cy="2753936"/>
+          </a:xfrm>
+          <a:prstGeom prst="rect">
+            <a:avLst/>
+          </a:prstGeom>
+          <a:gradFill>
+            <a:gsLst>
+              <a:gs pos="0">
+                <a:schemeClr val="accent1">
+                  <a:lumMod val="90000"/>
+                </a:schemeClr>
+              </a:gs>
+              <a:gs pos="25000">
+                <a:schemeClr val="accent1">
+                  <a:lumMod val="90000"/>
+                </a:schemeClr>
+              </a:gs>
+              <a:gs pos="94000">
+                <a:schemeClr val="bg2">
+                  <a:lumMod val="25000"/>
+                </a:schemeClr>
+              </a:gs>
+              <a:gs pos="100000">
+                <a:schemeClr val="bg2">
+                  <a:lumMod val="25000"/>
+                </a:schemeClr>
+              </a:gs>
+            </a:gsLst>
+            <a:lin ang="4200000" scaled="0"/>
+          </a:gradFill>
+          <a:ln>
+            <a:noFill/>
+          </a:ln>
+        </p:spPr>
+        <p:style>
+          <a:lnRef idx="2">
+            <a:schemeClr val="accent1">
+              <a:shade val="50000"/>
+            </a:schemeClr>
+          </a:lnRef>
+          <a:fillRef idx="1">
+            <a:schemeClr val="accent1"/>
+          </a:fillRef>
+          <a:effectRef idx="0">
+            <a:schemeClr val="accent1"/>
+          </a:effectRef>
+          <a:fontRef idx="minor">
+            <a:schemeClr val="lt1"/>
+          </a:fontRef>
+        </p:style>
+        <p:txBody>
+          <a:bodyPr rtlCol="0" anchor="ctr"/>
+          <a:lstStyle/>
+          <a:p>
+            <a:pPr marL="0" marR="0" lvl="0" indent="0" algn="ctr" defTabSz="914400" rtl="0" eaLnBrk="1" fontAlgn="auto" latinLnBrk="0" hangingPunct="1">
+              <a:lnSpc>
+                <a:spcPct val="100000"/>
+              </a:lnSpc>
+              <a:spcBef>
+                <a:spcPts val="0"/>
+              </a:spcBef>
+              <a:spcAft>
+                <a:spcPts val="0"/>
+              </a:spcAft>
+              <a:buClrTx/>
+              <a:buSzTx/>
+              <a:buFontTx/>
+              <a:buNone/>
+              <a:tabLst/>
+              <a:defRPr/>
+            </a:pPr>
+            <a:endParaRPr kumimoji="0" lang="en-US" sz="1800" b="0" i="0" u="none" strike="noStrike" kern="1200" cap="none" spc="0" normalizeH="0" baseline="0" noProof="0">
+              <a:ln>
+                <a:noFill/>
+              </a:ln>
+              <a:solidFill>
+                <a:prstClr val="white"/>
+              </a:solidFill>
+              <a:effectLst/>
+              <a:uLnTx/>
+              <a:uFillTx/>
+              <a:latin typeface="Calibri" panose="020F0502020204030204"/>
+              <a:ea typeface="+mn-ea"/>
+              <a:cs typeface="+mn-cs"/>
+            </a:endParaRPr>
+          </a:p>
+        </p:txBody>
+      </p:sp>
+      <p:pic>
+        <p:nvPicPr>
+          <p:cNvPr id="13" name="Picture 12">
+            <a:extLst>
+              <a:ext uri="{FF2B5EF4-FFF2-40B4-BE49-F238E27FC236}">
+                <a16:creationId xmlns:a16="http://schemas.microsoft.com/office/drawing/2014/main" id="{02DD2BC0-6F29-4B4F-8D61-2DCF6D2E8E73}"/>
+              </a:ext>
+              <a:ext uri="{C183D7F6-B498-43B3-948B-1728B52AA6E4}">
+                <adec:decorative xmlns:adec="http://schemas.microsoft.com/office/drawing/2017/decorative" val="1"/>
+              </a:ext>
+            </a:extLst>
+          </p:cNvPr>
+          <p:cNvPicPr>
+            <a:picLocks noGrp="1" noRot="1" noChangeAspect="1" noMove="1" noResize="1" noEditPoints="1" noAdjustHandles="1" noChangeArrowheads="1" noChangeShapeType="1" noCrop="1"/>
+          </p:cNvPicPr>
+          <p:nvPr>
+            <p:extLst>
+              <p:ext uri="{386F3935-93C4-4BCD-93E2-E3B085C9AB24}">
+                <p16:designElem xmlns:p16="http://schemas.microsoft.com/office/powerpoint/2015/main" val="1"/>
+              </p:ext>
+            </p:extLst>
+          </p:nvPr>
+        </p:nvPicPr>
+        <p:blipFill>
+          <a:blip r:embed="rId2">
+            <a:extLst>
+              <a:ext uri="{28A0092B-C50C-407E-A947-70E740481C1C}">
+                <a14:useLocalDpi xmlns:a14="http://schemas.microsoft.com/office/drawing/2010/main" val="0"/>
+              </a:ext>
+            </a:extLst>
+          </a:blip>
+          <a:stretch>
+            <a:fillRect/>
+          </a:stretch>
+        </p:blipFill>
+        <p:spPr>
+          <a:xfrm>
+            <a:off x="0" y="0"/>
+            <a:ext cx="12192000" cy="6858000"/>
+          </a:xfrm>
+          <a:prstGeom prst="rect">
+            <a:avLst/>
+          </a:prstGeom>
+        </p:spPr>
+      </p:pic>
+      <p:sp>
+        <p:nvSpPr>
+          <p:cNvPr id="2" name="Titel 1"/>
+          <p:cNvSpPr>
+            <a:spLocks noGrp="1"/>
+          </p:cNvSpPr>
+          <p:nvPr>
+            <p:ph type="title"/>
+          </p:nvPr>
+        </p:nvSpPr>
+        <p:spPr>
+          <a:xfrm>
+            <a:off x="1179226" y="826680"/>
+            <a:ext cx="9833548" cy="1325563"/>
+          </a:xfrm>
+        </p:spPr>
+        <p:txBody>
+          <a:bodyPr>
+            <a:normAutofit/>
+          </a:bodyPr>
+          <a:lstStyle/>
+          <a:p>
+            <a:pPr algn="ctr"/>
+            <a:r>
+              <a:rPr lang="nl-BE" sz="4000">
+                <a:solidFill>
+                  <a:srgbClr val="FFFFFF"/>
+                </a:solidFill>
+              </a:rPr>
+              <a:t>Strings and arrays</a:t>
+            </a:r>
+          </a:p>
+        </p:txBody>
+      </p:sp>
+      <p:sp>
+        <p:nvSpPr>
+          <p:cNvPr id="4" name="Tijdelijke aanduiding voor dianummer 3"/>
+          <p:cNvSpPr>
+            <a:spLocks noGrp="1"/>
+          </p:cNvSpPr>
+          <p:nvPr>
+            <p:ph type="sldNum" sz="quarter" idx="10"/>
+          </p:nvPr>
+        </p:nvSpPr>
+        <p:spPr>
+          <a:xfrm>
+            <a:off x="10825930" y="6223702"/>
+            <a:ext cx="570728" cy="314067"/>
+          </a:xfrm>
+        </p:spPr>
+        <p:txBody>
+          <a:bodyPr>
+            <a:normAutofit fontScale="92500"/>
+          </a:bodyPr>
+          <a:lstStyle/>
+          <a:p>
+            <a:pPr marL="0" marR="0" lvl="0" indent="0" algn="l" defTabSz="914400" rtl="0" eaLnBrk="1" fontAlgn="auto" latinLnBrk="0" hangingPunct="1">
+              <a:lnSpc>
+                <a:spcPct val="100000"/>
+              </a:lnSpc>
+              <a:spcBef>
+                <a:spcPts val="0"/>
+              </a:spcBef>
+              <a:spcAft>
+                <a:spcPts val="600"/>
+              </a:spcAft>
+              <a:buClrTx/>
+              <a:buSzTx/>
+              <a:buFontTx/>
+              <a:buNone/>
+              <a:tabLst/>
+              <a:defRPr/>
+            </a:pPr>
+            <a:r>
+              <a:rPr kumimoji="0" lang="nl-NL" sz="900" b="0" i="0" u="none" strike="noStrike" kern="1200" cap="none" spc="0" normalizeH="0" baseline="0" noProof="0">
+                <a:ln>
+                  <a:noFill/>
+                </a:ln>
+                <a:solidFill>
+                  <a:srgbClr val="898989"/>
+                </a:solidFill>
+                <a:effectLst/>
+                <a:uLnTx/>
+                <a:uFillTx/>
+                <a:latin typeface="Calibri" panose="020F0502020204030204"/>
+                <a:ea typeface="+mn-ea"/>
+                <a:cs typeface="+mn-cs"/>
+              </a:rPr>
+              <a:t>© ap| </a:t>
+            </a:r>
+            <a:fld id="{8A00CA90-1673-4C5D-B289-DA0BFE9501DF}" type="slidenum">
+              <a:rPr kumimoji="0" lang="nl-NL" sz="900" b="0" i="0" u="none" strike="noStrike" kern="1200" cap="none" spc="0" normalizeH="0" baseline="0" noProof="0">
+                <a:ln>
+                  <a:noFill/>
+                </a:ln>
+                <a:solidFill>
+                  <a:srgbClr val="898989"/>
+                </a:solidFill>
+                <a:effectLst/>
+                <a:uLnTx/>
+                <a:uFillTx/>
+                <a:latin typeface="Calibri" panose="020F0502020204030204"/>
+                <a:ea typeface="+mn-ea"/>
+                <a:cs typeface="+mn-cs"/>
+              </a:rPr>
+              <a:pPr marL="0" marR="0" lvl="0" indent="0" algn="l" defTabSz="914400" rtl="0" eaLnBrk="1" fontAlgn="auto" latinLnBrk="0" hangingPunct="1">
+                <a:lnSpc>
+                  <a:spcPct val="100000"/>
+                </a:lnSpc>
+                <a:spcBef>
+                  <a:spcPts val="0"/>
+                </a:spcBef>
+                <a:spcAft>
+                  <a:spcPts val="600"/>
+                </a:spcAft>
+                <a:buClrTx/>
+                <a:buSzTx/>
+                <a:buFontTx/>
+                <a:buNone/>
+                <a:tabLst/>
+                <a:defRPr/>
+              </a:pPr>
+              <a:t>34</a:t>
+            </a:fld>
+            <a:endParaRPr kumimoji="0" lang="nl-NL" sz="900" b="0" i="0" u="none" strike="noStrike" kern="1200" cap="none" spc="0" normalizeH="0" baseline="0" noProof="0">
+              <a:ln>
+                <a:noFill/>
+              </a:ln>
+              <a:solidFill>
+                <a:srgbClr val="898989"/>
+              </a:solidFill>
+              <a:effectLst/>
+              <a:uLnTx/>
+              <a:uFillTx/>
+              <a:latin typeface="Calibri" panose="020F0502020204030204"/>
+              <a:ea typeface="+mn-ea"/>
+              <a:cs typeface="+mn-cs"/>
+            </a:endParaRPr>
+          </a:p>
+        </p:txBody>
+      </p:sp>
+      <p:graphicFrame>
+        <p:nvGraphicFramePr>
+          <p:cNvPr id="6" name="Tijdelijke aanduiding voor inhoud 2">
+            <a:extLst>
+              <a:ext uri="{FF2B5EF4-FFF2-40B4-BE49-F238E27FC236}">
+                <a16:creationId xmlns:a16="http://schemas.microsoft.com/office/drawing/2014/main" id="{E7CE5FC4-77F7-4ACC-94D0-6600F3D91E09}"/>
+              </a:ext>
+            </a:extLst>
+          </p:cNvPr>
+          <p:cNvGraphicFramePr>
+            <a:graphicFrameLocks noGrp="1"/>
+          </p:cNvGraphicFramePr>
+          <p:nvPr>
+            <p:ph idx="1"/>
+          </p:nvPr>
+        </p:nvGraphicFramePr>
+        <p:xfrm>
+          <a:off x="1036320" y="2899956"/>
+          <a:ext cx="10119360" cy="3131364"/>
+        </p:xfrm>
+        <a:graphic>
+          <a:graphicData uri="http://schemas.openxmlformats.org/drawingml/2006/diagram">
+            <dgm:relIds xmlns:dgm="http://schemas.openxmlformats.org/drawingml/2006/diagram" xmlns:r="http://schemas.openxmlformats.org/officeDocument/2006/relationships" r:dm="rId3" r:lo="rId4" r:qs="rId5" r:cs="rId6"/>
+          </a:graphicData>
+        </a:graphic>
+      </p:graphicFrame>
+    </p:spTree>
+    <p:extLst>
+      <p:ext uri="{BB962C8B-B14F-4D97-AF65-F5344CB8AC3E}">
+        <p14:creationId xmlns:p14="http://schemas.microsoft.com/office/powerpoint/2010/main" val="1637331302"/>
+      </p:ext>
+    </p:extLst>
+  </p:cSld>
+  <p:clrMapOvr>
+    <a:masterClrMapping/>
+  </p:clrMapOvr>
+</p:sld>
+</file>
+
+<file path=ppt/slides/slide35.xml><?xml version="1.0" encoding="utf-8"?>
+<p:sld xmlns:a="http://schemas.openxmlformats.org/drawingml/2006/main" xmlns:r="http://schemas.openxmlformats.org/officeDocument/2006/relationships" xmlns:p="http://schemas.openxmlformats.org/presentationml/2006/main">
+  <p:cSld>
+    <p:spTree>
+      <p:nvGrpSpPr>
+        <p:cNvPr id="1" name=""/>
+        <p:cNvGrpSpPr/>
+        <p:nvPr/>
+      </p:nvGrpSpPr>
+      <p:grpSpPr>
+        <a:xfrm>
+          <a:off x="0" y="0"/>
+          <a:ext cx="0" cy="0"/>
+          <a:chOff x="0" y="0"/>
+          <a:chExt cx="0" cy="0"/>
+        </a:xfrm>
+      </p:grpSpPr>
+      <p:sp>
+        <p:nvSpPr>
+          <p:cNvPr id="2" name="Titel 1">
+            <a:extLst>
+              <a:ext uri="{FF2B5EF4-FFF2-40B4-BE49-F238E27FC236}">
+                <a16:creationId xmlns:a16="http://schemas.microsoft.com/office/drawing/2014/main" id="{ABD82C31-F2DE-4CCA-BD89-83FCE48955B1}"/>
+              </a:ext>
+            </a:extLst>
+          </p:cNvPr>
+          <p:cNvSpPr>
+            <a:spLocks noGrp="1"/>
+          </p:cNvSpPr>
+          <p:nvPr>
+            <p:ph type="title"/>
+          </p:nvPr>
+        </p:nvSpPr>
+        <p:spPr/>
+        <p:txBody>
+          <a:bodyPr/>
+          <a:lstStyle/>
+          <a:p>
+            <a:r>
+              <a:rPr lang="nl-BE" dirty="0"/>
+              <a:t>String -&gt; </a:t>
+            </a:r>
+            <a:r>
+              <a:rPr lang="nl-BE" dirty="0" err="1"/>
+              <a:t>char</a:t>
+            </a:r>
+            <a:r>
+              <a:rPr lang="nl-BE" dirty="0"/>
+              <a:t>-array </a:t>
+            </a:r>
+          </a:p>
+        </p:txBody>
+      </p:sp>
+      <p:sp>
+        <p:nvSpPr>
+          <p:cNvPr id="3" name="Tijdelijke aanduiding voor inhoud 2">
+            <a:extLst>
+              <a:ext uri="{FF2B5EF4-FFF2-40B4-BE49-F238E27FC236}">
+                <a16:creationId xmlns:a16="http://schemas.microsoft.com/office/drawing/2014/main" id="{3E07DE38-AE07-49D9-8E0C-E01A0715455C}"/>
+              </a:ext>
+            </a:extLst>
+          </p:cNvPr>
+          <p:cNvSpPr>
+            <a:spLocks noGrp="1"/>
+          </p:cNvSpPr>
+          <p:nvPr>
+            <p:ph idx="1"/>
+          </p:nvPr>
+        </p:nvSpPr>
+        <p:spPr/>
+        <p:txBody>
+          <a:bodyPr/>
+          <a:lstStyle/>
+          <a:p>
+            <a:r>
+              <a:rPr lang="nl-BE" dirty="0" err="1"/>
+              <a:t>What</a:t>
+            </a:r>
+            <a:r>
+              <a:rPr lang="nl-BE" dirty="0"/>
+              <a:t> </a:t>
+            </a:r>
+            <a:r>
+              <a:rPr lang="nl-BE" dirty="0" err="1"/>
+              <a:t>will</a:t>
+            </a:r>
+            <a:r>
+              <a:rPr lang="nl-BE" dirty="0"/>
+              <a:t> </a:t>
+            </a:r>
+            <a:r>
+              <a:rPr lang="nl-BE" dirty="0" err="1"/>
+              <a:t>be</a:t>
+            </a:r>
+            <a:r>
+              <a:rPr lang="nl-BE" dirty="0"/>
+              <a:t> </a:t>
+            </a:r>
+            <a:r>
+              <a:rPr lang="nl-BE" dirty="0" err="1"/>
+              <a:t>the</a:t>
+            </a:r>
+            <a:r>
+              <a:rPr lang="nl-BE" dirty="0"/>
+              <a:t> output?</a:t>
+            </a:r>
+          </a:p>
+        </p:txBody>
+      </p:sp>
+      <p:sp>
+        <p:nvSpPr>
+          <p:cNvPr id="6" name="Rechthoek 5">
+            <a:extLst>
+              <a:ext uri="{FF2B5EF4-FFF2-40B4-BE49-F238E27FC236}">
+                <a16:creationId xmlns:a16="http://schemas.microsoft.com/office/drawing/2014/main" id="{98BFEB9B-697B-4BD3-AC20-05FA9DF76A34}"/>
+              </a:ext>
+            </a:extLst>
+          </p:cNvPr>
+          <p:cNvSpPr/>
+          <p:nvPr/>
+        </p:nvSpPr>
+        <p:spPr>
+          <a:xfrm>
+            <a:off x="1900960" y="2604186"/>
+            <a:ext cx="9814891" cy="1938992"/>
+          </a:xfrm>
+          <a:prstGeom prst="rect">
+            <a:avLst/>
+          </a:prstGeom>
+        </p:spPr>
+        <p:txBody>
+          <a:bodyPr wrap="square">
+            <a:spAutoFit/>
+          </a:bodyPr>
+          <a:lstStyle/>
+          <a:p>
+            <a:pPr marL="0" marR="0" lvl="0" indent="0" algn="l" defTabSz="914400" rtl="0" eaLnBrk="1" fontAlgn="auto" latinLnBrk="0" hangingPunct="1">
+              <a:lnSpc>
+                <a:spcPct val="100000"/>
+              </a:lnSpc>
+              <a:spcBef>
+                <a:spcPts val="0"/>
+              </a:spcBef>
+              <a:spcAft>
+                <a:spcPts val="0"/>
+              </a:spcAft>
+              <a:buClrTx/>
+              <a:buSzTx/>
+              <a:buFontTx/>
+              <a:buNone/>
+              <a:tabLst/>
+              <a:defRPr/>
+            </a:pPr>
+            <a:r>
+              <a:rPr kumimoji="0" lang="nl-NL" sz="2400" b="0" i="0" u="none" strike="noStrike" kern="1200" cap="none" spc="0" normalizeH="0" baseline="0" noProof="0" dirty="0">
+                <a:ln>
+                  <a:noFill/>
+                </a:ln>
+                <a:solidFill>
+                  <a:srgbClr val="0000FF"/>
+                </a:solidFill>
+                <a:effectLst/>
+                <a:uLnTx/>
+                <a:uFillTx/>
+                <a:latin typeface="Consolas" panose="020B0609020204030204" pitchFamily="49" charset="0"/>
+                <a:ea typeface="+mn-ea"/>
+                <a:cs typeface="+mn-cs"/>
+              </a:rPr>
+              <a:t>string</a:t>
+            </a:r>
+            <a:r>
+              <a:rPr kumimoji="0" lang="nl-NL" sz="2400" b="0" i="0" u="none" strike="noStrike" kern="1200" cap="none" spc="0" normalizeH="0" baseline="0" noProof="0" dirty="0">
+                <a:ln>
+                  <a:noFill/>
+                </a:ln>
+                <a:solidFill>
+                  <a:srgbClr val="000000"/>
+                </a:solidFill>
+                <a:effectLst/>
+                <a:uLnTx/>
+                <a:uFillTx/>
+                <a:latin typeface="Consolas" panose="020B0609020204030204" pitchFamily="49" charset="0"/>
+                <a:ea typeface="+mn-ea"/>
+                <a:cs typeface="+mn-cs"/>
+              </a:rPr>
+              <a:t> </a:t>
+            </a:r>
+            <a:r>
+              <a:rPr kumimoji="0" lang="nl-NL" sz="2400" b="0" i="0" u="none" strike="noStrike" kern="1200" cap="none" spc="0" normalizeH="0" baseline="0" noProof="0" dirty="0" err="1">
+                <a:ln>
+                  <a:noFill/>
+                </a:ln>
+                <a:solidFill>
+                  <a:srgbClr val="000000"/>
+                </a:solidFill>
+                <a:effectLst/>
+                <a:uLnTx/>
+                <a:uFillTx/>
+                <a:latin typeface="Consolas" panose="020B0609020204030204" pitchFamily="49" charset="0"/>
+                <a:ea typeface="+mn-ea"/>
+                <a:cs typeface="+mn-cs"/>
+              </a:rPr>
+              <a:t>origineleZin</a:t>
+            </a:r>
+            <a:r>
+              <a:rPr kumimoji="0" lang="nl-NL" sz="2400" b="0" i="0" u="none" strike="noStrike" kern="1200" cap="none" spc="0" normalizeH="0" baseline="0" noProof="0" dirty="0">
+                <a:ln>
+                  <a:noFill/>
+                </a:ln>
+                <a:solidFill>
+                  <a:srgbClr val="000000"/>
+                </a:solidFill>
+                <a:effectLst/>
+                <a:uLnTx/>
+                <a:uFillTx/>
+                <a:latin typeface="Consolas" panose="020B0609020204030204" pitchFamily="49" charset="0"/>
+                <a:ea typeface="+mn-ea"/>
+                <a:cs typeface="+mn-cs"/>
+              </a:rPr>
+              <a:t> = </a:t>
+            </a:r>
+            <a:r>
+              <a:rPr kumimoji="0" lang="nl-NL" sz="2400" b="0" i="0" u="none" strike="noStrike" kern="1200" cap="none" spc="0" normalizeH="0" baseline="0" noProof="0" dirty="0">
+                <a:ln>
+                  <a:noFill/>
+                </a:ln>
+                <a:solidFill>
+                  <a:srgbClr val="A31515"/>
+                </a:solidFill>
+                <a:effectLst/>
+                <a:uLnTx/>
+                <a:uFillTx/>
+                <a:latin typeface="Consolas" panose="020B0609020204030204" pitchFamily="49" charset="0"/>
+                <a:ea typeface="+mn-ea"/>
+                <a:cs typeface="+mn-cs"/>
+              </a:rPr>
+              <a:t>"Ik ben Tom"</a:t>
+            </a:r>
+            <a:r>
+              <a:rPr kumimoji="0" lang="nl-NL" sz="2400" b="0" i="0" u="none" strike="noStrike" kern="1200" cap="none" spc="0" normalizeH="0" baseline="0" noProof="0" dirty="0">
+                <a:ln>
+                  <a:noFill/>
+                </a:ln>
+                <a:solidFill>
+                  <a:srgbClr val="000000"/>
+                </a:solidFill>
+                <a:effectLst/>
+                <a:uLnTx/>
+                <a:uFillTx/>
+                <a:latin typeface="Consolas" panose="020B0609020204030204" pitchFamily="49" charset="0"/>
+                <a:ea typeface="+mn-ea"/>
+                <a:cs typeface="+mn-cs"/>
+              </a:rPr>
+              <a:t>;</a:t>
+            </a:r>
+          </a:p>
+          <a:p>
+            <a:pPr marL="0" marR="0" lvl="0" indent="0" algn="l" defTabSz="914400" rtl="0" eaLnBrk="1" fontAlgn="auto" latinLnBrk="0" hangingPunct="1">
+              <a:lnSpc>
+                <a:spcPct val="100000"/>
+              </a:lnSpc>
+              <a:spcBef>
+                <a:spcPts val="0"/>
+              </a:spcBef>
+              <a:spcAft>
+                <a:spcPts val="0"/>
+              </a:spcAft>
+              <a:buClrTx/>
+              <a:buSzTx/>
+              <a:buFontTx/>
+              <a:buNone/>
+              <a:tabLst/>
+              <a:defRPr/>
+            </a:pPr>
+            <a:r>
+              <a:rPr kumimoji="0" lang="nl-BE" sz="2400" b="0" i="0" u="none" strike="noStrike" kern="1200" cap="none" spc="0" normalizeH="0" baseline="0" noProof="0" dirty="0" err="1">
+                <a:ln>
+                  <a:noFill/>
+                </a:ln>
+                <a:solidFill>
+                  <a:srgbClr val="0000FF"/>
+                </a:solidFill>
+                <a:effectLst/>
+                <a:highlight>
+                  <a:srgbClr val="FFFF00"/>
+                </a:highlight>
+                <a:uLnTx/>
+                <a:uFillTx/>
+                <a:latin typeface="Consolas" panose="020B0609020204030204" pitchFamily="49" charset="0"/>
+                <a:ea typeface="+mn-ea"/>
+                <a:cs typeface="+mn-cs"/>
+              </a:rPr>
+              <a:t>char</a:t>
+            </a:r>
+            <a:r>
+              <a:rPr kumimoji="0" lang="nl-BE" sz="2400" b="0" i="0" u="none" strike="noStrike" kern="1200" cap="none" spc="0" normalizeH="0" baseline="0" noProof="0" dirty="0">
+                <a:ln>
+                  <a:noFill/>
+                </a:ln>
+                <a:solidFill>
+                  <a:srgbClr val="000000"/>
+                </a:solidFill>
+                <a:effectLst/>
+                <a:highlight>
+                  <a:srgbClr val="FFFF00"/>
+                </a:highlight>
+                <a:uLnTx/>
+                <a:uFillTx/>
+                <a:latin typeface="Consolas" panose="020B0609020204030204" pitchFamily="49" charset="0"/>
+                <a:ea typeface="+mn-ea"/>
+                <a:cs typeface="+mn-cs"/>
+              </a:rPr>
+              <a:t>[] karakters = </a:t>
+            </a:r>
+            <a:r>
+              <a:rPr kumimoji="0" lang="nl-BE" sz="2400" b="0" i="0" u="none" strike="noStrike" kern="1200" cap="none" spc="0" normalizeH="0" baseline="0" noProof="0" dirty="0" err="1">
+                <a:ln>
+                  <a:noFill/>
+                </a:ln>
+                <a:solidFill>
+                  <a:srgbClr val="000000"/>
+                </a:solidFill>
+                <a:effectLst/>
+                <a:highlight>
+                  <a:srgbClr val="FFFF00"/>
+                </a:highlight>
+                <a:uLnTx/>
+                <a:uFillTx/>
+                <a:latin typeface="Consolas" panose="020B0609020204030204" pitchFamily="49" charset="0"/>
+                <a:ea typeface="+mn-ea"/>
+                <a:cs typeface="+mn-cs"/>
+              </a:rPr>
+              <a:t>origineleZin.</a:t>
+            </a:r>
+            <a:r>
+              <a:rPr kumimoji="0" lang="nl-BE" sz="2400" b="1" i="0" u="none" strike="noStrike" kern="1200" cap="none" spc="0" normalizeH="0" baseline="0" noProof="0" dirty="0" err="1">
+                <a:ln>
+                  <a:noFill/>
+                </a:ln>
+                <a:solidFill>
+                  <a:srgbClr val="000000"/>
+                </a:solidFill>
+                <a:effectLst/>
+                <a:highlight>
+                  <a:srgbClr val="FFFF00"/>
+                </a:highlight>
+                <a:uLnTx/>
+                <a:uFillTx/>
+                <a:latin typeface="Consolas" panose="020B0609020204030204" pitchFamily="49" charset="0"/>
+                <a:ea typeface="+mn-ea"/>
+                <a:cs typeface="+mn-cs"/>
+              </a:rPr>
+              <a:t>ToCharArray</a:t>
+            </a:r>
+            <a:r>
+              <a:rPr kumimoji="0" lang="nl-BE" sz="2400" b="1" i="0" u="none" strike="noStrike" kern="1200" cap="none" spc="0" normalizeH="0" baseline="0" noProof="0" dirty="0">
+                <a:ln>
+                  <a:noFill/>
+                </a:ln>
+                <a:solidFill>
+                  <a:srgbClr val="000000"/>
+                </a:solidFill>
+                <a:effectLst/>
+                <a:highlight>
+                  <a:srgbClr val="FFFF00"/>
+                </a:highlight>
+                <a:uLnTx/>
+                <a:uFillTx/>
+                <a:latin typeface="Consolas" panose="020B0609020204030204" pitchFamily="49" charset="0"/>
+                <a:ea typeface="+mn-ea"/>
+                <a:cs typeface="+mn-cs"/>
+              </a:rPr>
+              <a:t>();</a:t>
+            </a:r>
+          </a:p>
+          <a:p>
+            <a:pPr marL="0" marR="0" lvl="0" indent="0" algn="l" defTabSz="914400" rtl="0" eaLnBrk="1" fontAlgn="auto" latinLnBrk="0" hangingPunct="1">
+              <a:lnSpc>
+                <a:spcPct val="100000"/>
+              </a:lnSpc>
+              <a:spcBef>
+                <a:spcPts val="0"/>
+              </a:spcBef>
+              <a:spcAft>
+                <a:spcPts val="0"/>
+              </a:spcAft>
+              <a:buClrTx/>
+              <a:buSzTx/>
+              <a:buFontTx/>
+              <a:buNone/>
+              <a:tabLst/>
+              <a:defRPr/>
+            </a:pPr>
+            <a:r>
+              <a:rPr kumimoji="0" lang="nl-BE" sz="2400" b="0" i="0" u="none" strike="noStrike" kern="1200" cap="none" spc="0" normalizeH="0" baseline="0" noProof="0" dirty="0">
+                <a:ln>
+                  <a:noFill/>
+                </a:ln>
+                <a:solidFill>
+                  <a:srgbClr val="000000"/>
+                </a:solidFill>
+                <a:effectLst/>
+                <a:uLnTx/>
+                <a:uFillTx/>
+                <a:latin typeface="Consolas" panose="020B0609020204030204" pitchFamily="49" charset="0"/>
+                <a:ea typeface="+mn-ea"/>
+                <a:cs typeface="+mn-cs"/>
+              </a:rPr>
+              <a:t>karakters[8] = </a:t>
+            </a:r>
+            <a:r>
+              <a:rPr kumimoji="0" lang="nl-BE" sz="2400" b="0" i="0" u="none" strike="noStrike" kern="1200" cap="none" spc="0" normalizeH="0" baseline="0" noProof="0" dirty="0">
+                <a:ln>
+                  <a:noFill/>
+                </a:ln>
+                <a:solidFill>
+                  <a:srgbClr val="A31515"/>
+                </a:solidFill>
+                <a:effectLst/>
+                <a:uLnTx/>
+                <a:uFillTx/>
+                <a:latin typeface="Consolas" panose="020B0609020204030204" pitchFamily="49" charset="0"/>
+                <a:ea typeface="+mn-ea"/>
+                <a:cs typeface="+mn-cs"/>
+              </a:rPr>
+              <a:t>'i'</a:t>
+            </a:r>
+            <a:r>
+              <a:rPr kumimoji="0" lang="nl-BE" sz="2400" b="0" i="0" u="none" strike="noStrike" kern="1200" cap="none" spc="0" normalizeH="0" baseline="0" noProof="0" dirty="0">
+                <a:ln>
+                  <a:noFill/>
+                </a:ln>
+                <a:solidFill>
+                  <a:srgbClr val="000000"/>
+                </a:solidFill>
+                <a:effectLst/>
+                <a:uLnTx/>
+                <a:uFillTx/>
+                <a:latin typeface="Consolas" panose="020B0609020204030204" pitchFamily="49" charset="0"/>
+                <a:ea typeface="+mn-ea"/>
+                <a:cs typeface="+mn-cs"/>
+              </a:rPr>
+              <a:t>;</a:t>
+            </a:r>
+          </a:p>
+          <a:p>
+            <a:pPr marL="0" marR="0" lvl="0" indent="0" algn="l" defTabSz="914400" rtl="0" eaLnBrk="1" fontAlgn="auto" latinLnBrk="0" hangingPunct="1">
+              <a:lnSpc>
+                <a:spcPct val="100000"/>
+              </a:lnSpc>
+              <a:spcBef>
+                <a:spcPts val="0"/>
+              </a:spcBef>
+              <a:spcAft>
+                <a:spcPts val="0"/>
+              </a:spcAft>
+              <a:buClrTx/>
+              <a:buSzTx/>
+              <a:buFontTx/>
+              <a:buNone/>
+              <a:tabLst/>
+              <a:defRPr/>
+            </a:pPr>
+            <a:r>
+              <a:rPr kumimoji="0" lang="nl-NL" sz="2400" b="0" i="0" u="none" strike="noStrike" kern="1200" cap="none" spc="0" normalizeH="0" baseline="0" noProof="0" dirty="0">
+                <a:ln>
+                  <a:noFill/>
+                </a:ln>
+                <a:solidFill>
+                  <a:srgbClr val="0000FF"/>
+                </a:solidFill>
+                <a:effectLst/>
+                <a:uLnTx/>
+                <a:uFillTx/>
+                <a:latin typeface="Consolas" panose="020B0609020204030204" pitchFamily="49" charset="0"/>
+                <a:ea typeface="+mn-ea"/>
+                <a:cs typeface="+mn-cs"/>
+              </a:rPr>
+              <a:t>string</a:t>
+            </a:r>
+            <a:r>
+              <a:rPr kumimoji="0" lang="nl-NL" sz="2400" b="0" i="0" u="none" strike="noStrike" kern="1200" cap="none" spc="0" normalizeH="0" baseline="0" noProof="0" dirty="0">
+                <a:ln>
+                  <a:noFill/>
+                </a:ln>
+                <a:solidFill>
+                  <a:srgbClr val="000000"/>
+                </a:solidFill>
+                <a:effectLst/>
+                <a:uLnTx/>
+                <a:uFillTx/>
+                <a:latin typeface="Consolas" panose="020B0609020204030204" pitchFamily="49" charset="0"/>
+                <a:ea typeface="+mn-ea"/>
+                <a:cs typeface="+mn-cs"/>
+              </a:rPr>
+              <a:t> </a:t>
+            </a:r>
+            <a:r>
+              <a:rPr kumimoji="0" lang="nl-NL" sz="2400" b="0" i="0" u="none" strike="noStrike" kern="1200" cap="none" spc="0" normalizeH="0" baseline="0" noProof="0" dirty="0" err="1">
+                <a:ln>
+                  <a:noFill/>
+                </a:ln>
+                <a:solidFill>
+                  <a:srgbClr val="000000"/>
+                </a:solidFill>
+                <a:effectLst/>
+                <a:uLnTx/>
+                <a:uFillTx/>
+                <a:latin typeface="Consolas" panose="020B0609020204030204" pitchFamily="49" charset="0"/>
+                <a:ea typeface="+mn-ea"/>
+                <a:cs typeface="+mn-cs"/>
+              </a:rPr>
+              <a:t>nieuweZin</a:t>
+            </a:r>
+            <a:r>
+              <a:rPr kumimoji="0" lang="nl-NL" sz="2400" b="0" i="0" u="none" strike="noStrike" kern="1200" cap="none" spc="0" normalizeH="0" baseline="0" noProof="0" dirty="0">
+                <a:ln>
+                  <a:noFill/>
+                </a:ln>
+                <a:solidFill>
+                  <a:srgbClr val="000000"/>
+                </a:solidFill>
+                <a:effectLst/>
+                <a:uLnTx/>
+                <a:uFillTx/>
+                <a:latin typeface="Consolas" panose="020B0609020204030204" pitchFamily="49" charset="0"/>
+                <a:ea typeface="+mn-ea"/>
+                <a:cs typeface="+mn-cs"/>
+              </a:rPr>
+              <a:t> = </a:t>
+            </a:r>
+            <a:r>
+              <a:rPr kumimoji="0" lang="nl-NL" sz="2400" b="0" i="0" u="none" strike="noStrike" kern="1200" cap="none" spc="0" normalizeH="0" baseline="0" noProof="0" dirty="0">
+                <a:ln>
+                  <a:noFill/>
+                </a:ln>
+                <a:solidFill>
+                  <a:srgbClr val="0000FF"/>
+                </a:solidFill>
+                <a:effectLst/>
+                <a:uLnTx/>
+                <a:uFillTx/>
+                <a:latin typeface="Consolas" panose="020B0609020204030204" pitchFamily="49" charset="0"/>
+                <a:ea typeface="+mn-ea"/>
+                <a:cs typeface="+mn-cs"/>
+              </a:rPr>
+              <a:t>new</a:t>
+            </a:r>
+            <a:r>
+              <a:rPr kumimoji="0" lang="nl-NL" sz="2400" b="0" i="0" u="none" strike="noStrike" kern="1200" cap="none" spc="0" normalizeH="0" baseline="0" noProof="0" dirty="0">
+                <a:ln>
+                  <a:noFill/>
+                </a:ln>
+                <a:solidFill>
+                  <a:srgbClr val="000000"/>
+                </a:solidFill>
+                <a:effectLst/>
+                <a:uLnTx/>
+                <a:uFillTx/>
+                <a:latin typeface="Consolas" panose="020B0609020204030204" pitchFamily="49" charset="0"/>
+                <a:ea typeface="+mn-ea"/>
+                <a:cs typeface="+mn-cs"/>
+              </a:rPr>
+              <a:t> </a:t>
+            </a:r>
+            <a:r>
+              <a:rPr kumimoji="0" lang="nl-NL" sz="2400" b="0" i="0" u="none" strike="noStrike" kern="1200" cap="none" spc="0" normalizeH="0" baseline="0" noProof="0" dirty="0">
+                <a:ln>
+                  <a:noFill/>
+                </a:ln>
+                <a:solidFill>
+                  <a:srgbClr val="0000FF"/>
+                </a:solidFill>
+                <a:effectLst/>
+                <a:uLnTx/>
+                <a:uFillTx/>
+                <a:latin typeface="Consolas" panose="020B0609020204030204" pitchFamily="49" charset="0"/>
+                <a:ea typeface="+mn-ea"/>
+                <a:cs typeface="+mn-cs"/>
+              </a:rPr>
+              <a:t>string</a:t>
+            </a:r>
+            <a:r>
+              <a:rPr kumimoji="0" lang="nl-NL" sz="2400" b="0" i="0" u="none" strike="noStrike" kern="1200" cap="none" spc="0" normalizeH="0" baseline="0" noProof="0" dirty="0">
+                <a:ln>
+                  <a:noFill/>
+                </a:ln>
+                <a:solidFill>
+                  <a:srgbClr val="000000"/>
+                </a:solidFill>
+                <a:effectLst/>
+                <a:uLnTx/>
+                <a:uFillTx/>
+                <a:latin typeface="Consolas" panose="020B0609020204030204" pitchFamily="49" charset="0"/>
+                <a:ea typeface="+mn-ea"/>
+                <a:cs typeface="+mn-cs"/>
+              </a:rPr>
+              <a:t>(karakters);</a:t>
+            </a:r>
+          </a:p>
+          <a:p>
+            <a:pPr marL="0" marR="0" lvl="0" indent="0" algn="l" defTabSz="914400" rtl="0" eaLnBrk="1" fontAlgn="auto" latinLnBrk="0" hangingPunct="1">
+              <a:lnSpc>
+                <a:spcPct val="100000"/>
+              </a:lnSpc>
+              <a:spcBef>
+                <a:spcPts val="0"/>
+              </a:spcBef>
+              <a:spcAft>
+                <a:spcPts val="0"/>
+              </a:spcAft>
+              <a:buClrTx/>
+              <a:buSzTx/>
+              <a:buFontTx/>
+              <a:buNone/>
+              <a:tabLst/>
+              <a:defRPr/>
+            </a:pPr>
+            <a:r>
+              <a:rPr kumimoji="0" lang="nl-BE" sz="2400" b="0" i="0" u="none" strike="noStrike" kern="1200" cap="none" spc="0" normalizeH="0" baseline="0" noProof="0" dirty="0" err="1">
+                <a:ln>
+                  <a:noFill/>
+                </a:ln>
+                <a:solidFill>
+                  <a:srgbClr val="000000"/>
+                </a:solidFill>
+                <a:effectLst/>
+                <a:uLnTx/>
+                <a:uFillTx/>
+                <a:latin typeface="Consolas" panose="020B0609020204030204" pitchFamily="49" charset="0"/>
+                <a:ea typeface="+mn-ea"/>
+                <a:cs typeface="+mn-cs"/>
+              </a:rPr>
+              <a:t>Console.WriteLine</a:t>
+            </a:r>
+            <a:r>
+              <a:rPr kumimoji="0" lang="nl-BE" sz="2400" b="0" i="0" u="none" strike="noStrike" kern="1200" cap="none" spc="0" normalizeH="0" baseline="0" noProof="0" dirty="0">
+                <a:ln>
+                  <a:noFill/>
+                </a:ln>
+                <a:solidFill>
+                  <a:srgbClr val="000000"/>
+                </a:solidFill>
+                <a:effectLst/>
+                <a:uLnTx/>
+                <a:uFillTx/>
+                <a:latin typeface="Consolas" panose="020B0609020204030204" pitchFamily="49" charset="0"/>
+                <a:ea typeface="+mn-ea"/>
+                <a:cs typeface="+mn-cs"/>
+              </a:rPr>
+              <a:t>(</a:t>
+            </a:r>
+            <a:r>
+              <a:rPr kumimoji="0" lang="nl-BE" sz="2400" b="0" i="0" u="none" strike="noStrike" kern="1200" cap="none" spc="0" normalizeH="0" baseline="0" noProof="0" dirty="0" err="1">
+                <a:ln>
+                  <a:noFill/>
+                </a:ln>
+                <a:solidFill>
+                  <a:srgbClr val="000000"/>
+                </a:solidFill>
+                <a:effectLst/>
+                <a:uLnTx/>
+                <a:uFillTx/>
+                <a:latin typeface="Consolas" panose="020B0609020204030204" pitchFamily="49" charset="0"/>
+                <a:ea typeface="+mn-ea"/>
+                <a:cs typeface="+mn-cs"/>
+              </a:rPr>
+              <a:t>nieuweZin</a:t>
+            </a:r>
+            <a:r>
+              <a:rPr kumimoji="0" lang="nl-BE" sz="2400" b="0" i="0" u="none" strike="noStrike" kern="1200" cap="none" spc="0" normalizeH="0" baseline="0" noProof="0" dirty="0">
+                <a:ln>
+                  <a:noFill/>
+                </a:ln>
+                <a:solidFill>
+                  <a:srgbClr val="000000"/>
+                </a:solidFill>
+                <a:effectLst/>
+                <a:uLnTx/>
+                <a:uFillTx/>
+                <a:latin typeface="Consolas" panose="020B0609020204030204" pitchFamily="49" charset="0"/>
+                <a:ea typeface="+mn-ea"/>
+                <a:cs typeface="+mn-cs"/>
+              </a:rPr>
+              <a:t>);</a:t>
+            </a:r>
+            <a:endParaRPr kumimoji="0" lang="nl-BE" sz="2400" b="0" i="0" u="none" strike="noStrike" kern="1200" cap="none" spc="0" normalizeH="0" baseline="0" noProof="0" dirty="0">
+              <a:ln>
+                <a:noFill/>
+              </a:ln>
+              <a:solidFill>
+                <a:prstClr val="black"/>
+              </a:solidFill>
+              <a:effectLst/>
+              <a:uLnTx/>
+              <a:uFillTx/>
+              <a:latin typeface="Calibri" panose="020F0502020204030204"/>
+              <a:ea typeface="+mn-ea"/>
+              <a:cs typeface="+mn-cs"/>
+            </a:endParaRPr>
+          </a:p>
+        </p:txBody>
+      </p:sp>
+    </p:spTree>
+    <p:extLst>
+      <p:ext uri="{BB962C8B-B14F-4D97-AF65-F5344CB8AC3E}">
+        <p14:creationId xmlns:p14="http://schemas.microsoft.com/office/powerpoint/2010/main" val="811048529"/>
+      </p:ext>
+    </p:extLst>
+  </p:cSld>
+  <p:clrMapOvr>
+    <a:masterClrMapping/>
+  </p:clrMapOvr>
+</p:sld>
+</file>
+
+<file path=ppt/slides/slide36.xml><?xml version="1.0" encoding="utf-8"?>
+<p:sld xmlns:a="http://schemas.openxmlformats.org/drawingml/2006/main" xmlns:r="http://schemas.openxmlformats.org/officeDocument/2006/relationships" xmlns:p="http://schemas.openxmlformats.org/presentationml/2006/main">
+  <p:cSld>
+    <p:spTree>
+      <p:nvGrpSpPr>
+        <p:cNvPr id="1" name=""/>
+        <p:cNvGrpSpPr/>
+        <p:nvPr/>
+      </p:nvGrpSpPr>
+      <p:grpSpPr>
+        <a:xfrm>
+          <a:off x="0" y="0"/>
+          <a:ext cx="0" cy="0"/>
+          <a:chOff x="0" y="0"/>
+          <a:chExt cx="0" cy="0"/>
+        </a:xfrm>
+      </p:grpSpPr>
+      <p:sp>
+        <p:nvSpPr>
+          <p:cNvPr id="2" name="Titel 1">
+            <a:extLst>
+              <a:ext uri="{FF2B5EF4-FFF2-40B4-BE49-F238E27FC236}">
+                <a16:creationId xmlns:a16="http://schemas.microsoft.com/office/drawing/2014/main" id="{51F0DA5A-CA1D-4807-85F7-3DCDB0409440}"/>
+              </a:ext>
+            </a:extLst>
+          </p:cNvPr>
+          <p:cNvSpPr>
+            <a:spLocks noGrp="1"/>
+          </p:cNvSpPr>
+          <p:nvPr>
+            <p:ph type="title"/>
+          </p:nvPr>
+        </p:nvSpPr>
+        <p:spPr/>
+        <p:txBody>
+          <a:bodyPr/>
+          <a:lstStyle/>
+          <a:p>
+            <a:r>
+              <a:rPr lang="nl-BE" dirty="0" err="1"/>
+              <a:t>Char</a:t>
+            </a:r>
+            <a:r>
+              <a:rPr lang="nl-BE" dirty="0"/>
+              <a:t>-array -&gt; string</a:t>
+            </a:r>
+          </a:p>
+        </p:txBody>
+      </p:sp>
+      <p:sp>
+        <p:nvSpPr>
+          <p:cNvPr id="3" name="Tijdelijke aanduiding voor inhoud 2">
+            <a:extLst>
+              <a:ext uri="{FF2B5EF4-FFF2-40B4-BE49-F238E27FC236}">
+                <a16:creationId xmlns:a16="http://schemas.microsoft.com/office/drawing/2014/main" id="{E525C429-B862-4BB3-B6CC-0FB479C502FD}"/>
+              </a:ext>
+            </a:extLst>
+          </p:cNvPr>
+          <p:cNvSpPr>
+            <a:spLocks noGrp="1"/>
+          </p:cNvSpPr>
+          <p:nvPr>
+            <p:ph idx="1"/>
+          </p:nvPr>
+        </p:nvSpPr>
+        <p:spPr/>
+        <p:txBody>
+          <a:bodyPr/>
+          <a:lstStyle/>
+          <a:p>
+            <a:r>
+              <a:rPr lang="nl-BE" dirty="0" err="1"/>
+              <a:t>What</a:t>
+            </a:r>
+            <a:r>
+              <a:rPr lang="nl-BE" dirty="0"/>
+              <a:t> </a:t>
+            </a:r>
+            <a:r>
+              <a:rPr lang="nl-BE" dirty="0" err="1"/>
+              <a:t>will</a:t>
+            </a:r>
+            <a:r>
+              <a:rPr lang="nl-BE" dirty="0"/>
+              <a:t> </a:t>
+            </a:r>
+            <a:r>
+              <a:rPr lang="nl-BE" dirty="0" err="1"/>
+              <a:t>be</a:t>
+            </a:r>
+            <a:r>
+              <a:rPr lang="nl-BE" dirty="0"/>
+              <a:t> </a:t>
+            </a:r>
+            <a:r>
+              <a:rPr lang="nl-BE" dirty="0" err="1"/>
+              <a:t>the</a:t>
+            </a:r>
+            <a:r>
+              <a:rPr lang="nl-BE" dirty="0"/>
+              <a:t> output?</a:t>
+            </a:r>
+          </a:p>
+          <a:p>
+            <a:endParaRPr lang="nl-BE" dirty="0"/>
+          </a:p>
+        </p:txBody>
+      </p:sp>
+      <p:sp>
+        <p:nvSpPr>
+          <p:cNvPr id="4" name="Rechthoek 3">
+            <a:extLst>
+              <a:ext uri="{FF2B5EF4-FFF2-40B4-BE49-F238E27FC236}">
+                <a16:creationId xmlns:a16="http://schemas.microsoft.com/office/drawing/2014/main" id="{AE65EB46-011F-49FF-B7A3-05BDF1043E99}"/>
+              </a:ext>
+            </a:extLst>
+          </p:cNvPr>
+          <p:cNvSpPr/>
+          <p:nvPr/>
+        </p:nvSpPr>
+        <p:spPr>
+          <a:xfrm>
+            <a:off x="1789043" y="2899058"/>
+            <a:ext cx="9347753" cy="1569660"/>
+          </a:xfrm>
+          <a:prstGeom prst="rect">
+            <a:avLst/>
+          </a:prstGeom>
+        </p:spPr>
+        <p:txBody>
+          <a:bodyPr wrap="square">
+            <a:spAutoFit/>
+          </a:bodyPr>
+          <a:lstStyle/>
+          <a:p>
+            <a:pPr marL="0" marR="0" lvl="0" indent="0" algn="l" defTabSz="914400" rtl="0" eaLnBrk="1" fontAlgn="auto" latinLnBrk="0" hangingPunct="1">
+              <a:lnSpc>
+                <a:spcPct val="100000"/>
+              </a:lnSpc>
+              <a:spcBef>
+                <a:spcPts val="0"/>
+              </a:spcBef>
+              <a:spcAft>
+                <a:spcPts val="0"/>
+              </a:spcAft>
+              <a:buClrTx/>
+              <a:buSzTx/>
+              <a:buFontTx/>
+              <a:buNone/>
+              <a:tabLst/>
+              <a:defRPr/>
+            </a:pPr>
+            <a:r>
+              <a:rPr kumimoji="0" lang="it-IT" sz="2400" b="0" i="0" u="none" strike="noStrike" kern="1200" cap="none" spc="0" normalizeH="0" baseline="0" noProof="0" dirty="0" err="1">
+                <a:ln>
+                  <a:noFill/>
+                </a:ln>
+                <a:solidFill>
+                  <a:srgbClr val="0000FF"/>
+                </a:solidFill>
+                <a:effectLst/>
+                <a:uLnTx/>
+                <a:uFillTx/>
+                <a:latin typeface="Consolas" panose="020B0609020204030204" pitchFamily="49" charset="0"/>
+                <a:ea typeface="+mn-ea"/>
+                <a:cs typeface="+mn-cs"/>
+              </a:rPr>
+              <a:t>char</a:t>
+            </a:r>
+            <a:r>
+              <a:rPr kumimoji="0" lang="it-IT" sz="2400" b="0" i="0" u="none" strike="noStrike" kern="1200" cap="none" spc="0" normalizeH="0" baseline="0" noProof="0" dirty="0">
+                <a:ln>
+                  <a:noFill/>
+                </a:ln>
+                <a:solidFill>
+                  <a:srgbClr val="000000"/>
+                </a:solidFill>
+                <a:effectLst/>
+                <a:uLnTx/>
+                <a:uFillTx/>
+                <a:latin typeface="Consolas" panose="020B0609020204030204" pitchFamily="49" charset="0"/>
+                <a:ea typeface="+mn-ea"/>
+                <a:cs typeface="+mn-cs"/>
+              </a:rPr>
+              <a:t>[] </a:t>
+            </a:r>
+            <a:r>
+              <a:rPr kumimoji="0" lang="it-IT" sz="2400" b="0" i="0" u="none" strike="noStrike" kern="1200" cap="none" spc="0" normalizeH="0" baseline="0" noProof="0" dirty="0" err="1">
+                <a:ln>
+                  <a:noFill/>
+                </a:ln>
+                <a:solidFill>
+                  <a:srgbClr val="000000"/>
+                </a:solidFill>
+                <a:effectLst/>
+                <a:uLnTx/>
+                <a:uFillTx/>
+                <a:latin typeface="Consolas" panose="020B0609020204030204" pitchFamily="49" charset="0"/>
+                <a:ea typeface="+mn-ea"/>
+                <a:cs typeface="+mn-cs"/>
+              </a:rPr>
+              <a:t>arrayOfLetters</a:t>
+            </a:r>
+            <a:r>
+              <a:rPr kumimoji="0" lang="it-IT" sz="2400" b="0" i="0" u="none" strike="noStrike" kern="1200" cap="none" spc="0" normalizeH="0" baseline="0" noProof="0" dirty="0">
+                <a:ln>
+                  <a:noFill/>
+                </a:ln>
+                <a:solidFill>
+                  <a:srgbClr val="000000"/>
+                </a:solidFill>
+                <a:effectLst/>
+                <a:uLnTx/>
+                <a:uFillTx/>
+                <a:latin typeface="Consolas" panose="020B0609020204030204" pitchFamily="49" charset="0"/>
+                <a:ea typeface="+mn-ea"/>
+                <a:cs typeface="+mn-cs"/>
+              </a:rPr>
+              <a:t> = { </a:t>
+            </a:r>
+            <a:r>
+              <a:rPr kumimoji="0" lang="it-IT" sz="2400" b="0" i="0" u="none" strike="noStrike" kern="1200" cap="none" spc="0" normalizeH="0" baseline="0" noProof="0" dirty="0">
+                <a:ln>
+                  <a:noFill/>
+                </a:ln>
+                <a:solidFill>
+                  <a:srgbClr val="A31515"/>
+                </a:solidFill>
+                <a:effectLst/>
+                <a:uLnTx/>
+                <a:uFillTx/>
+                <a:latin typeface="Consolas" panose="020B0609020204030204" pitchFamily="49" charset="0"/>
+                <a:ea typeface="+mn-ea"/>
+                <a:cs typeface="+mn-cs"/>
+              </a:rPr>
+              <a:t>'h'</a:t>
+            </a:r>
+            <a:r>
+              <a:rPr kumimoji="0" lang="it-IT" sz="2400" b="0" i="0" u="none" strike="noStrike" kern="1200" cap="none" spc="0" normalizeH="0" baseline="0" noProof="0" dirty="0">
+                <a:ln>
+                  <a:noFill/>
+                </a:ln>
+                <a:solidFill>
+                  <a:srgbClr val="000000"/>
+                </a:solidFill>
+                <a:effectLst/>
+                <a:uLnTx/>
+                <a:uFillTx/>
+                <a:latin typeface="Consolas" panose="020B0609020204030204" pitchFamily="49" charset="0"/>
+                <a:ea typeface="+mn-ea"/>
+                <a:cs typeface="+mn-cs"/>
+              </a:rPr>
+              <a:t>, </a:t>
+            </a:r>
+            <a:r>
+              <a:rPr kumimoji="0" lang="it-IT" sz="2400" b="0" i="0" u="none" strike="noStrike" kern="1200" cap="none" spc="0" normalizeH="0" baseline="0" noProof="0" dirty="0">
+                <a:ln>
+                  <a:noFill/>
+                </a:ln>
+                <a:solidFill>
+                  <a:srgbClr val="A31515"/>
+                </a:solidFill>
+                <a:effectLst/>
+                <a:uLnTx/>
+                <a:uFillTx/>
+                <a:latin typeface="Consolas" panose="020B0609020204030204" pitchFamily="49" charset="0"/>
+                <a:ea typeface="+mn-ea"/>
+                <a:cs typeface="+mn-cs"/>
+              </a:rPr>
+              <a:t>'a'</a:t>
+            </a:r>
+            <a:r>
+              <a:rPr kumimoji="0" lang="it-IT" sz="2400" b="0" i="0" u="none" strike="noStrike" kern="1200" cap="none" spc="0" normalizeH="0" baseline="0" noProof="0" dirty="0">
+                <a:ln>
+                  <a:noFill/>
+                </a:ln>
+                <a:solidFill>
+                  <a:srgbClr val="000000"/>
+                </a:solidFill>
+                <a:effectLst/>
+                <a:uLnTx/>
+                <a:uFillTx/>
+                <a:latin typeface="Consolas" panose="020B0609020204030204" pitchFamily="49" charset="0"/>
+                <a:ea typeface="+mn-ea"/>
+                <a:cs typeface="+mn-cs"/>
+              </a:rPr>
+              <a:t>, </a:t>
+            </a:r>
+            <a:r>
+              <a:rPr kumimoji="0" lang="it-IT" sz="2400" b="0" i="0" u="none" strike="noStrike" kern="1200" cap="none" spc="0" normalizeH="0" baseline="0" noProof="0" dirty="0">
+                <a:ln>
+                  <a:noFill/>
+                </a:ln>
+                <a:solidFill>
+                  <a:srgbClr val="A31515"/>
+                </a:solidFill>
+                <a:effectLst/>
+                <a:uLnTx/>
+                <a:uFillTx/>
+                <a:latin typeface="Consolas" panose="020B0609020204030204" pitchFamily="49" charset="0"/>
+                <a:ea typeface="+mn-ea"/>
+                <a:cs typeface="+mn-cs"/>
+              </a:rPr>
+              <a:t>'l'</a:t>
+            </a:r>
+            <a:r>
+              <a:rPr kumimoji="0" lang="it-IT" sz="2400" b="0" i="0" u="none" strike="noStrike" kern="1200" cap="none" spc="0" normalizeH="0" baseline="0" noProof="0" dirty="0">
+                <a:ln>
+                  <a:noFill/>
+                </a:ln>
+                <a:solidFill>
+                  <a:srgbClr val="000000"/>
+                </a:solidFill>
+                <a:effectLst/>
+                <a:uLnTx/>
+                <a:uFillTx/>
+                <a:latin typeface="Consolas" panose="020B0609020204030204" pitchFamily="49" charset="0"/>
+                <a:ea typeface="+mn-ea"/>
+                <a:cs typeface="+mn-cs"/>
+              </a:rPr>
+              <a:t>, </a:t>
+            </a:r>
+            <a:r>
+              <a:rPr kumimoji="0" lang="it-IT" sz="2400" b="0" i="0" u="none" strike="noStrike" kern="1200" cap="none" spc="0" normalizeH="0" baseline="0" noProof="0" dirty="0">
+                <a:ln>
+                  <a:noFill/>
+                </a:ln>
+                <a:solidFill>
+                  <a:srgbClr val="A31515"/>
+                </a:solidFill>
+                <a:effectLst/>
+                <a:uLnTx/>
+                <a:uFillTx/>
+                <a:latin typeface="Consolas" panose="020B0609020204030204" pitchFamily="49" charset="0"/>
+                <a:ea typeface="+mn-ea"/>
+                <a:cs typeface="+mn-cs"/>
+              </a:rPr>
+              <a:t>'l'</a:t>
+            </a:r>
+            <a:r>
+              <a:rPr kumimoji="0" lang="it-IT" sz="2400" b="0" i="0" u="none" strike="noStrike" kern="1200" cap="none" spc="0" normalizeH="0" baseline="0" noProof="0" dirty="0">
+                <a:ln>
+                  <a:noFill/>
+                </a:ln>
+                <a:solidFill>
+                  <a:srgbClr val="000000"/>
+                </a:solidFill>
+                <a:effectLst/>
+                <a:uLnTx/>
+                <a:uFillTx/>
+                <a:latin typeface="Consolas" panose="020B0609020204030204" pitchFamily="49" charset="0"/>
+                <a:ea typeface="+mn-ea"/>
+                <a:cs typeface="+mn-cs"/>
+              </a:rPr>
+              <a:t>, </a:t>
+            </a:r>
+            <a:r>
+              <a:rPr kumimoji="0" lang="it-IT" sz="2400" b="0" i="0" u="none" strike="noStrike" kern="1200" cap="none" spc="0" normalizeH="0" baseline="0" noProof="0" dirty="0">
+                <a:ln>
+                  <a:noFill/>
+                </a:ln>
+                <a:solidFill>
+                  <a:srgbClr val="A31515"/>
+                </a:solidFill>
+                <a:effectLst/>
+                <a:uLnTx/>
+                <a:uFillTx/>
+                <a:latin typeface="Consolas" panose="020B0609020204030204" pitchFamily="49" charset="0"/>
+                <a:ea typeface="+mn-ea"/>
+                <a:cs typeface="+mn-cs"/>
+              </a:rPr>
+              <a:t>'o'</a:t>
+            </a:r>
+            <a:r>
+              <a:rPr kumimoji="0" lang="it-IT" sz="2400" b="0" i="0" u="none" strike="noStrike" kern="1200" cap="none" spc="0" normalizeH="0" baseline="0" noProof="0" dirty="0">
+                <a:ln>
+                  <a:noFill/>
+                </a:ln>
+                <a:solidFill>
+                  <a:srgbClr val="000000"/>
+                </a:solidFill>
+                <a:effectLst/>
+                <a:uLnTx/>
+                <a:uFillTx/>
+                <a:latin typeface="Consolas" panose="020B0609020204030204" pitchFamily="49" charset="0"/>
+                <a:ea typeface="+mn-ea"/>
+                <a:cs typeface="+mn-cs"/>
+              </a:rPr>
+              <a:t> };</a:t>
+            </a:r>
+          </a:p>
+          <a:p>
+            <a:pPr marL="0" marR="0" lvl="0" indent="0" algn="l" defTabSz="914400" rtl="0" eaLnBrk="1" fontAlgn="auto" latinLnBrk="0" hangingPunct="1">
+              <a:lnSpc>
+                <a:spcPct val="100000"/>
+              </a:lnSpc>
+              <a:spcBef>
+                <a:spcPts val="0"/>
+              </a:spcBef>
+              <a:spcAft>
+                <a:spcPts val="0"/>
+              </a:spcAft>
+              <a:buClrTx/>
+              <a:buSzTx/>
+              <a:buFontTx/>
+              <a:buNone/>
+              <a:tabLst/>
+              <a:defRPr/>
+            </a:pPr>
+            <a:r>
+              <a:rPr kumimoji="0" lang="nl-BE" sz="2400" b="0" i="0" u="none" strike="noStrike" kern="1200" cap="none" spc="0" normalizeH="0" baseline="0" noProof="0" dirty="0" err="1">
+                <a:ln>
+                  <a:noFill/>
+                </a:ln>
+                <a:solidFill>
+                  <a:srgbClr val="000000"/>
+                </a:solidFill>
+                <a:effectLst/>
+                <a:uLnTx/>
+                <a:uFillTx/>
+                <a:latin typeface="Consolas" panose="020B0609020204030204" pitchFamily="49" charset="0"/>
+                <a:ea typeface="+mn-ea"/>
+                <a:cs typeface="+mn-cs"/>
+              </a:rPr>
+              <a:t>arrayOfLetters</a:t>
+            </a:r>
+            <a:r>
+              <a:rPr kumimoji="0" lang="nl-BE" sz="2400" b="0" i="0" u="none" strike="noStrike" kern="1200" cap="none" spc="0" normalizeH="0" baseline="0" noProof="0" dirty="0">
+                <a:ln>
+                  <a:noFill/>
+                </a:ln>
+                <a:solidFill>
+                  <a:srgbClr val="000000"/>
+                </a:solidFill>
+                <a:effectLst/>
+                <a:uLnTx/>
+                <a:uFillTx/>
+                <a:latin typeface="Consolas" panose="020B0609020204030204" pitchFamily="49" charset="0"/>
+                <a:ea typeface="+mn-ea"/>
+                <a:cs typeface="+mn-cs"/>
+              </a:rPr>
+              <a:t>[2] = </a:t>
+            </a:r>
+            <a:r>
+              <a:rPr kumimoji="0" lang="nl-BE" sz="2400" b="0" i="0" u="none" strike="noStrike" kern="1200" cap="none" spc="0" normalizeH="0" baseline="0" noProof="0" dirty="0">
+                <a:ln>
+                  <a:noFill/>
+                </a:ln>
+                <a:solidFill>
+                  <a:srgbClr val="A31515"/>
+                </a:solidFill>
+                <a:effectLst/>
+                <a:uLnTx/>
+                <a:uFillTx/>
+                <a:latin typeface="Consolas" panose="020B0609020204030204" pitchFamily="49" charset="0"/>
+                <a:ea typeface="+mn-ea"/>
+                <a:cs typeface="+mn-cs"/>
+              </a:rPr>
+              <a:t>'x'</a:t>
+            </a:r>
+            <a:r>
+              <a:rPr kumimoji="0" lang="nl-BE" sz="2400" b="0" i="0" u="none" strike="noStrike" kern="1200" cap="none" spc="0" normalizeH="0" baseline="0" noProof="0" dirty="0">
+                <a:ln>
+                  <a:noFill/>
+                </a:ln>
+                <a:solidFill>
+                  <a:srgbClr val="000000"/>
+                </a:solidFill>
+                <a:effectLst/>
+                <a:uLnTx/>
+                <a:uFillTx/>
+                <a:latin typeface="Consolas" panose="020B0609020204030204" pitchFamily="49" charset="0"/>
+                <a:ea typeface="+mn-ea"/>
+                <a:cs typeface="+mn-cs"/>
+              </a:rPr>
+              <a:t>;</a:t>
+            </a:r>
+          </a:p>
+          <a:p>
+            <a:pPr marL="0" marR="0" lvl="0" indent="0" algn="l" defTabSz="914400" rtl="0" eaLnBrk="1" fontAlgn="auto" latinLnBrk="0" hangingPunct="1">
+              <a:lnSpc>
+                <a:spcPct val="100000"/>
+              </a:lnSpc>
+              <a:spcBef>
+                <a:spcPts val="0"/>
+              </a:spcBef>
+              <a:spcAft>
+                <a:spcPts val="0"/>
+              </a:spcAft>
+              <a:buClrTx/>
+              <a:buSzTx/>
+              <a:buFontTx/>
+              <a:buNone/>
+              <a:tabLst/>
+              <a:defRPr/>
+            </a:pPr>
+            <a:r>
+              <a:rPr kumimoji="0" lang="en-US" sz="2400" b="0" i="0" u="none" strike="noStrike" kern="1200" cap="none" spc="0" normalizeH="0" baseline="0" noProof="0" dirty="0">
+                <a:ln>
+                  <a:noFill/>
+                </a:ln>
+                <a:solidFill>
+                  <a:srgbClr val="0000FF"/>
+                </a:solidFill>
+                <a:effectLst/>
+                <a:highlight>
+                  <a:srgbClr val="FFFF00"/>
+                </a:highlight>
+                <a:uLnTx/>
+                <a:uFillTx/>
+                <a:latin typeface="Consolas" panose="020B0609020204030204" pitchFamily="49" charset="0"/>
+                <a:ea typeface="+mn-ea"/>
+                <a:cs typeface="+mn-cs"/>
+              </a:rPr>
+              <a:t>string</a:t>
+            </a:r>
+            <a:r>
+              <a:rPr kumimoji="0" lang="en-US" sz="2400" b="0" i="0" u="none" strike="noStrike" kern="1200" cap="none" spc="0" normalizeH="0" baseline="0" noProof="0" dirty="0">
+                <a:ln>
+                  <a:noFill/>
+                </a:ln>
+                <a:solidFill>
+                  <a:srgbClr val="000000"/>
+                </a:solidFill>
+                <a:effectLst/>
+                <a:highlight>
+                  <a:srgbClr val="FFFF00"/>
+                </a:highlight>
+                <a:uLnTx/>
+                <a:uFillTx/>
+                <a:latin typeface="Consolas" panose="020B0609020204030204" pitchFamily="49" charset="0"/>
+                <a:ea typeface="+mn-ea"/>
+                <a:cs typeface="+mn-cs"/>
+              </a:rPr>
+              <a:t> word = </a:t>
+            </a:r>
+            <a:r>
+              <a:rPr kumimoji="0" lang="en-US" sz="2400" b="1" i="0" u="none" strike="noStrike" kern="1200" cap="none" spc="0" normalizeH="0" baseline="0" noProof="0" dirty="0">
+                <a:ln>
+                  <a:noFill/>
+                </a:ln>
+                <a:solidFill>
+                  <a:srgbClr val="0000FF"/>
+                </a:solidFill>
+                <a:effectLst/>
+                <a:highlight>
+                  <a:srgbClr val="FFFF00"/>
+                </a:highlight>
+                <a:uLnTx/>
+                <a:uFillTx/>
+                <a:latin typeface="Consolas" panose="020B0609020204030204" pitchFamily="49" charset="0"/>
+                <a:ea typeface="+mn-ea"/>
+                <a:cs typeface="+mn-cs"/>
+              </a:rPr>
+              <a:t>new</a:t>
+            </a:r>
+            <a:r>
+              <a:rPr kumimoji="0" lang="en-US" sz="2400" b="1" i="0" u="none" strike="noStrike" kern="1200" cap="none" spc="0" normalizeH="0" baseline="0" noProof="0" dirty="0">
+                <a:ln>
+                  <a:noFill/>
+                </a:ln>
+                <a:solidFill>
+                  <a:srgbClr val="000000"/>
+                </a:solidFill>
+                <a:effectLst/>
+                <a:highlight>
+                  <a:srgbClr val="FFFF00"/>
+                </a:highlight>
+                <a:uLnTx/>
+                <a:uFillTx/>
+                <a:latin typeface="Consolas" panose="020B0609020204030204" pitchFamily="49" charset="0"/>
+                <a:ea typeface="+mn-ea"/>
+                <a:cs typeface="+mn-cs"/>
+              </a:rPr>
+              <a:t> </a:t>
+            </a:r>
+            <a:r>
+              <a:rPr kumimoji="0" lang="en-US" sz="2400" b="1" i="0" u="none" strike="noStrike" kern="1200" cap="none" spc="0" normalizeH="0" baseline="0" noProof="0" dirty="0">
+                <a:ln>
+                  <a:noFill/>
+                </a:ln>
+                <a:solidFill>
+                  <a:srgbClr val="0000FF"/>
+                </a:solidFill>
+                <a:effectLst/>
+                <a:highlight>
+                  <a:srgbClr val="FFFF00"/>
+                </a:highlight>
+                <a:uLnTx/>
+                <a:uFillTx/>
+                <a:latin typeface="Consolas" panose="020B0609020204030204" pitchFamily="49" charset="0"/>
+                <a:ea typeface="+mn-ea"/>
+                <a:cs typeface="+mn-cs"/>
+              </a:rPr>
+              <a:t>string</a:t>
+            </a:r>
+            <a:r>
+              <a:rPr kumimoji="0" lang="en-US" sz="2400" b="1" i="0" u="none" strike="noStrike" kern="1200" cap="none" spc="0" normalizeH="0" baseline="0" noProof="0" dirty="0">
+                <a:ln>
+                  <a:noFill/>
+                </a:ln>
+                <a:solidFill>
+                  <a:srgbClr val="000000"/>
+                </a:solidFill>
+                <a:effectLst/>
+                <a:highlight>
+                  <a:srgbClr val="FFFF00"/>
+                </a:highlight>
+                <a:uLnTx/>
+                <a:uFillTx/>
+                <a:latin typeface="Consolas" panose="020B0609020204030204" pitchFamily="49" charset="0"/>
+                <a:ea typeface="+mn-ea"/>
+                <a:cs typeface="+mn-cs"/>
+              </a:rPr>
+              <a:t>(</a:t>
+            </a:r>
+            <a:r>
+              <a:rPr kumimoji="0" lang="en-US" sz="2400" b="1" i="0" u="none" strike="noStrike" kern="1200" cap="none" spc="0" normalizeH="0" baseline="0" noProof="0" dirty="0" err="1">
+                <a:ln>
+                  <a:noFill/>
+                </a:ln>
+                <a:solidFill>
+                  <a:srgbClr val="000000"/>
+                </a:solidFill>
+                <a:effectLst/>
+                <a:highlight>
+                  <a:srgbClr val="FFFF00"/>
+                </a:highlight>
+                <a:uLnTx/>
+                <a:uFillTx/>
+                <a:latin typeface="Consolas" panose="020B0609020204030204" pitchFamily="49" charset="0"/>
+                <a:ea typeface="+mn-ea"/>
+                <a:cs typeface="+mn-cs"/>
+              </a:rPr>
+              <a:t>arrayOfLetters</a:t>
+            </a:r>
+            <a:r>
+              <a:rPr kumimoji="0" lang="en-US" sz="2400" b="1" i="0" u="none" strike="noStrike" kern="1200" cap="none" spc="0" normalizeH="0" baseline="0" noProof="0" dirty="0">
+                <a:ln>
+                  <a:noFill/>
+                </a:ln>
+                <a:solidFill>
+                  <a:srgbClr val="000000"/>
+                </a:solidFill>
+                <a:effectLst/>
+                <a:highlight>
+                  <a:srgbClr val="FFFF00"/>
+                </a:highlight>
+                <a:uLnTx/>
+                <a:uFillTx/>
+                <a:latin typeface="Consolas" panose="020B0609020204030204" pitchFamily="49" charset="0"/>
+                <a:ea typeface="+mn-ea"/>
+                <a:cs typeface="+mn-cs"/>
+              </a:rPr>
+              <a:t>);</a:t>
+            </a:r>
+          </a:p>
+          <a:p>
+            <a:pPr marL="0" marR="0" lvl="0" indent="0" algn="l" defTabSz="914400" rtl="0" eaLnBrk="1" fontAlgn="auto" latinLnBrk="0" hangingPunct="1">
+              <a:lnSpc>
+                <a:spcPct val="100000"/>
+              </a:lnSpc>
+              <a:spcBef>
+                <a:spcPts val="0"/>
+              </a:spcBef>
+              <a:spcAft>
+                <a:spcPts val="0"/>
+              </a:spcAft>
+              <a:buClrTx/>
+              <a:buSzTx/>
+              <a:buFontTx/>
+              <a:buNone/>
+              <a:tabLst/>
+              <a:defRPr/>
+            </a:pPr>
+            <a:r>
+              <a:rPr kumimoji="0" lang="nl-BE" sz="2400" b="0" i="0" u="none" strike="noStrike" kern="1200" cap="none" spc="0" normalizeH="0" baseline="0" noProof="0" dirty="0" err="1">
+                <a:ln>
+                  <a:noFill/>
+                </a:ln>
+                <a:solidFill>
+                  <a:srgbClr val="000000"/>
+                </a:solidFill>
+                <a:effectLst/>
+                <a:uLnTx/>
+                <a:uFillTx/>
+                <a:latin typeface="Consolas" panose="020B0609020204030204" pitchFamily="49" charset="0"/>
+                <a:ea typeface="+mn-ea"/>
+                <a:cs typeface="+mn-cs"/>
+              </a:rPr>
+              <a:t>Console.WriteLine</a:t>
+            </a:r>
+            <a:r>
+              <a:rPr kumimoji="0" lang="nl-BE" sz="2400" b="0" i="0" u="none" strike="noStrike" kern="1200" cap="none" spc="0" normalizeH="0" baseline="0" noProof="0" dirty="0">
+                <a:ln>
+                  <a:noFill/>
+                </a:ln>
+                <a:solidFill>
+                  <a:srgbClr val="000000"/>
+                </a:solidFill>
+                <a:effectLst/>
+                <a:uLnTx/>
+                <a:uFillTx/>
+                <a:latin typeface="Consolas" panose="020B0609020204030204" pitchFamily="49" charset="0"/>
+                <a:ea typeface="+mn-ea"/>
+                <a:cs typeface="+mn-cs"/>
+              </a:rPr>
+              <a:t>(word);</a:t>
+            </a:r>
+            <a:endParaRPr kumimoji="0" lang="nl-BE" sz="2400" b="0" i="0" u="none" strike="noStrike" kern="1200" cap="none" spc="0" normalizeH="0" baseline="0" noProof="0" dirty="0">
+              <a:ln>
+                <a:noFill/>
+              </a:ln>
+              <a:solidFill>
+                <a:prstClr val="black"/>
+              </a:solidFill>
+              <a:effectLst/>
+              <a:uLnTx/>
+              <a:uFillTx/>
+              <a:latin typeface="Calibri" panose="020F0502020204030204"/>
+              <a:ea typeface="+mn-ea"/>
+              <a:cs typeface="+mn-cs"/>
+            </a:endParaRPr>
+          </a:p>
+        </p:txBody>
+      </p:sp>
+    </p:spTree>
+    <p:extLst>
+      <p:ext uri="{BB962C8B-B14F-4D97-AF65-F5344CB8AC3E}">
+        <p14:creationId xmlns:p14="http://schemas.microsoft.com/office/powerpoint/2010/main" val="2926111950"/>
+      </p:ext>
+    </p:extLst>
+  </p:cSld>
+  <p:clrMapOvr>
+    <a:masterClrMapping/>
+  </p:clrMapOvr>
+</p:sld>
+</file>
+
+<file path=ppt/slides/slide4.xml><?xml version="1.0" encoding="utf-8"?>
 <p:sld xmlns:a="http://schemas.openxmlformats.org/drawingml/2006/main" xmlns:r="http://schemas.openxmlformats.org/officeDocument/2006/relationships" xmlns:p="http://schemas.openxmlformats.org/presentationml/2006/main">
   <p:cSld>
     <p:spTree>
@@ -22747,846 +29766,7 @@
 </p:sld>
 </file>
 
-<file path=ppt/slides/slide30.xml><?xml version="1.0" encoding="utf-8"?>
-<p:sld xmlns:a="http://schemas.openxmlformats.org/drawingml/2006/main" xmlns:r="http://schemas.openxmlformats.org/officeDocument/2006/relationships" xmlns:p="http://schemas.openxmlformats.org/presentationml/2006/main">
-  <p:cSld>
-    <p:spTree>
-      <p:nvGrpSpPr>
-        <p:cNvPr id="1" name=""/>
-        <p:cNvGrpSpPr/>
-        <p:nvPr/>
-      </p:nvGrpSpPr>
-      <p:grpSpPr>
-        <a:xfrm>
-          <a:off x="0" y="0"/>
-          <a:ext cx="0" cy="0"/>
-          <a:chOff x="0" y="0"/>
-          <a:chExt cx="0" cy="0"/>
-        </a:xfrm>
-      </p:grpSpPr>
-      <p:sp>
-        <p:nvSpPr>
-          <p:cNvPr id="2" name="Titel 1">
-            <a:extLst>
-              <a:ext uri="{FF2B5EF4-FFF2-40B4-BE49-F238E27FC236}">
-                <a16:creationId xmlns:a16="http://schemas.microsoft.com/office/drawing/2014/main" id="{9E1A830B-F9E3-4D6B-9CE3-B8CBBE07D6FB}"/>
-              </a:ext>
-            </a:extLst>
-          </p:cNvPr>
-          <p:cNvSpPr>
-            <a:spLocks noGrp="1"/>
-          </p:cNvSpPr>
-          <p:nvPr>
-            <p:ph type="title"/>
-          </p:nvPr>
-        </p:nvSpPr>
-        <p:spPr/>
-        <p:txBody>
-          <a:bodyPr/>
-          <a:lstStyle/>
-          <a:p>
-            <a:r>
-              <a:rPr lang="nl-BE" dirty="0"/>
-              <a:t>Array </a:t>
-            </a:r>
-            <a:r>
-              <a:rPr lang="nl-BE" dirty="0" err="1"/>
-              <a:t>initializer</a:t>
-            </a:r>
-            <a:r>
-              <a:rPr lang="nl-BE" dirty="0"/>
-              <a:t> syntax</a:t>
-            </a:r>
-          </a:p>
-        </p:txBody>
-      </p:sp>
-      <p:sp>
-        <p:nvSpPr>
-          <p:cNvPr id="3" name="Tijdelijke aanduiding voor inhoud 2">
-            <a:extLst>
-              <a:ext uri="{FF2B5EF4-FFF2-40B4-BE49-F238E27FC236}">
-                <a16:creationId xmlns:a16="http://schemas.microsoft.com/office/drawing/2014/main" id="{F2A1C1BF-F967-471F-A6E7-EA7EFD749664}"/>
-              </a:ext>
-            </a:extLst>
-          </p:cNvPr>
-          <p:cNvSpPr>
-            <a:spLocks noGrp="1"/>
-          </p:cNvSpPr>
-          <p:nvPr>
-            <p:ph idx="1"/>
-          </p:nvPr>
-        </p:nvSpPr>
-        <p:spPr>
-          <a:xfrm>
-            <a:off x="550416" y="2216505"/>
-            <a:ext cx="11912601" cy="4902200"/>
-          </a:xfrm>
-        </p:spPr>
-        <p:txBody>
-          <a:bodyPr/>
-          <a:lstStyle/>
-          <a:p>
-            <a:pPr lvl="1" eaLnBrk="1" hangingPunct="1">
-              <a:buFontTx/>
-              <a:buNone/>
-              <a:defRPr/>
-            </a:pPr>
-            <a:r>
-              <a:rPr lang="en-US" sz="2000" dirty="0"/>
-              <a:t>Other examples:</a:t>
-            </a:r>
-          </a:p>
-          <a:p>
-            <a:pPr lvl="1" eaLnBrk="1" hangingPunct="1">
-              <a:buFontTx/>
-              <a:buNone/>
-              <a:defRPr/>
-            </a:pPr>
-            <a:r>
-              <a:rPr lang="en-US" sz="2000" dirty="0"/>
-              <a:t>	</a:t>
-            </a:r>
-            <a:endParaRPr lang="nl-BE" dirty="0"/>
-          </a:p>
-        </p:txBody>
-      </p:sp>
-      <p:sp>
-        <p:nvSpPr>
-          <p:cNvPr id="4" name="Tijdelijke aanduiding voor dianummer 3">
-            <a:extLst>
-              <a:ext uri="{FF2B5EF4-FFF2-40B4-BE49-F238E27FC236}">
-                <a16:creationId xmlns:a16="http://schemas.microsoft.com/office/drawing/2014/main" id="{A6189602-2188-4B81-B926-D8A3000DDB33}"/>
-              </a:ext>
-            </a:extLst>
-          </p:cNvPr>
-          <p:cNvSpPr>
-            <a:spLocks noGrp="1"/>
-          </p:cNvSpPr>
-          <p:nvPr>
-            <p:ph type="sldNum" sz="quarter" idx="10"/>
-          </p:nvPr>
-        </p:nvSpPr>
-        <p:spPr/>
-        <p:txBody>
-          <a:bodyPr/>
-          <a:lstStyle/>
-          <a:p>
-            <a:pPr>
-              <a:defRPr/>
-            </a:pPr>
-            <a:r>
-              <a:rPr lang="nl-NL"/>
-              <a:t>© ap| </a:t>
-            </a:r>
-            <a:fld id="{8A00CA90-1673-4C5D-B289-DA0BFE9501DF}" type="slidenum">
-              <a:rPr lang="nl-NL" smtClean="0"/>
-              <a:pPr>
-                <a:defRPr/>
-              </a:pPr>
-              <a:t>30</a:t>
-            </a:fld>
-            <a:endParaRPr lang="nl-NL" dirty="0"/>
-          </a:p>
-        </p:txBody>
-      </p:sp>
-      <p:sp>
-        <p:nvSpPr>
-          <p:cNvPr id="5" name="Rechthoek 4">
-            <a:extLst>
-              <a:ext uri="{FF2B5EF4-FFF2-40B4-BE49-F238E27FC236}">
-                <a16:creationId xmlns:a16="http://schemas.microsoft.com/office/drawing/2014/main" id="{42A90C24-FE38-42DD-939B-096A3D88B1D6}"/>
-              </a:ext>
-            </a:extLst>
-          </p:cNvPr>
-          <p:cNvSpPr/>
-          <p:nvPr/>
-        </p:nvSpPr>
-        <p:spPr>
-          <a:xfrm>
-            <a:off x="1045716" y="2823686"/>
-            <a:ext cx="10279509" cy="923330"/>
-          </a:xfrm>
-          <a:prstGeom prst="rect">
-            <a:avLst/>
-          </a:prstGeom>
-        </p:spPr>
-        <p:txBody>
-          <a:bodyPr wrap="square">
-            <a:spAutoFit/>
-          </a:bodyPr>
-          <a:lstStyle/>
-          <a:p>
-            <a:r>
-              <a:rPr lang="nl-BE" dirty="0">
-                <a:solidFill>
-                  <a:srgbClr val="0000FF"/>
-                </a:solidFill>
-                <a:latin typeface="Consolas" panose="020B0609020204030204" pitchFamily="49" charset="0"/>
-              </a:rPr>
-              <a:t>string</a:t>
-            </a:r>
-            <a:r>
-              <a:rPr lang="nl-BE" dirty="0">
-                <a:solidFill>
-                  <a:srgbClr val="000000"/>
-                </a:solidFill>
-                <a:latin typeface="Consolas" panose="020B0609020204030204" pitchFamily="49" charset="0"/>
-              </a:rPr>
-              <a:t>[] </a:t>
-            </a:r>
-            <a:r>
-              <a:rPr lang="nl-BE" dirty="0" err="1">
-                <a:solidFill>
-                  <a:srgbClr val="000000"/>
-                </a:solidFill>
-                <a:latin typeface="Consolas" panose="020B0609020204030204" pitchFamily="49" charset="0"/>
-              </a:rPr>
-              <a:t>possibleNames</a:t>
-            </a:r>
-            <a:r>
-              <a:rPr lang="nl-BE" dirty="0">
-                <a:solidFill>
-                  <a:srgbClr val="000000"/>
-                </a:solidFill>
-                <a:latin typeface="Consolas" panose="020B0609020204030204" pitchFamily="49" charset="0"/>
-              </a:rPr>
-              <a:t> = { “Bo”, “Bob”, “Frank”, “Younes”, “Yin”, “</a:t>
-            </a:r>
-            <a:r>
-              <a:rPr lang="nl-BE" dirty="0" err="1">
-                <a:solidFill>
-                  <a:srgbClr val="000000"/>
-                </a:solidFill>
-                <a:latin typeface="Consolas" panose="020B0609020204030204" pitchFamily="49" charset="0"/>
-              </a:rPr>
-              <a:t>Celeste</a:t>
-            </a:r>
-            <a:r>
-              <a:rPr lang="nl-BE" dirty="0">
-                <a:solidFill>
-                  <a:srgbClr val="000000"/>
-                </a:solidFill>
-                <a:latin typeface="Consolas" panose="020B0609020204030204" pitchFamily="49" charset="0"/>
-              </a:rPr>
-              <a:t>” };</a:t>
-            </a:r>
-          </a:p>
-          <a:p>
-            <a:r>
-              <a:rPr lang="nl-BE" dirty="0" err="1">
-                <a:solidFill>
-                  <a:srgbClr val="0000FF"/>
-                </a:solidFill>
-                <a:latin typeface="Consolas" panose="020B0609020204030204" pitchFamily="49" charset="0"/>
-              </a:rPr>
-              <a:t>char</a:t>
-            </a:r>
-            <a:r>
-              <a:rPr lang="nl-BE" dirty="0">
-                <a:solidFill>
-                  <a:srgbClr val="000000"/>
-                </a:solidFill>
-                <a:latin typeface="Consolas" panose="020B0609020204030204" pitchFamily="49" charset="0"/>
-              </a:rPr>
-              <a:t>[] klinkers = {‘a’, ‘e’, ‘i’, ‘o’, ‘u’};</a:t>
-            </a:r>
-          </a:p>
-          <a:p>
-            <a:r>
-              <a:rPr lang="nl-BE" dirty="0" err="1">
-                <a:solidFill>
-                  <a:srgbClr val="0000FF"/>
-                </a:solidFill>
-                <a:latin typeface="Consolas" panose="020B0609020204030204" pitchFamily="49" charset="0"/>
-              </a:rPr>
-              <a:t>bool</a:t>
-            </a:r>
-            <a:r>
-              <a:rPr lang="nl-BE" dirty="0">
-                <a:solidFill>
-                  <a:srgbClr val="000000"/>
-                </a:solidFill>
-                <a:latin typeface="Consolas" panose="020B0609020204030204" pitchFamily="49" charset="0"/>
-              </a:rPr>
-              <a:t>[] </a:t>
-            </a:r>
-            <a:r>
-              <a:rPr lang="nl-BE" dirty="0" err="1">
-                <a:solidFill>
-                  <a:srgbClr val="000000"/>
-                </a:solidFill>
-                <a:latin typeface="Consolas" panose="020B0609020204030204" pitchFamily="49" charset="0"/>
-              </a:rPr>
-              <a:t>binaryCode</a:t>
-            </a:r>
-            <a:r>
-              <a:rPr lang="nl-BE" dirty="0">
-                <a:solidFill>
-                  <a:srgbClr val="000000"/>
-                </a:solidFill>
-                <a:latin typeface="Consolas" panose="020B0609020204030204" pitchFamily="49" charset="0"/>
-              </a:rPr>
-              <a:t> = { </a:t>
-            </a:r>
-            <a:r>
-              <a:rPr lang="nl-BE" dirty="0" err="1">
-                <a:solidFill>
-                  <a:srgbClr val="0000FF"/>
-                </a:solidFill>
-                <a:latin typeface="Consolas" panose="020B0609020204030204" pitchFamily="49" charset="0"/>
-              </a:rPr>
-              <a:t>true</a:t>
-            </a:r>
-            <a:r>
-              <a:rPr lang="nl-BE" dirty="0">
-                <a:solidFill>
-                  <a:srgbClr val="000000"/>
-                </a:solidFill>
-                <a:latin typeface="Consolas" panose="020B0609020204030204" pitchFamily="49" charset="0"/>
-              </a:rPr>
-              <a:t>, </a:t>
-            </a:r>
-            <a:r>
-              <a:rPr lang="nl-BE" dirty="0" err="1">
-                <a:solidFill>
-                  <a:srgbClr val="0000FF"/>
-                </a:solidFill>
-                <a:latin typeface="Consolas" panose="020B0609020204030204" pitchFamily="49" charset="0"/>
-              </a:rPr>
-              <a:t>false</a:t>
-            </a:r>
-            <a:r>
-              <a:rPr lang="nl-BE" dirty="0">
-                <a:solidFill>
-                  <a:srgbClr val="000000"/>
-                </a:solidFill>
-                <a:latin typeface="Consolas" panose="020B0609020204030204" pitchFamily="49" charset="0"/>
-              </a:rPr>
-              <a:t>, </a:t>
-            </a:r>
-            <a:r>
-              <a:rPr lang="nl-BE" dirty="0" err="1">
-                <a:solidFill>
-                  <a:srgbClr val="0000FF"/>
-                </a:solidFill>
-                <a:latin typeface="Consolas" panose="020B0609020204030204" pitchFamily="49" charset="0"/>
-              </a:rPr>
-              <a:t>false</a:t>
-            </a:r>
-            <a:r>
-              <a:rPr lang="nl-BE" dirty="0">
-                <a:solidFill>
-                  <a:srgbClr val="000000"/>
-                </a:solidFill>
-                <a:latin typeface="Consolas" panose="020B0609020204030204" pitchFamily="49" charset="0"/>
-              </a:rPr>
-              <a:t>, </a:t>
-            </a:r>
-            <a:r>
-              <a:rPr lang="nl-BE" dirty="0" err="1">
-                <a:solidFill>
-                  <a:srgbClr val="0000FF"/>
-                </a:solidFill>
-                <a:latin typeface="Consolas" panose="020B0609020204030204" pitchFamily="49" charset="0"/>
-              </a:rPr>
-              <a:t>true</a:t>
-            </a:r>
-            <a:r>
-              <a:rPr lang="nl-BE" dirty="0">
-                <a:solidFill>
-                  <a:srgbClr val="000000"/>
-                </a:solidFill>
-                <a:latin typeface="Consolas" panose="020B0609020204030204" pitchFamily="49" charset="0"/>
-              </a:rPr>
-              <a:t>, </a:t>
-            </a:r>
-            <a:r>
-              <a:rPr lang="nl-BE" dirty="0" err="1">
-                <a:solidFill>
-                  <a:srgbClr val="0000FF"/>
-                </a:solidFill>
-                <a:latin typeface="Consolas" panose="020B0609020204030204" pitchFamily="49" charset="0"/>
-              </a:rPr>
-              <a:t>true</a:t>
-            </a:r>
-            <a:r>
-              <a:rPr lang="nl-BE" dirty="0">
-                <a:solidFill>
-                  <a:srgbClr val="000000"/>
-                </a:solidFill>
-                <a:latin typeface="Consolas" panose="020B0609020204030204" pitchFamily="49" charset="0"/>
-              </a:rPr>
-              <a:t> };</a:t>
-            </a:r>
-            <a:endParaRPr lang="nl-BE" dirty="0"/>
-          </a:p>
-        </p:txBody>
-      </p:sp>
-    </p:spTree>
-    <p:extLst>
-      <p:ext uri="{BB962C8B-B14F-4D97-AF65-F5344CB8AC3E}">
-        <p14:creationId xmlns:p14="http://schemas.microsoft.com/office/powerpoint/2010/main" val="3252632136"/>
-      </p:ext>
-    </p:extLst>
-  </p:cSld>
-  <p:clrMapOvr>
-    <a:masterClrMapping/>
-  </p:clrMapOvr>
-</p:sld>
-</file>
-
-<file path=ppt/slides/slide31.xml><?xml version="1.0" encoding="utf-8"?>
-<p:sld xmlns:a="http://schemas.openxmlformats.org/drawingml/2006/main" xmlns:r="http://schemas.openxmlformats.org/officeDocument/2006/relationships" xmlns:p="http://schemas.openxmlformats.org/presentationml/2006/main">
-  <p:cSld>
-    <p:bg>
-      <p:bgPr>
-        <a:solidFill>
-          <a:schemeClr val="bg1"/>
-        </a:solidFill>
-        <a:effectLst/>
-      </p:bgPr>
-    </p:bg>
-    <p:spTree>
-      <p:nvGrpSpPr>
-        <p:cNvPr id="1" name=""/>
-        <p:cNvGrpSpPr/>
-        <p:nvPr/>
-      </p:nvGrpSpPr>
-      <p:grpSpPr>
-        <a:xfrm>
-          <a:off x="0" y="0"/>
-          <a:ext cx="0" cy="0"/>
-          <a:chOff x="0" y="0"/>
-          <a:chExt cx="0" cy="0"/>
-        </a:xfrm>
-      </p:grpSpPr>
-      <p:sp>
-        <p:nvSpPr>
-          <p:cNvPr id="74" name="Rectangle 73">
-            <a:extLst>
-              <a:ext uri="{FF2B5EF4-FFF2-40B4-BE49-F238E27FC236}">
-                <a16:creationId xmlns:a16="http://schemas.microsoft.com/office/drawing/2014/main" id="{823AC064-BC96-4F32-8AE1-B2FD38754823}"/>
-              </a:ext>
-              <a:ext uri="{C183D7F6-B498-43B3-948B-1728B52AA6E4}">
-                <adec:decorative xmlns:adec="http://schemas.microsoft.com/office/drawing/2017/decorative" val="1"/>
-              </a:ext>
-            </a:extLst>
-          </p:cNvPr>
-          <p:cNvSpPr>
-            <a:spLocks noGrp="1" noRot="1" noChangeAspect="1" noMove="1" noResize="1" noEditPoints="1" noAdjustHandles="1" noChangeArrowheads="1" noChangeShapeType="1" noTextEdit="1"/>
-          </p:cNvSpPr>
-          <p:nvPr>
-            <p:extLst>
-              <p:ext uri="{386F3935-93C4-4BCD-93E2-E3B085C9AB24}">
-                <p16:designElem xmlns:p16="http://schemas.microsoft.com/office/powerpoint/2015/main" val="1"/>
-              </p:ext>
-            </p:extLst>
-          </p:nvPr>
-        </p:nvSpPr>
-        <p:spPr bwMode="ltGray">
-          <a:xfrm>
-            <a:off x="378068" y="343486"/>
-            <a:ext cx="11438793" cy="1844256"/>
-          </a:xfrm>
-          <a:prstGeom prst="rect">
-            <a:avLst/>
-          </a:prstGeom>
-          <a:solidFill>
-            <a:srgbClr val="404040"/>
-          </a:solidFill>
-          <a:ln w="127000" cap="sq" cmpd="thinThick">
-            <a:solidFill>
-              <a:srgbClr val="404040"/>
-            </a:solidFill>
-          </a:ln>
-        </p:spPr>
-        <p:style>
-          <a:lnRef idx="2">
-            <a:schemeClr val="accent1">
-              <a:shade val="50000"/>
-            </a:schemeClr>
-          </a:lnRef>
-          <a:fillRef idx="1">
-            <a:schemeClr val="accent1"/>
-          </a:fillRef>
-          <a:effectRef idx="0">
-            <a:schemeClr val="accent1"/>
-          </a:effectRef>
-          <a:fontRef idx="minor">
-            <a:schemeClr val="lt1"/>
-          </a:fontRef>
-        </p:style>
-        <p:txBody>
-          <a:bodyPr rtlCol="0" anchor="ctr"/>
-          <a:lstStyle/>
-          <a:p>
-            <a:pPr marL="0" marR="0" lvl="0" indent="0" algn="ctr" defTabSz="914400" rtl="0" eaLnBrk="1" fontAlgn="auto" latinLnBrk="0" hangingPunct="1">
-              <a:lnSpc>
-                <a:spcPct val="100000"/>
-              </a:lnSpc>
-              <a:spcBef>
-                <a:spcPts val="0"/>
-              </a:spcBef>
-              <a:spcAft>
-                <a:spcPts val="0"/>
-              </a:spcAft>
-              <a:buClrTx/>
-              <a:buSzTx/>
-              <a:buFontTx/>
-              <a:buNone/>
-              <a:tabLst/>
-              <a:defRPr/>
-            </a:pPr>
-            <a:endParaRPr kumimoji="0" lang="en-US" sz="1800" b="0" i="0" u="none" strike="noStrike" kern="1200" cap="none" spc="0" normalizeH="0" baseline="0" noProof="0">
-              <a:ln>
-                <a:noFill/>
-              </a:ln>
-              <a:solidFill>
-                <a:prstClr val="white"/>
-              </a:solidFill>
-              <a:effectLst/>
-              <a:uLnTx/>
-              <a:uFillTx/>
-              <a:latin typeface="Calibri" panose="020F0502020204030204"/>
-              <a:ea typeface="+mn-ea"/>
-              <a:cs typeface="+mn-cs"/>
-            </a:endParaRPr>
-          </a:p>
-        </p:txBody>
-      </p:sp>
-      <p:sp>
-        <p:nvSpPr>
-          <p:cNvPr id="25604" name="Rectangle 2"/>
-          <p:cNvSpPr>
-            <a:spLocks noGrp="1" noChangeArrowheads="1"/>
-          </p:cNvSpPr>
-          <p:nvPr>
-            <p:ph type="title"/>
-          </p:nvPr>
-        </p:nvSpPr>
-        <p:spPr>
-          <a:xfrm>
-            <a:off x="526073" y="466578"/>
-            <a:ext cx="11139854" cy="930447"/>
-          </a:xfrm>
-        </p:spPr>
-        <p:txBody>
-          <a:bodyPr vert="horz" lIns="91440" tIns="45720" rIns="91440" bIns="45720" rtlCol="0" anchor="b">
-            <a:normAutofit/>
-          </a:bodyPr>
-          <a:lstStyle/>
-          <a:p>
-            <a:pPr algn="ctr"/>
-            <a:r>
-              <a:rPr lang="en-US" sz="5400" dirty="0">
-                <a:solidFill>
-                  <a:srgbClr val="FFFFFF"/>
-                </a:solidFill>
-              </a:rPr>
-              <a:t>Array initializers: always </a:t>
-            </a:r>
-            <a:r>
-              <a:rPr lang="en-US" sz="5400">
-                <a:solidFill>
-                  <a:srgbClr val="FFFFFF"/>
-                </a:solidFill>
-              </a:rPr>
-              <a:t>by reference</a:t>
-            </a:r>
-            <a:endParaRPr lang="en-US" sz="5400" kern="1200" dirty="0">
-              <a:solidFill>
-                <a:srgbClr val="FFFFFF"/>
-              </a:solidFill>
-              <a:latin typeface="+mj-lt"/>
-              <a:ea typeface="+mj-ea"/>
-              <a:cs typeface="+mj-cs"/>
-            </a:endParaRPr>
-          </a:p>
-        </p:txBody>
-      </p:sp>
-      <p:cxnSp>
-        <p:nvCxnSpPr>
-          <p:cNvPr id="76" name="Straight Connector 75">
-            <a:extLst>
-              <a:ext uri="{FF2B5EF4-FFF2-40B4-BE49-F238E27FC236}">
-                <a16:creationId xmlns:a16="http://schemas.microsoft.com/office/drawing/2014/main" id="{7E7C77BC-7138-40B1-A15B-20F57A494629}"/>
-              </a:ext>
-              <a:ext uri="{C183D7F6-B498-43B3-948B-1728B52AA6E4}">
-                <adec:decorative xmlns:adec="http://schemas.microsoft.com/office/drawing/2017/decorative" val="1"/>
-              </a:ext>
-            </a:extLst>
-          </p:cNvPr>
-          <p:cNvCxnSpPr>
-            <a:cxnSpLocks noGrp="1" noRot="1" noChangeAspect="1" noMove="1" noResize="1" noEditPoints="1" noAdjustHandles="1" noChangeArrowheads="1" noChangeShapeType="1"/>
-          </p:cNvCxnSpPr>
-          <p:nvPr>
-            <p:extLst>
-              <p:ext uri="{386F3935-93C4-4BCD-93E2-E3B085C9AB24}">
-                <p16:designElem xmlns:p16="http://schemas.microsoft.com/office/powerpoint/2015/main" val="1"/>
-              </p:ext>
-            </p:extLst>
-          </p:nvPr>
-        </p:nvCxnSpPr>
-        <p:spPr>
-          <a:xfrm>
-            <a:off x="2209800" y="1448631"/>
-            <a:ext cx="7772400" cy="0"/>
-          </a:xfrm>
-          <a:prstGeom prst="line">
-            <a:avLst/>
-          </a:prstGeom>
-          <a:ln w="22225">
-            <a:solidFill>
-              <a:srgbClr val="D9D9D9"/>
-            </a:solidFill>
-          </a:ln>
-        </p:spPr>
-        <p:style>
-          <a:lnRef idx="1">
-            <a:schemeClr val="accent1"/>
-          </a:lnRef>
-          <a:fillRef idx="0">
-            <a:schemeClr val="accent1"/>
-          </a:fillRef>
-          <a:effectRef idx="0">
-            <a:schemeClr val="accent1"/>
-          </a:effectRef>
-          <a:fontRef idx="minor">
-            <a:schemeClr val="tx1"/>
-          </a:fontRef>
-        </p:style>
-      </p:cxnSp>
-      <p:pic>
-        <p:nvPicPr>
-          <p:cNvPr id="25605" name="Picture 32" descr="Fig07"/>
-          <p:cNvPicPr>
-            <a:picLocks noChangeAspect="1" noChangeArrowheads="1"/>
-          </p:cNvPicPr>
-          <p:nvPr/>
-        </p:nvPicPr>
-        <p:blipFill>
-          <a:blip r:embed="rId3">
-            <a:extLst>
-              <a:ext uri="{28A0092B-C50C-407E-A947-70E740481C1C}">
-                <a14:useLocalDpi xmlns:a14="http://schemas.microsoft.com/office/drawing/2010/main" val="0"/>
-              </a:ext>
-            </a:extLst>
-          </a:blip>
-          <a:srcRect/>
-          <a:stretch>
-            <a:fillRect/>
-          </a:stretch>
-        </p:blipFill>
-        <p:spPr bwMode="auto">
-          <a:xfrm>
-            <a:off x="320040" y="2741094"/>
-            <a:ext cx="11496821" cy="3535271"/>
-          </a:xfrm>
-          <a:prstGeom prst="rect">
-            <a:avLst/>
-          </a:prstGeom>
-          <a:noFill/>
-          <a:extLst>
-            <a:ext uri="{909E8E84-426E-40DD-AFC4-6F175D3DCCD1}">
-              <a14:hiddenFill xmlns:a14="http://schemas.microsoft.com/office/drawing/2010/main">
-                <a:solidFill>
-                  <a:srgbClr val="FFFFFF"/>
-                </a:solidFill>
-              </a14:hiddenFill>
-            </a:ext>
-            <a:ext uri="{91240B29-F687-4F45-9708-019B960494DF}">
-              <a14:hiddenLine xmlns:a14="http://schemas.microsoft.com/office/drawing/2010/main" w="9525">
-                <a:solidFill>
-                  <a:srgbClr val="000000"/>
-                </a:solidFill>
-                <a:miter lim="800000"/>
-                <a:headEnd/>
-                <a:tailEnd/>
-              </a14:hiddenLine>
-            </a:ext>
-          </a:extLst>
-        </p:spPr>
-      </p:pic>
-    </p:spTree>
-    <p:extLst>
-      <p:ext uri="{BB962C8B-B14F-4D97-AF65-F5344CB8AC3E}">
-        <p14:creationId xmlns:p14="http://schemas.microsoft.com/office/powerpoint/2010/main" val="1201970143"/>
-      </p:ext>
-    </p:extLst>
-  </p:cSld>
-  <p:clrMapOvr>
-    <a:masterClrMapping/>
-  </p:clrMapOvr>
-</p:sld>
-</file>
-
-<file path=ppt/slides/slide32.xml><?xml version="1.0" encoding="utf-8"?>
-<p:sld xmlns:a="http://schemas.openxmlformats.org/drawingml/2006/main" xmlns:r="http://schemas.openxmlformats.org/officeDocument/2006/relationships" xmlns:p="http://schemas.openxmlformats.org/presentationml/2006/main">
-  <p:cSld>
-    <p:spTree>
-      <p:nvGrpSpPr>
-        <p:cNvPr id="1" name=""/>
-        <p:cNvGrpSpPr/>
-        <p:nvPr/>
-      </p:nvGrpSpPr>
-      <p:grpSpPr>
-        <a:xfrm>
-          <a:off x="0" y="0"/>
-          <a:ext cx="0" cy="0"/>
-          <a:chOff x="0" y="0"/>
-          <a:chExt cx="0" cy="0"/>
-        </a:xfrm>
-      </p:grpSpPr>
-      <p:sp>
-        <p:nvSpPr>
-          <p:cNvPr id="2" name="Titel 1">
-            <a:extLst>
-              <a:ext uri="{FF2B5EF4-FFF2-40B4-BE49-F238E27FC236}">
-                <a16:creationId xmlns:a16="http://schemas.microsoft.com/office/drawing/2014/main" id="{F2FF21BD-0591-4A71-8E47-EA6963C7C304}"/>
-              </a:ext>
-            </a:extLst>
-          </p:cNvPr>
-          <p:cNvSpPr>
-            <a:spLocks noGrp="1"/>
-          </p:cNvSpPr>
-          <p:nvPr>
-            <p:ph type="title"/>
-          </p:nvPr>
-        </p:nvSpPr>
-        <p:spPr/>
-        <p:txBody>
-          <a:bodyPr/>
-          <a:lstStyle/>
-          <a:p>
-            <a:endParaRPr lang="nl-BE"/>
-          </a:p>
-        </p:txBody>
-      </p:sp>
-      <p:sp>
-        <p:nvSpPr>
-          <p:cNvPr id="3" name="Tijdelijke aanduiding voor tekst 2">
-            <a:extLst>
-              <a:ext uri="{FF2B5EF4-FFF2-40B4-BE49-F238E27FC236}">
-                <a16:creationId xmlns:a16="http://schemas.microsoft.com/office/drawing/2014/main" id="{FC3F3AEB-6905-47EE-9D77-5BFF82BAA8C7}"/>
-              </a:ext>
-            </a:extLst>
-          </p:cNvPr>
-          <p:cNvSpPr>
-            <a:spLocks noGrp="1"/>
-          </p:cNvSpPr>
-          <p:nvPr>
-            <p:ph type="body" idx="1"/>
-          </p:nvPr>
-        </p:nvSpPr>
-        <p:spPr/>
-        <p:txBody>
-          <a:bodyPr/>
-          <a:lstStyle/>
-          <a:p>
-            <a:endParaRPr lang="nl-BE"/>
-          </a:p>
-        </p:txBody>
-      </p:sp>
-      <p:sp>
-        <p:nvSpPr>
-          <p:cNvPr id="4" name="Tijdelijke aanduiding voor dianummer 3">
-            <a:extLst>
-              <a:ext uri="{FF2B5EF4-FFF2-40B4-BE49-F238E27FC236}">
-                <a16:creationId xmlns:a16="http://schemas.microsoft.com/office/drawing/2014/main" id="{96436E5E-3406-4318-BE1A-B188B3B97DD4}"/>
-              </a:ext>
-            </a:extLst>
-          </p:cNvPr>
-          <p:cNvSpPr>
-            <a:spLocks noGrp="1"/>
-          </p:cNvSpPr>
-          <p:nvPr>
-            <p:ph type="sldNum" sz="quarter" idx="10"/>
-          </p:nvPr>
-        </p:nvSpPr>
-        <p:spPr/>
-        <p:txBody>
-          <a:bodyPr/>
-          <a:lstStyle/>
-          <a:p>
-            <a:pPr>
-              <a:defRPr/>
-            </a:pPr>
-            <a:r>
-              <a:rPr lang="nl-NL"/>
-              <a:t>© ap| </a:t>
-            </a:r>
-            <a:fld id="{07DCCE98-C9D1-4FEF-ADDE-AE30A9E734C1}" type="slidenum">
-              <a:rPr lang="nl-NL" smtClean="0"/>
-              <a:pPr>
-                <a:defRPr/>
-              </a:pPr>
-              <a:t>32</a:t>
-            </a:fld>
-            <a:endParaRPr lang="nl-NL" dirty="0"/>
-          </a:p>
-        </p:txBody>
-      </p:sp>
-      <p:pic>
-        <p:nvPicPr>
-          <p:cNvPr id="5" name="Picture 2" descr="ARRAY OF GODS !!!">
-            <a:extLst>
-              <a:ext uri="{FF2B5EF4-FFF2-40B4-BE49-F238E27FC236}">
-                <a16:creationId xmlns:a16="http://schemas.microsoft.com/office/drawing/2014/main" id="{FDB92B7A-877C-4836-8E80-511B38B09593}"/>
-              </a:ext>
-            </a:extLst>
-          </p:cNvPr>
-          <p:cNvPicPr>
-            <a:picLocks noChangeAspect="1" noChangeArrowheads="1"/>
-          </p:cNvPicPr>
-          <p:nvPr/>
-        </p:nvPicPr>
-        <p:blipFill>
-          <a:blip r:embed="rId2">
-            <a:extLst>
-              <a:ext uri="{28A0092B-C50C-407E-A947-70E740481C1C}">
-                <a14:useLocalDpi xmlns:a14="http://schemas.microsoft.com/office/drawing/2010/main" val="0"/>
-              </a:ext>
-            </a:extLst>
-          </a:blip>
-          <a:srcRect/>
-          <a:stretch>
-            <a:fillRect/>
-          </a:stretch>
-        </p:blipFill>
-        <p:spPr bwMode="auto">
-          <a:xfrm>
-            <a:off x="4573266" y="121220"/>
-            <a:ext cx="3781425" cy="7467600"/>
-          </a:xfrm>
-          <a:prstGeom prst="rect">
-            <a:avLst/>
-          </a:prstGeom>
-          <a:noFill/>
-          <a:extLst>
-            <a:ext uri="{909E8E84-426E-40DD-AFC4-6F175D3DCCD1}">
-              <a14:hiddenFill xmlns:a14="http://schemas.microsoft.com/office/drawing/2010/main">
-                <a:solidFill>
-                  <a:srgbClr val="FFFFFF"/>
-                </a:solidFill>
-              </a14:hiddenFill>
-            </a:ext>
-          </a:extLst>
-        </p:spPr>
-      </p:pic>
-    </p:spTree>
-    <p:extLst>
-      <p:ext uri="{BB962C8B-B14F-4D97-AF65-F5344CB8AC3E}">
-        <p14:creationId xmlns:p14="http://schemas.microsoft.com/office/powerpoint/2010/main" val="1066168343"/>
-      </p:ext>
-    </p:extLst>
-  </p:cSld>
-  <p:clrMapOvr>
-    <a:masterClrMapping/>
-  </p:clrMapOvr>
-</p:sld>
-</file>
-
-<file path=ppt/slides/slide4.xml><?xml version="1.0" encoding="utf-8"?>
+<file path=ppt/slides/slide5.xml><?xml version="1.0" encoding="utf-8"?>
 <p:sld xmlns:a="http://schemas.openxmlformats.org/drawingml/2006/main" xmlns:r="http://schemas.openxmlformats.org/officeDocument/2006/relationships" xmlns:p="http://schemas.openxmlformats.org/presentationml/2006/main">
   <p:cSld>
     <p:spTree>
@@ -23763,7 +29943,7 @@
 </p:sld>
 </file>
 
-<file path=ppt/slides/slide5.xml><?xml version="1.0" encoding="utf-8"?>
+<file path=ppt/slides/slide6.xml><?xml version="1.0" encoding="utf-8"?>
 <p:sld xmlns:a="http://schemas.openxmlformats.org/drawingml/2006/main" xmlns:r="http://schemas.openxmlformats.org/officeDocument/2006/relationships" xmlns:p="http://schemas.openxmlformats.org/presentationml/2006/main">
   <p:cSld>
     <p:bg>
@@ -23861,7 +30041,7 @@
 </p:sld>
 </file>
 
-<file path=ppt/slides/slide6.xml><?xml version="1.0" encoding="utf-8"?>
+<file path=ppt/slides/slide7.xml><?xml version="1.0" encoding="utf-8"?>
 <p:sld xmlns:a="http://schemas.openxmlformats.org/drawingml/2006/main" xmlns:r="http://schemas.openxmlformats.org/officeDocument/2006/relationships" xmlns:p="http://schemas.openxmlformats.org/presentationml/2006/main">
   <p:cSld>
     <p:bg>
@@ -24486,7 +30666,7 @@
 </p:sld>
 </file>
 
-<file path=ppt/slides/slide7.xml><?xml version="1.0" encoding="utf-8"?>
+<file path=ppt/slides/slide8.xml><?xml version="1.0" encoding="utf-8"?>
 <p:sld xmlns:a="http://schemas.openxmlformats.org/drawingml/2006/main" xmlns:r="http://schemas.openxmlformats.org/officeDocument/2006/relationships" xmlns:p="http://schemas.openxmlformats.org/presentationml/2006/main">
   <p:cSld>
     <p:spTree>
@@ -24573,51 +30753,59 @@
           <a:lstStyle/>
           <a:p>
             <a:r>
-              <a:rPr lang="nl-BE" dirty="0" err="1"/>
+              <a:rPr lang="nl-BE" b="1" u="sng" dirty="0" err="1"/>
               <a:t>If</a:t>
             </a:r>
             <a:r>
-              <a:rPr lang="nl-BE" dirty="0"/>
+              <a:rPr lang="nl-BE" b="1" u="sng" dirty="0"/>
               <a:t> </a:t>
             </a:r>
             <a:r>
-              <a:rPr lang="nl-BE" dirty="0" err="1"/>
+              <a:rPr lang="nl-BE" b="1" u="sng" dirty="0" err="1"/>
               <a:t>it’s</a:t>
             </a:r>
             <a:r>
-              <a:rPr lang="nl-BE" dirty="0"/>
-              <a:t> a type, </a:t>
-            </a:r>
-            <a:r>
-              <a:rPr lang="nl-BE" dirty="0" err="1"/>
+              <a:rPr lang="nl-BE" b="1" u="sng" dirty="0"/>
+              <a:t> a </a:t>
+            </a:r>
+            <a:r>
+              <a:rPr lang="nl-BE" b="1" i="1" u="sng" dirty="0"/>
+              <a:t>type</a:t>
+            </a:r>
+            <a:r>
+              <a:rPr lang="nl-BE" b="1" u="sng" dirty="0"/>
+              <a:t>, </a:t>
+            </a:r>
+            <a:r>
+              <a:rPr lang="nl-BE" b="1" u="sng" dirty="0" err="1"/>
               <a:t>it</a:t>
             </a:r>
             <a:r>
-              <a:rPr lang="nl-BE" dirty="0"/>
+              <a:rPr lang="nl-BE" b="1" u="sng" dirty="0"/>
               <a:t> </a:t>
             </a:r>
             <a:r>
-              <a:rPr lang="nl-BE" dirty="0" err="1"/>
+              <a:rPr lang="nl-BE" b="1" u="sng" dirty="0" err="1"/>
               <a:t>can</a:t>
             </a:r>
             <a:r>
-              <a:rPr lang="nl-BE" dirty="0"/>
+              <a:rPr lang="nl-BE" b="1" u="sng" dirty="0"/>
               <a:t> </a:t>
             </a:r>
             <a:r>
-              <a:rPr lang="nl-BE" dirty="0" err="1"/>
+              <a:rPr lang="nl-BE" b="1" u="sng" dirty="0" err="1"/>
               <a:t>be</a:t>
             </a:r>
             <a:r>
-              <a:rPr lang="nl-BE" dirty="0"/>
+              <a:rPr lang="nl-BE" b="1" u="sng" dirty="0"/>
               <a:t> </a:t>
             </a:r>
             <a:r>
-              <a:rPr lang="nl-BE" dirty="0" err="1"/>
+              <a:rPr lang="nl-BE" b="1" u="sng" dirty="0" err="1"/>
               <a:t>an</a:t>
             </a:r>
             <a:r>
-              <a:rPr lang="nl-BE" dirty="0"/>
+              <a:rPr lang="nl-BE" b="1" u="sng" dirty="0"/>
               <a:t> array</a:t>
             </a:r>
           </a:p>
@@ -24638,7 +30826,7 @@
         <p:spPr>
           <a:xfrm>
             <a:off x="3048000" y="2690336"/>
-            <a:ext cx="6096000" cy="2031325"/>
+            <a:ext cx="6096000" cy="2585323"/>
           </a:xfrm>
           <a:prstGeom prst="rect">
             <a:avLst/>
@@ -24795,6 +30983,46 @@
                 <a:latin typeface="Consolas" panose="020B0609020204030204" pitchFamily="49" charset="0"/>
               </a:rPr>
               <a:t>preferredColors</a:t>
+            </a:r>
+            <a:r>
+              <a:rPr lang="nl-BE" dirty="0">
+                <a:solidFill>
+                  <a:srgbClr val="000000"/>
+                </a:solidFill>
+                <a:latin typeface="Consolas" panose="020B0609020204030204" pitchFamily="49" charset="0"/>
+              </a:rPr>
+              <a:t>;</a:t>
+            </a:r>
+          </a:p>
+          <a:p>
+            <a:r>
+              <a:rPr lang="nl-BE" dirty="0">
+                <a:solidFill>
+                  <a:srgbClr val="000000"/>
+                </a:solidFill>
+                <a:latin typeface="Consolas" panose="020B0609020204030204" pitchFamily="49" charset="0"/>
+              </a:rPr>
+              <a:t> </a:t>
+            </a:r>
+          </a:p>
+          <a:p>
+            <a:r>
+              <a:rPr lang="nl-BE" dirty="0">
+                <a:solidFill>
+                  <a:srgbClr val="000000"/>
+                </a:solidFill>
+                <a:latin typeface="Consolas" panose="020B0609020204030204" pitchFamily="49" charset="0"/>
+              </a:rPr>
+              <a:t> Genre[] </a:t>
+            </a:r>
+            <a:r>
+              <a:rPr lang="nl-BE" dirty="0" err="1">
+                <a:solidFill>
+                  <a:srgbClr val="000000"/>
+                </a:solidFill>
+                <a:latin typeface="Consolas" panose="020B0609020204030204" pitchFamily="49" charset="0"/>
+              </a:rPr>
+              <a:t>myfavgenres</a:t>
             </a:r>
             <a:r>
               <a:rPr lang="nl-BE" dirty="0">
@@ -24841,7 +31069,7 @@
 </p:sld>
 </file>
 
-<file path=ppt/slides/slide8.xml><?xml version="1.0" encoding="utf-8"?>
+<file path=ppt/slides/slide9.xml><?xml version="1.0" encoding="utf-8"?>
 <p:sld xmlns:a="http://schemas.openxmlformats.org/drawingml/2006/main" xmlns:r="http://schemas.openxmlformats.org/officeDocument/2006/relationships" xmlns:p="http://schemas.openxmlformats.org/presentationml/2006/main">
   <p:cSld>
     <p:spTree>
@@ -25157,7 +31385,59 @@
                 <a:effectLst/>
                 <a:latin typeface="Arial" charset="0"/>
               </a:rPr>
-              <a:t> (*hey, </a:t>
+              <a:t> </a:t>
+            </a:r>
+          </a:p>
+          <a:p>
+            <a:pPr marL="0" marR="0" indent="0" algn="l" defTabSz="914400" rtl="0" eaLnBrk="0" fontAlgn="base" latinLnBrk="0" hangingPunct="0">
+              <a:lnSpc>
+                <a:spcPct val="100000"/>
+              </a:lnSpc>
+              <a:spcBef>
+                <a:spcPct val="0"/>
+              </a:spcBef>
+              <a:spcAft>
+                <a:spcPct val="0"/>
+              </a:spcAft>
+              <a:buClrTx/>
+              <a:buSzTx/>
+              <a:buFontTx/>
+              <a:buNone/>
+              <a:tabLst/>
+            </a:pPr>
+            <a:endParaRPr lang="nl-BE" dirty="0">
+              <a:latin typeface="Arial" charset="0"/>
+            </a:endParaRPr>
+          </a:p>
+          <a:p>
+            <a:pPr marL="0" marR="0" indent="0" algn="l" defTabSz="914400" rtl="0" eaLnBrk="0" fontAlgn="base" latinLnBrk="0" hangingPunct="0">
+              <a:lnSpc>
+                <a:spcPct val="100000"/>
+              </a:lnSpc>
+              <a:spcBef>
+                <a:spcPct val="0"/>
+              </a:spcBef>
+              <a:spcAft>
+                <a:spcPct val="0"/>
+              </a:spcAft>
+              <a:buClrTx/>
+              <a:buSzTx/>
+              <a:buFontTx/>
+              <a:buNone/>
+              <a:tabLst/>
+            </a:pPr>
+            <a:r>
+              <a:rPr kumimoji="0" lang="nl-BE" sz="1800" b="0" i="0" u="none" strike="noStrike" cap="none" normalizeH="0" baseline="0" dirty="0">
+                <a:ln>
+                  <a:noFill/>
+                </a:ln>
+                <a:solidFill>
+                  <a:schemeClr val="tx1"/>
+                </a:solidFill>
+                <a:effectLst/>
+                <a:latin typeface="Arial" charset="0"/>
+              </a:rPr>
+              <a:t>(*hey, </a:t>
             </a:r>
             <a:r>
               <a:rPr kumimoji="0" lang="nl-BE" sz="1800" b="0" i="0" u="none" strike="noStrike" cap="none" normalizeH="0" baseline="0" dirty="0" err="1">
@@ -25354,385 +31634,6 @@
     <p:extLst>
       <p:ext uri="{BB962C8B-B14F-4D97-AF65-F5344CB8AC3E}">
         <p14:creationId xmlns:p14="http://schemas.microsoft.com/office/powerpoint/2010/main" val="1461655751"/>
-      </p:ext>
-    </p:extLst>
-  </p:cSld>
-  <p:clrMapOvr>
-    <a:masterClrMapping/>
-  </p:clrMapOvr>
-</p:sld>
-</file>
-
-<file path=ppt/slides/slide9.xml><?xml version="1.0" encoding="utf-8"?>
-<p:sld xmlns:a="http://schemas.openxmlformats.org/drawingml/2006/main" xmlns:r="http://schemas.openxmlformats.org/officeDocument/2006/relationships" xmlns:p="http://schemas.openxmlformats.org/presentationml/2006/main">
-  <p:cSld>
-    <p:spTree>
-      <p:nvGrpSpPr>
-        <p:cNvPr id="1" name=""/>
-        <p:cNvGrpSpPr/>
-        <p:nvPr/>
-      </p:nvGrpSpPr>
-      <p:grpSpPr>
-        <a:xfrm>
-          <a:off x="0" y="0"/>
-          <a:ext cx="0" cy="0"/>
-          <a:chOff x="0" y="0"/>
-          <a:chExt cx="0" cy="0"/>
-        </a:xfrm>
-      </p:grpSpPr>
-      <p:sp>
-        <p:nvSpPr>
-          <p:cNvPr id="8196" name="Rectangle 2"/>
-          <p:cNvSpPr>
-            <a:spLocks noGrp="1" noChangeArrowheads="1"/>
-          </p:cNvSpPr>
-          <p:nvPr>
-            <p:ph type="title"/>
-          </p:nvPr>
-        </p:nvSpPr>
-        <p:spPr>
-          <a:xfrm>
-            <a:off x="600075" y="323850"/>
-            <a:ext cx="9925050" cy="1143000"/>
-          </a:xfrm>
-        </p:spPr>
-        <p:txBody>
-          <a:bodyPr>
-            <a:normAutofit fontScale="90000"/>
-          </a:bodyPr>
-          <a:lstStyle/>
-          <a:p>
-            <a:pPr eaLnBrk="1" hangingPunct="1"/>
-            <a:r>
-              <a:rPr lang="en-US" dirty="0"/>
-              <a:t>Array creation: size can come from elsewhere</a:t>
-            </a:r>
-          </a:p>
-        </p:txBody>
-      </p:sp>
-      <p:sp>
-        <p:nvSpPr>
-          <p:cNvPr id="3" name="Tekstvak 2">
-            <a:extLst>
-              <a:ext uri="{FF2B5EF4-FFF2-40B4-BE49-F238E27FC236}">
-                <a16:creationId xmlns:a16="http://schemas.microsoft.com/office/drawing/2014/main" id="{323FF0FF-AB5B-4151-B5F1-109A04A1AFA8}"/>
-              </a:ext>
-            </a:extLst>
-          </p:cNvPr>
-          <p:cNvSpPr txBox="1"/>
-          <p:nvPr/>
-        </p:nvSpPr>
-        <p:spPr>
-          <a:xfrm>
-            <a:off x="812205" y="2254928"/>
-            <a:ext cx="10626499" cy="523220"/>
-          </a:xfrm>
-          <a:prstGeom prst="rect">
-            <a:avLst/>
-          </a:prstGeom>
-          <a:noFill/>
-        </p:spPr>
-        <p:txBody>
-          <a:bodyPr wrap="none" rtlCol="0">
-            <a:spAutoFit/>
-          </a:bodyPr>
-          <a:lstStyle/>
-          <a:p>
-            <a:r>
-              <a:rPr lang="nl-BE" sz="2800" dirty="0" err="1"/>
-              <a:t>Arraysize</a:t>
-            </a:r>
-            <a:r>
-              <a:rPr lang="nl-BE" sz="2800" dirty="0"/>
-              <a:t> is </a:t>
-            </a:r>
-            <a:r>
-              <a:rPr lang="nl-BE" sz="2800" dirty="0" err="1"/>
-              <a:t>needed</a:t>
-            </a:r>
-            <a:r>
-              <a:rPr lang="nl-BE" sz="2800" dirty="0"/>
-              <a:t> </a:t>
-            </a:r>
-            <a:r>
-              <a:rPr lang="nl-BE" sz="2800" dirty="0" err="1"/>
-              <a:t>once</a:t>
-            </a:r>
-            <a:r>
-              <a:rPr lang="nl-BE" sz="2800" dirty="0"/>
-              <a:t> </a:t>
-            </a:r>
-            <a:r>
-              <a:rPr lang="nl-BE" sz="2800" dirty="0" err="1"/>
-              <a:t>you</a:t>
-            </a:r>
-            <a:r>
-              <a:rPr lang="nl-BE" sz="2800" dirty="0"/>
-              <a:t> </a:t>
-            </a:r>
-            <a:r>
-              <a:rPr lang="nl-BE" sz="2800" dirty="0" err="1"/>
-              <a:t>create</a:t>
-            </a:r>
-            <a:r>
-              <a:rPr lang="nl-BE" sz="2800" dirty="0"/>
-              <a:t>, but </a:t>
-            </a:r>
-            <a:r>
-              <a:rPr lang="nl-BE" sz="2800" dirty="0" err="1"/>
-              <a:t>doesn’t</a:t>
-            </a:r>
-            <a:r>
-              <a:rPr lang="nl-BE" sz="2800" dirty="0"/>
-              <a:t> </a:t>
-            </a:r>
-            <a:r>
-              <a:rPr lang="nl-BE" sz="2800" dirty="0" err="1"/>
-              <a:t>need</a:t>
-            </a:r>
-            <a:r>
-              <a:rPr lang="nl-BE" sz="2800" dirty="0"/>
-              <a:t> </a:t>
-            </a:r>
-            <a:r>
-              <a:rPr lang="nl-BE" sz="2800" dirty="0" err="1"/>
-              <a:t>to</a:t>
-            </a:r>
-            <a:r>
-              <a:rPr lang="nl-BE" sz="2800" dirty="0"/>
-              <a:t> </a:t>
-            </a:r>
-            <a:r>
-              <a:rPr lang="nl-BE" sz="2800" dirty="0" err="1"/>
-              <a:t>be</a:t>
-            </a:r>
-            <a:r>
-              <a:rPr lang="nl-BE" sz="2800" dirty="0"/>
-              <a:t> </a:t>
-            </a:r>
-            <a:r>
-              <a:rPr lang="nl-BE" sz="2800" dirty="0" err="1"/>
-              <a:t>hardcoded</a:t>
-            </a:r>
-            <a:r>
-              <a:rPr lang="nl-BE" sz="2800" dirty="0"/>
-              <a:t>:</a:t>
-            </a:r>
-          </a:p>
-        </p:txBody>
-      </p:sp>
-      <p:sp>
-        <p:nvSpPr>
-          <p:cNvPr id="4" name="Rechthoek 3">
-            <a:extLst>
-              <a:ext uri="{FF2B5EF4-FFF2-40B4-BE49-F238E27FC236}">
-                <a16:creationId xmlns:a16="http://schemas.microsoft.com/office/drawing/2014/main" id="{343B80B4-0306-40B6-9FC2-97DC2EA8D471}"/>
-              </a:ext>
-            </a:extLst>
-          </p:cNvPr>
-          <p:cNvSpPr/>
-          <p:nvPr/>
-        </p:nvSpPr>
-        <p:spPr>
-          <a:xfrm>
-            <a:off x="1114425" y="3333750"/>
-            <a:ext cx="11077575" cy="1569660"/>
-          </a:xfrm>
-          <a:prstGeom prst="rect">
-            <a:avLst/>
-          </a:prstGeom>
-        </p:spPr>
-        <p:txBody>
-          <a:bodyPr wrap="square">
-            <a:spAutoFit/>
-          </a:bodyPr>
-          <a:lstStyle/>
-          <a:p>
-            <a:r>
-              <a:rPr lang="nl-BE" sz="2400" dirty="0">
-                <a:solidFill>
-                  <a:srgbClr val="0000FF"/>
-                </a:solidFill>
-                <a:latin typeface="Consolas" panose="020B0609020204030204" pitchFamily="49" charset="0"/>
-              </a:rPr>
-              <a:t>double</a:t>
-            </a:r>
-            <a:r>
-              <a:rPr lang="nl-BE" sz="2400" dirty="0">
-                <a:solidFill>
-                  <a:srgbClr val="000000"/>
-                </a:solidFill>
-                <a:latin typeface="Consolas" panose="020B0609020204030204" pitchFamily="49" charset="0"/>
-              </a:rPr>
-              <a:t>[] sales;</a:t>
-            </a:r>
-          </a:p>
-          <a:p>
-            <a:r>
-              <a:rPr lang="en-US" sz="2400" dirty="0" err="1">
-                <a:solidFill>
-                  <a:srgbClr val="000000"/>
-                </a:solidFill>
-                <a:latin typeface="Consolas" panose="020B0609020204030204" pitchFamily="49" charset="0"/>
-              </a:rPr>
-              <a:t>Console.WriteLine</a:t>
-            </a:r>
-            <a:r>
-              <a:rPr lang="en-US" sz="2400" dirty="0">
-                <a:solidFill>
-                  <a:srgbClr val="000000"/>
-                </a:solidFill>
-                <a:latin typeface="Consolas" panose="020B0609020204030204" pitchFamily="49" charset="0"/>
-              </a:rPr>
-              <a:t>(“How many sales did you make </a:t>
-            </a:r>
-            <a:r>
-              <a:rPr lang="en-US" sz="2400" dirty="0">
-                <a:solidFill>
-                  <a:srgbClr val="0000FF"/>
-                </a:solidFill>
-                <a:latin typeface="Consolas" panose="020B0609020204030204" pitchFamily="49" charset="0"/>
-              </a:rPr>
-              <a:t>this</a:t>
-            </a:r>
-            <a:r>
-              <a:rPr lang="en-US" sz="2400" dirty="0">
-                <a:solidFill>
-                  <a:srgbClr val="000000"/>
-                </a:solidFill>
-                <a:latin typeface="Consolas" panose="020B0609020204030204" pitchFamily="49" charset="0"/>
-              </a:rPr>
-              <a:t> year ?”);</a:t>
-            </a:r>
-          </a:p>
-          <a:p>
-            <a:r>
-              <a:rPr lang="nl-BE" sz="2400" dirty="0">
-                <a:solidFill>
-                  <a:srgbClr val="0000FF"/>
-                </a:solidFill>
-                <a:latin typeface="Consolas" panose="020B0609020204030204" pitchFamily="49" charset="0"/>
-              </a:rPr>
-              <a:t>int</a:t>
-            </a:r>
-            <a:r>
-              <a:rPr lang="nl-BE" sz="2400" dirty="0">
-                <a:solidFill>
-                  <a:srgbClr val="000000"/>
-                </a:solidFill>
-                <a:latin typeface="Consolas" panose="020B0609020204030204" pitchFamily="49" charset="0"/>
-              </a:rPr>
-              <a:t> </a:t>
-            </a:r>
-            <a:r>
-              <a:rPr lang="nl-BE" sz="2400" dirty="0" err="1">
-                <a:solidFill>
-                  <a:srgbClr val="000000"/>
-                </a:solidFill>
-                <a:latin typeface="Consolas" panose="020B0609020204030204" pitchFamily="49" charset="0"/>
-              </a:rPr>
-              <a:t>sizereq</a:t>
-            </a:r>
-            <a:r>
-              <a:rPr lang="nl-BE" sz="2400" dirty="0">
-                <a:solidFill>
-                  <a:srgbClr val="000000"/>
-                </a:solidFill>
-                <a:latin typeface="Consolas" panose="020B0609020204030204" pitchFamily="49" charset="0"/>
-              </a:rPr>
-              <a:t> = Convert.ToInt32(</a:t>
-            </a:r>
-            <a:r>
-              <a:rPr lang="nl-BE" sz="2400" dirty="0" err="1">
-                <a:solidFill>
-                  <a:srgbClr val="000000"/>
-                </a:solidFill>
-                <a:latin typeface="Consolas" panose="020B0609020204030204" pitchFamily="49" charset="0"/>
-              </a:rPr>
-              <a:t>Console.ReadLine</a:t>
-            </a:r>
-            <a:r>
-              <a:rPr lang="nl-BE" sz="2400" dirty="0">
-                <a:solidFill>
-                  <a:srgbClr val="000000"/>
-                </a:solidFill>
-                <a:latin typeface="Consolas" panose="020B0609020204030204" pitchFamily="49" charset="0"/>
-              </a:rPr>
-              <a:t>());</a:t>
-            </a:r>
-          </a:p>
-          <a:p>
-            <a:r>
-              <a:rPr lang="nl-BE" sz="2400" dirty="0">
-                <a:solidFill>
-                  <a:srgbClr val="000000"/>
-                </a:solidFill>
-                <a:latin typeface="Consolas" panose="020B0609020204030204" pitchFamily="49" charset="0"/>
-              </a:rPr>
-              <a:t>sales = </a:t>
-            </a:r>
-            <a:r>
-              <a:rPr lang="nl-BE" sz="2400" dirty="0">
-                <a:solidFill>
-                  <a:srgbClr val="0000FF"/>
-                </a:solidFill>
-                <a:latin typeface="Consolas" panose="020B0609020204030204" pitchFamily="49" charset="0"/>
-              </a:rPr>
-              <a:t>new</a:t>
-            </a:r>
-            <a:r>
-              <a:rPr lang="nl-BE" sz="2400" dirty="0">
-                <a:solidFill>
-                  <a:srgbClr val="000000"/>
-                </a:solidFill>
-                <a:latin typeface="Consolas" panose="020B0609020204030204" pitchFamily="49" charset="0"/>
-              </a:rPr>
-              <a:t> </a:t>
-            </a:r>
-            <a:r>
-              <a:rPr lang="nl-BE" sz="2400" dirty="0">
-                <a:solidFill>
-                  <a:srgbClr val="0000FF"/>
-                </a:solidFill>
-                <a:latin typeface="Consolas" panose="020B0609020204030204" pitchFamily="49" charset="0"/>
-              </a:rPr>
-              <a:t>double</a:t>
-            </a:r>
-            <a:r>
-              <a:rPr lang="nl-BE" sz="2400" dirty="0">
-                <a:solidFill>
-                  <a:srgbClr val="000000"/>
-                </a:solidFill>
-                <a:latin typeface="Consolas" panose="020B0609020204030204" pitchFamily="49" charset="0"/>
-              </a:rPr>
-              <a:t>[</a:t>
-            </a:r>
-            <a:r>
-              <a:rPr lang="nl-BE" sz="2400" b="1" dirty="0" err="1">
-                <a:solidFill>
-                  <a:srgbClr val="000000"/>
-                </a:solidFill>
-                <a:latin typeface="Consolas" panose="020B0609020204030204" pitchFamily="49" charset="0"/>
-              </a:rPr>
-              <a:t>sizereq</a:t>
-            </a:r>
-            <a:r>
-              <a:rPr lang="nl-BE" sz="2400" dirty="0">
-                <a:solidFill>
-                  <a:srgbClr val="000000"/>
-                </a:solidFill>
-                <a:latin typeface="Consolas" panose="020B0609020204030204" pitchFamily="49" charset="0"/>
-              </a:rPr>
-              <a:t>];</a:t>
-            </a:r>
-            <a:endParaRPr lang="nl-BE" sz="2400" dirty="0"/>
-          </a:p>
-        </p:txBody>
-      </p:sp>
-    </p:spTree>
-    <p:extLst>
-      <p:ext uri="{BB962C8B-B14F-4D97-AF65-F5344CB8AC3E}">
-        <p14:creationId xmlns:p14="http://schemas.microsoft.com/office/powerpoint/2010/main" val="1259399920"/>
       </p:ext>
     </p:extLst>
   </p:cSld>
